--- a/Report/ppt/Presentation.pptx
+++ b/Report/ppt/Presentation.pptx
@@ -5,7 +5,7 @@
     <p:sldMasterId id="2147483792" r:id="rId1"/>
   </p:sldMasterIdLst>
   <p:notesMasterIdLst>
-    <p:notesMasterId r:id="rId12"/>
+    <p:notesMasterId r:id="rId24"/>
   </p:notesMasterIdLst>
   <p:sldIdLst>
     <p:sldId id="256" r:id="rId2"/>
@@ -14,10 +14,22 @@
     <p:sldId id="259" r:id="rId5"/>
     <p:sldId id="260" r:id="rId6"/>
     <p:sldId id="261" r:id="rId7"/>
-    <p:sldId id="262" r:id="rId8"/>
-    <p:sldId id="263" r:id="rId9"/>
-    <p:sldId id="264" r:id="rId10"/>
-    <p:sldId id="265" r:id="rId11"/>
+    <p:sldId id="266" r:id="rId8"/>
+    <p:sldId id="267" r:id="rId9"/>
+    <p:sldId id="262" r:id="rId10"/>
+    <p:sldId id="268" r:id="rId11"/>
+    <p:sldId id="270" r:id="rId12"/>
+    <p:sldId id="271" r:id="rId13"/>
+    <p:sldId id="269" r:id="rId14"/>
+    <p:sldId id="272" r:id="rId15"/>
+    <p:sldId id="273" r:id="rId16"/>
+    <p:sldId id="274" r:id="rId17"/>
+    <p:sldId id="275" r:id="rId18"/>
+    <p:sldId id="276" r:id="rId19"/>
+    <p:sldId id="277" r:id="rId20"/>
+    <p:sldId id="263" r:id="rId21"/>
+    <p:sldId id="264" r:id="rId22"/>
+    <p:sldId id="265" r:id="rId23"/>
   </p:sldIdLst>
   <p:sldSz cx="9144000" cy="6858000" type="screen4x3"/>
   <p:notesSz cx="6858000" cy="9144000"/>
@@ -201,7 +213,7 @@
           <a:p>
             <a:fld id="{4C715847-7B4D-45DD-A2D4-9F51B7F9D7CE}" type="datetimeFigureOut">
               <a:rPr lang="en-US" smtClean="0"/>
-              <a:t>23/06/2012</a:t>
+              <a:t>05/07/2012</a:t>
             </a:fld>
             <a:endParaRPr lang="en-US"/>
           </a:p>
@@ -802,7 +814,7 @@
             <a:fld id="{1D8BD707-D9CF-40AE-B4C6-C98DA3205C09}" type="datetimeFigureOut">
               <a:rPr lang="en-US" smtClean="0"/>
               <a:pPr/>
-              <a:t>23/06/2012</a:t>
+              <a:t>05/07/2012</a:t>
             </a:fld>
             <a:endParaRPr lang="en-US"/>
           </a:p>
@@ -1027,7 +1039,7 @@
             <a:fld id="{1D8BD707-D9CF-40AE-B4C6-C98DA3205C09}" type="datetimeFigureOut">
               <a:rPr lang="en-US" smtClean="0"/>
               <a:pPr/>
-              <a:t>23/06/2012</a:t>
+              <a:t>05/07/2012</a:t>
             </a:fld>
             <a:endParaRPr lang="en-US"/>
           </a:p>
@@ -1309,7 +1321,7 @@
             <a:fld id="{1D8BD707-D9CF-40AE-B4C6-C98DA3205C09}" type="datetimeFigureOut">
               <a:rPr lang="en-US" smtClean="0"/>
               <a:pPr/>
-              <a:t>23/06/2012</a:t>
+              <a:t>05/07/2012</a:t>
             </a:fld>
             <a:endParaRPr lang="en-US"/>
           </a:p>
@@ -1490,7 +1502,7 @@
             <a:fld id="{1D8BD707-D9CF-40AE-B4C6-C98DA3205C09}" type="datetimeFigureOut">
               <a:rPr lang="en-US" smtClean="0"/>
               <a:pPr/>
-              <a:t>23/06/2012</a:t>
+              <a:t>05/07/2012</a:t>
             </a:fld>
             <a:endParaRPr lang="en-US"/>
           </a:p>
@@ -1850,7 +1862,7 @@
             <a:fld id="{1D8BD707-D9CF-40AE-B4C6-C98DA3205C09}" type="datetimeFigureOut">
               <a:rPr lang="en-US" smtClean="0"/>
               <a:pPr/>
-              <a:t>23/06/2012</a:t>
+              <a:t>05/07/2012</a:t>
             </a:fld>
             <a:endParaRPr lang="en-US"/>
           </a:p>
@@ -2139,7 +2151,7 @@
             <a:fld id="{1D8BD707-D9CF-40AE-B4C6-C98DA3205C09}" type="datetimeFigureOut">
               <a:rPr lang="en-US" smtClean="0"/>
               <a:pPr/>
-              <a:t>23/06/2012</a:t>
+              <a:t>05/07/2012</a:t>
             </a:fld>
             <a:endParaRPr lang="en-US"/>
           </a:p>
@@ -2563,7 +2575,7 @@
             <a:fld id="{1D8BD707-D9CF-40AE-B4C6-C98DA3205C09}" type="datetimeFigureOut">
               <a:rPr lang="en-US" smtClean="0"/>
               <a:pPr/>
-              <a:t>23/06/2012</a:t>
+              <a:t>05/07/2012</a:t>
             </a:fld>
             <a:endParaRPr lang="en-US"/>
           </a:p>
@@ -2680,7 +2692,7 @@
             <a:fld id="{1D8BD707-D9CF-40AE-B4C6-C98DA3205C09}" type="datetimeFigureOut">
               <a:rPr lang="en-US" smtClean="0"/>
               <a:pPr/>
-              <a:t>23/06/2012</a:t>
+              <a:t>05/07/2012</a:t>
             </a:fld>
             <a:endParaRPr lang="en-US"/>
           </a:p>
@@ -2772,7 +2784,7 @@
             <a:fld id="{1D8BD707-D9CF-40AE-B4C6-C98DA3205C09}" type="datetimeFigureOut">
               <a:rPr lang="en-US" smtClean="0"/>
               <a:pPr/>
-              <a:t>23/06/2012</a:t>
+              <a:t>05/07/2012</a:t>
             </a:fld>
             <a:endParaRPr lang="en-US"/>
           </a:p>
@@ -3052,7 +3064,7 @@
             <a:fld id="{1D8BD707-D9CF-40AE-B4C6-C98DA3205C09}" type="datetimeFigureOut">
               <a:rPr lang="en-US" smtClean="0"/>
               <a:pPr/>
-              <a:t>23/06/2012</a:t>
+              <a:t>05/07/2012</a:t>
             </a:fld>
             <a:endParaRPr lang="en-US"/>
           </a:p>
@@ -3420,7 +3432,7 @@
             <a:fld id="{1D8BD707-D9CF-40AE-B4C6-C98DA3205C09}" type="datetimeFigureOut">
               <a:rPr lang="en-US" smtClean="0"/>
               <a:pPr/>
-              <a:t>23/06/2012</a:t>
+              <a:t>05/07/2012</a:t>
             </a:fld>
             <a:endParaRPr lang="en-US"/>
           </a:p>
@@ -3859,7 +3871,7 @@
             <a:fld id="{1D8BD707-D9CF-40AE-B4C6-C98DA3205C09}" type="datetimeFigureOut">
               <a:rPr lang="en-US" smtClean="0"/>
               <a:pPr/>
-              <a:t>23/06/2012</a:t>
+              <a:t>05/07/2012</a:t>
             </a:fld>
             <a:endParaRPr lang="en-US"/>
           </a:p>
@@ -4348,7 +4360,6 @@
               <a:rPr lang="en-US" sz="3200"/>
               <a:t>VỆ LUẬN VĂN TỐT NGHIỆP</a:t>
             </a:r>
-            <a:endParaRPr lang="en-US" sz="3200"/>
           </a:p>
         </p:txBody>
       </p:sp>
@@ -4492,6 +4503,1887 @@
       </p:grpSpPr>
       <p:sp>
         <p:nvSpPr>
+          <p:cNvPr id="2" name="Title 1"/>
+          <p:cNvSpPr>
+            <a:spLocks noGrp="1"/>
+          </p:cNvSpPr>
+          <p:nvPr>
+            <p:ph type="title"/>
+          </p:nvPr>
+        </p:nvSpPr>
+        <p:spPr/>
+        <p:txBody>
+          <a:bodyPr/>
+          <a:lstStyle/>
+          <a:p>
+            <a:r>
+              <a:rPr lang="en-US" smtClean="0"/>
+              <a:t>Yêu cầu hệ thống</a:t>
+            </a:r>
+            <a:endParaRPr lang="en-US"/>
+          </a:p>
+        </p:txBody>
+      </p:sp>
+      <p:sp>
+        <p:nvSpPr>
+          <p:cNvPr id="3" name="Content Placeholder 2"/>
+          <p:cNvSpPr>
+            <a:spLocks noGrp="1"/>
+          </p:cNvSpPr>
+          <p:nvPr>
+            <p:ph idx="1"/>
+          </p:nvPr>
+        </p:nvSpPr>
+        <p:spPr/>
+        <p:txBody>
+          <a:bodyPr/>
+          <a:lstStyle/>
+          <a:p>
+            <a:r>
+              <a:rPr lang="en-US" smtClean="0"/>
+              <a:t>Hệ quản trị cơ sở dữ liệu MySQL</a:t>
+            </a:r>
+          </a:p>
+          <a:p>
+            <a:r>
+              <a:rPr lang="en-US" smtClean="0"/>
+              <a:t>Web server Apache Tomcat</a:t>
+            </a:r>
+          </a:p>
+          <a:p>
+            <a:r>
+              <a:rPr lang="en-US" smtClean="0"/>
+              <a:t>Trình duyệt IE8+, FireFox 12+, Chrome 19+</a:t>
+            </a:r>
+            <a:endParaRPr lang="en-US"/>
+          </a:p>
+        </p:txBody>
+      </p:sp>
+    </p:spTree>
+    <p:extLst>
+      <p:ext uri="{BB962C8B-B14F-4D97-AF65-F5344CB8AC3E}">
+        <p14:creationId xmlns:p14="http://schemas.microsoft.com/office/powerpoint/2010/main" val="2286124339"/>
+      </p:ext>
+    </p:extLst>
+  </p:cSld>
+  <p:clrMapOvr>
+    <a:masterClrMapping/>
+  </p:clrMapOvr>
+</p:sld>
+</file>
+
+<file path=ppt/slides/slide11.xml><?xml version="1.0" encoding="utf-8"?>
+<p:sld xmlns:a="http://schemas.openxmlformats.org/drawingml/2006/main" xmlns:r="http://schemas.openxmlformats.org/officeDocument/2006/relationships" xmlns:p="http://schemas.openxmlformats.org/presentationml/2006/main">
+  <p:cSld>
+    <p:spTree>
+      <p:nvGrpSpPr>
+        <p:cNvPr id="1" name=""/>
+        <p:cNvGrpSpPr/>
+        <p:nvPr/>
+      </p:nvGrpSpPr>
+      <p:grpSpPr>
+        <a:xfrm>
+          <a:off x="0" y="0"/>
+          <a:ext cx="0" cy="0"/>
+          <a:chOff x="0" y="0"/>
+          <a:chExt cx="0" cy="0"/>
+        </a:xfrm>
+      </p:grpSpPr>
+      <p:sp>
+        <p:nvSpPr>
+          <p:cNvPr id="2" name="Title 1"/>
+          <p:cNvSpPr>
+            <a:spLocks noGrp="1"/>
+          </p:cNvSpPr>
+          <p:nvPr>
+            <p:ph type="title"/>
+          </p:nvPr>
+        </p:nvSpPr>
+        <p:spPr/>
+        <p:txBody>
+          <a:bodyPr/>
+          <a:lstStyle/>
+          <a:p>
+            <a:r>
+              <a:rPr lang="en-US" smtClean="0"/>
+              <a:t>Kiến trúc tổng quan(1/2)</a:t>
+            </a:r>
+            <a:endParaRPr lang="en-US"/>
+          </a:p>
+        </p:txBody>
+      </p:sp>
+      <p:sp>
+        <p:nvSpPr>
+          <p:cNvPr id="3" name="Content Placeholder 2"/>
+          <p:cNvSpPr>
+            <a:spLocks noGrp="1"/>
+          </p:cNvSpPr>
+          <p:nvPr>
+            <p:ph idx="1"/>
+          </p:nvPr>
+        </p:nvSpPr>
+        <p:spPr/>
+        <p:txBody>
+          <a:bodyPr/>
+          <a:lstStyle/>
+          <a:p>
+            <a:endParaRPr lang="en-US"/>
+          </a:p>
+        </p:txBody>
+      </p:sp>
+      <p:sp>
+        <p:nvSpPr>
+          <p:cNvPr id="4" name="Rectangle 2"/>
+          <p:cNvSpPr>
+            <a:spLocks noChangeArrowheads="1"/>
+          </p:cNvSpPr>
+          <p:nvPr/>
+        </p:nvSpPr>
+        <p:spPr bwMode="auto">
+          <a:xfrm>
+            <a:off x="0" y="0"/>
+            <a:ext cx="9144000" cy="0"/>
+          </a:xfrm>
+          <a:prstGeom prst="rect">
+            <a:avLst/>
+          </a:prstGeom>
+          <a:noFill/>
+          <a:ln>
+            <a:noFill/>
+          </a:ln>
+          <a:effectLst/>
+          <a:extLst>
+            <a:ext uri="{909E8E84-426E-40DD-AFC4-6F175D3DCCD1}">
+              <a14:hiddenFill xmlns:a14="http://schemas.microsoft.com/office/drawing/2010/main">
+                <a:solidFill>
+                  <a:schemeClr val="accent1"/>
+                </a:solidFill>
+              </a14:hiddenFill>
+            </a:ext>
+            <a:ext uri="{91240B29-F687-4F45-9708-019B960494DF}">
+              <a14:hiddenLine xmlns:a14="http://schemas.microsoft.com/office/drawing/2010/main" w="9525">
+                <a:solidFill>
+                  <a:schemeClr val="tx1"/>
+                </a:solidFill>
+                <a:miter lim="800000"/>
+                <a:headEnd/>
+                <a:tailEnd/>
+              </a14:hiddenLine>
+            </a:ext>
+            <a:ext uri="{AF507438-7753-43E0-B8FC-AC1667EBCBE1}">
+              <a14:hiddenEffects xmlns:a14="http://schemas.microsoft.com/office/drawing/2010/main">
+                <a:effectLst>
+                  <a:outerShdw dist="35921" dir="2700000" algn="ctr" rotWithShape="0">
+                    <a:schemeClr val="bg2"/>
+                  </a:outerShdw>
+                </a:effectLst>
+              </a14:hiddenEffects>
+            </a:ext>
+          </a:extLst>
+        </p:spPr>
+        <p:txBody>
+          <a:bodyPr vert="horz" wrap="none" lIns="91440" tIns="45720" rIns="91440" bIns="45720" numCol="1" anchor="ctr" anchorCtr="0" compatLnSpc="1">
+            <a:prstTxWarp prst="textNoShape">
+              <a:avLst/>
+            </a:prstTxWarp>
+            <a:spAutoFit/>
+          </a:bodyPr>
+          <a:lstStyle/>
+          <a:p>
+            <a:endParaRPr lang="en-US"/>
+          </a:p>
+        </p:txBody>
+      </p:sp>
+      <p:graphicFrame>
+        <p:nvGraphicFramePr>
+          <p:cNvPr id="5" name="Object 4"/>
+          <p:cNvGraphicFramePr>
+            <a:graphicFrameLocks noChangeAspect="1"/>
+          </p:cNvGraphicFramePr>
+          <p:nvPr>
+            <p:extLst>
+              <p:ext uri="{D42A27DB-BD31-4B8C-83A1-F6EECF244321}">
+                <p14:modId xmlns:p14="http://schemas.microsoft.com/office/powerpoint/2010/main" val="3199059694"/>
+              </p:ext>
+            </p:extLst>
+          </p:nvPr>
+        </p:nvGraphicFramePr>
+        <p:xfrm>
+          <a:off x="628650" y="2743200"/>
+          <a:ext cx="3943350" cy="2971800"/>
+        </p:xfrm>
+        <a:graphic>
+          <a:graphicData uri="http://schemas.openxmlformats.org/presentationml/2006/ole">
+            <mc:AlternateContent xmlns:mc="http://schemas.openxmlformats.org/markup-compatibility/2006">
+              <mc:Choice xmlns:v="urn:schemas-microsoft-com:vml" Requires="v">
+                <p:oleObj spid="_x0000_s2052" r:id="rId3" imgW="3939517" imgH="2968460" progId="Visio.Drawing.11">
+                  <p:embed/>
+                </p:oleObj>
+              </mc:Choice>
+              <mc:Fallback>
+                <p:oleObj r:id="rId3" imgW="3939517" imgH="2968460" progId="Visio.Drawing.11">
+                  <p:embed/>
+                  <p:pic>
+                    <p:nvPicPr>
+                      <p:cNvPr id="0" name="Object 1"/>
+                      <p:cNvPicPr>
+                        <a:picLocks noChangeAspect="1" noChangeArrowheads="1"/>
+                      </p:cNvPicPr>
+                      <p:nvPr/>
+                    </p:nvPicPr>
+                    <p:blipFill>
+                      <a:blip r:embed="rId4">
+                        <a:extLst>
+                          <a:ext uri="{28A0092B-C50C-407E-A947-70E740481C1C}">
+                            <a14:useLocalDpi xmlns:a14="http://schemas.microsoft.com/office/drawing/2010/main" val="0"/>
+                          </a:ext>
+                        </a:extLst>
+                      </a:blip>
+                      <a:srcRect/>
+                      <a:stretch>
+                        <a:fillRect/>
+                      </a:stretch>
+                    </p:blipFill>
+                    <p:spPr bwMode="auto">
+                      <a:xfrm>
+                        <a:off x="628650" y="2743200"/>
+                        <a:ext cx="3943350" cy="2971800"/>
+                      </a:xfrm>
+                      <a:prstGeom prst="rect">
+                        <a:avLst/>
+                      </a:prstGeom>
+                      <a:noFill/>
+                      <a:extLst>
+                        <a:ext uri="{909E8E84-426E-40DD-AFC4-6F175D3DCCD1}">
+                          <a14:hiddenFill xmlns:a14="http://schemas.microsoft.com/office/drawing/2010/main">
+                            <a:solidFill>
+                              <a:srgbClr val="FFFFFF"/>
+                            </a:solidFill>
+                          </a14:hiddenFill>
+                        </a:ext>
+                      </a:extLst>
+                    </p:spPr>
+                  </p:pic>
+                </p:oleObj>
+              </mc:Fallback>
+            </mc:AlternateContent>
+          </a:graphicData>
+        </a:graphic>
+      </p:graphicFrame>
+      <p:pic>
+        <p:nvPicPr>
+          <p:cNvPr id="6" name="Picture 5"/>
+          <p:cNvPicPr/>
+          <p:nvPr/>
+        </p:nvPicPr>
+        <p:blipFill>
+          <a:blip r:embed="rId5"/>
+          <a:stretch>
+            <a:fillRect/>
+          </a:stretch>
+        </p:blipFill>
+        <p:spPr>
+          <a:xfrm>
+            <a:off x="4717713" y="2895600"/>
+            <a:ext cx="3877310" cy="2600325"/>
+          </a:xfrm>
+          <a:prstGeom prst="rect">
+            <a:avLst/>
+          </a:prstGeom>
+        </p:spPr>
+      </p:pic>
+    </p:spTree>
+    <p:extLst>
+      <p:ext uri="{BB962C8B-B14F-4D97-AF65-F5344CB8AC3E}">
+        <p14:creationId xmlns:p14="http://schemas.microsoft.com/office/powerpoint/2010/main" val="273785887"/>
+      </p:ext>
+    </p:extLst>
+  </p:cSld>
+  <p:clrMapOvr>
+    <a:masterClrMapping/>
+  </p:clrMapOvr>
+</p:sld>
+</file>
+
+<file path=ppt/slides/slide12.xml><?xml version="1.0" encoding="utf-8"?>
+<p:sld xmlns:a="http://schemas.openxmlformats.org/drawingml/2006/main" xmlns:r="http://schemas.openxmlformats.org/officeDocument/2006/relationships" xmlns:p="http://schemas.openxmlformats.org/presentationml/2006/main">
+  <p:cSld>
+    <p:spTree>
+      <p:nvGrpSpPr>
+        <p:cNvPr id="1" name=""/>
+        <p:cNvGrpSpPr/>
+        <p:nvPr/>
+      </p:nvGrpSpPr>
+      <p:grpSpPr>
+        <a:xfrm>
+          <a:off x="0" y="0"/>
+          <a:ext cx="0" cy="0"/>
+          <a:chOff x="0" y="0"/>
+          <a:chExt cx="0" cy="0"/>
+        </a:xfrm>
+      </p:grpSpPr>
+      <p:sp>
+        <p:nvSpPr>
+          <p:cNvPr id="2" name="Title 1"/>
+          <p:cNvSpPr>
+            <a:spLocks noGrp="1"/>
+          </p:cNvSpPr>
+          <p:nvPr>
+            <p:ph type="title"/>
+          </p:nvPr>
+        </p:nvSpPr>
+        <p:spPr/>
+        <p:txBody>
+          <a:bodyPr/>
+          <a:lstStyle/>
+          <a:p>
+            <a:r>
+              <a:rPr lang="en-US" smtClean="0"/>
+              <a:t>Kiến trúc tổng quan(2/2)</a:t>
+            </a:r>
+            <a:endParaRPr lang="en-US"/>
+          </a:p>
+        </p:txBody>
+      </p:sp>
+      <p:sp>
+        <p:nvSpPr>
+          <p:cNvPr id="3" name="Content Placeholder 2"/>
+          <p:cNvSpPr>
+            <a:spLocks noGrp="1"/>
+          </p:cNvSpPr>
+          <p:nvPr>
+            <p:ph idx="1"/>
+          </p:nvPr>
+        </p:nvSpPr>
+        <p:spPr/>
+        <p:txBody>
+          <a:bodyPr/>
+          <a:lstStyle/>
+          <a:p>
+            <a:endParaRPr lang="en-US"/>
+          </a:p>
+        </p:txBody>
+      </p:sp>
+      <p:sp>
+        <p:nvSpPr>
+          <p:cNvPr id="4" name="Rectangle 2"/>
+          <p:cNvSpPr>
+            <a:spLocks noChangeArrowheads="1"/>
+          </p:cNvSpPr>
+          <p:nvPr/>
+        </p:nvSpPr>
+        <p:spPr bwMode="auto">
+          <a:xfrm>
+            <a:off x="0" y="0"/>
+            <a:ext cx="9144000" cy="0"/>
+          </a:xfrm>
+          <a:prstGeom prst="rect">
+            <a:avLst/>
+          </a:prstGeom>
+          <a:noFill/>
+          <a:ln>
+            <a:noFill/>
+          </a:ln>
+          <a:effectLst/>
+          <a:extLst>
+            <a:ext uri="{909E8E84-426E-40DD-AFC4-6F175D3DCCD1}">
+              <a14:hiddenFill xmlns:a14="http://schemas.microsoft.com/office/drawing/2010/main">
+                <a:solidFill>
+                  <a:schemeClr val="accent1"/>
+                </a:solidFill>
+              </a14:hiddenFill>
+            </a:ext>
+            <a:ext uri="{91240B29-F687-4F45-9708-019B960494DF}">
+              <a14:hiddenLine xmlns:a14="http://schemas.microsoft.com/office/drawing/2010/main" w="9525">
+                <a:solidFill>
+                  <a:schemeClr val="tx1"/>
+                </a:solidFill>
+                <a:miter lim="800000"/>
+                <a:headEnd/>
+                <a:tailEnd/>
+              </a14:hiddenLine>
+            </a:ext>
+            <a:ext uri="{AF507438-7753-43E0-B8FC-AC1667EBCBE1}">
+              <a14:hiddenEffects xmlns:a14="http://schemas.microsoft.com/office/drawing/2010/main">
+                <a:effectLst>
+                  <a:outerShdw dist="35921" dir="2700000" algn="ctr" rotWithShape="0">
+                    <a:schemeClr val="bg2"/>
+                  </a:outerShdw>
+                </a:effectLst>
+              </a14:hiddenEffects>
+            </a:ext>
+          </a:extLst>
+        </p:spPr>
+        <p:txBody>
+          <a:bodyPr vert="horz" wrap="none" lIns="91440" tIns="45720" rIns="91440" bIns="45720" numCol="1" anchor="ctr" anchorCtr="0" compatLnSpc="1">
+            <a:prstTxWarp prst="textNoShape">
+              <a:avLst/>
+            </a:prstTxWarp>
+            <a:spAutoFit/>
+          </a:bodyPr>
+          <a:lstStyle/>
+          <a:p>
+            <a:endParaRPr lang="en-US"/>
+          </a:p>
+        </p:txBody>
+      </p:sp>
+      <p:sp>
+        <p:nvSpPr>
+          <p:cNvPr id="7" name="Rectangle 2"/>
+          <p:cNvSpPr>
+            <a:spLocks noChangeArrowheads="1"/>
+          </p:cNvSpPr>
+          <p:nvPr/>
+        </p:nvSpPr>
+        <p:spPr bwMode="auto">
+          <a:xfrm>
+            <a:off x="0" y="0"/>
+            <a:ext cx="9144000" cy="0"/>
+          </a:xfrm>
+          <a:prstGeom prst="rect">
+            <a:avLst/>
+          </a:prstGeom>
+          <a:noFill/>
+          <a:ln>
+            <a:noFill/>
+          </a:ln>
+          <a:effectLst/>
+          <a:extLst>
+            <a:ext uri="{909E8E84-426E-40DD-AFC4-6F175D3DCCD1}">
+              <a14:hiddenFill xmlns:a14="http://schemas.microsoft.com/office/drawing/2010/main">
+                <a:solidFill>
+                  <a:schemeClr val="accent1"/>
+                </a:solidFill>
+              </a14:hiddenFill>
+            </a:ext>
+            <a:ext uri="{91240B29-F687-4F45-9708-019B960494DF}">
+              <a14:hiddenLine xmlns:a14="http://schemas.microsoft.com/office/drawing/2010/main" w="9525">
+                <a:solidFill>
+                  <a:schemeClr val="tx1"/>
+                </a:solidFill>
+                <a:miter lim="800000"/>
+                <a:headEnd/>
+                <a:tailEnd/>
+              </a14:hiddenLine>
+            </a:ext>
+            <a:ext uri="{AF507438-7753-43E0-B8FC-AC1667EBCBE1}">
+              <a14:hiddenEffects xmlns:a14="http://schemas.microsoft.com/office/drawing/2010/main">
+                <a:effectLst>
+                  <a:outerShdw dist="35921" dir="2700000" algn="ctr" rotWithShape="0">
+                    <a:schemeClr val="bg2"/>
+                  </a:outerShdw>
+                </a:effectLst>
+              </a14:hiddenEffects>
+            </a:ext>
+          </a:extLst>
+        </p:spPr>
+        <p:txBody>
+          <a:bodyPr vert="horz" wrap="none" lIns="91440" tIns="45720" rIns="91440" bIns="45720" numCol="1" anchor="ctr" anchorCtr="0" compatLnSpc="1">
+            <a:prstTxWarp prst="textNoShape">
+              <a:avLst/>
+            </a:prstTxWarp>
+            <a:spAutoFit/>
+          </a:bodyPr>
+          <a:lstStyle/>
+          <a:p>
+            <a:endParaRPr lang="en-US"/>
+          </a:p>
+        </p:txBody>
+      </p:sp>
+      <p:graphicFrame>
+        <p:nvGraphicFramePr>
+          <p:cNvPr id="8" name="Object 7"/>
+          <p:cNvGraphicFramePr>
+            <a:graphicFrameLocks noChangeAspect="1"/>
+          </p:cNvGraphicFramePr>
+          <p:nvPr>
+            <p:extLst>
+              <p:ext uri="{D42A27DB-BD31-4B8C-83A1-F6EECF244321}">
+                <p14:modId xmlns:p14="http://schemas.microsoft.com/office/powerpoint/2010/main" val="2576207088"/>
+              </p:ext>
+            </p:extLst>
+          </p:nvPr>
+        </p:nvGraphicFramePr>
+        <p:xfrm>
+          <a:off x="1981200" y="3505200"/>
+          <a:ext cx="4839419" cy="1371600"/>
+        </p:xfrm>
+        <a:graphic>
+          <a:graphicData uri="http://schemas.openxmlformats.org/presentationml/2006/ole">
+            <mc:AlternateContent xmlns:mc="http://schemas.openxmlformats.org/markup-compatibility/2006">
+              <mc:Choice xmlns:v="urn:schemas-microsoft-com:vml" Requires="v">
+                <p:oleObj spid="_x0000_s3076" r:id="rId3" imgW="3572937" imgH="1000644" progId="Visio.Drawing.11">
+                  <p:embed/>
+                </p:oleObj>
+              </mc:Choice>
+              <mc:Fallback>
+                <p:oleObj r:id="rId3" imgW="3572937" imgH="1000644" progId="Visio.Drawing.11">
+                  <p:embed/>
+                  <p:pic>
+                    <p:nvPicPr>
+                      <p:cNvPr id="0" name="Object 1"/>
+                      <p:cNvPicPr>
+                        <a:picLocks noChangeAspect="1" noChangeArrowheads="1"/>
+                      </p:cNvPicPr>
+                      <p:nvPr/>
+                    </p:nvPicPr>
+                    <p:blipFill>
+                      <a:blip r:embed="rId4">
+                        <a:extLst>
+                          <a:ext uri="{28A0092B-C50C-407E-A947-70E740481C1C}">
+                            <a14:useLocalDpi xmlns:a14="http://schemas.microsoft.com/office/drawing/2010/main" val="0"/>
+                          </a:ext>
+                        </a:extLst>
+                      </a:blip>
+                      <a:srcRect/>
+                      <a:stretch>
+                        <a:fillRect/>
+                      </a:stretch>
+                    </p:blipFill>
+                    <p:spPr bwMode="auto">
+                      <a:xfrm>
+                        <a:off x="1981200" y="3505200"/>
+                        <a:ext cx="4839419" cy="1371600"/>
+                      </a:xfrm>
+                      <a:prstGeom prst="rect">
+                        <a:avLst/>
+                      </a:prstGeom>
+                      <a:noFill/>
+                    </p:spPr>
+                  </p:pic>
+                </p:oleObj>
+              </mc:Fallback>
+            </mc:AlternateContent>
+          </a:graphicData>
+        </a:graphic>
+      </p:graphicFrame>
+    </p:spTree>
+    <p:extLst>
+      <p:ext uri="{BB962C8B-B14F-4D97-AF65-F5344CB8AC3E}">
+        <p14:creationId xmlns:p14="http://schemas.microsoft.com/office/powerpoint/2010/main" val="3902519713"/>
+      </p:ext>
+    </p:extLst>
+  </p:cSld>
+  <p:clrMapOvr>
+    <a:masterClrMapping/>
+  </p:clrMapOvr>
+</p:sld>
+</file>
+
+<file path=ppt/slides/slide13.xml><?xml version="1.0" encoding="utf-8"?>
+<p:sld xmlns:a="http://schemas.openxmlformats.org/drawingml/2006/main" xmlns:r="http://schemas.openxmlformats.org/officeDocument/2006/relationships" xmlns:p="http://schemas.openxmlformats.org/presentationml/2006/main">
+  <p:cSld>
+    <p:spTree>
+      <p:nvGrpSpPr>
+        <p:cNvPr id="1" name=""/>
+        <p:cNvGrpSpPr/>
+        <p:nvPr/>
+      </p:nvGrpSpPr>
+      <p:grpSpPr>
+        <a:xfrm>
+          <a:off x="0" y="0"/>
+          <a:ext cx="0" cy="0"/>
+          <a:chOff x="0" y="0"/>
+          <a:chExt cx="0" cy="0"/>
+        </a:xfrm>
+      </p:grpSpPr>
+      <p:sp>
+        <p:nvSpPr>
+          <p:cNvPr id="2" name="Title 1"/>
+          <p:cNvSpPr>
+            <a:spLocks noGrp="1"/>
+          </p:cNvSpPr>
+          <p:nvPr>
+            <p:ph type="title"/>
+          </p:nvPr>
+        </p:nvSpPr>
+        <p:spPr/>
+        <p:txBody>
+          <a:bodyPr/>
+          <a:lstStyle/>
+          <a:p>
+            <a:r>
+              <a:rPr lang="en-US" smtClean="0"/>
+              <a:t>Mô hình triển khai</a:t>
+            </a:r>
+            <a:endParaRPr lang="en-US"/>
+          </a:p>
+        </p:txBody>
+      </p:sp>
+      <p:sp>
+        <p:nvSpPr>
+          <p:cNvPr id="3" name="Content Placeholder 2"/>
+          <p:cNvSpPr>
+            <a:spLocks noGrp="1"/>
+          </p:cNvSpPr>
+          <p:nvPr>
+            <p:ph idx="1"/>
+          </p:nvPr>
+        </p:nvSpPr>
+        <p:spPr/>
+        <p:txBody>
+          <a:bodyPr/>
+          <a:lstStyle/>
+          <a:p>
+            <a:endParaRPr lang="en-US"/>
+          </a:p>
+        </p:txBody>
+      </p:sp>
+      <p:sp>
+        <p:nvSpPr>
+          <p:cNvPr id="4" name="Rectangle 2"/>
+          <p:cNvSpPr>
+            <a:spLocks noChangeArrowheads="1"/>
+          </p:cNvSpPr>
+          <p:nvPr/>
+        </p:nvSpPr>
+        <p:spPr bwMode="auto">
+          <a:xfrm>
+            <a:off x="0" y="0"/>
+            <a:ext cx="9144000" cy="0"/>
+          </a:xfrm>
+          <a:prstGeom prst="rect">
+            <a:avLst/>
+          </a:prstGeom>
+          <a:noFill/>
+          <a:ln>
+            <a:noFill/>
+          </a:ln>
+          <a:effectLst/>
+          <a:extLst>
+            <a:ext uri="{909E8E84-426E-40DD-AFC4-6F175D3DCCD1}">
+              <a14:hiddenFill xmlns:a14="http://schemas.microsoft.com/office/drawing/2010/main">
+                <a:solidFill>
+                  <a:schemeClr val="accent1"/>
+                </a:solidFill>
+              </a14:hiddenFill>
+            </a:ext>
+            <a:ext uri="{91240B29-F687-4F45-9708-019B960494DF}">
+              <a14:hiddenLine xmlns:a14="http://schemas.microsoft.com/office/drawing/2010/main" w="9525">
+                <a:solidFill>
+                  <a:schemeClr val="tx1"/>
+                </a:solidFill>
+                <a:miter lim="800000"/>
+                <a:headEnd/>
+                <a:tailEnd/>
+              </a14:hiddenLine>
+            </a:ext>
+            <a:ext uri="{AF507438-7753-43E0-B8FC-AC1667EBCBE1}">
+              <a14:hiddenEffects xmlns:a14="http://schemas.microsoft.com/office/drawing/2010/main">
+                <a:effectLst>
+                  <a:outerShdw dist="35921" dir="2700000" algn="ctr" rotWithShape="0">
+                    <a:schemeClr val="bg2"/>
+                  </a:outerShdw>
+                </a:effectLst>
+              </a14:hiddenEffects>
+            </a:ext>
+          </a:extLst>
+        </p:spPr>
+        <p:txBody>
+          <a:bodyPr vert="horz" wrap="none" lIns="91440" tIns="45720" rIns="91440" bIns="45720" numCol="1" anchor="ctr" anchorCtr="0" compatLnSpc="1">
+            <a:prstTxWarp prst="textNoShape">
+              <a:avLst/>
+            </a:prstTxWarp>
+            <a:spAutoFit/>
+          </a:bodyPr>
+          <a:lstStyle/>
+          <a:p>
+            <a:endParaRPr lang="en-US"/>
+          </a:p>
+        </p:txBody>
+      </p:sp>
+      <p:graphicFrame>
+        <p:nvGraphicFramePr>
+          <p:cNvPr id="5" name="Object 4"/>
+          <p:cNvGraphicFramePr>
+            <a:graphicFrameLocks noChangeAspect="1"/>
+          </p:cNvGraphicFramePr>
+          <p:nvPr>
+            <p:extLst>
+              <p:ext uri="{D42A27DB-BD31-4B8C-83A1-F6EECF244321}">
+                <p14:modId xmlns:p14="http://schemas.microsoft.com/office/powerpoint/2010/main" val="355433063"/>
+              </p:ext>
+            </p:extLst>
+          </p:nvPr>
+        </p:nvGraphicFramePr>
+        <p:xfrm>
+          <a:off x="1371600" y="2971800"/>
+          <a:ext cx="5791200" cy="2305050"/>
+        </p:xfrm>
+        <a:graphic>
+          <a:graphicData uri="http://schemas.openxmlformats.org/presentationml/2006/ole">
+            <mc:AlternateContent xmlns:mc="http://schemas.openxmlformats.org/markup-compatibility/2006">
+              <mc:Choice xmlns:v="urn:schemas-microsoft-com:vml" Requires="v">
+                <p:oleObj spid="_x0000_s1028" r:id="rId3" imgW="6688055" imgH="2661113" progId="Visio.Drawing.11">
+                  <p:embed/>
+                </p:oleObj>
+              </mc:Choice>
+              <mc:Fallback>
+                <p:oleObj r:id="rId3" imgW="6688055" imgH="2661113" progId="Visio.Drawing.11">
+                  <p:embed/>
+                  <p:pic>
+                    <p:nvPicPr>
+                      <p:cNvPr id="0" name="Object 1"/>
+                      <p:cNvPicPr>
+                        <a:picLocks noChangeAspect="1" noChangeArrowheads="1"/>
+                      </p:cNvPicPr>
+                      <p:nvPr/>
+                    </p:nvPicPr>
+                    <p:blipFill>
+                      <a:blip r:embed="rId4">
+                        <a:extLst>
+                          <a:ext uri="{28A0092B-C50C-407E-A947-70E740481C1C}">
+                            <a14:useLocalDpi xmlns:a14="http://schemas.microsoft.com/office/drawing/2010/main" val="0"/>
+                          </a:ext>
+                        </a:extLst>
+                      </a:blip>
+                      <a:srcRect/>
+                      <a:stretch>
+                        <a:fillRect/>
+                      </a:stretch>
+                    </p:blipFill>
+                    <p:spPr bwMode="auto">
+                      <a:xfrm>
+                        <a:off x="1371600" y="2971800"/>
+                        <a:ext cx="5791200" cy="2305050"/>
+                      </a:xfrm>
+                      <a:prstGeom prst="rect">
+                        <a:avLst/>
+                      </a:prstGeom>
+                      <a:noFill/>
+                      <a:extLst>
+                        <a:ext uri="{909E8E84-426E-40DD-AFC4-6F175D3DCCD1}">
+                          <a14:hiddenFill xmlns:a14="http://schemas.microsoft.com/office/drawing/2010/main">
+                            <a:solidFill>
+                              <a:srgbClr val="FFFFFF"/>
+                            </a:solidFill>
+                          </a14:hiddenFill>
+                        </a:ext>
+                      </a:extLst>
+                    </p:spPr>
+                  </p:pic>
+                </p:oleObj>
+              </mc:Fallback>
+            </mc:AlternateContent>
+          </a:graphicData>
+        </a:graphic>
+      </p:graphicFrame>
+    </p:spTree>
+    <p:extLst>
+      <p:ext uri="{BB962C8B-B14F-4D97-AF65-F5344CB8AC3E}">
+        <p14:creationId xmlns:p14="http://schemas.microsoft.com/office/powerpoint/2010/main" val="1908319741"/>
+      </p:ext>
+    </p:extLst>
+  </p:cSld>
+  <p:clrMapOvr>
+    <a:masterClrMapping/>
+  </p:clrMapOvr>
+</p:sld>
+</file>
+
+<file path=ppt/slides/slide14.xml><?xml version="1.0" encoding="utf-8"?>
+<p:sld xmlns:a="http://schemas.openxmlformats.org/drawingml/2006/main" xmlns:r="http://schemas.openxmlformats.org/officeDocument/2006/relationships" xmlns:p="http://schemas.openxmlformats.org/presentationml/2006/main">
+  <p:cSld>
+    <p:spTree>
+      <p:nvGrpSpPr>
+        <p:cNvPr id="1" name=""/>
+        <p:cNvGrpSpPr/>
+        <p:nvPr/>
+      </p:nvGrpSpPr>
+      <p:grpSpPr>
+        <a:xfrm>
+          <a:off x="0" y="0"/>
+          <a:ext cx="0" cy="0"/>
+          <a:chOff x="0" y="0"/>
+          <a:chExt cx="0" cy="0"/>
+        </a:xfrm>
+      </p:grpSpPr>
+      <p:sp>
+        <p:nvSpPr>
+          <p:cNvPr id="2" name="Title 1"/>
+          <p:cNvSpPr>
+            <a:spLocks noGrp="1"/>
+          </p:cNvSpPr>
+          <p:nvPr>
+            <p:ph type="title"/>
+          </p:nvPr>
+        </p:nvSpPr>
+        <p:spPr/>
+        <p:txBody>
+          <a:bodyPr/>
+          <a:lstStyle/>
+          <a:p>
+            <a:r>
+              <a:rPr lang="en-US" smtClean="0"/>
+              <a:t>Cơ chế bảo mật (1/2)</a:t>
+            </a:r>
+            <a:endParaRPr lang="en-US"/>
+          </a:p>
+        </p:txBody>
+      </p:sp>
+      <p:sp>
+        <p:nvSpPr>
+          <p:cNvPr id="3" name="Content Placeholder 2"/>
+          <p:cNvSpPr>
+            <a:spLocks noGrp="1"/>
+          </p:cNvSpPr>
+          <p:nvPr>
+            <p:ph idx="1"/>
+          </p:nvPr>
+        </p:nvSpPr>
+        <p:spPr/>
+        <p:txBody>
+          <a:bodyPr/>
+          <a:lstStyle/>
+          <a:p>
+            <a:r>
+              <a:rPr lang="en-US"/>
+              <a:t>Hệ thống được bảo mật thông qua cơ chế kiểm soát truy cập dựa trên vai </a:t>
+            </a:r>
+            <a:r>
+              <a:rPr lang="en-US"/>
+              <a:t>trò </a:t>
+            </a:r>
+            <a:r>
+              <a:rPr lang="en-US"/>
+              <a:t>(role based access </a:t>
+            </a:r>
+            <a:r>
+              <a:rPr lang="en-US"/>
+              <a:t>control</a:t>
+            </a:r>
+            <a:r>
+              <a:rPr lang="en-US" smtClean="0"/>
+              <a:t>)</a:t>
+            </a:r>
+          </a:p>
+          <a:p>
+            <a:r>
+              <a:rPr lang="en-US"/>
+              <a:t>Quyền của người dùng trong hệ thống có dạng “domain : </a:t>
+            </a:r>
+            <a:r>
+              <a:rPr lang="en-US"/>
+              <a:t>operation</a:t>
+            </a:r>
+            <a:r>
+              <a:rPr lang="en-US" smtClean="0"/>
+              <a:t>”.</a:t>
+            </a:r>
+          </a:p>
+          <a:p>
+            <a:pPr lvl="1"/>
+            <a:r>
+              <a:rPr lang="en-US"/>
+              <a:t>“project : </a:t>
+            </a:r>
+            <a:r>
+              <a:rPr lang="en-US"/>
+              <a:t>read</a:t>
+            </a:r>
+            <a:r>
+              <a:rPr lang="en-US" smtClean="0"/>
+              <a:t>”</a:t>
+            </a:r>
+          </a:p>
+          <a:p>
+            <a:pPr lvl="1"/>
+            <a:r>
+              <a:rPr lang="en-US"/>
+              <a:t>“project : list” </a:t>
+            </a:r>
+            <a:endParaRPr lang="en-US" smtClean="0"/>
+          </a:p>
+          <a:p>
+            <a:pPr lvl="1"/>
+            <a:endParaRPr lang="en-US" smtClean="0"/>
+          </a:p>
+        </p:txBody>
+      </p:sp>
+    </p:spTree>
+    <p:extLst>
+      <p:ext uri="{BB962C8B-B14F-4D97-AF65-F5344CB8AC3E}">
+        <p14:creationId xmlns:p14="http://schemas.microsoft.com/office/powerpoint/2010/main" val="2530961885"/>
+      </p:ext>
+    </p:extLst>
+  </p:cSld>
+  <p:clrMapOvr>
+    <a:masterClrMapping/>
+  </p:clrMapOvr>
+</p:sld>
+</file>
+
+<file path=ppt/slides/slide15.xml><?xml version="1.0" encoding="utf-8"?>
+<p:sld xmlns:a="http://schemas.openxmlformats.org/drawingml/2006/main" xmlns:r="http://schemas.openxmlformats.org/officeDocument/2006/relationships" xmlns:p="http://schemas.openxmlformats.org/presentationml/2006/main">
+  <p:cSld>
+    <p:spTree>
+      <p:nvGrpSpPr>
+        <p:cNvPr id="1" name=""/>
+        <p:cNvGrpSpPr/>
+        <p:nvPr/>
+      </p:nvGrpSpPr>
+      <p:grpSpPr>
+        <a:xfrm>
+          <a:off x="0" y="0"/>
+          <a:ext cx="0" cy="0"/>
+          <a:chOff x="0" y="0"/>
+          <a:chExt cx="0" cy="0"/>
+        </a:xfrm>
+      </p:grpSpPr>
+      <p:sp>
+        <p:nvSpPr>
+          <p:cNvPr id="2" name="Title 1"/>
+          <p:cNvSpPr>
+            <a:spLocks noGrp="1"/>
+          </p:cNvSpPr>
+          <p:nvPr>
+            <p:ph type="title"/>
+          </p:nvPr>
+        </p:nvSpPr>
+        <p:spPr/>
+        <p:txBody>
+          <a:bodyPr/>
+          <a:lstStyle/>
+          <a:p>
+            <a:r>
+              <a:rPr lang="en-US" smtClean="0"/>
+              <a:t>Cơ chế bảo mật (1/2)</a:t>
+            </a:r>
+            <a:endParaRPr lang="en-US"/>
+          </a:p>
+        </p:txBody>
+      </p:sp>
+      <p:sp>
+        <p:nvSpPr>
+          <p:cNvPr id="3" name="Content Placeholder 2"/>
+          <p:cNvSpPr>
+            <a:spLocks noGrp="1"/>
+          </p:cNvSpPr>
+          <p:nvPr>
+            <p:ph idx="1"/>
+          </p:nvPr>
+        </p:nvSpPr>
+        <p:spPr/>
+        <p:txBody>
+          <a:bodyPr/>
+          <a:lstStyle/>
+          <a:p>
+            <a:pPr lvl="1"/>
+            <a:endParaRPr lang="en-US" smtClean="0"/>
+          </a:p>
+        </p:txBody>
+      </p:sp>
+      <p:sp>
+        <p:nvSpPr>
+          <p:cNvPr id="4" name="Rectangle 2"/>
+          <p:cNvSpPr>
+            <a:spLocks noChangeArrowheads="1"/>
+          </p:cNvSpPr>
+          <p:nvPr/>
+        </p:nvSpPr>
+        <p:spPr bwMode="auto">
+          <a:xfrm>
+            <a:off x="0" y="0"/>
+            <a:ext cx="9144000" cy="0"/>
+          </a:xfrm>
+          <a:prstGeom prst="rect">
+            <a:avLst/>
+          </a:prstGeom>
+          <a:noFill/>
+          <a:ln>
+            <a:noFill/>
+          </a:ln>
+          <a:effectLst/>
+          <a:extLst>
+            <a:ext uri="{909E8E84-426E-40DD-AFC4-6F175D3DCCD1}">
+              <a14:hiddenFill xmlns:a14="http://schemas.microsoft.com/office/drawing/2010/main">
+                <a:solidFill>
+                  <a:schemeClr val="accent1"/>
+                </a:solidFill>
+              </a14:hiddenFill>
+            </a:ext>
+            <a:ext uri="{91240B29-F687-4F45-9708-019B960494DF}">
+              <a14:hiddenLine xmlns:a14="http://schemas.microsoft.com/office/drawing/2010/main" w="9525">
+                <a:solidFill>
+                  <a:schemeClr val="tx1"/>
+                </a:solidFill>
+                <a:miter lim="800000"/>
+                <a:headEnd/>
+                <a:tailEnd/>
+              </a14:hiddenLine>
+            </a:ext>
+            <a:ext uri="{AF507438-7753-43E0-B8FC-AC1667EBCBE1}">
+              <a14:hiddenEffects xmlns:a14="http://schemas.microsoft.com/office/drawing/2010/main">
+                <a:effectLst>
+                  <a:outerShdw dist="35921" dir="2700000" algn="ctr" rotWithShape="0">
+                    <a:schemeClr val="bg2"/>
+                  </a:outerShdw>
+                </a:effectLst>
+              </a14:hiddenEffects>
+            </a:ext>
+          </a:extLst>
+        </p:spPr>
+        <p:txBody>
+          <a:bodyPr vert="horz" wrap="none" lIns="91440" tIns="45720" rIns="91440" bIns="45720" numCol="1" anchor="ctr" anchorCtr="0" compatLnSpc="1">
+            <a:prstTxWarp prst="textNoShape">
+              <a:avLst/>
+            </a:prstTxWarp>
+            <a:spAutoFit/>
+          </a:bodyPr>
+          <a:lstStyle/>
+          <a:p>
+            <a:endParaRPr lang="en-US"/>
+          </a:p>
+        </p:txBody>
+      </p:sp>
+      <p:graphicFrame>
+        <p:nvGraphicFramePr>
+          <p:cNvPr id="5" name="Object 4"/>
+          <p:cNvGraphicFramePr>
+            <a:graphicFrameLocks noChangeAspect="1"/>
+          </p:cNvGraphicFramePr>
+          <p:nvPr>
+            <p:extLst>
+              <p:ext uri="{D42A27DB-BD31-4B8C-83A1-F6EECF244321}">
+                <p14:modId xmlns:p14="http://schemas.microsoft.com/office/powerpoint/2010/main" val="1258680104"/>
+              </p:ext>
+            </p:extLst>
+          </p:nvPr>
+        </p:nvGraphicFramePr>
+        <p:xfrm>
+          <a:off x="1142999" y="2667000"/>
+          <a:ext cx="6663117" cy="3124200"/>
+        </p:xfrm>
+        <a:graphic>
+          <a:graphicData uri="http://schemas.openxmlformats.org/presentationml/2006/ole">
+            <mc:AlternateContent xmlns:mc="http://schemas.openxmlformats.org/markup-compatibility/2006">
+              <mc:Choice xmlns:v="urn:schemas-microsoft-com:vml" Requires="v">
+                <p:oleObj spid="_x0000_s4100" r:id="rId3" imgW="4586835" imgH="2157957" progId="Visio.Drawing.11">
+                  <p:embed/>
+                </p:oleObj>
+              </mc:Choice>
+              <mc:Fallback>
+                <p:oleObj r:id="rId3" imgW="4586835" imgH="2157957" progId="Visio.Drawing.11">
+                  <p:embed/>
+                  <p:pic>
+                    <p:nvPicPr>
+                      <p:cNvPr id="0" name="Object 1"/>
+                      <p:cNvPicPr>
+                        <a:picLocks noChangeAspect="1" noChangeArrowheads="1"/>
+                      </p:cNvPicPr>
+                      <p:nvPr/>
+                    </p:nvPicPr>
+                    <p:blipFill>
+                      <a:blip r:embed="rId4">
+                        <a:extLst>
+                          <a:ext uri="{28A0092B-C50C-407E-A947-70E740481C1C}">
+                            <a14:useLocalDpi xmlns:a14="http://schemas.microsoft.com/office/drawing/2010/main" val="0"/>
+                          </a:ext>
+                        </a:extLst>
+                      </a:blip>
+                      <a:srcRect/>
+                      <a:stretch>
+                        <a:fillRect/>
+                      </a:stretch>
+                    </p:blipFill>
+                    <p:spPr bwMode="auto">
+                      <a:xfrm>
+                        <a:off x="1142999" y="2667000"/>
+                        <a:ext cx="6663117" cy="3124200"/>
+                      </a:xfrm>
+                      <a:prstGeom prst="rect">
+                        <a:avLst/>
+                      </a:prstGeom>
+                      <a:noFill/>
+                    </p:spPr>
+                  </p:pic>
+                </p:oleObj>
+              </mc:Fallback>
+            </mc:AlternateContent>
+          </a:graphicData>
+        </a:graphic>
+      </p:graphicFrame>
+    </p:spTree>
+    <p:extLst>
+      <p:ext uri="{BB962C8B-B14F-4D97-AF65-F5344CB8AC3E}">
+        <p14:creationId xmlns:p14="http://schemas.microsoft.com/office/powerpoint/2010/main" val="2515755840"/>
+      </p:ext>
+    </p:extLst>
+  </p:cSld>
+  <p:clrMapOvr>
+    <a:masterClrMapping/>
+  </p:clrMapOvr>
+</p:sld>
+</file>
+
+<file path=ppt/slides/slide16.xml><?xml version="1.0" encoding="utf-8"?>
+<p:sld xmlns:a="http://schemas.openxmlformats.org/drawingml/2006/main" xmlns:r="http://schemas.openxmlformats.org/officeDocument/2006/relationships" xmlns:p="http://schemas.openxmlformats.org/presentationml/2006/main">
+  <p:cSld>
+    <p:spTree>
+      <p:nvGrpSpPr>
+        <p:cNvPr id="1" name=""/>
+        <p:cNvGrpSpPr/>
+        <p:nvPr/>
+      </p:nvGrpSpPr>
+      <p:grpSpPr>
+        <a:xfrm>
+          <a:off x="0" y="0"/>
+          <a:ext cx="0" cy="0"/>
+          <a:chOff x="0" y="0"/>
+          <a:chExt cx="0" cy="0"/>
+        </a:xfrm>
+      </p:grpSpPr>
+      <p:sp>
+        <p:nvSpPr>
+          <p:cNvPr id="2" name="Title 1"/>
+          <p:cNvSpPr>
+            <a:spLocks noGrp="1"/>
+          </p:cNvSpPr>
+          <p:nvPr>
+            <p:ph type="title"/>
+          </p:nvPr>
+        </p:nvSpPr>
+        <p:spPr/>
+        <p:txBody>
+          <a:bodyPr/>
+          <a:lstStyle/>
+          <a:p>
+            <a:r>
+              <a:rPr lang="en-US" smtClean="0"/>
+              <a:t>Thiết kế giao diện (1/4)</a:t>
+            </a:r>
+            <a:endParaRPr lang="en-US"/>
+          </a:p>
+        </p:txBody>
+      </p:sp>
+      <p:sp>
+        <p:nvSpPr>
+          <p:cNvPr id="3" name="Content Placeholder 2"/>
+          <p:cNvSpPr>
+            <a:spLocks noGrp="1"/>
+          </p:cNvSpPr>
+          <p:nvPr>
+            <p:ph idx="1"/>
+          </p:nvPr>
+        </p:nvSpPr>
+        <p:spPr/>
+        <p:txBody>
+          <a:bodyPr/>
+          <a:lstStyle/>
+          <a:p>
+            <a:endParaRPr lang="en-US"/>
+          </a:p>
+        </p:txBody>
+      </p:sp>
+      <p:pic>
+        <p:nvPicPr>
+          <p:cNvPr id="4" name="Picture 3"/>
+          <p:cNvPicPr/>
+          <p:nvPr/>
+        </p:nvPicPr>
+        <p:blipFill rotWithShape="1">
+          <a:blip r:embed="rId2">
+            <a:extLst>
+              <a:ext uri="{28A0092B-C50C-407E-A947-70E740481C1C}">
+                <a14:useLocalDpi xmlns:a14="http://schemas.microsoft.com/office/drawing/2010/main" val="0"/>
+              </a:ext>
+            </a:extLst>
+          </a:blip>
+          <a:srcRect r="47051" b="67402"/>
+          <a:stretch/>
+        </p:blipFill>
+        <p:spPr bwMode="auto">
+          <a:xfrm>
+            <a:off x="685800" y="1775012"/>
+            <a:ext cx="7954144" cy="4808855"/>
+          </a:xfrm>
+          <a:prstGeom prst="rect">
+            <a:avLst/>
+          </a:prstGeom>
+          <a:noFill/>
+          <a:ln>
+            <a:noFill/>
+          </a:ln>
+          <a:extLst>
+            <a:ext uri="{53640926-AAD7-44D8-BBD7-CCE9431645EC}">
+              <a14:shadowObscured xmlns:a14="http://schemas.microsoft.com/office/drawing/2010/main"/>
+            </a:ext>
+          </a:extLst>
+        </p:spPr>
+      </p:pic>
+    </p:spTree>
+    <p:extLst>
+      <p:ext uri="{BB962C8B-B14F-4D97-AF65-F5344CB8AC3E}">
+        <p14:creationId xmlns:p14="http://schemas.microsoft.com/office/powerpoint/2010/main" val="3273432780"/>
+      </p:ext>
+    </p:extLst>
+  </p:cSld>
+  <p:clrMapOvr>
+    <a:masterClrMapping/>
+  </p:clrMapOvr>
+</p:sld>
+</file>
+
+<file path=ppt/slides/slide17.xml><?xml version="1.0" encoding="utf-8"?>
+<p:sld xmlns:a="http://schemas.openxmlformats.org/drawingml/2006/main" xmlns:r="http://schemas.openxmlformats.org/officeDocument/2006/relationships" xmlns:p="http://schemas.openxmlformats.org/presentationml/2006/main">
+  <p:cSld>
+    <p:spTree>
+      <p:nvGrpSpPr>
+        <p:cNvPr id="1" name=""/>
+        <p:cNvGrpSpPr/>
+        <p:nvPr/>
+      </p:nvGrpSpPr>
+      <p:grpSpPr>
+        <a:xfrm>
+          <a:off x="0" y="0"/>
+          <a:ext cx="0" cy="0"/>
+          <a:chOff x="0" y="0"/>
+          <a:chExt cx="0" cy="0"/>
+        </a:xfrm>
+      </p:grpSpPr>
+      <p:sp>
+        <p:nvSpPr>
+          <p:cNvPr id="2" name="Title 1"/>
+          <p:cNvSpPr>
+            <a:spLocks noGrp="1"/>
+          </p:cNvSpPr>
+          <p:nvPr>
+            <p:ph type="title"/>
+          </p:nvPr>
+        </p:nvSpPr>
+        <p:spPr/>
+        <p:txBody>
+          <a:bodyPr/>
+          <a:lstStyle/>
+          <a:p>
+            <a:r>
+              <a:rPr lang="en-US"/>
+              <a:t>Thiết kế giao </a:t>
+            </a:r>
+            <a:r>
+              <a:rPr lang="en-US"/>
+              <a:t>diện </a:t>
+            </a:r>
+            <a:r>
+              <a:rPr lang="en-US" smtClean="0"/>
+              <a:t>(2/4)</a:t>
+            </a:r>
+            <a:endParaRPr lang="en-US"/>
+          </a:p>
+        </p:txBody>
+      </p:sp>
+      <p:sp>
+        <p:nvSpPr>
+          <p:cNvPr id="3" name="Content Placeholder 2"/>
+          <p:cNvSpPr>
+            <a:spLocks noGrp="1"/>
+          </p:cNvSpPr>
+          <p:nvPr>
+            <p:ph idx="1"/>
+          </p:nvPr>
+        </p:nvSpPr>
+        <p:spPr/>
+        <p:txBody>
+          <a:bodyPr/>
+          <a:lstStyle/>
+          <a:p>
+            <a:endParaRPr lang="en-US"/>
+          </a:p>
+        </p:txBody>
+      </p:sp>
+      <p:pic>
+        <p:nvPicPr>
+          <p:cNvPr id="4" name="Picture 3"/>
+          <p:cNvPicPr/>
+          <p:nvPr/>
+        </p:nvPicPr>
+        <p:blipFill>
+          <a:blip r:embed="rId2"/>
+          <a:stretch>
+            <a:fillRect/>
+          </a:stretch>
+        </p:blipFill>
+        <p:spPr>
+          <a:xfrm>
+            <a:off x="838200" y="1752600"/>
+            <a:ext cx="7589497" cy="4682173"/>
+          </a:xfrm>
+          <a:prstGeom prst="rect">
+            <a:avLst/>
+          </a:prstGeom>
+        </p:spPr>
+      </p:pic>
+    </p:spTree>
+    <p:extLst>
+      <p:ext uri="{BB962C8B-B14F-4D97-AF65-F5344CB8AC3E}">
+        <p14:creationId xmlns:p14="http://schemas.microsoft.com/office/powerpoint/2010/main" val="1541079705"/>
+      </p:ext>
+    </p:extLst>
+  </p:cSld>
+  <p:clrMapOvr>
+    <a:masterClrMapping/>
+  </p:clrMapOvr>
+</p:sld>
+</file>
+
+<file path=ppt/slides/slide18.xml><?xml version="1.0" encoding="utf-8"?>
+<p:sld xmlns:a="http://schemas.openxmlformats.org/drawingml/2006/main" xmlns:r="http://schemas.openxmlformats.org/officeDocument/2006/relationships" xmlns:p="http://schemas.openxmlformats.org/presentationml/2006/main">
+  <p:cSld>
+    <p:spTree>
+      <p:nvGrpSpPr>
+        <p:cNvPr id="1" name=""/>
+        <p:cNvGrpSpPr/>
+        <p:nvPr/>
+      </p:nvGrpSpPr>
+      <p:grpSpPr>
+        <a:xfrm>
+          <a:off x="0" y="0"/>
+          <a:ext cx="0" cy="0"/>
+          <a:chOff x="0" y="0"/>
+          <a:chExt cx="0" cy="0"/>
+        </a:xfrm>
+      </p:grpSpPr>
+      <p:sp>
+        <p:nvSpPr>
+          <p:cNvPr id="2" name="Title 1"/>
+          <p:cNvSpPr>
+            <a:spLocks noGrp="1"/>
+          </p:cNvSpPr>
+          <p:nvPr>
+            <p:ph type="title"/>
+          </p:nvPr>
+        </p:nvSpPr>
+        <p:spPr/>
+        <p:txBody>
+          <a:bodyPr/>
+          <a:lstStyle/>
+          <a:p>
+            <a:r>
+              <a:rPr lang="en-US"/>
+              <a:t>Thiết kế giao </a:t>
+            </a:r>
+            <a:r>
+              <a:rPr lang="en-US"/>
+              <a:t>diện </a:t>
+            </a:r>
+            <a:r>
+              <a:rPr lang="en-US" smtClean="0"/>
+              <a:t>(3/4)</a:t>
+            </a:r>
+            <a:endParaRPr lang="en-US"/>
+          </a:p>
+        </p:txBody>
+      </p:sp>
+      <p:sp>
+        <p:nvSpPr>
+          <p:cNvPr id="3" name="Content Placeholder 2"/>
+          <p:cNvSpPr>
+            <a:spLocks noGrp="1"/>
+          </p:cNvSpPr>
+          <p:nvPr>
+            <p:ph idx="1"/>
+          </p:nvPr>
+        </p:nvSpPr>
+        <p:spPr/>
+        <p:txBody>
+          <a:bodyPr/>
+          <a:lstStyle/>
+          <a:p>
+            <a:endParaRPr lang="en-US"/>
+          </a:p>
+        </p:txBody>
+      </p:sp>
+      <p:pic>
+        <p:nvPicPr>
+          <p:cNvPr id="5" name="Picture 4"/>
+          <p:cNvPicPr/>
+          <p:nvPr/>
+        </p:nvPicPr>
+        <p:blipFill>
+          <a:blip r:embed="rId2">
+            <a:extLst>
+              <a:ext uri="{28A0092B-C50C-407E-A947-70E740481C1C}">
+                <a14:useLocalDpi xmlns:a14="http://schemas.microsoft.com/office/drawing/2010/main" val="0"/>
+              </a:ext>
+            </a:extLst>
+          </a:blip>
+          <a:srcRect/>
+          <a:stretch>
+            <a:fillRect/>
+          </a:stretch>
+        </p:blipFill>
+        <p:spPr bwMode="auto">
+          <a:xfrm>
+            <a:off x="1371600" y="1505953"/>
+            <a:ext cx="6400800" cy="4990097"/>
+          </a:xfrm>
+          <a:prstGeom prst="rect">
+            <a:avLst/>
+          </a:prstGeom>
+          <a:noFill/>
+          <a:ln>
+            <a:noFill/>
+          </a:ln>
+        </p:spPr>
+      </p:pic>
+    </p:spTree>
+    <p:extLst>
+      <p:ext uri="{BB962C8B-B14F-4D97-AF65-F5344CB8AC3E}">
+        <p14:creationId xmlns:p14="http://schemas.microsoft.com/office/powerpoint/2010/main" val="3113398580"/>
+      </p:ext>
+    </p:extLst>
+  </p:cSld>
+  <p:clrMapOvr>
+    <a:masterClrMapping/>
+  </p:clrMapOvr>
+</p:sld>
+</file>
+
+<file path=ppt/slides/slide19.xml><?xml version="1.0" encoding="utf-8"?>
+<p:sld xmlns:a="http://schemas.openxmlformats.org/drawingml/2006/main" xmlns:r="http://schemas.openxmlformats.org/officeDocument/2006/relationships" xmlns:p="http://schemas.openxmlformats.org/presentationml/2006/main">
+  <p:cSld>
+    <p:spTree>
+      <p:nvGrpSpPr>
+        <p:cNvPr id="1" name=""/>
+        <p:cNvGrpSpPr/>
+        <p:nvPr/>
+      </p:nvGrpSpPr>
+      <p:grpSpPr>
+        <a:xfrm>
+          <a:off x="0" y="0"/>
+          <a:ext cx="0" cy="0"/>
+          <a:chOff x="0" y="0"/>
+          <a:chExt cx="0" cy="0"/>
+        </a:xfrm>
+      </p:grpSpPr>
+      <p:sp>
+        <p:nvSpPr>
+          <p:cNvPr id="2" name="Title 1"/>
+          <p:cNvSpPr>
+            <a:spLocks noGrp="1"/>
+          </p:cNvSpPr>
+          <p:nvPr>
+            <p:ph type="title"/>
+          </p:nvPr>
+        </p:nvSpPr>
+        <p:spPr/>
+        <p:txBody>
+          <a:bodyPr/>
+          <a:lstStyle/>
+          <a:p>
+            <a:r>
+              <a:rPr lang="en-US"/>
+              <a:t>Thiết kế giao </a:t>
+            </a:r>
+            <a:r>
+              <a:rPr lang="en-US"/>
+              <a:t>diện </a:t>
+            </a:r>
+            <a:r>
+              <a:rPr lang="en-US" smtClean="0"/>
+              <a:t>(4/4)</a:t>
+            </a:r>
+            <a:endParaRPr lang="en-US"/>
+          </a:p>
+        </p:txBody>
+      </p:sp>
+      <p:sp>
+        <p:nvSpPr>
+          <p:cNvPr id="3" name="Content Placeholder 2"/>
+          <p:cNvSpPr>
+            <a:spLocks noGrp="1"/>
+          </p:cNvSpPr>
+          <p:nvPr>
+            <p:ph idx="1"/>
+          </p:nvPr>
+        </p:nvSpPr>
+        <p:spPr/>
+        <p:txBody>
+          <a:bodyPr/>
+          <a:lstStyle/>
+          <a:p>
+            <a:endParaRPr lang="en-US"/>
+          </a:p>
+        </p:txBody>
+      </p:sp>
+      <p:pic>
+        <p:nvPicPr>
+          <p:cNvPr id="6" name="Picture 5"/>
+          <p:cNvPicPr/>
+          <p:nvPr/>
+        </p:nvPicPr>
+        <p:blipFill>
+          <a:blip r:embed="rId2"/>
+          <a:stretch>
+            <a:fillRect/>
+          </a:stretch>
+        </p:blipFill>
+        <p:spPr>
+          <a:xfrm>
+            <a:off x="838200" y="1729920"/>
+            <a:ext cx="7543800" cy="4691200"/>
+          </a:xfrm>
+          <a:prstGeom prst="rect">
+            <a:avLst/>
+          </a:prstGeom>
+        </p:spPr>
+      </p:pic>
+    </p:spTree>
+    <p:extLst>
+      <p:ext uri="{BB962C8B-B14F-4D97-AF65-F5344CB8AC3E}">
+        <p14:creationId xmlns:p14="http://schemas.microsoft.com/office/powerpoint/2010/main" val="2846545139"/>
+      </p:ext>
+    </p:extLst>
+  </p:cSld>
+  <p:clrMapOvr>
+    <a:masterClrMapping/>
+  </p:clrMapOvr>
+</p:sld>
+</file>
+
+<file path=ppt/slides/slide2.xml><?xml version="1.0" encoding="utf-8"?>
+<p:sld xmlns:a="http://schemas.openxmlformats.org/drawingml/2006/main" xmlns:r="http://schemas.openxmlformats.org/officeDocument/2006/relationships" xmlns:p="http://schemas.openxmlformats.org/presentationml/2006/main">
+  <p:cSld>
+    <p:spTree>
+      <p:nvGrpSpPr>
+        <p:cNvPr id="1" name=""/>
+        <p:cNvGrpSpPr/>
+        <p:nvPr/>
+      </p:nvGrpSpPr>
+      <p:grpSpPr>
+        <a:xfrm>
+          <a:off x="0" y="0"/>
+          <a:ext cx="0" cy="0"/>
+          <a:chOff x="0" y="0"/>
+          <a:chExt cx="0" cy="0"/>
+        </a:xfrm>
+      </p:grpSpPr>
+      <p:sp>
+        <p:nvSpPr>
+          <p:cNvPr id="2" name="Title 1"/>
+          <p:cNvSpPr>
+            <a:spLocks noGrp="1"/>
+          </p:cNvSpPr>
+          <p:nvPr>
+            <p:ph type="title"/>
+          </p:nvPr>
+        </p:nvSpPr>
+        <p:spPr/>
+        <p:txBody>
+          <a:bodyPr/>
+          <a:lstStyle/>
+          <a:p>
+            <a:r>
+              <a:rPr lang="en-US" smtClean="0"/>
+              <a:t>Nội dung</a:t>
+            </a:r>
+            <a:endParaRPr lang="en-US"/>
+          </a:p>
+        </p:txBody>
+      </p:sp>
+      <p:sp>
+        <p:nvSpPr>
+          <p:cNvPr id="3" name="Content Placeholder 2"/>
+          <p:cNvSpPr>
+            <a:spLocks noGrp="1"/>
+          </p:cNvSpPr>
+          <p:nvPr>
+            <p:ph idx="1"/>
+          </p:nvPr>
+        </p:nvSpPr>
+        <p:spPr/>
+        <p:txBody>
+          <a:bodyPr/>
+          <a:lstStyle/>
+          <a:p>
+            <a:r>
+              <a:rPr lang="en-US" smtClean="0"/>
+              <a:t>Tổng quan đề tài nghiên cứu</a:t>
+            </a:r>
+          </a:p>
+          <a:p>
+            <a:r>
+              <a:rPr lang="en-US" smtClean="0"/>
+              <a:t>Khảo sát hiện trạng</a:t>
+            </a:r>
+          </a:p>
+          <a:p>
+            <a:r>
+              <a:rPr lang="en-US" smtClean="0"/>
+              <a:t>Xây dựng hệ thống quản lý tương tác</a:t>
+            </a:r>
+          </a:p>
+          <a:p>
+            <a:r>
+              <a:rPr lang="en-US" smtClean="0"/>
+              <a:t>Hướng phát triển</a:t>
+            </a:r>
+            <a:endParaRPr lang="en-US"/>
+          </a:p>
+        </p:txBody>
+      </p:sp>
+    </p:spTree>
+    <p:extLst>
+      <p:ext uri="{BB962C8B-B14F-4D97-AF65-F5344CB8AC3E}">
+        <p14:creationId xmlns:p14="http://schemas.microsoft.com/office/powerpoint/2010/main" val="3329876487"/>
+      </p:ext>
+    </p:extLst>
+  </p:cSld>
+  <p:clrMapOvr>
+    <a:masterClrMapping/>
+  </p:clrMapOvr>
+</p:sld>
+</file>
+
+<file path=ppt/slides/slide20.xml><?xml version="1.0" encoding="utf-8"?>
+<p:sld xmlns:a="http://schemas.openxmlformats.org/drawingml/2006/main" xmlns:r="http://schemas.openxmlformats.org/officeDocument/2006/relationships" xmlns:p="http://schemas.openxmlformats.org/presentationml/2006/main">
+  <p:cSld>
+    <p:spTree>
+      <p:nvGrpSpPr>
+        <p:cNvPr id="1" name=""/>
+        <p:cNvGrpSpPr/>
+        <p:nvPr/>
+      </p:nvGrpSpPr>
+      <p:grpSpPr>
+        <a:xfrm>
+          <a:off x="0" y="0"/>
+          <a:ext cx="0" cy="0"/>
+          <a:chOff x="0" y="0"/>
+          <a:chExt cx="0" cy="0"/>
+        </a:xfrm>
+      </p:grpSpPr>
+      <p:sp>
+        <p:nvSpPr>
+          <p:cNvPr id="2" name="Title 1"/>
+          <p:cNvSpPr>
+            <a:spLocks noGrp="1"/>
+          </p:cNvSpPr>
+          <p:nvPr>
+            <p:ph type="title"/>
+          </p:nvPr>
+        </p:nvSpPr>
+        <p:spPr/>
+        <p:txBody>
+          <a:bodyPr/>
+          <a:lstStyle/>
+          <a:p>
+            <a:r>
+              <a:rPr lang="en-US" smtClean="0"/>
+              <a:t>Hướng phát triển</a:t>
+            </a:r>
+            <a:endParaRPr lang="en-US"/>
+          </a:p>
+        </p:txBody>
+      </p:sp>
+      <p:sp>
+        <p:nvSpPr>
+          <p:cNvPr id="3" name="Content Placeholder 2"/>
+          <p:cNvSpPr>
+            <a:spLocks noGrp="1"/>
+          </p:cNvSpPr>
+          <p:nvPr>
+            <p:ph idx="1"/>
+          </p:nvPr>
+        </p:nvSpPr>
+        <p:spPr/>
+        <p:txBody>
+          <a:bodyPr/>
+          <a:lstStyle/>
+          <a:p>
+            <a:r>
+              <a:rPr lang="en-US" smtClean="0"/>
+              <a:t>Tích hợp các </a:t>
+            </a:r>
+            <a:r>
+              <a:rPr lang="en-US"/>
+              <a:t>hệ thống hỗ trợ tương </a:t>
+            </a:r>
+            <a:r>
+              <a:rPr lang="en-US"/>
+              <a:t>tác </a:t>
+            </a:r>
+            <a:r>
+              <a:rPr lang="en-US" smtClean="0"/>
+              <a:t>khác:</a:t>
+            </a:r>
+          </a:p>
+          <a:p>
+            <a:pPr lvl="1"/>
+            <a:r>
+              <a:rPr lang="en-US" smtClean="0"/>
+              <a:t>Facebook</a:t>
+            </a:r>
+            <a:endParaRPr lang="en-US"/>
+          </a:p>
+          <a:p>
+            <a:pPr lvl="1"/>
+            <a:r>
+              <a:rPr lang="en-US" smtClean="0"/>
+              <a:t>Twitter</a:t>
+            </a:r>
+          </a:p>
+          <a:p>
+            <a:pPr lvl="1"/>
+            <a:r>
+              <a:rPr lang="en-US" smtClean="0"/>
+              <a:t>Skype</a:t>
+            </a:r>
+          </a:p>
+          <a:p>
+            <a:pPr lvl="1"/>
+            <a:r>
+              <a:rPr lang="en-US" smtClean="0"/>
+              <a:t>Yahoo</a:t>
+            </a:r>
+            <a:endParaRPr lang="en-US"/>
+          </a:p>
+          <a:p>
+            <a:pPr lvl="1"/>
+            <a:r>
+              <a:rPr lang="en-US" smtClean="0"/>
+              <a:t>Hệ </a:t>
+            </a:r>
+            <a:r>
+              <a:rPr lang="en-US"/>
+              <a:t>thống quản lý cấu hình phần mềm.</a:t>
+            </a:r>
+          </a:p>
+          <a:p>
+            <a:endParaRPr lang="en-US"/>
+          </a:p>
+        </p:txBody>
+      </p:sp>
+    </p:spTree>
+    <p:extLst>
+      <p:ext uri="{BB962C8B-B14F-4D97-AF65-F5344CB8AC3E}">
+        <p14:creationId xmlns:p14="http://schemas.microsoft.com/office/powerpoint/2010/main" val="4024402129"/>
+      </p:ext>
+    </p:extLst>
+  </p:cSld>
+  <p:clrMapOvr>
+    <a:masterClrMapping/>
+  </p:clrMapOvr>
+</p:sld>
+</file>
+
+<file path=ppt/slides/slide21.xml><?xml version="1.0" encoding="utf-8"?>
+<p:sld xmlns:a="http://schemas.openxmlformats.org/drawingml/2006/main" xmlns:r="http://schemas.openxmlformats.org/officeDocument/2006/relationships" xmlns:p="http://schemas.openxmlformats.org/presentationml/2006/main">
+  <p:cSld>
+    <p:spTree>
+      <p:nvGrpSpPr>
+        <p:cNvPr id="1" name=""/>
+        <p:cNvGrpSpPr/>
+        <p:nvPr/>
+      </p:nvGrpSpPr>
+      <p:grpSpPr>
+        <a:xfrm>
+          <a:off x="0" y="0"/>
+          <a:ext cx="0" cy="0"/>
+          <a:chOff x="0" y="0"/>
+          <a:chExt cx="0" cy="0"/>
+        </a:xfrm>
+      </p:grpSpPr>
+      <p:sp>
+        <p:nvSpPr>
+          <p:cNvPr id="2" name="Title 1"/>
+          <p:cNvSpPr>
+            <a:spLocks noGrp="1"/>
+          </p:cNvSpPr>
+          <p:nvPr>
+            <p:ph type="title"/>
+          </p:nvPr>
+        </p:nvSpPr>
+        <p:spPr/>
+        <p:txBody>
+          <a:bodyPr/>
+          <a:lstStyle/>
+          <a:p>
+            <a:endParaRPr lang="en-US"/>
+          </a:p>
+        </p:txBody>
+      </p:sp>
+      <p:pic>
+        <p:nvPicPr>
+          <p:cNvPr id="2050" name="Picture 2" descr="C:\Users\hyga\Desktop\picture\images (1).jpg"/>
+          <p:cNvPicPr>
+            <a:picLocks noGrp="1" noChangeAspect="1" noChangeArrowheads="1"/>
+          </p:cNvPicPr>
+          <p:nvPr>
+            <p:ph idx="1"/>
+          </p:nvPr>
+        </p:nvPicPr>
+        <p:blipFill>
+          <a:blip r:embed="rId2">
+            <a:extLst>
+              <a:ext uri="{28A0092B-C50C-407E-A947-70E740481C1C}">
+                <a14:useLocalDpi xmlns:a14="http://schemas.microsoft.com/office/drawing/2010/main" val="0"/>
+              </a:ext>
+            </a:extLst>
+          </a:blip>
+          <a:srcRect/>
+          <a:stretch>
+            <a:fillRect/>
+          </a:stretch>
+        </p:blipFill>
+        <p:spPr bwMode="auto">
+          <a:xfrm>
+            <a:off x="2971800" y="2057400"/>
+            <a:ext cx="3728142" cy="3711575"/>
+          </a:xfrm>
+          <a:prstGeom prst="rect">
+            <a:avLst/>
+          </a:prstGeom>
+          <a:noFill/>
+          <a:extLst>
+            <a:ext uri="{909E8E84-426E-40DD-AFC4-6F175D3DCCD1}">
+              <a14:hiddenFill xmlns:a14="http://schemas.microsoft.com/office/drawing/2010/main">
+                <a:solidFill>
+                  <a:srgbClr val="FFFFFF"/>
+                </a:solidFill>
+              </a14:hiddenFill>
+            </a:ext>
+          </a:extLst>
+        </p:spPr>
+      </p:pic>
+    </p:spTree>
+    <p:extLst>
+      <p:ext uri="{BB962C8B-B14F-4D97-AF65-F5344CB8AC3E}">
+        <p14:creationId xmlns:p14="http://schemas.microsoft.com/office/powerpoint/2010/main" val="432506298"/>
+      </p:ext>
+    </p:extLst>
+  </p:cSld>
+  <p:clrMapOvr>
+    <a:masterClrMapping/>
+  </p:clrMapOvr>
+  <p:timing>
+    <p:tnLst>
+      <p:par>
+        <p:cTn id="1" dur="indefinite" restart="never" nodeType="tmRoot"/>
+      </p:par>
+    </p:tnLst>
+  </p:timing>
+</p:sld>
+</file>
+
+<file path=ppt/slides/slide22.xml><?xml version="1.0" encoding="utf-8"?>
+<p:sld xmlns:a="http://schemas.openxmlformats.org/drawingml/2006/main" xmlns:r="http://schemas.openxmlformats.org/officeDocument/2006/relationships" xmlns:p="http://schemas.openxmlformats.org/presentationml/2006/main">
+  <p:cSld>
+    <p:spTree>
+      <p:nvGrpSpPr>
+        <p:cNvPr id="1" name=""/>
+        <p:cNvGrpSpPr/>
+        <p:nvPr/>
+      </p:nvGrpSpPr>
+      <p:grpSpPr>
+        <a:xfrm>
+          <a:off x="0" y="0"/>
+          <a:ext cx="0" cy="0"/>
+          <a:chOff x="0" y="0"/>
+          <a:chExt cx="0" cy="0"/>
+        </a:xfrm>
+      </p:grpSpPr>
+      <p:sp>
+        <p:nvSpPr>
           <p:cNvPr id="4" name="Slide Number Placeholder 3"/>
           <p:cNvSpPr>
             <a:spLocks noGrp="1"/>
@@ -4508,7 +6400,7 @@
             <a:fld id="{65B613A6-ECE8-4332-8450-A606DEF9DB12}" type="slidenum">
               <a:rPr lang="en-US" smtClean="0"/>
               <a:pPr/>
-              <a:t>10</a:t>
+              <a:t>22</a:t>
             </a:fld>
             <a:endParaRPr lang="en-US"/>
           </a:p>
@@ -4575,100 +6467,6 @@
 </p:sld>
 </file>
 
-<file path=ppt/slides/slide2.xml><?xml version="1.0" encoding="utf-8"?>
-<p:sld xmlns:a="http://schemas.openxmlformats.org/drawingml/2006/main" xmlns:r="http://schemas.openxmlformats.org/officeDocument/2006/relationships" xmlns:p="http://schemas.openxmlformats.org/presentationml/2006/main">
-  <p:cSld>
-    <p:spTree>
-      <p:nvGrpSpPr>
-        <p:cNvPr id="1" name=""/>
-        <p:cNvGrpSpPr/>
-        <p:nvPr/>
-      </p:nvGrpSpPr>
-      <p:grpSpPr>
-        <a:xfrm>
-          <a:off x="0" y="0"/>
-          <a:ext cx="0" cy="0"/>
-          <a:chOff x="0" y="0"/>
-          <a:chExt cx="0" cy="0"/>
-        </a:xfrm>
-      </p:grpSpPr>
-      <p:sp>
-        <p:nvSpPr>
-          <p:cNvPr id="2" name="Title 1"/>
-          <p:cNvSpPr>
-            <a:spLocks noGrp="1"/>
-          </p:cNvSpPr>
-          <p:nvPr>
-            <p:ph type="title"/>
-          </p:nvPr>
-        </p:nvSpPr>
-        <p:spPr/>
-        <p:txBody>
-          <a:bodyPr/>
-          <a:lstStyle/>
-          <a:p>
-            <a:r>
-              <a:rPr lang="en-US" smtClean="0"/>
-              <a:t>Nội dung</a:t>
-            </a:r>
-            <a:endParaRPr lang="en-US"/>
-          </a:p>
-        </p:txBody>
-      </p:sp>
-      <p:sp>
-        <p:nvSpPr>
-          <p:cNvPr id="3" name="Content Placeholder 2"/>
-          <p:cNvSpPr>
-            <a:spLocks noGrp="1"/>
-          </p:cNvSpPr>
-          <p:nvPr>
-            <p:ph idx="1"/>
-          </p:nvPr>
-        </p:nvSpPr>
-        <p:spPr/>
-        <p:txBody>
-          <a:bodyPr/>
-          <a:lstStyle/>
-          <a:p>
-            <a:r>
-              <a:rPr lang="en-US" smtClean="0"/>
-              <a:t>Tổng quan đề tài nghiên cứu</a:t>
-            </a:r>
-          </a:p>
-          <a:p>
-            <a:r>
-              <a:rPr lang="en-US" smtClean="0"/>
-              <a:t>Khảo sát hiện trạng</a:t>
-            </a:r>
-          </a:p>
-          <a:p>
-            <a:r>
-              <a:rPr lang="en-US" smtClean="0"/>
-              <a:t>Xây dựng hệ thống quản lý tương tác</a:t>
-            </a:r>
-          </a:p>
-          <a:p>
-            <a:r>
-              <a:rPr lang="en-US" smtClean="0"/>
-              <a:t>Hướng phát triển</a:t>
-            </a:r>
-            <a:endParaRPr lang="en-US"/>
-          </a:p>
-        </p:txBody>
-      </p:sp>
-    </p:spTree>
-    <p:extLst>
-      <p:ext uri="{BB962C8B-B14F-4D97-AF65-F5344CB8AC3E}">
-        <p14:creationId xmlns:p14="http://schemas.microsoft.com/office/powerpoint/2010/main" val="3329876487"/>
-      </p:ext>
-    </p:extLst>
-  </p:cSld>
-  <p:clrMapOvr>
-    <a:masterClrMapping/>
-  </p:clrMapOvr>
-</p:sld>
-</file>
-
 <file path=ppt/slides/slide3.xml><?xml version="1.0" encoding="utf-8"?>
 <p:sld xmlns:a="http://schemas.openxmlformats.org/drawingml/2006/main" xmlns:r="http://schemas.openxmlformats.org/officeDocument/2006/relationships" xmlns:p="http://schemas.openxmlformats.org/presentationml/2006/main">
   <p:cSld>
@@ -5001,7 +6799,11 @@
           <a:p>
             <a:r>
               <a:rPr lang="en-US" smtClean="0"/>
-              <a:t>Khảo sát hiện trạng</a:t>
+              <a:t>Khảo sát hiện </a:t>
+            </a:r>
+            <a:r>
+              <a:rPr lang="en-US" smtClean="0"/>
+              <a:t>trạng(1/3)</a:t>
             </a:r>
             <a:endParaRPr lang="en-US"/>
           </a:p>
@@ -5022,6 +6824,66 @@
           <a:bodyPr/>
           <a:lstStyle/>
           <a:p>
+            <a:r>
+              <a:rPr lang="en-US" smtClean="0"/>
+              <a:t>Cơ sở lý thuyết</a:t>
+            </a:r>
+          </a:p>
+          <a:p>
+            <a:pPr lvl="1"/>
+            <a:r>
+              <a:rPr lang="en-US" smtClean="0"/>
+              <a:t>Nhu cầu hợp tác làm việc </a:t>
+            </a:r>
+            <a:r>
+              <a:rPr lang="en-US" smtClean="0">
+                <a:sym typeface="Wingdings" pitchFamily="2" charset="2"/>
+              </a:rPr>
+              <a:t> khó thống nhất</a:t>
+            </a:r>
+          </a:p>
+          <a:p>
+            <a:pPr lvl="1"/>
+            <a:r>
+              <a:rPr lang="en-US" smtClean="0">
+                <a:sym typeface="Wingdings" pitchFamily="2" charset="2"/>
+              </a:rPr>
+              <a:t>Công cụ hỗ trợ</a:t>
+            </a:r>
+          </a:p>
+          <a:p>
+            <a:pPr lvl="2"/>
+            <a:r>
+              <a:rPr lang="en-US" smtClean="0">
+                <a:sym typeface="Wingdings" pitchFamily="2" charset="2"/>
+              </a:rPr>
+              <a:t>Dựa trên mô hình</a:t>
+            </a:r>
+          </a:p>
+          <a:p>
+            <a:pPr lvl="2"/>
+            <a:r>
+              <a:rPr lang="en-US" smtClean="0">
+                <a:sym typeface="Wingdings" pitchFamily="2" charset="2"/>
+              </a:rPr>
+              <a:t>Dựa trên quy trình</a:t>
+            </a:r>
+          </a:p>
+          <a:p>
+            <a:pPr lvl="2"/>
+            <a:r>
+              <a:rPr lang="en-US" smtClean="0">
+                <a:sym typeface="Wingdings" pitchFamily="2" charset="2"/>
+              </a:rPr>
+              <a:t>Dựa trên nhận thức</a:t>
+            </a:r>
+          </a:p>
+          <a:p>
+            <a:pPr lvl="2"/>
+            <a:endParaRPr lang="en-US" smtClean="0"/>
+          </a:p>
+          <a:p>
+            <a:pPr lvl="1"/>
             <a:endParaRPr lang="en-US"/>
           </a:p>
         </p:txBody>
@@ -5068,14 +6930,16 @@
         </p:nvSpPr>
         <p:spPr/>
         <p:txBody>
-          <a:bodyPr>
-            <a:normAutofit fontScale="90000"/>
-          </a:bodyPr>
-          <a:lstStyle/>
-          <a:p>
-            <a:r>
-              <a:rPr lang="en-US" smtClean="0"/>
-              <a:t>Xây dựng hệ thống quản lý tương tác</a:t>
+          <a:bodyPr/>
+          <a:lstStyle/>
+          <a:p>
+            <a:r>
+              <a:rPr lang="en-US" smtClean="0"/>
+              <a:t>Khảo sát hiện </a:t>
+            </a:r>
+            <a:r>
+              <a:rPr lang="en-US" smtClean="0"/>
+              <a:t>trạng(2/3)</a:t>
             </a:r>
             <a:endParaRPr lang="en-US"/>
           </a:p>
@@ -5096,6 +6960,51 @@
           <a:bodyPr/>
           <a:lstStyle/>
           <a:p>
+            <a:r>
+              <a:rPr lang="en-US" smtClean="0"/>
+              <a:t>Team foundation server (TFS)</a:t>
+            </a:r>
+            <a:endParaRPr lang="en-US" smtClean="0">
+              <a:sym typeface="Wingdings" pitchFamily="2" charset="2"/>
+            </a:endParaRPr>
+          </a:p>
+          <a:p>
+            <a:pPr lvl="2"/>
+            <a:r>
+              <a:rPr lang="en-US" smtClean="0"/>
+              <a:t>Quản lý dự án</a:t>
+            </a:r>
+          </a:p>
+          <a:p>
+            <a:pPr lvl="2"/>
+            <a:r>
+              <a:rPr lang="en-US" smtClean="0"/>
+              <a:t>Quản lý công việc</a:t>
+            </a:r>
+          </a:p>
+          <a:p>
+            <a:pPr lvl="2"/>
+            <a:r>
+              <a:rPr lang="en-US" smtClean="0"/>
+              <a:t>Quản lý cấu hình</a:t>
+            </a:r>
+          </a:p>
+          <a:p>
+            <a:pPr lvl="2"/>
+            <a:r>
+              <a:rPr lang="en-US" smtClean="0"/>
+              <a:t>Tạo báo cáo</a:t>
+            </a:r>
+          </a:p>
+          <a:p>
+            <a:pPr lvl="2"/>
+            <a:r>
+              <a:rPr lang="en-US" smtClean="0"/>
+              <a:t>Xây dựng nhóm</a:t>
+            </a:r>
+          </a:p>
+          <a:p>
+            <a:pPr lvl="1"/>
             <a:endParaRPr lang="en-US"/>
           </a:p>
         </p:txBody>
@@ -5103,7 +7012,7 @@
     </p:spTree>
     <p:extLst>
       <p:ext uri="{BB962C8B-B14F-4D97-AF65-F5344CB8AC3E}">
-        <p14:creationId xmlns:p14="http://schemas.microsoft.com/office/powerpoint/2010/main" val="1502502686"/>
+        <p14:creationId xmlns:p14="http://schemas.microsoft.com/office/powerpoint/2010/main" val="4227127705"/>
       </p:ext>
     </p:extLst>
   </p:cSld>
@@ -5147,7 +7056,11 @@
           <a:p>
             <a:r>
               <a:rPr lang="en-US" smtClean="0"/>
-              <a:t>Hướng phát triển</a:t>
+              <a:t>Khảo sát hiện </a:t>
+            </a:r>
+            <a:r>
+              <a:rPr lang="en-US" smtClean="0"/>
+              <a:t>trạng(3/3)</a:t>
             </a:r>
             <a:endParaRPr lang="en-US"/>
           </a:p>
@@ -5168,6 +7081,58 @@
           <a:bodyPr/>
           <a:lstStyle/>
           <a:p>
+            <a:r>
+              <a:rPr lang="en-US" smtClean="0"/>
+              <a:t>Redmine</a:t>
+            </a:r>
+          </a:p>
+          <a:p>
+            <a:pPr lvl="1"/>
+            <a:r>
+              <a:rPr lang="en-US" smtClean="0"/>
+              <a:t>Quản lý vấn đề (requirement, bug, task)</a:t>
+            </a:r>
+          </a:p>
+          <a:p>
+            <a:pPr lvl="1"/>
+            <a:r>
+              <a:rPr lang="en-US" smtClean="0"/>
+              <a:t>Quản lý dự án</a:t>
+            </a:r>
+          </a:p>
+          <a:p>
+            <a:r>
+              <a:rPr lang="en-US" smtClean="0"/>
+              <a:t>Assembla</a:t>
+            </a:r>
+          </a:p>
+          <a:p>
+            <a:pPr lvl="1"/>
+            <a:r>
+              <a:rPr lang="en-US" smtClean="0"/>
+              <a:t>Quản lý nhóm</a:t>
+            </a:r>
+          </a:p>
+          <a:p>
+            <a:pPr lvl="1"/>
+            <a:r>
+              <a:rPr lang="en-US" smtClean="0"/>
+              <a:t>Quản lý tài liệu</a:t>
+            </a:r>
+          </a:p>
+          <a:p>
+            <a:pPr lvl="1"/>
+            <a:r>
+              <a:rPr lang="en-US" smtClean="0"/>
+              <a:t>Phân công công việc</a:t>
+            </a:r>
+          </a:p>
+          <a:p>
+            <a:pPr lvl="1"/>
+            <a:r>
+              <a:rPr lang="en-US" smtClean="0"/>
+              <a:t>Chat</a:t>
+            </a:r>
             <a:endParaRPr lang="en-US"/>
           </a:p>
         </p:txBody>
@@ -5175,7 +7140,7 @@
     </p:spTree>
     <p:extLst>
       <p:ext uri="{BB962C8B-B14F-4D97-AF65-F5344CB8AC3E}">
-        <p14:creationId xmlns:p14="http://schemas.microsoft.com/office/powerpoint/2010/main" val="4024402129"/>
+        <p14:creationId xmlns:p14="http://schemas.microsoft.com/office/powerpoint/2010/main" val="3365698829"/>
       </p:ext>
     </p:extLst>
   </p:cSld>
@@ -5214,73 +7179,82 @@
         </p:nvSpPr>
         <p:spPr/>
         <p:txBody>
-          <a:bodyPr/>
-          <a:lstStyle/>
-          <a:p>
-            <a:endParaRPr lang="en-US"/>
-          </a:p>
-        </p:txBody>
-      </p:sp>
-      <p:pic>
-        <p:nvPicPr>
-          <p:cNvPr id="2050" name="Picture 2" descr="C:\Users\hyga\Desktop\picture\images (1).jpg"/>
-          <p:cNvPicPr>
-            <a:picLocks noGrp="1" noChangeAspect="1" noChangeArrowheads="1"/>
-          </p:cNvPicPr>
+          <a:bodyPr>
+            <a:normAutofit fontScale="90000"/>
+          </a:bodyPr>
+          <a:lstStyle/>
+          <a:p>
+            <a:r>
+              <a:rPr lang="en-US" smtClean="0"/>
+              <a:t>Xây dựng hệ thống quản lý tương tác</a:t>
+            </a:r>
+            <a:endParaRPr lang="en-US"/>
+          </a:p>
+        </p:txBody>
+      </p:sp>
+      <p:sp>
+        <p:nvSpPr>
+          <p:cNvPr id="3" name="Content Placeholder 2"/>
+          <p:cNvSpPr>
+            <a:spLocks noGrp="1"/>
+          </p:cNvSpPr>
           <p:nvPr>
             <p:ph idx="1"/>
           </p:nvPr>
-        </p:nvPicPr>
-        <p:blipFill>
-          <a:blip r:embed="rId2">
-            <a:extLst>
-              <a:ext uri="{28A0092B-C50C-407E-A947-70E740481C1C}">
-                <a14:useLocalDpi xmlns:a14="http://schemas.microsoft.com/office/drawing/2010/main" val="0"/>
-              </a:ext>
-            </a:extLst>
-          </a:blip>
-          <a:srcRect/>
-          <a:stretch>
-            <a:fillRect/>
-          </a:stretch>
-        </p:blipFill>
-        <p:spPr bwMode="auto">
-          <a:xfrm>
-            <a:off x="2971800" y="2057400"/>
-            <a:ext cx="3728142" cy="3711575"/>
-          </a:xfrm>
-          <a:prstGeom prst="rect">
-            <a:avLst/>
-          </a:prstGeom>
-          <a:noFill/>
-          <a:extLst>
-            <a:ext uri="{909E8E84-426E-40DD-AFC4-6F175D3DCCD1}">
-              <a14:hiddenFill xmlns:a14="http://schemas.microsoft.com/office/drawing/2010/main">
-                <a:solidFill>
-                  <a:srgbClr val="FFFFFF"/>
-                </a:solidFill>
-              </a14:hiddenFill>
-            </a:ext>
-          </a:extLst>
-        </p:spPr>
-      </p:pic>
+        </p:nvSpPr>
+        <p:spPr/>
+        <p:txBody>
+          <a:bodyPr/>
+          <a:lstStyle/>
+          <a:p>
+            <a:r>
+              <a:rPr lang="en-US" smtClean="0"/>
+              <a:t>Quản lý quy trình phần mềm</a:t>
+            </a:r>
+          </a:p>
+          <a:p>
+            <a:r>
+              <a:rPr lang="en-US" smtClean="0"/>
+              <a:t>Quản lý dự án</a:t>
+            </a:r>
+          </a:p>
+          <a:p>
+            <a:r>
+              <a:rPr lang="en-US" smtClean="0"/>
+              <a:t>Quản lý lớp học</a:t>
+            </a:r>
+          </a:p>
+          <a:p>
+            <a:r>
+              <a:rPr lang="en-US" smtClean="0"/>
+              <a:t>Quản lý work item</a:t>
+            </a:r>
+          </a:p>
+          <a:p>
+            <a:r>
+              <a:rPr lang="en-US" smtClean="0"/>
+              <a:t>Tương tác nhóm</a:t>
+            </a:r>
+          </a:p>
+          <a:p>
+            <a:r>
+              <a:rPr lang="en-US" smtClean="0"/>
+              <a:t>Quản  lý lịch cá nhân và lịch dự án</a:t>
+            </a:r>
+            <a:endParaRPr lang="en-US"/>
+          </a:p>
+        </p:txBody>
+      </p:sp>
     </p:spTree>
     <p:extLst>
       <p:ext uri="{BB962C8B-B14F-4D97-AF65-F5344CB8AC3E}">
-        <p14:creationId xmlns:p14="http://schemas.microsoft.com/office/powerpoint/2010/main" val="432506298"/>
+        <p14:creationId xmlns:p14="http://schemas.microsoft.com/office/powerpoint/2010/main" val="1502502686"/>
       </p:ext>
     </p:extLst>
   </p:cSld>
   <p:clrMapOvr>
     <a:masterClrMapping/>
   </p:clrMapOvr>
-  <p:timing>
-    <p:tnLst>
-      <p:par>
-        <p:cTn id="1" dur="indefinite" restart="never" nodeType="tmRoot"/>
-      </p:par>
-    </p:tnLst>
-  </p:timing>
 </p:sld>
 </file>
 

--- a/Report/ppt/Presentation.pptx
+++ b/Report/ppt/Presentation.pptx
@@ -5,10 +5,10 @@
     <p:sldMasterId id="2147484476" r:id="rId1"/>
   </p:sldMasterIdLst>
   <p:notesMasterIdLst>
-    <p:notesMasterId r:id="rId46"/>
+    <p:notesMasterId r:id="rId48"/>
   </p:notesMasterIdLst>
   <p:handoutMasterIdLst>
-    <p:handoutMasterId r:id="rId47"/>
+    <p:handoutMasterId r:id="rId49"/>
   </p:handoutMasterIdLst>
   <p:sldIdLst>
     <p:sldId id="256" r:id="rId2"/>
@@ -50,11 +50,13 @@
     <p:sldId id="272" r:id="rId38"/>
     <p:sldId id="309" r:id="rId39"/>
     <p:sldId id="280" r:id="rId40"/>
-    <p:sldId id="297" r:id="rId41"/>
-    <p:sldId id="298" r:id="rId42"/>
-    <p:sldId id="299" r:id="rId43"/>
-    <p:sldId id="264" r:id="rId44"/>
-    <p:sldId id="265" r:id="rId45"/>
+    <p:sldId id="313" r:id="rId41"/>
+    <p:sldId id="312" r:id="rId42"/>
+    <p:sldId id="297" r:id="rId43"/>
+    <p:sldId id="298" r:id="rId44"/>
+    <p:sldId id="299" r:id="rId45"/>
+    <p:sldId id="264" r:id="rId46"/>
+    <p:sldId id="265" r:id="rId47"/>
   </p:sldIdLst>
   <p:sldSz cx="9144000" cy="6858000" type="screen4x3"/>
   <p:notesSz cx="6858000" cy="9144000"/>
@@ -6742,7 +6744,7 @@
           <a:p>
             <a:fld id="{85AD2398-DDED-42CC-90C1-69E134217F94}" type="datetimeFigureOut">
               <a:rPr lang="en-US" smtClean="0"/>
-              <a:t>7/12/2012</a:t>
+              <a:t>15/07/2012</a:t>
             </a:fld>
             <a:endParaRPr lang="en-US"/>
           </a:p>
@@ -6907,7 +6909,7 @@
           <a:p>
             <a:fld id="{4C715847-7B4D-45DD-A2D4-9F51B7F9D7CE}" type="datetimeFigureOut">
               <a:rPr lang="en-US" smtClean="0"/>
-              <a:t>7/12/2012</a:t>
+              <a:t>15/07/2012</a:t>
             </a:fld>
             <a:endParaRPr lang="en-US"/>
           </a:p>
@@ -7219,6 +7221,52 @@
           <a:bodyPr/>
           <a:lstStyle/>
           <a:p>
+            <a:pPr marL="171450" indent="-171450">
+              <a:buFontTx/>
+              <a:buChar char="-"/>
+            </a:pPr>
+            <a:r>
+              <a:rPr lang="en-US" smtClean="0"/>
+              <a:t>Kính</a:t>
+            </a:r>
+            <a:r>
+              <a:rPr lang="en-US" baseline="0" smtClean="0"/>
+              <a:t> thưa quý thầy cô</a:t>
+            </a:r>
+          </a:p>
+          <a:p>
+            <a:pPr marL="171450" indent="-171450">
+              <a:buFontTx/>
+              <a:buChar char="-"/>
+            </a:pPr>
+            <a:r>
+              <a:rPr lang="en-US" smtClean="0"/>
+              <a:t>Giới</a:t>
+            </a:r>
+            <a:r>
+              <a:rPr lang="en-US" baseline="0" smtClean="0"/>
+              <a:t> thiệu tên đề tài</a:t>
+            </a:r>
+          </a:p>
+          <a:p>
+            <a:pPr marL="171450" indent="-171450">
+              <a:buFontTx/>
+              <a:buChar char="-"/>
+            </a:pPr>
+            <a:r>
+              <a:rPr lang="en-US" baseline="0" smtClean="0"/>
+              <a:t>Giới GVHD</a:t>
+            </a:r>
+          </a:p>
+          <a:p>
+            <a:pPr marL="171450" indent="-171450">
+              <a:buFontTx/>
+              <a:buChar char="-"/>
+            </a:pPr>
+            <a:r>
+              <a:rPr lang="en-US" baseline="0" smtClean="0"/>
+              <a:t>Giới thiệu thành viên nhóm</a:t>
+            </a:r>
             <a:endParaRPr lang="en-US"/>
           </a:p>
         </p:txBody>
@@ -7240,7 +7288,7 @@
           <a:p>
             <a:fld id="{DC92D41E-323F-4AC9-A45D-615F59E1C14A}" type="slidenum">
               <a:rPr lang="en-US" smtClean="0"/>
-              <a:t>2</a:t>
+              <a:t>1</a:t>
             </a:fld>
             <a:endParaRPr lang="en-US"/>
           </a:p>
@@ -7249,7 +7297,7 @@
     </p:spTree>
     <p:extLst>
       <p:ext uri="{BB962C8B-B14F-4D97-AF65-F5344CB8AC3E}">
-        <p14:creationId xmlns:p14="http://schemas.microsoft.com/office/powerpoint/2010/main" val="522547361"/>
+        <p14:creationId xmlns:p14="http://schemas.microsoft.com/office/powerpoint/2010/main" val="207368412"/>
       </p:ext>
     </p:extLst>
   </p:cSld>
@@ -7303,6 +7351,78 @@
           <a:bodyPr/>
           <a:lstStyle/>
           <a:p>
+            <a:pPr marL="171450" indent="-171450">
+              <a:buFontTx/>
+              <a:buChar char="-"/>
+            </a:pPr>
+            <a:r>
+              <a:rPr lang="en-US" smtClean="0"/>
+              <a:t>Giới thiệu</a:t>
+            </a:r>
+            <a:r>
+              <a:rPr lang="en-US" baseline="0" smtClean="0"/>
+              <a:t> cấu trúc nội dung trình bày</a:t>
+            </a:r>
+          </a:p>
+          <a:p>
+            <a:pPr marL="171450" indent="-171450">
+              <a:buFontTx/>
+              <a:buChar char="-"/>
+            </a:pPr>
+            <a:r>
+              <a:rPr lang="en-US" baseline="0" smtClean="0"/>
+              <a:t>Giới thiệu nội dung sơ lược từng phần</a:t>
+            </a:r>
+          </a:p>
+          <a:p>
+            <a:pPr marL="457200" lvl="1" indent="0">
+              <a:buFontTx/>
+              <a:buNone/>
+            </a:pPr>
+            <a:r>
+              <a:rPr lang="en-US" baseline="0" smtClean="0"/>
+              <a:t>+ Tổng quan : tính cấp thiết, mục tiêu đề tài, đối tượng, phạm vi nghiên cứu</a:t>
+            </a:r>
+          </a:p>
+          <a:p>
+            <a:pPr marL="457200" lvl="1" indent="0">
+              <a:buFontTx/>
+              <a:buNone/>
+            </a:pPr>
+            <a:r>
+              <a:rPr lang="en-US" baseline="0" smtClean="0"/>
+              <a:t>+ Khảo sát hiện trạng: cơ sở lý thuyết, các phần mềm tương tự</a:t>
+            </a:r>
+          </a:p>
+          <a:p>
+            <a:pPr marL="457200" lvl="1" indent="0">
+              <a:buFontTx/>
+              <a:buNone/>
+            </a:pPr>
+            <a:r>
+              <a:rPr lang="en-US" baseline="0" smtClean="0"/>
+              <a:t>+ Xây dựng: chức năng, thiết kế, cài đặt</a:t>
+            </a:r>
+          </a:p>
+          <a:p>
+            <a:pPr marL="457200" lvl="1" indent="0">
+              <a:buFontTx/>
+              <a:buNone/>
+            </a:pPr>
+            <a:r>
+              <a:rPr lang="en-US" baseline="0" smtClean="0"/>
+              <a:t>+ Hạn chế</a:t>
+            </a:r>
+          </a:p>
+          <a:p>
+            <a:pPr marL="457200" lvl="1" indent="0">
+              <a:buFontTx/>
+              <a:buNone/>
+            </a:pPr>
+            <a:r>
+              <a:rPr lang="en-US" baseline="0" smtClean="0"/>
+              <a:t>+ Hướng phát triển</a:t>
+            </a:r>
             <a:endParaRPr lang="en-US"/>
           </a:p>
         </p:txBody>
@@ -7324,7 +7444,7 @@
           <a:p>
             <a:fld id="{DC92D41E-323F-4AC9-A45D-615F59E1C14A}" type="slidenum">
               <a:rPr lang="en-US" smtClean="0"/>
-              <a:t>5</a:t>
+              <a:t>2</a:t>
             </a:fld>
             <a:endParaRPr lang="en-US"/>
           </a:p>
@@ -7333,7 +7453,7 @@
     </p:spTree>
     <p:extLst>
       <p:ext uri="{BB962C8B-B14F-4D97-AF65-F5344CB8AC3E}">
-        <p14:creationId xmlns:p14="http://schemas.microsoft.com/office/powerpoint/2010/main" val="3082665934"/>
+        <p14:creationId xmlns:p14="http://schemas.microsoft.com/office/powerpoint/2010/main" val="522547361"/>
       </p:ext>
     </p:extLst>
   </p:cSld>
@@ -7408,7 +7528,7 @@
           <a:p>
             <a:fld id="{DC92D41E-323F-4AC9-A45D-615F59E1C14A}" type="slidenum">
               <a:rPr lang="en-US" smtClean="0"/>
-              <a:t>6</a:t>
+              <a:t>5</a:t>
             </a:fld>
             <a:endParaRPr lang="en-US"/>
           </a:p>
@@ -7417,7 +7537,7 @@
     </p:spTree>
     <p:extLst>
       <p:ext uri="{BB962C8B-B14F-4D97-AF65-F5344CB8AC3E}">
-        <p14:creationId xmlns:p14="http://schemas.microsoft.com/office/powerpoint/2010/main" val="522547361"/>
+        <p14:creationId xmlns:p14="http://schemas.microsoft.com/office/powerpoint/2010/main" val="3082665934"/>
       </p:ext>
     </p:extLst>
   </p:cSld>
@@ -7492,7 +7612,7 @@
           <a:p>
             <a:fld id="{DC92D41E-323F-4AC9-A45D-615F59E1C14A}" type="slidenum">
               <a:rPr lang="en-US" smtClean="0"/>
-              <a:t>10</a:t>
+              <a:t>6</a:t>
             </a:fld>
             <a:endParaRPr lang="en-US"/>
           </a:p>
@@ -7576,7 +7696,175 @@
           <a:p>
             <a:fld id="{DC92D41E-323F-4AC9-A45D-615F59E1C14A}" type="slidenum">
               <a:rPr lang="en-US" smtClean="0"/>
+              <a:t>10</a:t>
+            </a:fld>
+            <a:endParaRPr lang="en-US"/>
+          </a:p>
+        </p:txBody>
+      </p:sp>
+    </p:spTree>
+    <p:extLst>
+      <p:ext uri="{BB962C8B-B14F-4D97-AF65-F5344CB8AC3E}">
+        <p14:creationId xmlns:p14="http://schemas.microsoft.com/office/powerpoint/2010/main" val="522547361"/>
+      </p:ext>
+    </p:extLst>
+  </p:cSld>
+  <p:clrMapOvr>
+    <a:masterClrMapping/>
+  </p:clrMapOvr>
+</p:notes>
+</file>
+
+<file path=ppt/notesSlides/notesSlide6.xml><?xml version="1.0" encoding="utf-8"?>
+<p:notes xmlns:a="http://schemas.openxmlformats.org/drawingml/2006/main" xmlns:r="http://schemas.openxmlformats.org/officeDocument/2006/relationships" xmlns:p="http://schemas.openxmlformats.org/presentationml/2006/main">
+  <p:cSld>
+    <p:spTree>
+      <p:nvGrpSpPr>
+        <p:cNvPr id="1" name=""/>
+        <p:cNvGrpSpPr/>
+        <p:nvPr/>
+      </p:nvGrpSpPr>
+      <p:grpSpPr>
+        <a:xfrm>
+          <a:off x="0" y="0"/>
+          <a:ext cx="0" cy="0"/>
+          <a:chOff x="0" y="0"/>
+          <a:chExt cx="0" cy="0"/>
+        </a:xfrm>
+      </p:grpSpPr>
+      <p:sp>
+        <p:nvSpPr>
+          <p:cNvPr id="2" name="Slide Image Placeholder 1"/>
+          <p:cNvSpPr>
+            <a:spLocks noGrp="1" noRot="1" noChangeAspect="1"/>
+          </p:cNvSpPr>
+          <p:nvPr>
+            <p:ph type="sldImg"/>
+          </p:nvPr>
+        </p:nvSpPr>
+        <p:spPr/>
+      </p:sp>
+      <p:sp>
+        <p:nvSpPr>
+          <p:cNvPr id="3" name="Notes Placeholder 2"/>
+          <p:cNvSpPr>
+            <a:spLocks noGrp="1"/>
+          </p:cNvSpPr>
+          <p:nvPr>
+            <p:ph type="body" idx="1"/>
+          </p:nvPr>
+        </p:nvSpPr>
+        <p:spPr/>
+        <p:txBody>
+          <a:bodyPr/>
+          <a:lstStyle/>
+          <a:p>
+            <a:endParaRPr lang="en-US"/>
+          </a:p>
+        </p:txBody>
+      </p:sp>
+      <p:sp>
+        <p:nvSpPr>
+          <p:cNvPr id="4" name="Slide Number Placeholder 3"/>
+          <p:cNvSpPr>
+            <a:spLocks noGrp="1"/>
+          </p:cNvSpPr>
+          <p:nvPr>
+            <p:ph type="sldNum" sz="quarter" idx="10"/>
+          </p:nvPr>
+        </p:nvSpPr>
+        <p:spPr/>
+        <p:txBody>
+          <a:bodyPr/>
+          <a:lstStyle/>
+          <a:p>
+            <a:fld id="{DC92D41E-323F-4AC9-A45D-615F59E1C14A}" type="slidenum">
+              <a:rPr lang="en-US" smtClean="0"/>
               <a:t>39</a:t>
+            </a:fld>
+            <a:endParaRPr lang="en-US"/>
+          </a:p>
+        </p:txBody>
+      </p:sp>
+    </p:spTree>
+    <p:extLst>
+      <p:ext uri="{BB962C8B-B14F-4D97-AF65-F5344CB8AC3E}">
+        <p14:creationId xmlns:p14="http://schemas.microsoft.com/office/powerpoint/2010/main" val="522547361"/>
+      </p:ext>
+    </p:extLst>
+  </p:cSld>
+  <p:clrMapOvr>
+    <a:masterClrMapping/>
+  </p:clrMapOvr>
+</p:notes>
+</file>
+
+<file path=ppt/notesSlides/notesSlide7.xml><?xml version="1.0" encoding="utf-8"?>
+<p:notes xmlns:a="http://schemas.openxmlformats.org/drawingml/2006/main" xmlns:r="http://schemas.openxmlformats.org/officeDocument/2006/relationships" xmlns:p="http://schemas.openxmlformats.org/presentationml/2006/main">
+  <p:cSld>
+    <p:spTree>
+      <p:nvGrpSpPr>
+        <p:cNvPr id="1" name=""/>
+        <p:cNvGrpSpPr/>
+        <p:nvPr/>
+      </p:nvGrpSpPr>
+      <p:grpSpPr>
+        <a:xfrm>
+          <a:off x="0" y="0"/>
+          <a:ext cx="0" cy="0"/>
+          <a:chOff x="0" y="0"/>
+          <a:chExt cx="0" cy="0"/>
+        </a:xfrm>
+      </p:grpSpPr>
+      <p:sp>
+        <p:nvSpPr>
+          <p:cNvPr id="2" name="Slide Image Placeholder 1"/>
+          <p:cNvSpPr>
+            <a:spLocks noGrp="1" noRot="1" noChangeAspect="1"/>
+          </p:cNvSpPr>
+          <p:nvPr>
+            <p:ph type="sldImg"/>
+          </p:nvPr>
+        </p:nvSpPr>
+        <p:spPr/>
+      </p:sp>
+      <p:sp>
+        <p:nvSpPr>
+          <p:cNvPr id="3" name="Notes Placeholder 2"/>
+          <p:cNvSpPr>
+            <a:spLocks noGrp="1"/>
+          </p:cNvSpPr>
+          <p:nvPr>
+            <p:ph type="body" idx="1"/>
+          </p:nvPr>
+        </p:nvSpPr>
+        <p:spPr/>
+        <p:txBody>
+          <a:bodyPr/>
+          <a:lstStyle/>
+          <a:p>
+            <a:endParaRPr lang="en-US"/>
+          </a:p>
+        </p:txBody>
+      </p:sp>
+      <p:sp>
+        <p:nvSpPr>
+          <p:cNvPr id="4" name="Slide Number Placeholder 3"/>
+          <p:cNvSpPr>
+            <a:spLocks noGrp="1"/>
+          </p:cNvSpPr>
+          <p:nvPr>
+            <p:ph type="sldNum" sz="quarter" idx="10"/>
+          </p:nvPr>
+        </p:nvSpPr>
+        <p:spPr/>
+        <p:txBody>
+          <a:bodyPr/>
+          <a:lstStyle/>
+          <a:p>
+            <a:fld id="{DC92D41E-323F-4AC9-A45D-615F59E1C14A}" type="slidenum">
+              <a:rPr lang="en-US" smtClean="0"/>
+              <a:t>41</a:t>
             </a:fld>
             <a:endParaRPr lang="en-US"/>
           </a:p>
@@ -7738,7 +8026,7 @@
           <a:p>
             <a:fld id="{98E53CD6-F281-440F-95C0-155B06F988DD}" type="datetime1">
               <a:rPr lang="en-US" smtClean="0"/>
-              <a:t>7/12/2012</a:t>
+              <a:t>15/07/2012</a:t>
             </a:fld>
             <a:endParaRPr lang="en-US"/>
           </a:p>
@@ -8105,7 +8393,7 @@
           <a:p>
             <a:fld id="{FB75CA1C-FAAE-452B-A9A0-04274597E91C}" type="datetime1">
               <a:rPr lang="en-US" smtClean="0"/>
-              <a:t>7/12/2012</a:t>
+              <a:t>15/07/2012</a:t>
             </a:fld>
             <a:endParaRPr lang="en-US"/>
           </a:p>
@@ -8288,7 +8576,7 @@
           <a:p>
             <a:fld id="{E540F00F-61E9-41D9-8B9F-E60823CC2B8F}" type="datetime1">
               <a:rPr lang="en-US" smtClean="0"/>
-              <a:t>7/12/2012</a:t>
+              <a:t>15/07/2012</a:t>
             </a:fld>
             <a:endParaRPr lang="en-US"/>
           </a:p>
@@ -8650,7 +8938,7 @@
             <a:fld id="{FCC16894-5FBA-4AA1-B4C4-F198F8BAB8EE}" type="datetime1">
               <a:rPr lang="en-US" smtClean="0"/>
               <a:pPr/>
-              <a:t>7/12/2012</a:t>
+              <a:t>15/07/2012</a:t>
             </a:fld>
             <a:endParaRPr lang="en-US" dirty="0"/>
           </a:p>
@@ -8771,11 +9059,11 @@
   <p:clrMapOvr>
     <a:masterClrMapping/>
   </p:clrMapOvr>
-  <mc:AlternateContent xmlns:mc="http://schemas.openxmlformats.org/markup-compatibility/2006">
-    <mc:Choice xmlns:p14="http://schemas.microsoft.com/office/powerpoint/2010/main" Requires="p14">
+  <mc:AlternateContent xmlns:mc="http://schemas.openxmlformats.org/markup-compatibility/2006" xmlns:p14="http://schemas.microsoft.com/office/powerpoint/2010/main">
+    <mc:Choice Requires="p14">
       <p:transition p14:dur="0"/>
     </mc:Choice>
-    <mc:Fallback>
+    <mc:Fallback xmlns="">
       <p:transition/>
     </mc:Fallback>
   </mc:AlternateContent>
@@ -8945,7 +9233,7 @@
           <a:p>
             <a:fld id="{9880AB46-C2F8-4CED-B046-C9421EE9131E}" type="datetime1">
               <a:rPr lang="en-US" smtClean="0"/>
-              <a:t>7/12/2012</a:t>
+              <a:t>15/07/2012</a:t>
             </a:fld>
             <a:endParaRPr lang="en-US"/>
           </a:p>
@@ -9173,7 +9461,7 @@
           <a:p>
             <a:fld id="{F6B66E23-1D74-4A80-8615-71C9FAF9CB48}" type="datetime1">
               <a:rPr lang="en-US" smtClean="0"/>
-              <a:t>7/12/2012</a:t>
+              <a:t>15/07/2012</a:t>
             </a:fld>
             <a:endParaRPr lang="en-US"/>
           </a:p>
@@ -9533,7 +9821,7 @@
           <a:p>
             <a:fld id="{A10E77F1-F8E5-43F5-B86A-173865D1D665}" type="datetime1">
               <a:rPr lang="en-US" smtClean="0"/>
-              <a:t>7/12/2012</a:t>
+              <a:t>15/07/2012</a:t>
             </a:fld>
             <a:endParaRPr lang="en-US"/>
           </a:p>
@@ -9773,7 +10061,7 @@
           <a:p>
             <a:fld id="{B659CF7B-1899-4ABD-B618-B12586A70191}" type="datetime1">
               <a:rPr lang="en-US" smtClean="0"/>
-              <a:t>7/12/2012</a:t>
+              <a:t>15/07/2012</a:t>
             </a:fld>
             <a:endParaRPr lang="en-US"/>
           </a:p>
@@ -9921,7 +10209,7 @@
           <a:p>
             <a:fld id="{60C46DD3-79D0-4ECB-8390-8FA1280DAC51}" type="datetime1">
               <a:rPr lang="en-US" smtClean="0"/>
-              <a:t>7/12/2012</a:t>
+              <a:t>15/07/2012</a:t>
             </a:fld>
             <a:endParaRPr lang="en-US"/>
           </a:p>
@@ -10206,7 +10494,7 @@
           <a:p>
             <a:fld id="{0124066E-2945-4D2F-A208-2B84FC462117}" type="datetime1">
               <a:rPr lang="en-US" smtClean="0"/>
-              <a:t>7/12/2012</a:t>
+              <a:t>15/07/2012</a:t>
             </a:fld>
             <a:endParaRPr lang="en-US"/>
           </a:p>
@@ -10614,7 +10902,7 @@
           <a:p>
             <a:fld id="{F968A740-1A17-4B3D-8A72-ABA7683113B5}" type="datetime1">
               <a:rPr lang="en-US" smtClean="0"/>
-              <a:t>7/12/2012</a:t>
+              <a:t>15/07/2012</a:t>
             </a:fld>
             <a:endParaRPr lang="en-US"/>
           </a:p>
@@ -10953,7 +11241,7 @@
           <a:p>
             <a:fld id="{30E94C64-AEEC-434B-B2FC-071CE6512757}" type="datetime1">
               <a:rPr lang="en-US" smtClean="0"/>
-              <a:t>7/12/2012</a:t>
+              <a:t>15/07/2012</a:t>
             </a:fld>
             <a:endParaRPr lang="en-US" dirty="0"/>
           </a:p>
@@ -11551,7 +11839,7 @@
           <a:p>
             <a:fld id="{6D05353F-0162-4E3B-A5E6-0D37264D06A7}" type="datetime1">
               <a:rPr lang="en-US" smtClean="0"/>
-              <a:t>7/12/2012</a:t>
+              <a:t>15/07/2012</a:t>
             </a:fld>
             <a:endParaRPr lang="en-US" dirty="0"/>
           </a:p>
@@ -11671,7 +11959,7 @@
           <p:nvPr/>
         </p:nvPicPr>
         <p:blipFill>
-          <a:blip r:embed="rId2" cstate="print">
+          <a:blip r:embed="rId3" cstate="print">
             <a:extLst>
               <a:ext uri="{28A0092B-C50C-407E-A947-70E740481C1C}">
                 <a14:useLocalDpi xmlns:a14="http://schemas.microsoft.com/office/drawing/2010/main" val="0"/>
@@ -11906,16 +12194,22 @@
               <a:t> </a:t>
             </a:r>
             <a:r>
-              <a:rPr lang="en-US" dirty="0" err="1" smtClean="0"/>
+              <a:rPr lang="en-US" err="1" smtClean="0"/>
               <a:t>tương</a:t>
             </a:r>
             <a:r>
-              <a:rPr lang="en-US" dirty="0" smtClean="0"/>
-              <a:t> </a:t>
-            </a:r>
-            <a:r>
-              <a:rPr lang="en-US" dirty="0" err="1" smtClean="0"/>
+              <a:rPr lang="en-US" smtClean="0"/>
+              <a:t> </a:t>
+            </a:r>
+            <a:r>
+              <a:rPr lang="en-US" smtClean="0"/>
               <a:t>tác</a:t>
+            </a:r>
+          </a:p>
+          <a:p>
+            <a:r>
+              <a:rPr lang="en-US" smtClean="0"/>
+              <a:t>Hạn chế</a:t>
             </a:r>
             <a:endParaRPr lang="en-US" dirty="0" smtClean="0"/>
           </a:p>
@@ -12001,7 +12295,7 @@
           <a:p>
             <a:fld id="{B897EA51-552A-472F-B6A5-1B26DAFDA035}" type="datetime1">
               <a:rPr lang="en-US" smtClean="0"/>
-              <a:t>7/12/2012</a:t>
+              <a:t>15/07/2012</a:t>
             </a:fld>
             <a:endParaRPr lang="en-US"/>
           </a:p>
@@ -12123,11 +12417,11 @@
   <p:clrMapOvr>
     <a:masterClrMapping/>
   </p:clrMapOvr>
-  <mc:AlternateContent xmlns:mc="http://schemas.openxmlformats.org/markup-compatibility/2006">
-    <mc:Choice xmlns:p14="http://schemas.microsoft.com/office/powerpoint/2010/main" Requires="p14">
+  <mc:AlternateContent xmlns:mc="http://schemas.openxmlformats.org/markup-compatibility/2006" xmlns:p14="http://schemas.microsoft.com/office/powerpoint/2010/main">
+    <mc:Choice Requires="p14">
       <p:transition p14:dur="0"/>
     </mc:Choice>
-    <mc:Fallback>
+    <mc:Fallback xmlns="">
       <p:transition/>
     </mc:Fallback>
   </mc:AlternateContent>
@@ -12304,7 +12598,15 @@
             </a:r>
             <a:r>
               <a:rPr lang="en-US" dirty="0" smtClean="0"/>
-              <a:t> Use Case</a:t>
+              <a:t> </a:t>
+            </a:r>
+            <a:r>
+              <a:rPr lang="en-US" smtClean="0"/>
+              <a:t>Use </a:t>
+            </a:r>
+            <a:r>
+              <a:rPr lang="en-US" smtClean="0"/>
+              <a:t>Case (1/3)</a:t>
             </a:r>
             <a:endParaRPr lang="en-US" dirty="0"/>
           </a:p>
@@ -12328,7 +12630,7 @@
             <a:fld id="{FCC16894-5FBA-4AA1-B4C4-F198F8BAB8EE}" type="datetime1">
               <a:rPr lang="en-US" smtClean="0"/>
               <a:pPr/>
-              <a:t>7/12/2012</a:t>
+              <a:t>15/07/2012</a:t>
             </a:fld>
             <a:endParaRPr lang="en-US" dirty="0"/>
           </a:p>
@@ -12426,11 +12728,11 @@
   <p:clrMapOvr>
     <a:masterClrMapping/>
   </p:clrMapOvr>
-  <mc:AlternateContent xmlns:mc="http://schemas.openxmlformats.org/markup-compatibility/2006">
-    <mc:Choice xmlns:p14="http://schemas.microsoft.com/office/powerpoint/2010/main" Requires="p14">
+  <mc:AlternateContent xmlns:mc="http://schemas.openxmlformats.org/markup-compatibility/2006" xmlns:p14="http://schemas.microsoft.com/office/powerpoint/2010/main">
+    <mc:Choice Requires="p14">
       <p:transition p14:dur="0"/>
     </mc:Choice>
-    <mc:Fallback>
+    <mc:Fallback xmlns="">
       <p:transition/>
     </mc:Fallback>
   </mc:AlternateContent>
@@ -12490,15 +12792,15 @@
             </a:r>
             <a:r>
               <a:rPr lang="en-US" dirty="0" smtClean="0"/>
-              <a:t> Use Case (</a:t>
-            </a:r>
-            <a:r>
-              <a:rPr lang="en-US" dirty="0" err="1" smtClean="0"/>
-              <a:t>tt</a:t>
-            </a:r>
-            <a:r>
-              <a:rPr lang="en-US" dirty="0" smtClean="0"/>
-              <a:t>)</a:t>
+              <a:t> Use </a:t>
+            </a:r>
+            <a:r>
+              <a:rPr lang="en-US" smtClean="0"/>
+              <a:t>Case </a:t>
+            </a:r>
+            <a:r>
+              <a:rPr lang="en-US" smtClean="0"/>
+              <a:t>(2/3)</a:t>
             </a:r>
             <a:endParaRPr lang="en-US" dirty="0"/>
           </a:p>
@@ -12522,7 +12824,7 @@
             <a:fld id="{FCC16894-5FBA-4AA1-B4C4-F198F8BAB8EE}" type="datetime1">
               <a:rPr lang="en-US" smtClean="0"/>
               <a:pPr/>
-              <a:t>7/12/2012</a:t>
+              <a:t>15/07/2012</a:t>
             </a:fld>
             <a:endParaRPr lang="en-US" dirty="0"/>
           </a:p>
@@ -12620,11 +12922,11 @@
   <p:clrMapOvr>
     <a:masterClrMapping/>
   </p:clrMapOvr>
-  <mc:AlternateContent xmlns:mc="http://schemas.openxmlformats.org/markup-compatibility/2006">
-    <mc:Choice xmlns:p14="http://schemas.microsoft.com/office/powerpoint/2010/main" Requires="p14">
+  <mc:AlternateContent xmlns:mc="http://schemas.openxmlformats.org/markup-compatibility/2006" xmlns:p14="http://schemas.microsoft.com/office/powerpoint/2010/main">
+    <mc:Choice Requires="p14">
       <p:transition p14:dur="0"/>
     </mc:Choice>
-    <mc:Fallback>
+    <mc:Fallback xmlns="">
       <p:transition/>
     </mc:Fallback>
   </mc:AlternateContent>
@@ -12684,15 +12986,15 @@
             </a:r>
             <a:r>
               <a:rPr lang="en-US" dirty="0" smtClean="0"/>
-              <a:t> Use Case (</a:t>
-            </a:r>
-            <a:r>
-              <a:rPr lang="en-US" dirty="0" err="1" smtClean="0"/>
-              <a:t>tt</a:t>
-            </a:r>
-            <a:r>
-              <a:rPr lang="en-US" dirty="0" smtClean="0"/>
-              <a:t>)</a:t>
+              <a:t> Use </a:t>
+            </a:r>
+            <a:r>
+              <a:rPr lang="en-US" smtClean="0"/>
+              <a:t>Case </a:t>
+            </a:r>
+            <a:r>
+              <a:rPr lang="en-US" smtClean="0"/>
+              <a:t>(3/3)</a:t>
             </a:r>
             <a:endParaRPr lang="en-US" dirty="0"/>
           </a:p>
@@ -12716,7 +13018,7 @@
             <a:fld id="{FCC16894-5FBA-4AA1-B4C4-F198F8BAB8EE}" type="datetime1">
               <a:rPr lang="en-US" smtClean="0"/>
               <a:pPr/>
-              <a:t>7/12/2012</a:t>
+              <a:t>15/07/2012</a:t>
             </a:fld>
             <a:endParaRPr lang="en-US" dirty="0"/>
           </a:p>
@@ -12826,11 +13128,11 @@
   <p:clrMapOvr>
     <a:masterClrMapping/>
   </p:clrMapOvr>
-  <mc:AlternateContent xmlns:mc="http://schemas.openxmlformats.org/markup-compatibility/2006">
-    <mc:Choice xmlns:p14="http://schemas.microsoft.com/office/powerpoint/2010/main" Requires="p14">
+  <mc:AlternateContent xmlns:mc="http://schemas.openxmlformats.org/markup-compatibility/2006" xmlns:p14="http://schemas.microsoft.com/office/powerpoint/2010/main">
+    <mc:Choice Requires="p14">
       <p:transition p14:dur="0"/>
     </mc:Choice>
-    <mc:Fallback>
+    <mc:Fallback xmlns="">
       <p:transition/>
     </mc:Fallback>
   </mc:AlternateContent>
@@ -12942,7 +13244,7 @@
             <a:fld id="{FCC16894-5FBA-4AA1-B4C4-F198F8BAB8EE}" type="datetime1">
               <a:rPr lang="en-US" smtClean="0"/>
               <a:pPr/>
-              <a:t>7/12/2012</a:t>
+              <a:t>15/07/2012</a:t>
             </a:fld>
             <a:endParaRPr lang="en-US" dirty="0"/>
           </a:p>
@@ -13035,11 +13337,11 @@
   <p:clrMapOvr>
     <a:masterClrMapping/>
   </p:clrMapOvr>
-  <mc:AlternateContent xmlns:mc="http://schemas.openxmlformats.org/markup-compatibility/2006">
-    <mc:Choice xmlns:p14="http://schemas.microsoft.com/office/powerpoint/2010/main" Requires="p14">
+  <mc:AlternateContent xmlns:mc="http://schemas.openxmlformats.org/markup-compatibility/2006" xmlns:p14="http://schemas.microsoft.com/office/powerpoint/2010/main">
+    <mc:Choice Requires="p14">
       <p:transition p14:dur="0"/>
     </mc:Choice>
-    <mc:Fallback>
+    <mc:Fallback xmlns="">
       <p:transition/>
     </mc:Fallback>
   </mc:AlternateContent>
@@ -13233,7 +13535,7 @@
           <a:graphicData uri="http://schemas.openxmlformats.org/presentationml/2006/ole">
             <mc:AlternateContent xmlns:mc="http://schemas.openxmlformats.org/markup-compatibility/2006">
               <mc:Choice xmlns:v="urn:schemas-microsoft-com:vml" Requires="v">
-                <p:oleObj spid="_x0000_s10258" name="Visio" r:id="rId3" imgW="6688055" imgH="2661113" progId="Visio.Drawing.11">
+                <p:oleObj spid="_x0000_s10261" name="Visio" r:id="rId3" imgW="6688055" imgH="2661113" progId="Visio.Drawing.11">
                   <p:embed/>
                 </p:oleObj>
               </mc:Choice>
@@ -13290,7 +13592,7 @@
           <a:p>
             <a:fld id="{1CF8059D-E1B3-49E1-9B7E-0DF1A497220F}" type="datetime1">
               <a:rPr lang="en-US" smtClean="0"/>
-              <a:t>7/12/2012</a:t>
+              <a:t>15/07/2012</a:t>
             </a:fld>
             <a:endParaRPr lang="en-US"/>
           </a:p>
@@ -13348,11 +13650,11 @@
   <p:clrMapOvr>
     <a:masterClrMapping/>
   </p:clrMapOvr>
-  <mc:AlternateContent xmlns:mc="http://schemas.openxmlformats.org/markup-compatibility/2006">
-    <mc:Choice xmlns:p14="http://schemas.microsoft.com/office/powerpoint/2010/main" Requires="p14">
+  <mc:AlternateContent xmlns:mc="http://schemas.openxmlformats.org/markup-compatibility/2006" xmlns:p14="http://schemas.microsoft.com/office/powerpoint/2010/main">
+    <mc:Choice Requires="p14">
       <p:transition p14:dur="0"/>
     </mc:Choice>
-    <mc:Fallback>
+    <mc:Fallback xmlns="">
       <p:transition/>
     </mc:Fallback>
   </mc:AlternateContent>
@@ -13712,7 +14014,7 @@
           <a:p>
             <a:fld id="{E8E19C0F-210C-4F3E-85A3-AB245ECA8099}" type="datetime1">
               <a:rPr lang="en-US" smtClean="0"/>
-              <a:t>7/12/2012</a:t>
+              <a:t>15/07/2012</a:t>
             </a:fld>
             <a:endParaRPr lang="en-US"/>
           </a:p>
@@ -13770,11 +14072,11 @@
   <p:clrMapOvr>
     <a:masterClrMapping/>
   </p:clrMapOvr>
-  <mc:AlternateContent xmlns:mc="http://schemas.openxmlformats.org/markup-compatibility/2006">
-    <mc:Choice xmlns:p14="http://schemas.microsoft.com/office/powerpoint/2010/main" Requires="p14">
+  <mc:AlternateContent xmlns:mc="http://schemas.openxmlformats.org/markup-compatibility/2006" xmlns:p14="http://schemas.microsoft.com/office/powerpoint/2010/main">
+    <mc:Choice Requires="p14">
       <p:transition p14:dur="0"/>
     </mc:Choice>
-    <mc:Fallback>
+    <mc:Fallback xmlns="">
       <p:transition/>
     </mc:Fallback>
   </mc:AlternateContent>
@@ -13892,7 +14194,7 @@
             <a:fld id="{FCC16894-5FBA-4AA1-B4C4-F198F8BAB8EE}" type="datetime1">
               <a:rPr lang="en-US" smtClean="0"/>
               <a:pPr/>
-              <a:t>7/12/2012</a:t>
+              <a:t>15/07/2012</a:t>
             </a:fld>
             <a:endParaRPr lang="en-US" dirty="0"/>
           </a:p>
@@ -14014,11 +14316,11 @@
   <p:clrMapOvr>
     <a:masterClrMapping/>
   </p:clrMapOvr>
-  <mc:AlternateContent xmlns:mc="http://schemas.openxmlformats.org/markup-compatibility/2006">
-    <mc:Choice xmlns:p14="http://schemas.microsoft.com/office/powerpoint/2010/main" Requires="p14">
+  <mc:AlternateContent xmlns:mc="http://schemas.openxmlformats.org/markup-compatibility/2006" xmlns:p14="http://schemas.microsoft.com/office/powerpoint/2010/main">
+    <mc:Choice Requires="p14">
       <p:transition p14:dur="0"/>
     </mc:Choice>
-    <mc:Fallback>
+    <mc:Fallback xmlns="">
       <p:transition/>
     </mc:Fallback>
   </mc:AlternateContent>
@@ -14152,7 +14454,7 @@
             <a:fld id="{FCC16894-5FBA-4AA1-B4C4-F198F8BAB8EE}" type="datetime1">
               <a:rPr lang="en-US" smtClean="0"/>
               <a:pPr/>
-              <a:t>7/12/2012</a:t>
+              <a:t>15/07/2012</a:t>
             </a:fld>
             <a:endParaRPr lang="en-US" dirty="0"/>
           </a:p>
@@ -14232,11 +14534,11 @@
   <p:clrMapOvr>
     <a:masterClrMapping/>
   </p:clrMapOvr>
-  <mc:AlternateContent xmlns:mc="http://schemas.openxmlformats.org/markup-compatibility/2006">
-    <mc:Choice xmlns:p14="http://schemas.microsoft.com/office/powerpoint/2010/main" Requires="p14">
+  <mc:AlternateContent xmlns:mc="http://schemas.openxmlformats.org/markup-compatibility/2006" xmlns:p14="http://schemas.microsoft.com/office/powerpoint/2010/main">
+    <mc:Choice Requires="p14">
       <p:transition p14:dur="0"/>
     </mc:Choice>
-    <mc:Fallback>
+    <mc:Fallback xmlns="">
       <p:transition/>
     </mc:Fallback>
   </mc:AlternateContent>
@@ -14379,7 +14681,7 @@
             <a:fld id="{FCC16894-5FBA-4AA1-B4C4-F198F8BAB8EE}" type="datetime1">
               <a:rPr lang="en-US" smtClean="0"/>
               <a:pPr/>
-              <a:t>7/13/2012</a:t>
+              <a:t>15/07/2012</a:t>
             </a:fld>
             <a:endParaRPr lang="en-US" dirty="0"/>
           </a:p>
@@ -14459,11 +14761,11 @@
   <p:clrMapOvr>
     <a:masterClrMapping/>
   </p:clrMapOvr>
-  <mc:AlternateContent xmlns:mc="http://schemas.openxmlformats.org/markup-compatibility/2006">
-    <mc:Choice xmlns:p14="http://schemas.microsoft.com/office/powerpoint/2010/main" Requires="p14">
+  <mc:AlternateContent xmlns:mc="http://schemas.openxmlformats.org/markup-compatibility/2006" xmlns:p14="http://schemas.microsoft.com/office/powerpoint/2010/main">
+    <mc:Choice Requires="p14">
       <p:transition p14:dur="0"/>
     </mc:Choice>
-    <mc:Fallback>
+    <mc:Fallback xmlns="">
       <p:transition/>
     </mc:Fallback>
   </mc:AlternateContent>
@@ -14663,16 +14965,22 @@
               <a:t> </a:t>
             </a:r>
             <a:r>
-              <a:rPr lang="en-US" dirty="0" err="1" smtClean="0"/>
+              <a:rPr lang="en-US" err="1" smtClean="0"/>
               <a:t>tương</a:t>
             </a:r>
             <a:r>
-              <a:rPr lang="en-US" dirty="0" smtClean="0"/>
-              <a:t> </a:t>
-            </a:r>
-            <a:r>
-              <a:rPr lang="en-US" dirty="0" err="1" smtClean="0"/>
+              <a:rPr lang="en-US" smtClean="0"/>
+              <a:t> </a:t>
+            </a:r>
+            <a:r>
+              <a:rPr lang="en-US" smtClean="0"/>
               <a:t>tác</a:t>
+            </a:r>
+          </a:p>
+          <a:p>
+            <a:r>
+              <a:rPr lang="en-US" smtClean="0"/>
+              <a:t>Hạn chế</a:t>
             </a:r>
             <a:endParaRPr lang="en-US" dirty="0" smtClean="0"/>
           </a:p>
@@ -14758,7 +15066,7 @@
           <a:p>
             <a:fld id="{4945124A-6CC2-4A17-8300-111F1CDA69D3}" type="datetime1">
               <a:rPr lang="en-US" smtClean="0"/>
-              <a:t>7/12/2012</a:t>
+              <a:t>15/07/2012</a:t>
             </a:fld>
             <a:endParaRPr lang="en-US"/>
           </a:p>
@@ -14880,11 +15188,11 @@
   <p:clrMapOvr>
     <a:masterClrMapping/>
   </p:clrMapOvr>
-  <mc:AlternateContent xmlns:mc="http://schemas.openxmlformats.org/markup-compatibility/2006">
-    <mc:Choice xmlns:p14="http://schemas.microsoft.com/office/powerpoint/2010/main" Requires="p14">
+  <mc:AlternateContent xmlns:mc="http://schemas.openxmlformats.org/markup-compatibility/2006" xmlns:p14="http://schemas.microsoft.com/office/powerpoint/2010/main">
+    <mc:Choice Requires="p14">
       <p:transition p14:dur="0"/>
     </mc:Choice>
-    <mc:Fallback>
+    <mc:Fallback xmlns="">
       <p:transition/>
     </mc:Fallback>
   </mc:AlternateContent>
@@ -15064,16 +15372,16 @@
               <a:t> </a:t>
             </a:r>
             <a:r>
-              <a:rPr lang="en-US" dirty="0" err="1" smtClean="0"/>
+              <a:rPr lang="en-US" err="1" smtClean="0"/>
               <a:t>Dự</a:t>
             </a:r>
             <a:r>
-              <a:rPr lang="en-US" dirty="0" smtClean="0"/>
-              <a:t> </a:t>
-            </a:r>
-            <a:r>
-              <a:rPr lang="en-US" dirty="0" err="1" smtClean="0"/>
-              <a:t>Án</a:t>
+              <a:rPr lang="en-US" smtClean="0"/>
+              <a:t> </a:t>
+            </a:r>
+            <a:r>
+              <a:rPr lang="en-US" smtClean="0"/>
+              <a:t>Án (1/2)</a:t>
             </a:r>
             <a:endParaRPr lang="en-US" dirty="0"/>
           </a:p>
@@ -15156,7 +15464,7 @@
             <a:fld id="{FCC16894-5FBA-4AA1-B4C4-F198F8BAB8EE}" type="datetime1">
               <a:rPr lang="en-US" smtClean="0"/>
               <a:pPr/>
-              <a:t>7/12/2012</a:t>
+              <a:t>15/07/2012</a:t>
             </a:fld>
             <a:endParaRPr lang="en-US" dirty="0"/>
           </a:p>
@@ -15247,11 +15555,11 @@
   <p:clrMapOvr>
     <a:masterClrMapping/>
   </p:clrMapOvr>
-  <mc:AlternateContent xmlns:mc="http://schemas.openxmlformats.org/markup-compatibility/2006">
-    <mc:Choice xmlns:p14="http://schemas.microsoft.com/office/powerpoint/2010/main" Requires="p14">
+  <mc:AlternateContent xmlns:mc="http://schemas.openxmlformats.org/markup-compatibility/2006" xmlns:p14="http://schemas.microsoft.com/office/powerpoint/2010/main">
+    <mc:Choice Requires="p14">
       <p:transition p14:dur="0"/>
     </mc:Choice>
-    <mc:Fallback>
+    <mc:Fallback xmlns="">
       <p:transition/>
     </mc:Fallback>
   </mc:AlternateContent>
@@ -15322,20 +15630,16 @@
               <a:t> </a:t>
             </a:r>
             <a:r>
-              <a:rPr lang="en-US" dirty="0" err="1" smtClean="0"/>
+              <a:rPr lang="en-US" err="1" smtClean="0"/>
               <a:t>Án</a:t>
             </a:r>
             <a:r>
-              <a:rPr lang="en-US" dirty="0" smtClean="0"/>
-              <a:t> (</a:t>
-            </a:r>
-            <a:r>
-              <a:rPr lang="en-US" dirty="0" err="1" smtClean="0"/>
-              <a:t>tt</a:t>
-            </a:r>
-            <a:r>
-              <a:rPr lang="en-US" dirty="0" smtClean="0"/>
-              <a:t>)</a:t>
+              <a:rPr lang="en-US" smtClean="0"/>
+              <a:t> </a:t>
+            </a:r>
+            <a:r>
+              <a:rPr lang="en-US" smtClean="0"/>
+              <a:t>(2/2)</a:t>
             </a:r>
             <a:endParaRPr lang="en-US" dirty="0"/>
           </a:p>
@@ -15422,7 +15726,7 @@
             <a:fld id="{FCC16894-5FBA-4AA1-B4C4-F198F8BAB8EE}" type="datetime1">
               <a:rPr lang="en-US" smtClean="0"/>
               <a:pPr/>
-              <a:t>7/12/2012</a:t>
+              <a:t>15/07/2012</a:t>
             </a:fld>
             <a:endParaRPr lang="en-US" dirty="0"/>
           </a:p>
@@ -15502,11 +15806,11 @@
   <p:clrMapOvr>
     <a:masterClrMapping/>
   </p:clrMapOvr>
-  <mc:AlternateContent xmlns:mc="http://schemas.openxmlformats.org/markup-compatibility/2006">
-    <mc:Choice xmlns:p14="http://schemas.microsoft.com/office/powerpoint/2010/main" Requires="p14">
+  <mc:AlternateContent xmlns:mc="http://schemas.openxmlformats.org/markup-compatibility/2006" xmlns:p14="http://schemas.microsoft.com/office/powerpoint/2010/main">
+    <mc:Choice Requires="p14">
       <p:transition p14:dur="0"/>
     </mc:Choice>
-    <mc:Fallback>
+    <mc:Fallback xmlns="">
       <p:transition/>
     </mc:Fallback>
   </mc:AlternateContent>
@@ -15719,7 +16023,7 @@
             <a:fld id="{FCC16894-5FBA-4AA1-B4C4-F198F8BAB8EE}" type="datetime1">
               <a:rPr lang="en-US" smtClean="0"/>
               <a:pPr/>
-              <a:t>7/12/2012</a:t>
+              <a:t>15/07/2012</a:t>
             </a:fld>
             <a:endParaRPr lang="en-US" dirty="0"/>
           </a:p>
@@ -15841,11 +16145,11 @@
   <p:clrMapOvr>
     <a:masterClrMapping/>
   </p:clrMapOvr>
-  <mc:AlternateContent xmlns:mc="http://schemas.openxmlformats.org/markup-compatibility/2006">
-    <mc:Choice xmlns:p14="http://schemas.microsoft.com/office/powerpoint/2010/main" Requires="p14">
+  <mc:AlternateContent xmlns:mc="http://schemas.openxmlformats.org/markup-compatibility/2006" xmlns:p14="http://schemas.microsoft.com/office/powerpoint/2010/main">
+    <mc:Choice Requires="p14">
       <p:transition p14:dur="0"/>
     </mc:Choice>
-    <mc:Fallback>
+    <mc:Fallback xmlns="">
       <p:transition/>
     </mc:Fallback>
   </mc:AlternateContent>
@@ -16150,7 +16454,7 @@
             <a:fld id="{FCC16894-5FBA-4AA1-B4C4-F198F8BAB8EE}" type="datetime1">
               <a:rPr lang="en-US" smtClean="0"/>
               <a:pPr/>
-              <a:t>7/12/2012</a:t>
+              <a:t>15/07/2012</a:t>
             </a:fld>
             <a:endParaRPr lang="en-US" dirty="0"/>
           </a:p>
@@ -16208,11 +16512,11 @@
   <p:clrMapOvr>
     <a:masterClrMapping/>
   </p:clrMapOvr>
-  <mc:AlternateContent xmlns:mc="http://schemas.openxmlformats.org/markup-compatibility/2006">
-    <mc:Choice xmlns:p14="http://schemas.microsoft.com/office/powerpoint/2010/main" Requires="p14">
+  <mc:AlternateContent xmlns:mc="http://schemas.openxmlformats.org/markup-compatibility/2006" xmlns:p14="http://schemas.microsoft.com/office/powerpoint/2010/main">
+    <mc:Choice Requires="p14">
       <p:transition p14:dur="0"/>
     </mc:Choice>
-    <mc:Fallback>
+    <mc:Fallback xmlns="">
       <p:transition/>
     </mc:Fallback>
   </mc:AlternateContent>
@@ -16262,7 +16566,7 @@
             <a:fld id="{FCC16894-5FBA-4AA1-B4C4-F198F8BAB8EE}" type="datetime1">
               <a:rPr lang="en-US" smtClean="0"/>
               <a:pPr algn="r"/>
-              <a:t>7/12/2012</a:t>
+              <a:t>15/07/2012</a:t>
             </a:fld>
             <a:endParaRPr lang="en-US" dirty="0"/>
           </a:p>
@@ -16479,7 +16783,7 @@
             <a:fld id="{FCC16894-5FBA-4AA1-B4C4-F198F8BAB8EE}" type="datetime1">
               <a:rPr lang="en-US" smtClean="0"/>
               <a:pPr/>
-              <a:t>7/12/2012</a:t>
+              <a:t>15/07/2012</a:t>
             </a:fld>
             <a:endParaRPr lang="en-US" dirty="0"/>
           </a:p>
@@ -16559,11 +16863,11 @@
   <p:clrMapOvr>
     <a:masterClrMapping/>
   </p:clrMapOvr>
-  <mc:AlternateContent xmlns:mc="http://schemas.openxmlformats.org/markup-compatibility/2006">
-    <mc:Choice xmlns:p14="http://schemas.microsoft.com/office/powerpoint/2010/main" Requires="p14">
+  <mc:AlternateContent xmlns:mc="http://schemas.openxmlformats.org/markup-compatibility/2006" xmlns:p14="http://schemas.microsoft.com/office/powerpoint/2010/main">
+    <mc:Choice Requires="p14">
       <p:transition p14:dur="0"/>
     </mc:Choice>
-    <mc:Fallback>
+    <mc:Fallback xmlns="">
       <p:transition/>
     </mc:Fallback>
   </mc:AlternateContent>
@@ -16786,7 +17090,7 @@
             <a:fld id="{FCC16894-5FBA-4AA1-B4C4-F198F8BAB8EE}" type="datetime1">
               <a:rPr lang="en-US" smtClean="0"/>
               <a:pPr/>
-              <a:t>7/12/2012</a:t>
+              <a:t>15/07/2012</a:t>
             </a:fld>
             <a:endParaRPr lang="en-US" dirty="0"/>
           </a:p>
@@ -16866,11 +17170,11 @@
   <p:clrMapOvr>
     <a:masterClrMapping/>
   </p:clrMapOvr>
-  <mc:AlternateContent xmlns:mc="http://schemas.openxmlformats.org/markup-compatibility/2006">
-    <mc:Choice xmlns:p14="http://schemas.microsoft.com/office/powerpoint/2010/main" Requires="p14">
+  <mc:AlternateContent xmlns:mc="http://schemas.openxmlformats.org/markup-compatibility/2006" xmlns:p14="http://schemas.microsoft.com/office/powerpoint/2010/main">
+    <mc:Choice Requires="p14">
       <p:transition p14:dur="0"/>
     </mc:Choice>
-    <mc:Fallback>
+    <mc:Fallback xmlns="">
       <p:transition/>
     </mc:Fallback>
   </mc:AlternateContent>
@@ -16998,7 +17302,7 @@
             <a:fld id="{FCC16894-5FBA-4AA1-B4C4-F198F8BAB8EE}" type="datetime1">
               <a:rPr lang="en-US" smtClean="0"/>
               <a:pPr/>
-              <a:t>7/12/2012</a:t>
+              <a:t>15/07/2012</a:t>
             </a:fld>
             <a:endParaRPr lang="en-US" dirty="0"/>
           </a:p>
@@ -17078,11 +17382,11 @@
   <p:clrMapOvr>
     <a:masterClrMapping/>
   </p:clrMapOvr>
-  <mc:AlternateContent xmlns:mc="http://schemas.openxmlformats.org/markup-compatibility/2006">
-    <mc:Choice xmlns:p14="http://schemas.microsoft.com/office/powerpoint/2010/main" Requires="p14">
+  <mc:AlternateContent xmlns:mc="http://schemas.openxmlformats.org/markup-compatibility/2006" xmlns:p14="http://schemas.microsoft.com/office/powerpoint/2010/main">
+    <mc:Choice Requires="p14">
       <p:transition p14:dur="0"/>
     </mc:Choice>
-    <mc:Fallback>
+    <mc:Fallback xmlns="">
       <p:transition/>
     </mc:Fallback>
   </mc:AlternateContent>
@@ -17421,15 +17725,7 @@
             </a:r>
             <a:r>
               <a:rPr lang="en-US" dirty="0"/>
-              <a:t> </a:t>
-            </a:r>
-            <a:r>
-              <a:rPr lang="en-US" dirty="0"/>
-              <a:t>IE8+</a:t>
-            </a:r>
-            <a:r>
-              <a:rPr lang="en-US" dirty="0"/>
-              <a:t>, </a:t>
+              <a:t> IE8+, </a:t>
             </a:r>
             <a:r>
               <a:rPr lang="en-US" dirty="0" err="1"/>
@@ -17459,7 +17755,7 @@
           <a:p>
             <a:fld id="{9C4A3F15-EBF9-4680-A54D-1DC3C34D18BF}" type="datetime1">
               <a:rPr lang="en-US" smtClean="0"/>
-              <a:t>7/12/2012</a:t>
+              <a:t>15/07/2012</a:t>
             </a:fld>
             <a:endParaRPr lang="en-US"/>
           </a:p>
@@ -17517,11 +17813,11 @@
   <p:clrMapOvr>
     <a:masterClrMapping/>
   </p:clrMapOvr>
-  <mc:AlternateContent xmlns:mc="http://schemas.openxmlformats.org/markup-compatibility/2006">
-    <mc:Choice xmlns:p14="http://schemas.microsoft.com/office/powerpoint/2010/main" Requires="p14">
+  <mc:AlternateContent xmlns:mc="http://schemas.openxmlformats.org/markup-compatibility/2006" xmlns:p14="http://schemas.microsoft.com/office/powerpoint/2010/main">
+    <mc:Choice Requires="p14">
       <p:transition p14:dur="0"/>
     </mc:Choice>
-    <mc:Fallback>
+    <mc:Fallback xmlns="">
       <p:transition/>
     </mc:Fallback>
   </mc:AlternateContent>
@@ -17978,7 +18274,7 @@
           <a:p>
             <a:fld id="{89A29F8A-DA52-474B-B3A6-77E8D5F29773}" type="datetime1">
               <a:rPr lang="en-US" smtClean="0"/>
-              <a:t>7/12/2012</a:t>
+              <a:t>15/07/2012</a:t>
             </a:fld>
             <a:endParaRPr lang="en-US"/>
           </a:p>
@@ -18168,11 +18464,11 @@
   <p:clrMapOvr>
     <a:masterClrMapping/>
   </p:clrMapOvr>
-  <mc:AlternateContent xmlns:mc="http://schemas.openxmlformats.org/markup-compatibility/2006">
-    <mc:Choice xmlns:p14="http://schemas.microsoft.com/office/powerpoint/2010/main" Requires="p14">
+  <mc:AlternateContent xmlns:mc="http://schemas.openxmlformats.org/markup-compatibility/2006" xmlns:p14="http://schemas.microsoft.com/office/powerpoint/2010/main">
+    <mc:Choice Requires="p14">
       <p:transition p14:dur="0"/>
     </mc:Choice>
-    <mc:Fallback>
+    <mc:Fallback xmlns="">
       <p:transition/>
     </mc:Fallback>
   </mc:AlternateContent>
@@ -19018,7 +19314,6 @@
               <a:rPr lang="en-US" dirty="0" smtClean="0"/>
               <a:t>.</a:t>
             </a:r>
-            <a:endParaRPr lang="en-US" dirty="0" smtClean="0"/>
           </a:p>
           <a:p>
             <a:pPr lvl="1"/>
@@ -19110,7 +19405,6 @@
               <a:rPr lang="en-US" dirty="0" smtClean="0"/>
               <a:t>.</a:t>
             </a:r>
-            <a:endParaRPr lang="en-US" dirty="0" smtClean="0"/>
           </a:p>
           <a:p>
             <a:pPr marL="274320" lvl="1" indent="0">
@@ -19455,7 +19749,7 @@
           <a:p>
             <a:fld id="{83A31958-C2EC-4CA9-90D0-208E40050D22}" type="datetime1">
               <a:rPr lang="en-US" smtClean="0"/>
-              <a:t>7/12/2012</a:t>
+              <a:t>15/07/2012</a:t>
             </a:fld>
             <a:endParaRPr lang="en-US"/>
           </a:p>
@@ -19513,11 +19807,11 @@
   <p:clrMapOvr>
     <a:masterClrMapping/>
   </p:clrMapOvr>
-  <mc:AlternateContent xmlns:mc="http://schemas.openxmlformats.org/markup-compatibility/2006">
-    <mc:Choice xmlns:p14="http://schemas.microsoft.com/office/powerpoint/2010/main" Requires="p14">
+  <mc:AlternateContent xmlns:mc="http://schemas.openxmlformats.org/markup-compatibility/2006" xmlns:p14="http://schemas.microsoft.com/office/powerpoint/2010/main">
+    <mc:Choice Requires="p14">
       <p:transition p14:dur="0"/>
     </mc:Choice>
-    <mc:Fallback>
+    <mc:Fallback xmlns="">
       <p:transition/>
     </mc:Fallback>
   </mc:AlternateContent>
@@ -20116,7 +20410,7 @@
           <a:p>
             <a:fld id="{467EC7A7-EB60-48C0-9304-E5986BB1EADA}" type="datetime1">
               <a:rPr lang="en-US" smtClean="0"/>
-              <a:t>7/12/2012</a:t>
+              <a:t>15/07/2012</a:t>
             </a:fld>
             <a:endParaRPr lang="en-US"/>
           </a:p>
@@ -20174,11 +20468,11 @@
   <p:clrMapOvr>
     <a:masterClrMapping/>
   </p:clrMapOvr>
-  <mc:AlternateContent xmlns:mc="http://schemas.openxmlformats.org/markup-compatibility/2006">
-    <mc:Choice xmlns:p14="http://schemas.microsoft.com/office/powerpoint/2010/main" Requires="p14">
+  <mc:AlternateContent xmlns:mc="http://schemas.openxmlformats.org/markup-compatibility/2006" xmlns:p14="http://schemas.microsoft.com/office/powerpoint/2010/main">
+    <mc:Choice Requires="p14">
       <p:transition p14:dur="0"/>
     </mc:Choice>
-    <mc:Fallback>
+    <mc:Fallback xmlns="">
       <p:transition/>
     </mc:Fallback>
   </mc:AlternateContent>
@@ -20738,7 +21032,7 @@
           <a:graphicData uri="http://schemas.openxmlformats.org/presentationml/2006/ole">
             <mc:AlternateContent xmlns:mc="http://schemas.openxmlformats.org/markup-compatibility/2006">
               <mc:Choice xmlns:v="urn:schemas-microsoft-com:vml" Requires="v">
-                <p:oleObj spid="_x0000_s5195" name="Visio" r:id="rId3" imgW="3572937" imgH="1000698" progId="Visio.Drawing.11">
+                <p:oleObj spid="_x0000_s5198" name="Visio" r:id="rId3" imgW="3572937" imgH="1000698" progId="Visio.Drawing.11">
                   <p:embed/>
                 </p:oleObj>
               </mc:Choice>
@@ -20800,7 +21094,7 @@
           <a:p>
             <a:fld id="{A50877F5-09BF-4B6E-861A-BF1596E01D5C}" type="datetime1">
               <a:rPr lang="en-US" smtClean="0"/>
-              <a:t>7/12/2012</a:t>
+              <a:t>15/07/2012</a:t>
             </a:fld>
             <a:endParaRPr lang="en-US"/>
           </a:p>
@@ -20858,11 +21152,11 @@
   <p:clrMapOvr>
     <a:masterClrMapping/>
   </p:clrMapOvr>
-  <mc:AlternateContent xmlns:mc="http://schemas.openxmlformats.org/markup-compatibility/2006">
-    <mc:Choice xmlns:p14="http://schemas.microsoft.com/office/powerpoint/2010/main" Requires="p14">
+  <mc:AlternateContent xmlns:mc="http://schemas.openxmlformats.org/markup-compatibility/2006" xmlns:p14="http://schemas.microsoft.com/office/powerpoint/2010/main">
+    <mc:Choice Requires="p14">
       <p:transition p14:dur="0"/>
     </mc:Choice>
-    <mc:Fallback>
+    <mc:Fallback xmlns="">
       <p:transition/>
     </mc:Fallback>
   </mc:AlternateContent>
@@ -21241,7 +21535,7 @@
           <a:p>
             <a:fld id="{4C9EF2B8-4E0D-4EA8-A7BE-F4383C0FC78D}" type="datetime1">
               <a:rPr lang="en-US" smtClean="0"/>
-              <a:t>7/12/2012</a:t>
+              <a:t>15/07/2012</a:t>
             </a:fld>
             <a:endParaRPr lang="en-US"/>
           </a:p>
@@ -21299,11 +21593,11 @@
   <p:clrMapOvr>
     <a:masterClrMapping/>
   </p:clrMapOvr>
-  <mc:AlternateContent xmlns:mc="http://schemas.openxmlformats.org/markup-compatibility/2006">
-    <mc:Choice xmlns:p14="http://schemas.microsoft.com/office/powerpoint/2010/main" Requires="p14">
+  <mc:AlternateContent xmlns:mc="http://schemas.openxmlformats.org/markup-compatibility/2006" xmlns:p14="http://schemas.microsoft.com/office/powerpoint/2010/main">
+    <mc:Choice Requires="p14">
       <p:transition p14:dur="0"/>
     </mc:Choice>
-    <mc:Fallback>
+    <mc:Fallback xmlns="">
       <p:transition/>
     </mc:Fallback>
   </mc:AlternateContent>
@@ -21379,7 +21673,15 @@
             </a:r>
             <a:r>
               <a:rPr lang="en-US" dirty="0" smtClean="0"/>
-              <a:t> Domain Model</a:t>
+              <a:t> </a:t>
+            </a:r>
+            <a:r>
+              <a:rPr lang="en-US" smtClean="0"/>
+              <a:t>Domain </a:t>
+            </a:r>
+            <a:r>
+              <a:rPr lang="en-US" smtClean="0"/>
+              <a:t>Model (1/2)</a:t>
             </a:r>
             <a:endParaRPr lang="en-US" dirty="0"/>
           </a:p>
@@ -21403,7 +21705,7 @@
             <a:fld id="{FCC16894-5FBA-4AA1-B4C4-F198F8BAB8EE}" type="datetime1">
               <a:rPr lang="en-US" smtClean="0"/>
               <a:pPr/>
-              <a:t>7/12/2012</a:t>
+              <a:t>15/07/2012</a:t>
             </a:fld>
             <a:endParaRPr lang="en-US" dirty="0"/>
           </a:p>
@@ -21501,11 +21803,11 @@
   <p:clrMapOvr>
     <a:masterClrMapping/>
   </p:clrMapOvr>
-  <mc:AlternateContent xmlns:mc="http://schemas.openxmlformats.org/markup-compatibility/2006">
-    <mc:Choice xmlns:p14="http://schemas.microsoft.com/office/powerpoint/2010/main" Requires="p14">
+  <mc:AlternateContent xmlns:mc="http://schemas.openxmlformats.org/markup-compatibility/2006" xmlns:p14="http://schemas.microsoft.com/office/powerpoint/2010/main">
+    <mc:Choice Requires="p14">
       <p:transition p14:dur="0"/>
     </mc:Choice>
-    <mc:Fallback>
+    <mc:Fallback xmlns="">
       <p:transition/>
     </mc:Fallback>
   </mc:AlternateContent>
@@ -21555,7 +21857,7 @@
             <a:fld id="{FCC16894-5FBA-4AA1-B4C4-F198F8BAB8EE}" type="datetime1">
               <a:rPr lang="en-US" smtClean="0"/>
               <a:pPr algn="r"/>
-              <a:t>7/12/2012</a:t>
+              <a:t>15/07/2012</a:t>
             </a:fld>
             <a:endParaRPr lang="en-US" dirty="0"/>
           </a:p>
@@ -21725,15 +22027,15 @@
             </a:r>
             <a:r>
               <a:rPr lang="en-US" dirty="0" smtClean="0"/>
-              <a:t> Domain Model (</a:t>
-            </a:r>
-            <a:r>
-              <a:rPr lang="en-US" dirty="0" err="1" smtClean="0"/>
-              <a:t>tt</a:t>
-            </a:r>
-            <a:r>
-              <a:rPr lang="en-US" dirty="0" smtClean="0"/>
-              <a:t>)</a:t>
+              <a:t> Domain </a:t>
+            </a:r>
+            <a:r>
+              <a:rPr lang="en-US" smtClean="0"/>
+              <a:t>Model </a:t>
+            </a:r>
+            <a:r>
+              <a:rPr lang="en-US" smtClean="0"/>
+              <a:t>(2/2)</a:t>
             </a:r>
             <a:endParaRPr lang="en-US" dirty="0"/>
           </a:p>
@@ -21757,7 +22059,7 @@
             <a:fld id="{FCC16894-5FBA-4AA1-B4C4-F198F8BAB8EE}" type="datetime1">
               <a:rPr lang="en-US" smtClean="0"/>
               <a:pPr/>
-              <a:t>7/12/2012</a:t>
+              <a:t>15/07/2012</a:t>
             </a:fld>
             <a:endParaRPr lang="en-US" dirty="0"/>
           </a:p>
@@ -21852,11 +22154,11 @@
   <p:clrMapOvr>
     <a:masterClrMapping/>
   </p:clrMapOvr>
-  <mc:AlternateContent xmlns:mc="http://schemas.openxmlformats.org/markup-compatibility/2006">
-    <mc:Choice xmlns:p14="http://schemas.microsoft.com/office/powerpoint/2010/main" Requires="p14">
+  <mc:AlternateContent xmlns:mc="http://schemas.openxmlformats.org/markup-compatibility/2006" xmlns:p14="http://schemas.microsoft.com/office/powerpoint/2010/main">
+    <mc:Choice Requires="p14">
       <p:transition p14:dur="0"/>
     </mc:Choice>
-    <mc:Fallback>
+    <mc:Fallback xmlns="">
       <p:transition/>
     </mc:Fallback>
   </mc:AlternateContent>
@@ -21919,16 +22221,16 @@
               <a:t> </a:t>
             </a:r>
             <a:r>
-              <a:rPr lang="en-US" dirty="0" err="1" smtClean="0"/>
+              <a:rPr lang="en-US" err="1" smtClean="0"/>
               <a:t>Bảo</a:t>
             </a:r>
             <a:r>
-              <a:rPr lang="en-US" dirty="0" smtClean="0"/>
-              <a:t> </a:t>
-            </a:r>
-            <a:r>
-              <a:rPr lang="en-US" dirty="0" err="1" smtClean="0"/>
-              <a:t>Mật</a:t>
+              <a:rPr lang="en-US" smtClean="0"/>
+              <a:t> </a:t>
+            </a:r>
+            <a:r>
+              <a:rPr lang="en-US" smtClean="0"/>
+              <a:t>Mật (1/2)</a:t>
             </a:r>
             <a:endParaRPr lang="en-US" dirty="0"/>
           </a:p>
@@ -22056,7 +22358,7 @@
             <a:fld id="{FCC16894-5FBA-4AA1-B4C4-F198F8BAB8EE}" type="datetime1">
               <a:rPr lang="en-US" smtClean="0"/>
               <a:pPr/>
-              <a:t>7/12/2012</a:t>
+              <a:t>15/07/2012</a:t>
             </a:fld>
             <a:endParaRPr lang="en-US" dirty="0"/>
           </a:p>
@@ -22126,7 +22428,7 @@
           <a:graphicData uri="http://schemas.openxmlformats.org/presentationml/2006/ole">
             <mc:AlternateContent xmlns:mc="http://schemas.openxmlformats.org/markup-compatibility/2006">
               <mc:Choice xmlns:v="urn:schemas-microsoft-com:vml" Requires="v">
-                <p:oleObj spid="_x0000_s9271" r:id="rId3" imgW="4586835" imgH="2157957" progId="Visio.Drawing.11">
+                <p:oleObj spid="_x0000_s9274" r:id="rId3" imgW="4586835" imgH="2157957" progId="Visio.Drawing.11">
                   <p:embed/>
                 </p:oleObj>
               </mc:Choice>
@@ -22203,11 +22505,11 @@
   <p:clrMapOvr>
     <a:masterClrMapping/>
   </p:clrMapOvr>
-  <mc:AlternateContent xmlns:mc="http://schemas.openxmlformats.org/markup-compatibility/2006">
-    <mc:Choice xmlns:p14="http://schemas.microsoft.com/office/powerpoint/2010/main" Requires="p14">
+  <mc:AlternateContent xmlns:mc="http://schemas.openxmlformats.org/markup-compatibility/2006" xmlns:p14="http://schemas.microsoft.com/office/powerpoint/2010/main">
+    <mc:Choice Requires="p14">
       <p:transition p14:dur="0"/>
     </mc:Choice>
-    <mc:Fallback>
+    <mc:Fallback xmlns="">
       <p:transition/>
     </mc:Fallback>
   </mc:AlternateContent>
@@ -22286,20 +22588,16 @@
               <a:t> </a:t>
             </a:r>
             <a:r>
-              <a:rPr lang="en-US" dirty="0" err="1" smtClean="0"/>
+              <a:rPr lang="en-US" err="1" smtClean="0"/>
               <a:t>Mật</a:t>
             </a:r>
             <a:r>
-              <a:rPr lang="en-US" dirty="0" smtClean="0"/>
-              <a:t> (</a:t>
-            </a:r>
-            <a:r>
-              <a:rPr lang="en-US" dirty="0" err="1" smtClean="0"/>
-              <a:t>tt</a:t>
-            </a:r>
-            <a:r>
-              <a:rPr lang="en-US" dirty="0" smtClean="0"/>
-              <a:t>)</a:t>
+              <a:rPr lang="en-US" smtClean="0"/>
+              <a:t> </a:t>
+            </a:r>
+            <a:r>
+              <a:rPr lang="en-US" smtClean="0"/>
+              <a:t>(2/2)</a:t>
             </a:r>
             <a:endParaRPr lang="en-US" dirty="0"/>
           </a:p>
@@ -22503,7 +22801,7 @@
           <a:p>
             <a:fld id="{73B38C7B-77D0-4104-BED1-BDB55996A2EE}" type="datetime1">
               <a:rPr lang="en-US" smtClean="0"/>
-              <a:t>7/12/2012</a:t>
+              <a:t>15/07/2012</a:t>
             </a:fld>
             <a:endParaRPr lang="en-US"/>
           </a:p>
@@ -22625,11 +22923,11 @@
   <p:clrMapOvr>
     <a:masterClrMapping/>
   </p:clrMapOvr>
-  <mc:AlternateContent xmlns:mc="http://schemas.openxmlformats.org/markup-compatibility/2006">
-    <mc:Choice xmlns:p14="http://schemas.microsoft.com/office/powerpoint/2010/main" Requires="p14">
+  <mc:AlternateContent xmlns:mc="http://schemas.openxmlformats.org/markup-compatibility/2006" xmlns:p14="http://schemas.microsoft.com/office/powerpoint/2010/main">
+    <mc:Choice Requires="p14">
       <p:transition p14:dur="0"/>
     </mc:Choice>
-    <mc:Fallback>
+    <mc:Fallback xmlns="">
       <p:transition/>
     </mc:Fallback>
   </mc:AlternateContent>
@@ -22725,7 +23023,7 @@
             <a:fld id="{FCC16894-5FBA-4AA1-B4C4-F198F8BAB8EE}" type="datetime1">
               <a:rPr lang="en-US" smtClean="0"/>
               <a:pPr/>
-              <a:t>7/12/2012</a:t>
+              <a:t>15/07/2012</a:t>
             </a:fld>
             <a:endParaRPr lang="en-US" dirty="0"/>
           </a:p>
@@ -22866,11 +23164,11 @@
   <p:clrMapOvr>
     <a:masterClrMapping/>
   </p:clrMapOvr>
-  <mc:AlternateContent xmlns:mc="http://schemas.openxmlformats.org/markup-compatibility/2006">
-    <mc:Choice xmlns:p14="http://schemas.microsoft.com/office/powerpoint/2010/main" Requires="p14">
+  <mc:AlternateContent xmlns:mc="http://schemas.openxmlformats.org/markup-compatibility/2006" xmlns:p14="http://schemas.microsoft.com/office/powerpoint/2010/main">
+    <mc:Choice Requires="p14">
       <p:transition p14:dur="0"/>
     </mc:Choice>
-    <mc:Fallback>
+    <mc:Fallback xmlns="">
       <p:transition/>
     </mc:Fallback>
   </mc:AlternateContent>
@@ -23078,16 +23376,22 @@
               <a:t> </a:t>
             </a:r>
             <a:r>
-              <a:rPr lang="en-US" dirty="0" err="1" smtClean="0"/>
+              <a:rPr lang="en-US" err="1" smtClean="0"/>
               <a:t>tương</a:t>
             </a:r>
             <a:r>
-              <a:rPr lang="en-US" dirty="0" smtClean="0"/>
-              <a:t> </a:t>
-            </a:r>
-            <a:r>
-              <a:rPr lang="en-US" dirty="0" err="1" smtClean="0"/>
+              <a:rPr lang="en-US" smtClean="0"/>
+              <a:t> </a:t>
+            </a:r>
+            <a:r>
+              <a:rPr lang="en-US" smtClean="0"/>
               <a:t>tác</a:t>
+            </a:r>
+          </a:p>
+          <a:p>
+            <a:r>
+              <a:rPr lang="en-US" smtClean="0"/>
+              <a:t>Hạn chế</a:t>
             </a:r>
             <a:endParaRPr lang="en-US" dirty="0" smtClean="0"/>
           </a:p>
@@ -23173,7 +23477,7 @@
           <a:p>
             <a:fld id="{2D19DBF8-6DDA-4143-B695-78DBC03CEFD0}" type="datetime1">
               <a:rPr lang="en-US" smtClean="0"/>
-              <a:t>7/12/2012</a:t>
+              <a:t>15/07/2012</a:t>
             </a:fld>
             <a:endParaRPr lang="en-US"/>
           </a:p>
@@ -23295,11 +23599,11 @@
   <p:clrMapOvr>
     <a:masterClrMapping/>
   </p:clrMapOvr>
-  <mc:AlternateContent xmlns:mc="http://schemas.openxmlformats.org/markup-compatibility/2006">
-    <mc:Choice xmlns:p14="http://schemas.microsoft.com/office/powerpoint/2010/main" Requires="p14">
+  <mc:AlternateContent xmlns:mc="http://schemas.openxmlformats.org/markup-compatibility/2006" xmlns:p14="http://schemas.microsoft.com/office/powerpoint/2010/main">
+    <mc:Choice Requires="p14">
       <p:transition p14:dur="0"/>
     </mc:Choice>
-    <mc:Fallback>
+    <mc:Fallback xmlns="">
       <p:transition/>
     </mc:Fallback>
   </mc:AlternateContent>
@@ -23827,7 +24131,7 @@
           <a:p>
             <a:fld id="{E7E83998-7190-4E0C-85B5-FD0B1D3497B5}" type="datetime1">
               <a:rPr lang="en-US" smtClean="0"/>
-              <a:t>7/12/2012</a:t>
+              <a:t>15/07/2012</a:t>
             </a:fld>
             <a:endParaRPr lang="en-US"/>
           </a:p>
@@ -23885,11 +24189,11 @@
   <p:clrMapOvr>
     <a:masterClrMapping/>
   </p:clrMapOvr>
-  <mc:AlternateContent xmlns:mc="http://schemas.openxmlformats.org/markup-compatibility/2006">
-    <mc:Choice xmlns:p14="http://schemas.microsoft.com/office/powerpoint/2010/main" Requires="p14">
+  <mc:AlternateContent xmlns:mc="http://schemas.openxmlformats.org/markup-compatibility/2006" xmlns:p14="http://schemas.microsoft.com/office/powerpoint/2010/main">
+    <mc:Choice Requires="p14">
       <p:transition p14:dur="0"/>
     </mc:Choice>
-    <mc:Fallback>
+    <mc:Fallback xmlns="">
       <p:transition/>
     </mc:Fallback>
   </mc:AlternateContent>
@@ -23936,6 +24240,354 @@
           <a:lstStyle/>
           <a:p>
             <a:r>
+              <a:rPr lang="en-US" smtClean="0"/>
+              <a:t>Hạn chế</a:t>
+            </a:r>
+            <a:endParaRPr lang="en-US"/>
+          </a:p>
+        </p:txBody>
+      </p:sp>
+      <p:sp>
+        <p:nvSpPr>
+          <p:cNvPr id="3" name="Content Placeholder 2"/>
+          <p:cNvSpPr>
+            <a:spLocks noGrp="1"/>
+          </p:cNvSpPr>
+          <p:nvPr>
+            <p:ph sz="quarter" idx="1"/>
+          </p:nvPr>
+        </p:nvSpPr>
+        <p:spPr/>
+        <p:txBody>
+          <a:bodyPr/>
+          <a:lstStyle/>
+          <a:p>
+            <a:r>
+              <a:rPr lang="en-US" smtClean="0"/>
+              <a:t>Chức năng chưa đầy đủ cho hỗ trợ giáo viên quản lý quá trình thực hiện đồ án của sinh viên (chấm điểm, báo cáo, thống kê).</a:t>
+            </a:r>
+          </a:p>
+          <a:p>
+            <a:r>
+              <a:rPr lang="en-US" smtClean="0"/>
+              <a:t>Chưa tích hợp được các công tương tác khác : Yahoo, Skype, mạng xã hội.</a:t>
+            </a:r>
+          </a:p>
+          <a:p>
+            <a:pPr lvl="1"/>
+            <a:endParaRPr lang="en-US"/>
+          </a:p>
+        </p:txBody>
+      </p:sp>
+      <p:sp>
+        <p:nvSpPr>
+          <p:cNvPr id="4" name="Date Placeholder 3"/>
+          <p:cNvSpPr>
+            <a:spLocks noGrp="1"/>
+          </p:cNvSpPr>
+          <p:nvPr>
+            <p:ph type="dt" sz="half" idx="10"/>
+          </p:nvPr>
+        </p:nvSpPr>
+        <p:spPr/>
+        <p:txBody>
+          <a:bodyPr/>
+          <a:lstStyle/>
+          <a:p>
+            <a:fld id="{FCC16894-5FBA-4AA1-B4C4-F198F8BAB8EE}" type="datetime1">
+              <a:rPr lang="en-US" smtClean="0"/>
+              <a:pPr/>
+              <a:t>15/07/2012</a:t>
+            </a:fld>
+            <a:endParaRPr lang="en-US" dirty="0"/>
+          </a:p>
+        </p:txBody>
+      </p:sp>
+      <p:sp>
+        <p:nvSpPr>
+          <p:cNvPr id="5" name="Footer Placeholder 4"/>
+          <p:cNvSpPr>
+            <a:spLocks noGrp="1"/>
+          </p:cNvSpPr>
+          <p:nvPr>
+            <p:ph type="ftr" sz="quarter" idx="11"/>
+          </p:nvPr>
+        </p:nvSpPr>
+        <p:spPr/>
+        <p:txBody>
+          <a:bodyPr/>
+          <a:lstStyle/>
+          <a:p>
+            <a:endParaRPr lang="en-US" dirty="0"/>
+          </a:p>
+        </p:txBody>
+      </p:sp>
+      <p:sp>
+        <p:nvSpPr>
+          <p:cNvPr id="6" name="Slide Number Placeholder 5"/>
+          <p:cNvSpPr>
+            <a:spLocks noGrp="1"/>
+          </p:cNvSpPr>
+          <p:nvPr>
+            <p:ph type="sldNum" sz="quarter" idx="12"/>
+          </p:nvPr>
+        </p:nvSpPr>
+        <p:spPr/>
+        <p:txBody>
+          <a:bodyPr/>
+          <a:lstStyle/>
+          <a:p>
+            <a:fld id="{CEA6F92A-56EE-4F66-8461-BEA44C34BAE8}" type="slidenum">
+              <a:rPr lang="en-US" smtClean="0"/>
+              <a:t>40</a:t>
+            </a:fld>
+            <a:endParaRPr lang="en-US"/>
+          </a:p>
+        </p:txBody>
+      </p:sp>
+    </p:spTree>
+    <p:extLst>
+      <p:ext uri="{BB962C8B-B14F-4D97-AF65-F5344CB8AC3E}">
+        <p14:creationId xmlns:p14="http://schemas.microsoft.com/office/powerpoint/2010/main" val="1237641435"/>
+      </p:ext>
+    </p:extLst>
+  </p:cSld>
+  <p:clrMapOvr>
+    <a:masterClrMapping/>
+  </p:clrMapOvr>
+  <mc:AlternateContent xmlns:mc="http://schemas.openxmlformats.org/markup-compatibility/2006" xmlns:p14="http://schemas.microsoft.com/office/powerpoint/2010/main">
+    <mc:Choice Requires="p14">
+      <p:transition p14:dur="0"/>
+    </mc:Choice>
+    <mc:Fallback xmlns="">
+      <p:transition/>
+    </mc:Fallback>
+  </mc:AlternateContent>
+  <p:timing>
+    <p:tnLst>
+      <p:par>
+        <p:cTn id="1" dur="indefinite" restart="never" nodeType="tmRoot"/>
+      </p:par>
+    </p:tnLst>
+  </p:timing>
+</p:sld>
+</file>
+
+<file path=ppt/slides/slide41.xml><?xml version="1.0" encoding="utf-8"?>
+<p:sld xmlns:a="http://schemas.openxmlformats.org/drawingml/2006/main" xmlns:r="http://schemas.openxmlformats.org/officeDocument/2006/relationships" xmlns:p="http://schemas.openxmlformats.org/presentationml/2006/main">
+  <p:cSld>
+    <p:spTree>
+      <p:nvGrpSpPr>
+        <p:cNvPr id="1" name=""/>
+        <p:cNvGrpSpPr/>
+        <p:nvPr/>
+      </p:nvGrpSpPr>
+      <p:grpSpPr>
+        <a:xfrm>
+          <a:off x="0" y="0"/>
+          <a:ext cx="0" cy="0"/>
+          <a:chOff x="0" y="0"/>
+          <a:chExt cx="0" cy="0"/>
+        </a:xfrm>
+      </p:grpSpPr>
+      <p:sp>
+        <p:nvSpPr>
+          <p:cNvPr id="2" name="Title 1"/>
+          <p:cNvSpPr>
+            <a:spLocks noGrp="1"/>
+          </p:cNvSpPr>
+          <p:nvPr>
+            <p:ph type="title"/>
+          </p:nvPr>
+        </p:nvSpPr>
+        <p:spPr/>
+        <p:txBody>
+          <a:bodyPr/>
+          <a:lstStyle/>
+          <a:p>
+            <a:r>
+              <a:rPr lang="en-US" dirty="0" err="1" smtClean="0"/>
+              <a:t>Nội</a:t>
+            </a:r>
+            <a:r>
+              <a:rPr lang="en-US" dirty="0" smtClean="0"/>
+              <a:t> </a:t>
+            </a:r>
+            <a:r>
+              <a:rPr lang="en-US" dirty="0"/>
+              <a:t>D</a:t>
+            </a:r>
+            <a:r>
+              <a:rPr lang="en-US" dirty="0" smtClean="0"/>
+              <a:t>ung</a:t>
+            </a:r>
+            <a:endParaRPr lang="en-US" dirty="0"/>
+          </a:p>
+        </p:txBody>
+      </p:sp>
+      <p:sp>
+        <p:nvSpPr>
+          <p:cNvPr id="3" name="Content Placeholder 2"/>
+          <p:cNvSpPr>
+            <a:spLocks noGrp="1"/>
+          </p:cNvSpPr>
+          <p:nvPr>
+            <p:ph sz="quarter" idx="1"/>
+          </p:nvPr>
+        </p:nvSpPr>
+        <p:spPr/>
+        <p:txBody>
+          <a:bodyPr/>
+          <a:lstStyle/>
+          <a:p>
+            <a:r>
+              <a:rPr lang="en-US" dirty="0" err="1" smtClean="0"/>
+              <a:t>Tổng</a:t>
+            </a:r>
+            <a:r>
+              <a:rPr lang="en-US" dirty="0" smtClean="0"/>
+              <a:t> </a:t>
+            </a:r>
+            <a:r>
+              <a:rPr lang="en-US" dirty="0" err="1" smtClean="0"/>
+              <a:t>quan</a:t>
+            </a:r>
+            <a:r>
+              <a:rPr lang="en-US" dirty="0" smtClean="0"/>
+              <a:t> </a:t>
+            </a:r>
+            <a:r>
+              <a:rPr lang="en-US" dirty="0" err="1" smtClean="0"/>
+              <a:t>đề</a:t>
+            </a:r>
+            <a:r>
+              <a:rPr lang="en-US" dirty="0" smtClean="0"/>
+              <a:t> </a:t>
+            </a:r>
+            <a:r>
+              <a:rPr lang="en-US" dirty="0" err="1" smtClean="0"/>
+              <a:t>tài</a:t>
+            </a:r>
+            <a:r>
+              <a:rPr lang="en-US" dirty="0" smtClean="0"/>
+              <a:t> </a:t>
+            </a:r>
+            <a:r>
+              <a:rPr lang="en-US" dirty="0" err="1" smtClean="0"/>
+              <a:t>nghiên</a:t>
+            </a:r>
+            <a:r>
+              <a:rPr lang="en-US" dirty="0" smtClean="0"/>
+              <a:t> </a:t>
+            </a:r>
+            <a:r>
+              <a:rPr lang="en-US" dirty="0" err="1" smtClean="0"/>
+              <a:t>cứu</a:t>
+            </a:r>
+            <a:endParaRPr lang="en-US" dirty="0" smtClean="0"/>
+          </a:p>
+          <a:p>
+            <a:r>
+              <a:rPr lang="en-US" dirty="0" err="1" smtClean="0"/>
+              <a:t>Khảo</a:t>
+            </a:r>
+            <a:r>
+              <a:rPr lang="en-US" dirty="0" smtClean="0"/>
+              <a:t> </a:t>
+            </a:r>
+            <a:r>
+              <a:rPr lang="en-US" dirty="0" err="1" smtClean="0"/>
+              <a:t>sát</a:t>
+            </a:r>
+            <a:r>
+              <a:rPr lang="en-US" dirty="0" smtClean="0"/>
+              <a:t> </a:t>
+            </a:r>
+            <a:r>
+              <a:rPr lang="en-US" dirty="0" err="1" smtClean="0"/>
+              <a:t>hiện</a:t>
+            </a:r>
+            <a:r>
+              <a:rPr lang="en-US" dirty="0" smtClean="0"/>
+              <a:t> </a:t>
+            </a:r>
+            <a:r>
+              <a:rPr lang="en-US" dirty="0" err="1" smtClean="0"/>
+              <a:t>trạng</a:t>
+            </a:r>
+            <a:endParaRPr lang="en-US" dirty="0" smtClean="0"/>
+          </a:p>
+          <a:p>
+            <a:r>
+              <a:rPr lang="en-US" dirty="0" err="1" smtClean="0"/>
+              <a:t>Xây</a:t>
+            </a:r>
+            <a:r>
+              <a:rPr lang="en-US" dirty="0" smtClean="0"/>
+              <a:t> </a:t>
+            </a:r>
+            <a:r>
+              <a:rPr lang="en-US" dirty="0" err="1" smtClean="0"/>
+              <a:t>dựng</a:t>
+            </a:r>
+            <a:r>
+              <a:rPr lang="en-US" dirty="0" smtClean="0"/>
+              <a:t> </a:t>
+            </a:r>
+            <a:r>
+              <a:rPr lang="en-US" dirty="0" err="1" smtClean="0"/>
+              <a:t>hệ</a:t>
+            </a:r>
+            <a:r>
+              <a:rPr lang="en-US" dirty="0" smtClean="0"/>
+              <a:t> </a:t>
+            </a:r>
+            <a:r>
+              <a:rPr lang="en-US" dirty="0" err="1" smtClean="0"/>
+              <a:t>thống</a:t>
+            </a:r>
+            <a:r>
+              <a:rPr lang="en-US" dirty="0" smtClean="0"/>
+              <a:t> </a:t>
+            </a:r>
+            <a:r>
+              <a:rPr lang="en-US" dirty="0" err="1" smtClean="0"/>
+              <a:t>quản</a:t>
+            </a:r>
+            <a:r>
+              <a:rPr lang="en-US" dirty="0" smtClean="0"/>
+              <a:t> </a:t>
+            </a:r>
+            <a:r>
+              <a:rPr lang="en-US" dirty="0" err="1" smtClean="0"/>
+              <a:t>lý</a:t>
+            </a:r>
+            <a:r>
+              <a:rPr lang="en-US" dirty="0" smtClean="0"/>
+              <a:t> </a:t>
+            </a:r>
+            <a:r>
+              <a:rPr lang="en-US" err="1" smtClean="0"/>
+              <a:t>tương</a:t>
+            </a:r>
+            <a:r>
+              <a:rPr lang="en-US" smtClean="0"/>
+              <a:t> </a:t>
+            </a:r>
+            <a:r>
+              <a:rPr lang="en-US" smtClean="0"/>
+              <a:t>tác</a:t>
+            </a:r>
+          </a:p>
+          <a:p>
+            <a:r>
+              <a:rPr lang="en-US" smtClean="0"/>
+              <a:t>Hạn chế</a:t>
+            </a:r>
+            <a:endParaRPr lang="en-US" dirty="0" smtClean="0"/>
+          </a:p>
+          <a:p>
+            <a:r>
               <a:rPr lang="en-US" dirty="0" err="1" smtClean="0"/>
               <a:t>Hướng</a:t>
             </a:r>
@@ -23945,15 +24597,385 @@
             </a:r>
             <a:r>
               <a:rPr lang="en-US" dirty="0" err="1" smtClean="0"/>
+              <a:t>phát</a:t>
+            </a:r>
+            <a:r>
+              <a:rPr lang="en-US" dirty="0" smtClean="0"/>
+              <a:t> </a:t>
+            </a:r>
+            <a:r>
+              <a:rPr lang="en-US" dirty="0" err="1" smtClean="0"/>
+              <a:t>triển</a:t>
+            </a:r>
+            <a:endParaRPr lang="en-US" dirty="0"/>
+          </a:p>
+        </p:txBody>
+      </p:sp>
+      <p:sp>
+        <p:nvSpPr>
+          <p:cNvPr id="4" name="Right Arrow 3"/>
+          <p:cNvSpPr/>
+          <p:nvPr/>
+        </p:nvSpPr>
+        <p:spPr>
+          <a:xfrm>
+            <a:off x="0" y="3276600"/>
+            <a:ext cx="457200" cy="533400"/>
+          </a:xfrm>
+          <a:prstGeom prst="rightArrow">
+            <a:avLst/>
+          </a:prstGeom>
+        </p:spPr>
+        <p:style>
+          <a:lnRef idx="2">
+            <a:schemeClr val="accent4">
+              <a:shade val="50000"/>
+            </a:schemeClr>
+          </a:lnRef>
+          <a:fillRef idx="1">
+            <a:schemeClr val="accent4"/>
+          </a:fillRef>
+          <a:effectRef idx="0">
+            <a:schemeClr val="accent4"/>
+          </a:effectRef>
+          <a:fontRef idx="minor">
+            <a:schemeClr val="lt1"/>
+          </a:fontRef>
+        </p:style>
+        <p:txBody>
+          <a:bodyPr rtlCol="0" anchor="ctr"/>
+          <a:lstStyle/>
+          <a:p>
+            <a:pPr algn="ctr"/>
+            <a:endParaRPr lang="en-US"/>
+          </a:p>
+        </p:txBody>
+      </p:sp>
+      <p:sp>
+        <p:nvSpPr>
+          <p:cNvPr id="5" name="Date Placeholder 4"/>
+          <p:cNvSpPr>
+            <a:spLocks noGrp="1"/>
+          </p:cNvSpPr>
+          <p:nvPr>
+            <p:ph type="dt" sz="half" idx="10"/>
+          </p:nvPr>
+        </p:nvSpPr>
+        <p:spPr/>
+        <p:txBody>
+          <a:bodyPr/>
+          <a:lstStyle/>
+          <a:p>
+            <a:fld id="{2D19DBF8-6DDA-4143-B695-78DBC03CEFD0}" type="datetime1">
+              <a:rPr lang="en-US" smtClean="0"/>
+              <a:t>15/07/2012</a:t>
+            </a:fld>
+            <a:endParaRPr lang="en-US"/>
+          </a:p>
+        </p:txBody>
+      </p:sp>
+      <p:sp>
+        <p:nvSpPr>
+          <p:cNvPr id="6" name="Footer Placeholder 5"/>
+          <p:cNvSpPr>
+            <a:spLocks noGrp="1"/>
+          </p:cNvSpPr>
+          <p:nvPr>
+            <p:ph type="ftr" sz="quarter" idx="11"/>
+          </p:nvPr>
+        </p:nvSpPr>
+        <p:spPr/>
+        <p:txBody>
+          <a:bodyPr/>
+          <a:lstStyle/>
+          <a:p>
+            <a:endParaRPr lang="en-US" dirty="0"/>
+          </a:p>
+        </p:txBody>
+      </p:sp>
+      <p:sp>
+        <p:nvSpPr>
+          <p:cNvPr id="7" name="Slide Number Placeholder 6"/>
+          <p:cNvSpPr>
+            <a:spLocks noGrp="1"/>
+          </p:cNvSpPr>
+          <p:nvPr>
+            <p:ph type="sldNum" sz="quarter" idx="12"/>
+          </p:nvPr>
+        </p:nvSpPr>
+        <p:spPr/>
+        <p:txBody>
+          <a:bodyPr/>
+          <a:lstStyle/>
+          <a:p>
+            <a:fld id="{CEA6F92A-56EE-4F66-8461-BEA44C34BAE8}" type="slidenum">
+              <a:rPr lang="en-US" smtClean="0"/>
+              <a:t>41</a:t>
+            </a:fld>
+            <a:endParaRPr lang="en-US"/>
+          </a:p>
+        </p:txBody>
+      </p:sp>
+      <p:pic>
+        <p:nvPicPr>
+          <p:cNvPr id="14338" name="Picture 2"/>
+          <p:cNvPicPr>
+            <a:picLocks noChangeAspect="1" noChangeArrowheads="1"/>
+          </p:cNvPicPr>
+          <p:nvPr/>
+        </p:nvPicPr>
+        <p:blipFill>
+          <a:blip r:embed="rId3">
+            <a:extLst>
+              <a:ext uri="{28A0092B-C50C-407E-A947-70E740481C1C}">
+                <a14:useLocalDpi xmlns:a14="http://schemas.microsoft.com/office/drawing/2010/main" val="0"/>
+              </a:ext>
+            </a:extLst>
+          </a:blip>
+          <a:srcRect/>
+          <a:stretch>
+            <a:fillRect/>
+          </a:stretch>
+        </p:blipFill>
+        <p:spPr bwMode="auto">
+          <a:xfrm>
+            <a:off x="6629400" y="1567847"/>
+            <a:ext cx="2103437" cy="1393825"/>
+          </a:xfrm>
+          <a:prstGeom prst="rect">
+            <a:avLst/>
+          </a:prstGeom>
+          <a:noFill/>
+          <a:ln>
+            <a:noFill/>
+          </a:ln>
+          <a:effectLst/>
+          <a:extLst>
+            <a:ext uri="{909E8E84-426E-40DD-AFC4-6F175D3DCCD1}">
+              <a14:hiddenFill xmlns:a14="http://schemas.microsoft.com/office/drawing/2010/main">
+                <a:solidFill>
+                  <a:schemeClr val="accent1"/>
+                </a:solidFill>
+              </a14:hiddenFill>
+            </a:ext>
+            <a:ext uri="{91240B29-F687-4F45-9708-019B960494DF}">
+              <a14:hiddenLine xmlns:a14="http://schemas.microsoft.com/office/drawing/2010/main" w="9525">
+                <a:solidFill>
+                  <a:schemeClr val="tx1"/>
+                </a:solidFill>
+                <a:miter lim="800000"/>
+                <a:headEnd/>
+                <a:tailEnd/>
+              </a14:hiddenLine>
+            </a:ext>
+            <a:ext uri="{AF507438-7753-43E0-B8FC-AC1667EBCBE1}">
+              <a14:hiddenEffects xmlns:a14="http://schemas.microsoft.com/office/drawing/2010/main">
+                <a:effectLst>
+                  <a:outerShdw dist="35921" dir="2700000" algn="ctr" rotWithShape="0">
+                    <a:schemeClr val="bg2"/>
+                  </a:outerShdw>
+                </a:effectLst>
+              </a14:hiddenEffects>
+            </a:ext>
+          </a:extLst>
+        </p:spPr>
+      </p:pic>
+    </p:spTree>
+    <p:extLst>
+      <p:ext uri="{BB962C8B-B14F-4D97-AF65-F5344CB8AC3E}">
+        <p14:creationId xmlns:p14="http://schemas.microsoft.com/office/powerpoint/2010/main" val="2766705070"/>
+      </p:ext>
+    </p:extLst>
+  </p:cSld>
+  <p:clrMapOvr>
+    <a:masterClrMapping/>
+  </p:clrMapOvr>
+  <mc:AlternateContent xmlns:mc="http://schemas.openxmlformats.org/markup-compatibility/2006" xmlns:p14="http://schemas.microsoft.com/office/powerpoint/2010/main">
+    <mc:Choice Requires="p14">
+      <p:transition p14:dur="0"/>
+    </mc:Choice>
+    <mc:Fallback xmlns="">
+      <p:transition/>
+    </mc:Fallback>
+  </mc:AlternateContent>
+  <p:timing>
+    <p:tnLst>
+      <p:par>
+        <p:cTn id="1" dur="indefinite" restart="never" nodeType="tmRoot">
+          <p:childTnLst>
+            <p:seq concurrent="1" nextAc="seek">
+              <p:cTn id="2" dur="indefinite" nodeType="mainSeq">
+                <p:childTnLst>
+                  <p:par>
+                    <p:cTn id="3" fill="hold">
+                      <p:stCondLst>
+                        <p:cond delay="indefinite"/>
+                      </p:stCondLst>
+                      <p:childTnLst>
+                        <p:par>
+                          <p:cTn id="4" fill="hold">
+                            <p:stCondLst>
+                              <p:cond delay="0"/>
+                            </p:stCondLst>
+                            <p:childTnLst>
+                              <p:par>
+                                <p:cTn id="5" presetID="2" presetClass="entr" presetSubtype="8" fill="hold" grpId="0" nodeType="clickEffect">
+                                  <p:stCondLst>
+                                    <p:cond delay="0"/>
+                                  </p:stCondLst>
+                                  <p:childTnLst>
+                                    <p:set>
+                                      <p:cBhvr>
+                                        <p:cTn id="6" dur="1" fill="hold">
+                                          <p:stCondLst>
+                                            <p:cond delay="0"/>
+                                          </p:stCondLst>
+                                        </p:cTn>
+                                        <p:tgtEl>
+                                          <p:spTgt spid="4"/>
+                                        </p:tgtEl>
+                                        <p:attrNameLst>
+                                          <p:attrName>style.visibility</p:attrName>
+                                        </p:attrNameLst>
+                                      </p:cBhvr>
+                                      <p:to>
+                                        <p:strVal val="visible"/>
+                                      </p:to>
+                                    </p:set>
+                                    <p:anim calcmode="lin" valueType="num">
+                                      <p:cBhvr additive="base">
+                                        <p:cTn id="7" dur="500" fill="hold"/>
+                                        <p:tgtEl>
+                                          <p:spTgt spid="4"/>
+                                        </p:tgtEl>
+                                        <p:attrNameLst>
+                                          <p:attrName>ppt_x</p:attrName>
+                                        </p:attrNameLst>
+                                      </p:cBhvr>
+                                      <p:tavLst>
+                                        <p:tav tm="0">
+                                          <p:val>
+                                            <p:strVal val="0-#ppt_w/2"/>
+                                          </p:val>
+                                        </p:tav>
+                                        <p:tav tm="100000">
+                                          <p:val>
+                                            <p:strVal val="#ppt_x"/>
+                                          </p:val>
+                                        </p:tav>
+                                      </p:tavLst>
+                                    </p:anim>
+                                    <p:anim calcmode="lin" valueType="num">
+                                      <p:cBhvr additive="base">
+                                        <p:cTn id="8" dur="500" fill="hold"/>
+                                        <p:tgtEl>
+                                          <p:spTgt spid="4"/>
+                                        </p:tgtEl>
+                                        <p:attrNameLst>
+                                          <p:attrName>ppt_y</p:attrName>
+                                        </p:attrNameLst>
+                                      </p:cBhvr>
+                                      <p:tavLst>
+                                        <p:tav tm="0">
+                                          <p:val>
+                                            <p:strVal val="#ppt_y"/>
+                                          </p:val>
+                                        </p:tav>
+                                        <p:tav tm="100000">
+                                          <p:val>
+                                            <p:strVal val="#ppt_y"/>
+                                          </p:val>
+                                        </p:tav>
+                                      </p:tavLst>
+                                    </p:anim>
+                                  </p:childTnLst>
+                                </p:cTn>
+                              </p:par>
+                            </p:childTnLst>
+                          </p:cTn>
+                        </p:par>
+                      </p:childTnLst>
+                    </p:cTn>
+                  </p:par>
+                </p:childTnLst>
+              </p:cTn>
+              <p:prevCondLst>
+                <p:cond evt="onPrev" delay="0">
+                  <p:tgtEl>
+                    <p:sldTgt/>
+                  </p:tgtEl>
+                </p:cond>
+              </p:prevCondLst>
+              <p:nextCondLst>
+                <p:cond evt="onNext" delay="0">
+                  <p:tgtEl>
+                    <p:sldTgt/>
+                  </p:tgtEl>
+                </p:cond>
+              </p:nextCondLst>
+            </p:seq>
+          </p:childTnLst>
+        </p:cTn>
+      </p:par>
+    </p:tnLst>
+    <p:bldLst>
+      <p:bldP spid="4" grpId="0" animBg="1"/>
+    </p:bldLst>
+  </p:timing>
+</p:sld>
+</file>
+
+<file path=ppt/slides/slide42.xml><?xml version="1.0" encoding="utf-8"?>
+<p:sld xmlns:a="http://schemas.openxmlformats.org/drawingml/2006/main" xmlns:r="http://schemas.openxmlformats.org/officeDocument/2006/relationships" xmlns:p="http://schemas.openxmlformats.org/presentationml/2006/main">
+  <p:cSld>
+    <p:spTree>
+      <p:nvGrpSpPr>
+        <p:cNvPr id="1" name=""/>
+        <p:cNvGrpSpPr/>
+        <p:nvPr/>
+      </p:nvGrpSpPr>
+      <p:grpSpPr>
+        <a:xfrm>
+          <a:off x="0" y="0"/>
+          <a:ext cx="0" cy="0"/>
+          <a:chOff x="0" y="0"/>
+          <a:chExt cx="0" cy="0"/>
+        </a:xfrm>
+      </p:grpSpPr>
+      <p:sp>
+        <p:nvSpPr>
+          <p:cNvPr id="2" name="Title 1"/>
+          <p:cNvSpPr>
+            <a:spLocks noGrp="1"/>
+          </p:cNvSpPr>
+          <p:nvPr>
+            <p:ph type="title"/>
+          </p:nvPr>
+        </p:nvSpPr>
+        <p:spPr/>
+        <p:txBody>
+          <a:bodyPr/>
+          <a:lstStyle/>
+          <a:p>
+            <a:r>
+              <a:rPr lang="en-US" dirty="0" err="1" smtClean="0"/>
+              <a:t>Hướng</a:t>
+            </a:r>
+            <a:r>
+              <a:rPr lang="en-US" dirty="0" smtClean="0"/>
+              <a:t> </a:t>
+            </a:r>
+            <a:r>
+              <a:rPr lang="en-US" err="1" smtClean="0"/>
               <a:t>Phát</a:t>
             </a:r>
             <a:r>
-              <a:rPr lang="en-US" dirty="0" smtClean="0"/>
-              <a:t> </a:t>
-            </a:r>
-            <a:r>
-              <a:rPr lang="en-US" dirty="0" err="1" smtClean="0"/>
-              <a:t>Triển</a:t>
+              <a:rPr lang="en-US" smtClean="0"/>
+              <a:t> </a:t>
+            </a:r>
+            <a:r>
+              <a:rPr lang="en-US" smtClean="0"/>
+              <a:t>Triển (1/2)</a:t>
             </a:r>
             <a:endParaRPr lang="en-US" dirty="0"/>
           </a:p>
@@ -24025,7 +25047,7 @@
             <a:fld id="{FCC16894-5FBA-4AA1-B4C4-F198F8BAB8EE}" type="datetime1">
               <a:rPr lang="en-US" smtClean="0"/>
               <a:pPr/>
-              <a:t>7/12/2012</a:t>
+              <a:t>15/07/2012</a:t>
             </a:fld>
             <a:endParaRPr lang="en-US" dirty="0"/>
           </a:p>
@@ -24067,7 +25089,7 @@
           <a:p>
             <a:fld id="{CEA6F92A-56EE-4F66-8461-BEA44C34BAE8}" type="slidenum">
               <a:rPr lang="en-US" smtClean="0"/>
-              <a:t>40</a:t>
+              <a:t>42</a:t>
             </a:fld>
             <a:endParaRPr lang="en-US"/>
           </a:p>
@@ -24191,11 +25213,11 @@
   <p:clrMapOvr>
     <a:masterClrMapping/>
   </p:clrMapOvr>
-  <mc:AlternateContent xmlns:mc="http://schemas.openxmlformats.org/markup-compatibility/2006">
-    <mc:Choice xmlns:p14="http://schemas.microsoft.com/office/powerpoint/2010/main" Requires="p14">
+  <mc:AlternateContent xmlns:mc="http://schemas.openxmlformats.org/markup-compatibility/2006" xmlns:p14="http://schemas.microsoft.com/office/powerpoint/2010/main">
+    <mc:Choice Requires="p14">
       <p:transition p14:dur="0"/>
     </mc:Choice>
-    <mc:Fallback>
+    <mc:Fallback xmlns="">
       <p:transition/>
     </mc:Fallback>
   </mc:AlternateContent>
@@ -24383,7 +25405,7 @@
 </p:sld>
 </file>
 
-<file path=ppt/slides/slide41.xml><?xml version="1.0" encoding="utf-8"?>
+<file path=ppt/slides/slide43.xml><?xml version="1.0" encoding="utf-8"?>
 <p:sld xmlns:a="http://schemas.openxmlformats.org/drawingml/2006/main" xmlns:r="http://schemas.openxmlformats.org/officeDocument/2006/relationships" xmlns:p="http://schemas.openxmlformats.org/presentationml/2006/main">
   <p:cSld>
     <p:spTree>
@@ -24432,23 +25454,23 @@
               <a:t> </a:t>
             </a:r>
             <a:r>
-              <a:rPr lang="en-US" dirty="0" err="1" smtClean="0"/>
+              <a:rPr lang="en-US" err="1" smtClean="0"/>
               <a:t>Triển</a:t>
             </a:r>
             <a:r>
-              <a:rPr lang="en-US" dirty="0"/>
-              <a:t> </a:t>
-            </a:r>
-            <a:r>
-              <a:rPr lang="en-US" dirty="0" smtClean="0"/>
+              <a:rPr lang="en-US"/>
+              <a:t> </a:t>
+            </a:r>
+            <a:r>
+              <a:rPr lang="en-US" smtClean="0"/>
               <a:t>(</a:t>
             </a:r>
             <a:r>
-              <a:rPr lang="en-US" dirty="0" err="1" smtClean="0"/>
-              <a:t>tt</a:t>
-            </a:r>
-            <a:r>
-              <a:rPr lang="en-US" dirty="0" smtClean="0"/>
+              <a:rPr lang="en-US" smtClean="0"/>
+              <a:t>2/2</a:t>
+            </a:r>
+            <a:r>
+              <a:rPr lang="en-US" smtClean="0"/>
               <a:t>)</a:t>
             </a:r>
             <a:endParaRPr lang="en-US" dirty="0"/>
@@ -24498,7 +25520,7 @@
             <a:fld id="{FCC16894-5FBA-4AA1-B4C4-F198F8BAB8EE}" type="datetime1">
               <a:rPr lang="en-US" smtClean="0"/>
               <a:pPr/>
-              <a:t>7/12/2012</a:t>
+              <a:t>15/07/2012</a:t>
             </a:fld>
             <a:endParaRPr lang="en-US" dirty="0"/>
           </a:p>
@@ -24540,7 +25562,7 @@
           <a:p>
             <a:fld id="{CEA6F92A-56EE-4F66-8461-BEA44C34BAE8}" type="slidenum">
               <a:rPr lang="en-US" smtClean="0"/>
-              <a:t>41</a:t>
+              <a:t>43</a:t>
             </a:fld>
             <a:endParaRPr lang="en-US"/>
           </a:p>
@@ -24556,11 +25578,11 @@
   <p:clrMapOvr>
     <a:masterClrMapping/>
   </p:clrMapOvr>
-  <mc:AlternateContent xmlns:mc="http://schemas.openxmlformats.org/markup-compatibility/2006">
-    <mc:Choice xmlns:p14="http://schemas.microsoft.com/office/powerpoint/2010/main" Requires="p14">
+  <mc:AlternateContent xmlns:mc="http://schemas.openxmlformats.org/markup-compatibility/2006" xmlns:p14="http://schemas.microsoft.com/office/powerpoint/2010/main">
+    <mc:Choice Requires="p14">
       <p:transition p14:dur="0"/>
     </mc:Choice>
-    <mc:Fallback>
+    <mc:Fallback xmlns="">
       <p:transition/>
     </mc:Fallback>
   </mc:AlternateContent>
@@ -24574,7 +25596,7 @@
 </p:sld>
 </file>
 
-<file path=ppt/slides/slide42.xml><?xml version="1.0" encoding="utf-8"?>
+<file path=ppt/slides/slide44.xml><?xml version="1.0" encoding="utf-8"?>
 <p:sld xmlns:a="http://schemas.openxmlformats.org/drawingml/2006/main" xmlns:r="http://schemas.openxmlformats.org/officeDocument/2006/relationships" xmlns:p="http://schemas.openxmlformats.org/presentationml/2006/main">
   <p:cSld>
     <p:spTree>
@@ -25122,7 +26144,7 @@
             <a:fld id="{FCC16894-5FBA-4AA1-B4C4-F198F8BAB8EE}" type="datetime1">
               <a:rPr lang="en-US" smtClean="0"/>
               <a:pPr/>
-              <a:t>7/12/2012</a:t>
+              <a:t>15/07/2012</a:t>
             </a:fld>
             <a:endParaRPr lang="en-US" dirty="0"/>
           </a:p>
@@ -25164,7 +26186,7 @@
           <a:p>
             <a:fld id="{CEA6F92A-56EE-4F66-8461-BEA44C34BAE8}" type="slidenum">
               <a:rPr lang="en-US" smtClean="0"/>
-              <a:t>42</a:t>
+              <a:t>44</a:t>
             </a:fld>
             <a:endParaRPr lang="en-US"/>
           </a:p>
@@ -25180,11 +26202,11 @@
   <p:clrMapOvr>
     <a:masterClrMapping/>
   </p:clrMapOvr>
-  <mc:AlternateContent xmlns:mc="http://schemas.openxmlformats.org/markup-compatibility/2006">
-    <mc:Choice xmlns:p14="http://schemas.microsoft.com/office/powerpoint/2010/main" Requires="p14">
+  <mc:AlternateContent xmlns:mc="http://schemas.openxmlformats.org/markup-compatibility/2006" xmlns:p14="http://schemas.microsoft.com/office/powerpoint/2010/main">
+    <mc:Choice Requires="p14">
       <p:transition p14:dur="0"/>
     </mc:Choice>
-    <mc:Fallback>
+    <mc:Fallback xmlns="">
       <p:transition/>
     </mc:Fallback>
   </mc:AlternateContent>
@@ -25198,7 +26220,7 @@
 </p:sld>
 </file>
 
-<file path=ppt/slides/slide43.xml><?xml version="1.0" encoding="utf-8"?>
+<file path=ppt/slides/slide45.xml><?xml version="1.0" encoding="utf-8"?>
 <p:sld xmlns:a="http://schemas.openxmlformats.org/drawingml/2006/main" xmlns:r="http://schemas.openxmlformats.org/officeDocument/2006/relationships" xmlns:p="http://schemas.openxmlformats.org/presentationml/2006/main">
   <p:cSld>
     <p:spTree>
@@ -25325,7 +26347,7 @@
           <a:p>
             <a:fld id="{B0F20B8D-B308-47B3-826B-5DB335E2CD66}" type="datetime1">
               <a:rPr lang="en-US" smtClean="0"/>
-              <a:t>7/12/2012</a:t>
+              <a:t>15/07/2012</a:t>
             </a:fld>
             <a:endParaRPr lang="en-US"/>
           </a:p>
@@ -25367,7 +26389,7 @@
           <a:p>
             <a:fld id="{CEA6F92A-56EE-4F66-8461-BEA44C34BAE8}" type="slidenum">
               <a:rPr lang="en-US" smtClean="0"/>
-              <a:t>43</a:t>
+              <a:t>45</a:t>
             </a:fld>
             <a:endParaRPr lang="en-US"/>
           </a:p>
@@ -25383,11 +26405,11 @@
   <p:clrMapOvr>
     <a:masterClrMapping/>
   </p:clrMapOvr>
-  <mc:AlternateContent xmlns:mc="http://schemas.openxmlformats.org/markup-compatibility/2006">
-    <mc:Choice xmlns:p14="http://schemas.microsoft.com/office/powerpoint/2010/main" Requires="p14">
+  <mc:AlternateContent xmlns:mc="http://schemas.openxmlformats.org/markup-compatibility/2006" xmlns:p14="http://schemas.microsoft.com/office/powerpoint/2010/main">
+    <mc:Choice Requires="p14">
       <p:transition p14:dur="0"/>
     </mc:Choice>
-    <mc:Fallback>
+    <mc:Fallback xmlns="">
       <p:transition/>
     </mc:Fallback>
   </mc:AlternateContent>
@@ -25401,7 +26423,7 @@
 </p:sld>
 </file>
 
-<file path=ppt/slides/slide44.xml><?xml version="1.0" encoding="utf-8"?>
+<file path=ppt/slides/slide46.xml><?xml version="1.0" encoding="utf-8"?>
 <p:sld xmlns:a="http://schemas.openxmlformats.org/drawingml/2006/main" xmlns:r="http://schemas.openxmlformats.org/officeDocument/2006/relationships" xmlns:p="http://schemas.openxmlformats.org/presentationml/2006/main">
   <p:cSld>
     <p:spTree>
@@ -25443,7 +26465,7 @@
             <a:fld id="{65B613A6-ECE8-4332-8450-A606DEF9DB12}" type="slidenum">
               <a:rPr lang="en-US" smtClean="0"/>
               <a:pPr/>
-              <a:t>44</a:t>
+              <a:t>46</a:t>
             </a:fld>
             <a:endParaRPr lang="en-US"/>
           </a:p>
@@ -25507,7 +26529,7 @@
           <a:p>
             <a:fld id="{7EDA7857-C0B0-4F13-91ED-D248D670D955}" type="datetime1">
               <a:rPr lang="en-US" smtClean="0"/>
-              <a:t>7/12/2012</a:t>
+              <a:t>15/07/2012</a:t>
             </a:fld>
             <a:endParaRPr lang="en-US"/>
           </a:p>
@@ -25542,11 +26564,11 @@
   <p:clrMapOvr>
     <a:masterClrMapping/>
   </p:clrMapOvr>
-  <mc:AlternateContent xmlns:mc="http://schemas.openxmlformats.org/markup-compatibility/2006">
-    <mc:Choice xmlns:p14="http://schemas.microsoft.com/office/powerpoint/2010/main" Requires="p14">
+  <mc:AlternateContent xmlns:mc="http://schemas.openxmlformats.org/markup-compatibility/2006" xmlns:p14="http://schemas.microsoft.com/office/powerpoint/2010/main">
+    <mc:Choice Requires="p14">
       <p:transition p14:dur="0"/>
     </mc:Choice>
-    <mc:Fallback>
+    <mc:Fallback xmlns="">
       <p:transition/>
     </mc:Fallback>
   </mc:AlternateContent>
@@ -25777,7 +26799,6 @@
               <a:rPr lang="en-US" dirty="0" smtClean="0"/>
               <a:t>.</a:t>
             </a:r>
-            <a:endParaRPr lang="en-US" dirty="0" smtClean="0"/>
           </a:p>
           <a:p>
             <a:pPr lvl="1"/>
@@ -25890,7 +26911,7 @@
           <a:p>
             <a:fld id="{82EB374C-D5C4-486A-9647-B6A264313D62}" type="datetime1">
               <a:rPr lang="en-US" smtClean="0"/>
-              <a:t>7/12/2012</a:t>
+              <a:t>15/07/2012</a:t>
             </a:fld>
             <a:endParaRPr lang="en-US"/>
           </a:p>
@@ -25948,11 +26969,11 @@
   <p:clrMapOvr>
     <a:masterClrMapping/>
   </p:clrMapOvr>
-  <mc:AlternateContent xmlns:mc="http://schemas.openxmlformats.org/markup-compatibility/2006">
-    <mc:Choice xmlns:p14="http://schemas.microsoft.com/office/powerpoint/2010/main" Requires="p14">
+  <mc:AlternateContent xmlns:mc="http://schemas.openxmlformats.org/markup-compatibility/2006" xmlns:p14="http://schemas.microsoft.com/office/powerpoint/2010/main">
+    <mc:Choice Requires="p14">
       <p:transition p14:dur="0"/>
     </mc:Choice>
-    <mc:Fallback>
+    <mc:Fallback xmlns="">
       <p:transition/>
     </mc:Fallback>
   </mc:AlternateContent>
@@ -26152,16 +27173,22 @@
               <a:t> </a:t>
             </a:r>
             <a:r>
-              <a:rPr lang="en-US" dirty="0" err="1" smtClean="0"/>
+              <a:rPr lang="en-US" err="1" smtClean="0"/>
               <a:t>tương</a:t>
             </a:r>
             <a:r>
-              <a:rPr lang="en-US" dirty="0" smtClean="0"/>
-              <a:t> </a:t>
-            </a:r>
-            <a:r>
-              <a:rPr lang="en-US" dirty="0" err="1" smtClean="0"/>
+              <a:rPr lang="en-US" smtClean="0"/>
+              <a:t> </a:t>
+            </a:r>
+            <a:r>
+              <a:rPr lang="en-US" smtClean="0"/>
               <a:t>tác</a:t>
+            </a:r>
+          </a:p>
+          <a:p>
+            <a:r>
+              <a:rPr lang="en-US" smtClean="0"/>
+              <a:t>Hạn chế</a:t>
             </a:r>
             <a:endParaRPr lang="en-US" dirty="0" smtClean="0"/>
           </a:p>
@@ -26247,7 +27274,7 @@
           <a:p>
             <a:fld id="{E32CF3E1-D7B2-4318-9892-AABBFDC61E77}" type="datetime1">
               <a:rPr lang="en-US" smtClean="0"/>
-              <a:t>7/12/2012</a:t>
+              <a:t>15/07/2012</a:t>
             </a:fld>
             <a:endParaRPr lang="en-US"/>
           </a:p>
@@ -26369,11 +27396,11 @@
   <p:clrMapOvr>
     <a:masterClrMapping/>
   </p:clrMapOvr>
-  <mc:AlternateContent xmlns:mc="http://schemas.openxmlformats.org/markup-compatibility/2006">
-    <mc:Choice xmlns:p14="http://schemas.microsoft.com/office/powerpoint/2010/main" Requires="p14">
+  <mc:AlternateContent xmlns:mc="http://schemas.openxmlformats.org/markup-compatibility/2006" xmlns:p14="http://schemas.microsoft.com/office/powerpoint/2010/main">
+    <mc:Choice Requires="p14">
       <p:transition p14:dur="0"/>
     </mc:Choice>
-    <mc:Fallback>
+    <mc:Fallback xmlns="">
       <p:transition/>
     </mc:Fallback>
   </mc:AlternateContent>
@@ -26898,7 +27925,7 @@
           <a:p>
             <a:fld id="{7FB06CC0-024A-4CD4-93F4-77826598BD17}" type="datetime1">
               <a:rPr lang="en-US" smtClean="0"/>
-              <a:t>7/12/2012</a:t>
+              <a:t>15/07/2012</a:t>
             </a:fld>
             <a:endParaRPr lang="en-US"/>
           </a:p>
@@ -26956,11 +27983,11 @@
   <p:clrMapOvr>
     <a:masterClrMapping/>
   </p:clrMapOvr>
-  <mc:AlternateContent xmlns:mc="http://schemas.openxmlformats.org/markup-compatibility/2006">
-    <mc:Choice xmlns:p14="http://schemas.microsoft.com/office/powerpoint/2010/main" Requires="p14">
+  <mc:AlternateContent xmlns:mc="http://schemas.openxmlformats.org/markup-compatibility/2006" xmlns:p14="http://schemas.microsoft.com/office/powerpoint/2010/main">
+    <mc:Choice Requires="p14">
       <p:transition p14:dur="0"/>
     </mc:Choice>
-    <mc:Fallback>
+    <mc:Fallback xmlns="">
       <p:transition/>
     </mc:Fallback>
   </mc:AlternateContent>
@@ -27204,7 +28231,7 @@
           <a:p>
             <a:fld id="{89DB3C26-A2A2-441A-979D-3B33FB4C1F60}" type="datetime1">
               <a:rPr lang="en-US" smtClean="0"/>
-              <a:t>7/12/2012</a:t>
+              <a:t>15/07/2012</a:t>
             </a:fld>
             <a:endParaRPr lang="en-US"/>
           </a:p>
@@ -27365,11 +28392,11 @@
   <p:clrMapOvr>
     <a:masterClrMapping/>
   </p:clrMapOvr>
-  <mc:AlternateContent xmlns:mc="http://schemas.openxmlformats.org/markup-compatibility/2006">
-    <mc:Choice xmlns:p14="http://schemas.microsoft.com/office/powerpoint/2010/main" Requires="p14">
+  <mc:AlternateContent xmlns:mc="http://schemas.openxmlformats.org/markup-compatibility/2006" xmlns:p14="http://schemas.microsoft.com/office/powerpoint/2010/main">
+    <mc:Choice Requires="p14">
       <p:transition p14:dur="0"/>
     </mc:Choice>
-    <mc:Fallback>
+    <mc:Fallback xmlns="">
       <p:transition/>
     </mc:Fallback>
   </mc:AlternateContent>
@@ -27661,7 +28688,7 @@
           <a:p>
             <a:fld id="{E34ABE66-0DFD-468B-9214-9D1330676C1E}" type="datetime1">
               <a:rPr lang="en-US" smtClean="0"/>
-              <a:t>7/12/2012</a:t>
+              <a:t>15/07/2012</a:t>
             </a:fld>
             <a:endParaRPr lang="en-US"/>
           </a:p>
@@ -27824,11 +28851,11 @@
   <p:clrMapOvr>
     <a:masterClrMapping/>
   </p:clrMapOvr>
-  <mc:AlternateContent xmlns:mc="http://schemas.openxmlformats.org/markup-compatibility/2006">
-    <mc:Choice xmlns:p14="http://schemas.microsoft.com/office/powerpoint/2010/main" Requires="p14">
+  <mc:AlternateContent xmlns:mc="http://schemas.openxmlformats.org/markup-compatibility/2006" xmlns:p14="http://schemas.microsoft.com/office/powerpoint/2010/main">
+    <mc:Choice Requires="p14">
       <p:transition p14:dur="0"/>
     </mc:Choice>
-    <mc:Fallback>
+    <mc:Fallback xmlns="">
       <p:transition/>
     </mc:Fallback>
   </mc:AlternateContent>

--- a/Report/ppt/Presentation.pptx
+++ b/Report/ppt/Presentation.pptx
@@ -5,10 +5,10 @@
     <p:sldMasterId id="2147484476" r:id="rId1"/>
   </p:sldMasterIdLst>
   <p:notesMasterIdLst>
-    <p:notesMasterId r:id="rId48"/>
+    <p:notesMasterId r:id="rId49"/>
   </p:notesMasterIdLst>
   <p:handoutMasterIdLst>
-    <p:handoutMasterId r:id="rId49"/>
+    <p:handoutMasterId r:id="rId50"/>
   </p:handoutMasterIdLst>
   <p:sldIdLst>
     <p:sldId id="256" r:id="rId2"/>
@@ -50,13 +50,14 @@
     <p:sldId id="272" r:id="rId38"/>
     <p:sldId id="309" r:id="rId39"/>
     <p:sldId id="280" r:id="rId40"/>
-    <p:sldId id="313" r:id="rId41"/>
-    <p:sldId id="312" r:id="rId42"/>
+    <p:sldId id="312" r:id="rId41"/>
+    <p:sldId id="313" r:id="rId42"/>
     <p:sldId id="297" r:id="rId43"/>
     <p:sldId id="298" r:id="rId44"/>
     <p:sldId id="299" r:id="rId45"/>
     <p:sldId id="264" r:id="rId46"/>
-    <p:sldId id="265" r:id="rId47"/>
+    <p:sldId id="314" r:id="rId47"/>
+    <p:sldId id="265" r:id="rId48"/>
   </p:sldIdLst>
   <p:sldSz cx="9144000" cy="6858000" type="screen4x3"/>
   <p:notesSz cx="6858000" cy="9144000"/>
@@ -2559,845 +2560,6 @@
       <dsp:cNvGrpSpPr/>
     </dsp:nvGrpSpPr>
     <dsp:grpSpPr/>
-    <dsp:sp modelId="{CCF9B802-8B75-4FDD-AF07-A4FC46890E87}">
-      <dsp:nvSpPr>
-        <dsp:cNvPr id="0" name=""/>
-        <dsp:cNvSpPr/>
-      </dsp:nvSpPr>
-      <dsp:spPr>
-        <a:xfrm>
-          <a:off x="1758302" y="454964"/>
-          <a:ext cx="3112795" cy="3112795"/>
-        </a:xfrm>
-        <a:prstGeom prst="blockArc">
-          <a:avLst>
-            <a:gd name="adj1" fmla="val 12600000"/>
-            <a:gd name="adj2" fmla="val 16200000"/>
-            <a:gd name="adj3" fmla="val 4518"/>
-          </a:avLst>
-        </a:prstGeom>
-        <a:solidFill>
-          <a:schemeClr val="accent1">
-            <a:tint val="60000"/>
-            <a:hueOff val="0"/>
-            <a:satOff val="0"/>
-            <a:lumOff val="0"/>
-            <a:alphaOff val="0"/>
-          </a:schemeClr>
-        </a:solidFill>
-        <a:ln>
-          <a:noFill/>
-        </a:ln>
-        <a:effectLst/>
-      </dsp:spPr>
-      <dsp:style>
-        <a:lnRef idx="0">
-          <a:scrgbClr r="0" g="0" b="0"/>
-        </a:lnRef>
-        <a:fillRef idx="1">
-          <a:scrgbClr r="0" g="0" b="0"/>
-        </a:fillRef>
-        <a:effectRef idx="0">
-          <a:scrgbClr r="0" g="0" b="0"/>
-        </a:effectRef>
-        <a:fontRef idx="minor">
-          <a:schemeClr val="lt1"/>
-        </a:fontRef>
-      </dsp:style>
-    </dsp:sp>
-    <dsp:sp modelId="{15782D7C-BC28-4EF1-B069-7067348A098F}">
-      <dsp:nvSpPr>
-        <dsp:cNvPr id="0" name=""/>
-        <dsp:cNvSpPr/>
-      </dsp:nvSpPr>
-      <dsp:spPr>
-        <a:xfrm>
-          <a:off x="1758302" y="454964"/>
-          <a:ext cx="3112795" cy="3112795"/>
-        </a:xfrm>
-        <a:prstGeom prst="blockArc">
-          <a:avLst>
-            <a:gd name="adj1" fmla="val 9000000"/>
-            <a:gd name="adj2" fmla="val 12600000"/>
-            <a:gd name="adj3" fmla="val 4518"/>
-          </a:avLst>
-        </a:prstGeom>
-        <a:solidFill>
-          <a:schemeClr val="accent1">
-            <a:tint val="60000"/>
-            <a:hueOff val="0"/>
-            <a:satOff val="0"/>
-            <a:lumOff val="0"/>
-            <a:alphaOff val="0"/>
-          </a:schemeClr>
-        </a:solidFill>
-        <a:ln>
-          <a:noFill/>
-        </a:ln>
-        <a:effectLst/>
-      </dsp:spPr>
-      <dsp:style>
-        <a:lnRef idx="0">
-          <a:scrgbClr r="0" g="0" b="0"/>
-        </a:lnRef>
-        <a:fillRef idx="1">
-          <a:scrgbClr r="0" g="0" b="0"/>
-        </a:fillRef>
-        <a:effectRef idx="0">
-          <a:scrgbClr r="0" g="0" b="0"/>
-        </a:effectRef>
-        <a:fontRef idx="minor">
-          <a:schemeClr val="lt1"/>
-        </a:fontRef>
-      </dsp:style>
-    </dsp:sp>
-    <dsp:sp modelId="{926CA29A-5B92-4EF4-B823-1E977539B923}">
-      <dsp:nvSpPr>
-        <dsp:cNvPr id="0" name=""/>
-        <dsp:cNvSpPr/>
-      </dsp:nvSpPr>
-      <dsp:spPr>
-        <a:xfrm>
-          <a:off x="1758302" y="454964"/>
-          <a:ext cx="3112795" cy="3112795"/>
-        </a:xfrm>
-        <a:prstGeom prst="blockArc">
-          <a:avLst>
-            <a:gd name="adj1" fmla="val 5400000"/>
-            <a:gd name="adj2" fmla="val 9000000"/>
-            <a:gd name="adj3" fmla="val 4518"/>
-          </a:avLst>
-        </a:prstGeom>
-        <a:solidFill>
-          <a:schemeClr val="accent1">
-            <a:tint val="60000"/>
-            <a:hueOff val="0"/>
-            <a:satOff val="0"/>
-            <a:lumOff val="0"/>
-            <a:alphaOff val="0"/>
-          </a:schemeClr>
-        </a:solidFill>
-        <a:ln>
-          <a:noFill/>
-        </a:ln>
-        <a:effectLst/>
-      </dsp:spPr>
-      <dsp:style>
-        <a:lnRef idx="0">
-          <a:scrgbClr r="0" g="0" b="0"/>
-        </a:lnRef>
-        <a:fillRef idx="1">
-          <a:scrgbClr r="0" g="0" b="0"/>
-        </a:fillRef>
-        <a:effectRef idx="0">
-          <a:scrgbClr r="0" g="0" b="0"/>
-        </a:effectRef>
-        <a:fontRef idx="minor">
-          <a:schemeClr val="lt1"/>
-        </a:fontRef>
-      </dsp:style>
-    </dsp:sp>
-    <dsp:sp modelId="{E105F98C-E379-4365-B2A2-ECDA9DACDE1A}">
-      <dsp:nvSpPr>
-        <dsp:cNvPr id="0" name=""/>
-        <dsp:cNvSpPr/>
-      </dsp:nvSpPr>
-      <dsp:spPr>
-        <a:xfrm>
-          <a:off x="1758302" y="454964"/>
-          <a:ext cx="3112795" cy="3112795"/>
-        </a:xfrm>
-        <a:prstGeom prst="blockArc">
-          <a:avLst>
-            <a:gd name="adj1" fmla="val 1800000"/>
-            <a:gd name="adj2" fmla="val 5400000"/>
-            <a:gd name="adj3" fmla="val 4518"/>
-          </a:avLst>
-        </a:prstGeom>
-        <a:solidFill>
-          <a:schemeClr val="accent1">
-            <a:tint val="60000"/>
-            <a:hueOff val="0"/>
-            <a:satOff val="0"/>
-            <a:lumOff val="0"/>
-            <a:alphaOff val="0"/>
-          </a:schemeClr>
-        </a:solidFill>
-        <a:ln>
-          <a:noFill/>
-        </a:ln>
-        <a:effectLst/>
-      </dsp:spPr>
-      <dsp:style>
-        <a:lnRef idx="0">
-          <a:scrgbClr r="0" g="0" b="0"/>
-        </a:lnRef>
-        <a:fillRef idx="1">
-          <a:scrgbClr r="0" g="0" b="0"/>
-        </a:fillRef>
-        <a:effectRef idx="0">
-          <a:scrgbClr r="0" g="0" b="0"/>
-        </a:effectRef>
-        <a:fontRef idx="minor">
-          <a:schemeClr val="lt1"/>
-        </a:fontRef>
-      </dsp:style>
-    </dsp:sp>
-    <dsp:sp modelId="{5FE872C7-8652-4745-9691-BCA9705F4993}">
-      <dsp:nvSpPr>
-        <dsp:cNvPr id="0" name=""/>
-        <dsp:cNvSpPr/>
-      </dsp:nvSpPr>
-      <dsp:spPr>
-        <a:xfrm>
-          <a:off x="1758302" y="454964"/>
-          <a:ext cx="3112795" cy="3112795"/>
-        </a:xfrm>
-        <a:prstGeom prst="blockArc">
-          <a:avLst>
-            <a:gd name="adj1" fmla="val 19800000"/>
-            <a:gd name="adj2" fmla="val 1800000"/>
-            <a:gd name="adj3" fmla="val 4518"/>
-          </a:avLst>
-        </a:prstGeom>
-        <a:solidFill>
-          <a:schemeClr val="accent1">
-            <a:tint val="60000"/>
-            <a:hueOff val="0"/>
-            <a:satOff val="0"/>
-            <a:lumOff val="0"/>
-            <a:alphaOff val="0"/>
-          </a:schemeClr>
-        </a:solidFill>
-        <a:ln>
-          <a:noFill/>
-        </a:ln>
-        <a:effectLst/>
-      </dsp:spPr>
-      <dsp:style>
-        <a:lnRef idx="0">
-          <a:scrgbClr r="0" g="0" b="0"/>
-        </a:lnRef>
-        <a:fillRef idx="1">
-          <a:scrgbClr r="0" g="0" b="0"/>
-        </a:fillRef>
-        <a:effectRef idx="0">
-          <a:scrgbClr r="0" g="0" b="0"/>
-        </a:effectRef>
-        <a:fontRef idx="minor">
-          <a:schemeClr val="lt1"/>
-        </a:fontRef>
-      </dsp:style>
-    </dsp:sp>
-    <dsp:sp modelId="{FF403BAD-2958-457A-8239-85CFCAA24A0A}">
-      <dsp:nvSpPr>
-        <dsp:cNvPr id="0" name=""/>
-        <dsp:cNvSpPr/>
-      </dsp:nvSpPr>
-      <dsp:spPr>
-        <a:xfrm>
-          <a:off x="1758302" y="454964"/>
-          <a:ext cx="3112795" cy="3112795"/>
-        </a:xfrm>
-        <a:prstGeom prst="blockArc">
-          <a:avLst>
-            <a:gd name="adj1" fmla="val 16200000"/>
-            <a:gd name="adj2" fmla="val 19800000"/>
-            <a:gd name="adj3" fmla="val 4518"/>
-          </a:avLst>
-        </a:prstGeom>
-        <a:solidFill>
-          <a:schemeClr val="accent1">
-            <a:tint val="60000"/>
-            <a:hueOff val="0"/>
-            <a:satOff val="0"/>
-            <a:lumOff val="0"/>
-            <a:alphaOff val="0"/>
-          </a:schemeClr>
-        </a:solidFill>
-        <a:ln>
-          <a:noFill/>
-        </a:ln>
-        <a:effectLst/>
-      </dsp:spPr>
-      <dsp:style>
-        <a:lnRef idx="0">
-          <a:scrgbClr r="0" g="0" b="0"/>
-        </a:lnRef>
-        <a:fillRef idx="1">
-          <a:scrgbClr r="0" g="0" b="0"/>
-        </a:fillRef>
-        <a:effectRef idx="0">
-          <a:scrgbClr r="0" g="0" b="0"/>
-        </a:effectRef>
-        <a:fontRef idx="minor">
-          <a:schemeClr val="lt1"/>
-        </a:fontRef>
-      </dsp:style>
-    </dsp:sp>
-    <dsp:sp modelId="{8FB83454-B088-48EC-A020-6FBDD95AFCB0}">
-      <dsp:nvSpPr>
-        <dsp:cNvPr id="0" name=""/>
-        <dsp:cNvSpPr/>
-      </dsp:nvSpPr>
-      <dsp:spPr>
-        <a:xfrm>
-          <a:off x="2617123" y="1313786"/>
-          <a:ext cx="1395152" cy="1395152"/>
-        </a:xfrm>
-        <a:prstGeom prst="ellipse">
-          <a:avLst/>
-        </a:prstGeom>
-        <a:solidFill>
-          <a:schemeClr val="accent1">
-            <a:hueOff val="0"/>
-            <a:satOff val="0"/>
-            <a:lumOff val="0"/>
-            <a:alphaOff val="0"/>
-          </a:schemeClr>
-        </a:solidFill>
-        <a:ln w="19050" cap="flat" cmpd="sng" algn="ctr">
-          <a:solidFill>
-            <a:schemeClr val="lt1">
-              <a:hueOff val="0"/>
-              <a:satOff val="0"/>
-              <a:lumOff val="0"/>
-              <a:alphaOff val="0"/>
-            </a:schemeClr>
-          </a:solidFill>
-          <a:prstDash val="solid"/>
-        </a:ln>
-        <a:effectLst/>
-      </dsp:spPr>
-      <dsp:style>
-        <a:lnRef idx="2">
-          <a:scrgbClr r="0" g="0" b="0"/>
-        </a:lnRef>
-        <a:fillRef idx="1">
-          <a:scrgbClr r="0" g="0" b="0"/>
-        </a:fillRef>
-        <a:effectRef idx="0">
-          <a:scrgbClr r="0" g="0" b="0"/>
-        </a:effectRef>
-        <a:fontRef idx="minor">
-          <a:schemeClr val="lt1"/>
-        </a:fontRef>
-      </dsp:style>
-      <dsp:txBody>
-        <a:bodyPr spcFirstLastPara="0" vert="horz" wrap="square" lIns="11430" tIns="11430" rIns="11430" bIns="11430" numCol="1" spcCol="1270" anchor="ctr" anchorCtr="0">
-          <a:noAutofit/>
-        </a:bodyPr>
-        <a:lstStyle/>
-        <a:p>
-          <a:pPr lvl="0" algn="ctr" defTabSz="400050">
-            <a:lnSpc>
-              <a:spcPct val="90000"/>
-            </a:lnSpc>
-            <a:spcBef>
-              <a:spcPct val="0"/>
-            </a:spcBef>
-            <a:spcAft>
-              <a:spcPct val="35000"/>
-            </a:spcAft>
-          </a:pPr>
-          <a:r>
-            <a:rPr lang="en-US" sz="900" kern="1200" dirty="0" err="1" smtClean="0"/>
-            <a:t>Môi</a:t>
-          </a:r>
-          <a:r>
-            <a:rPr lang="en-US" sz="900" kern="1200" dirty="0" smtClean="0"/>
-            <a:t> </a:t>
-          </a:r>
-          <a:r>
-            <a:rPr lang="en-US" sz="900" kern="1200" dirty="0" err="1" smtClean="0"/>
-            <a:t>Trường</a:t>
-          </a:r>
-          <a:r>
-            <a:rPr lang="en-US" sz="900" kern="1200" dirty="0" smtClean="0"/>
-            <a:t> </a:t>
-          </a:r>
-          <a:r>
-            <a:rPr lang="en-US" sz="900" kern="1200" dirty="0" err="1" smtClean="0"/>
-            <a:t>Tích</a:t>
-          </a:r>
-          <a:r>
-            <a:rPr lang="en-US" sz="900" kern="1200" dirty="0" smtClean="0"/>
-            <a:t> </a:t>
-          </a:r>
-          <a:r>
-            <a:rPr lang="en-US" sz="900" kern="1200" dirty="0" err="1" smtClean="0"/>
-            <a:t>Hợp</a:t>
-          </a:r>
-          <a:endParaRPr lang="en-US" sz="900" kern="1200" dirty="0"/>
-        </a:p>
-      </dsp:txBody>
-      <dsp:txXfrm>
-        <a:off x="2821438" y="1518101"/>
-        <a:ext cx="986522" cy="986522"/>
-      </dsp:txXfrm>
-    </dsp:sp>
-    <dsp:sp modelId="{35346AF4-191E-4A0D-BB7A-87D1C62CEB61}">
-      <dsp:nvSpPr>
-        <dsp:cNvPr id="0" name=""/>
-        <dsp:cNvSpPr/>
-      </dsp:nvSpPr>
-      <dsp:spPr>
-        <a:xfrm>
-          <a:off x="2826396" y="1819"/>
-          <a:ext cx="976606" cy="976606"/>
-        </a:xfrm>
-        <a:prstGeom prst="ellipse">
-          <a:avLst/>
-        </a:prstGeom>
-        <a:solidFill>
-          <a:schemeClr val="accent1">
-            <a:hueOff val="0"/>
-            <a:satOff val="0"/>
-            <a:lumOff val="0"/>
-            <a:alphaOff val="0"/>
-          </a:schemeClr>
-        </a:solidFill>
-        <a:ln w="19050" cap="flat" cmpd="sng" algn="ctr">
-          <a:solidFill>
-            <a:schemeClr val="lt1">
-              <a:hueOff val="0"/>
-              <a:satOff val="0"/>
-              <a:lumOff val="0"/>
-              <a:alphaOff val="0"/>
-            </a:schemeClr>
-          </a:solidFill>
-          <a:prstDash val="solid"/>
-        </a:ln>
-        <a:effectLst/>
-      </dsp:spPr>
-      <dsp:style>
-        <a:lnRef idx="2">
-          <a:scrgbClr r="0" g="0" b="0"/>
-        </a:lnRef>
-        <a:fillRef idx="1">
-          <a:scrgbClr r="0" g="0" b="0"/>
-        </a:fillRef>
-        <a:effectRef idx="0">
-          <a:scrgbClr r="0" g="0" b="0"/>
-        </a:effectRef>
-        <a:fontRef idx="minor">
-          <a:schemeClr val="lt1"/>
-        </a:fontRef>
-      </dsp:style>
-      <dsp:txBody>
-        <a:bodyPr spcFirstLastPara="0" vert="horz" wrap="square" lIns="11430" tIns="11430" rIns="11430" bIns="11430" numCol="1" spcCol="1270" anchor="ctr" anchorCtr="0">
-          <a:noAutofit/>
-        </a:bodyPr>
-        <a:lstStyle/>
-        <a:p>
-          <a:pPr lvl="0" algn="ctr" defTabSz="400050">
-            <a:lnSpc>
-              <a:spcPct val="90000"/>
-            </a:lnSpc>
-            <a:spcBef>
-              <a:spcPct val="0"/>
-            </a:spcBef>
-            <a:spcAft>
-              <a:spcPct val="35000"/>
-            </a:spcAft>
-          </a:pPr>
-          <a:r>
-            <a:rPr lang="en-US" sz="900" kern="1200" dirty="0" smtClean="0"/>
-            <a:t>IDE</a:t>
-          </a:r>
-          <a:endParaRPr lang="en-US" sz="900" kern="1200" dirty="0"/>
-        </a:p>
-      </dsp:txBody>
-      <dsp:txXfrm>
-        <a:off x="2969417" y="144840"/>
-        <a:ext cx="690564" cy="690564"/>
-      </dsp:txXfrm>
-    </dsp:sp>
-    <dsp:sp modelId="{7B7234EA-E518-4A98-8088-44C0F2C4B6C5}">
-      <dsp:nvSpPr>
-        <dsp:cNvPr id="0" name=""/>
-        <dsp:cNvSpPr/>
-      </dsp:nvSpPr>
-      <dsp:spPr>
-        <a:xfrm>
-          <a:off x="4143828" y="762439"/>
-          <a:ext cx="976606" cy="976606"/>
-        </a:xfrm>
-        <a:prstGeom prst="ellipse">
-          <a:avLst/>
-        </a:prstGeom>
-        <a:solidFill>
-          <a:schemeClr val="accent1">
-            <a:hueOff val="0"/>
-            <a:satOff val="0"/>
-            <a:lumOff val="0"/>
-            <a:alphaOff val="0"/>
-          </a:schemeClr>
-        </a:solidFill>
-        <a:ln w="19050" cap="flat" cmpd="sng" algn="ctr">
-          <a:solidFill>
-            <a:schemeClr val="lt1">
-              <a:hueOff val="0"/>
-              <a:satOff val="0"/>
-              <a:lumOff val="0"/>
-              <a:alphaOff val="0"/>
-            </a:schemeClr>
-          </a:solidFill>
-          <a:prstDash val="solid"/>
-        </a:ln>
-        <a:effectLst/>
-      </dsp:spPr>
-      <dsp:style>
-        <a:lnRef idx="2">
-          <a:scrgbClr r="0" g="0" b="0"/>
-        </a:lnRef>
-        <a:fillRef idx="1">
-          <a:scrgbClr r="0" g="0" b="0"/>
-        </a:fillRef>
-        <a:effectRef idx="0">
-          <a:scrgbClr r="0" g="0" b="0"/>
-        </a:effectRef>
-        <a:fontRef idx="minor">
-          <a:schemeClr val="lt1"/>
-        </a:fontRef>
-      </dsp:style>
-      <dsp:txBody>
-        <a:bodyPr spcFirstLastPara="0" vert="horz" wrap="square" lIns="11430" tIns="11430" rIns="11430" bIns="11430" numCol="1" spcCol="1270" anchor="ctr" anchorCtr="0">
-          <a:noAutofit/>
-        </a:bodyPr>
-        <a:lstStyle/>
-        <a:p>
-          <a:pPr lvl="0" algn="ctr" defTabSz="400050">
-            <a:lnSpc>
-              <a:spcPct val="90000"/>
-            </a:lnSpc>
-            <a:spcBef>
-              <a:spcPct val="0"/>
-            </a:spcBef>
-            <a:spcAft>
-              <a:spcPct val="35000"/>
-            </a:spcAft>
-          </a:pPr>
-          <a:r>
-            <a:rPr lang="en-US" sz="900" kern="1200" dirty="0" smtClean="0"/>
-            <a:t>Repository &amp; Version Control</a:t>
-          </a:r>
-          <a:endParaRPr lang="en-US" sz="900" kern="1200" dirty="0"/>
-        </a:p>
-      </dsp:txBody>
-      <dsp:txXfrm>
-        <a:off x="4286849" y="905460"/>
-        <a:ext cx="690564" cy="690564"/>
-      </dsp:txXfrm>
-    </dsp:sp>
-    <dsp:sp modelId="{50077370-186A-4B2D-9DFB-BB89D03F861C}">
-      <dsp:nvSpPr>
-        <dsp:cNvPr id="0" name=""/>
-        <dsp:cNvSpPr/>
-      </dsp:nvSpPr>
-      <dsp:spPr>
-        <a:xfrm>
-          <a:off x="4143828" y="2283679"/>
-          <a:ext cx="976606" cy="976606"/>
-        </a:xfrm>
-        <a:prstGeom prst="ellipse">
-          <a:avLst/>
-        </a:prstGeom>
-        <a:solidFill>
-          <a:schemeClr val="accent1">
-            <a:hueOff val="0"/>
-            <a:satOff val="0"/>
-            <a:lumOff val="0"/>
-            <a:alphaOff val="0"/>
-          </a:schemeClr>
-        </a:solidFill>
-        <a:ln w="19050" cap="flat" cmpd="sng" algn="ctr">
-          <a:solidFill>
-            <a:schemeClr val="lt1">
-              <a:hueOff val="0"/>
-              <a:satOff val="0"/>
-              <a:lumOff val="0"/>
-              <a:alphaOff val="0"/>
-            </a:schemeClr>
-          </a:solidFill>
-          <a:prstDash val="solid"/>
-        </a:ln>
-        <a:effectLst/>
-      </dsp:spPr>
-      <dsp:style>
-        <a:lnRef idx="2">
-          <a:scrgbClr r="0" g="0" b="0"/>
-        </a:lnRef>
-        <a:fillRef idx="1">
-          <a:scrgbClr r="0" g="0" b="0"/>
-        </a:fillRef>
-        <a:effectRef idx="0">
-          <a:scrgbClr r="0" g="0" b="0"/>
-        </a:effectRef>
-        <a:fontRef idx="minor">
-          <a:schemeClr val="lt1"/>
-        </a:fontRef>
-      </dsp:style>
-      <dsp:txBody>
-        <a:bodyPr spcFirstLastPara="0" vert="horz" wrap="square" lIns="11430" tIns="11430" rIns="11430" bIns="11430" numCol="1" spcCol="1270" anchor="ctr" anchorCtr="0">
-          <a:noAutofit/>
-        </a:bodyPr>
-        <a:lstStyle/>
-        <a:p>
-          <a:pPr lvl="0" algn="ctr" defTabSz="400050">
-            <a:lnSpc>
-              <a:spcPct val="90000"/>
-            </a:lnSpc>
-            <a:spcBef>
-              <a:spcPct val="0"/>
-            </a:spcBef>
-            <a:spcAft>
-              <a:spcPct val="35000"/>
-            </a:spcAft>
-          </a:pPr>
-          <a:r>
-            <a:rPr lang="en-US" sz="900" kern="1200" dirty="0" smtClean="0"/>
-            <a:t>Project Management</a:t>
-          </a:r>
-          <a:endParaRPr lang="en-US" sz="900" kern="1200" dirty="0"/>
-        </a:p>
-      </dsp:txBody>
-      <dsp:txXfrm>
-        <a:off x="4286849" y="2426700"/>
-        <a:ext cx="690564" cy="690564"/>
-      </dsp:txXfrm>
-    </dsp:sp>
-    <dsp:sp modelId="{265A39A8-6329-4A1D-840D-C1E9B0677375}">
-      <dsp:nvSpPr>
-        <dsp:cNvPr id="0" name=""/>
-        <dsp:cNvSpPr/>
-      </dsp:nvSpPr>
-      <dsp:spPr>
-        <a:xfrm>
-          <a:off x="2826396" y="3044298"/>
-          <a:ext cx="976606" cy="976606"/>
-        </a:xfrm>
-        <a:prstGeom prst="ellipse">
-          <a:avLst/>
-        </a:prstGeom>
-        <a:solidFill>
-          <a:schemeClr val="accent1">
-            <a:hueOff val="0"/>
-            <a:satOff val="0"/>
-            <a:lumOff val="0"/>
-            <a:alphaOff val="0"/>
-          </a:schemeClr>
-        </a:solidFill>
-        <a:ln w="19050" cap="flat" cmpd="sng" algn="ctr">
-          <a:solidFill>
-            <a:schemeClr val="lt1">
-              <a:hueOff val="0"/>
-              <a:satOff val="0"/>
-              <a:lumOff val="0"/>
-              <a:alphaOff val="0"/>
-            </a:schemeClr>
-          </a:solidFill>
-          <a:prstDash val="solid"/>
-        </a:ln>
-        <a:effectLst/>
-      </dsp:spPr>
-      <dsp:style>
-        <a:lnRef idx="2">
-          <a:scrgbClr r="0" g="0" b="0"/>
-        </a:lnRef>
-        <a:fillRef idx="1">
-          <a:scrgbClr r="0" g="0" b="0"/>
-        </a:fillRef>
-        <a:effectRef idx="0">
-          <a:scrgbClr r="0" g="0" b="0"/>
-        </a:effectRef>
-        <a:fontRef idx="minor">
-          <a:schemeClr val="lt1"/>
-        </a:fontRef>
-      </dsp:style>
-      <dsp:txBody>
-        <a:bodyPr spcFirstLastPara="0" vert="horz" wrap="square" lIns="11430" tIns="11430" rIns="11430" bIns="11430" numCol="1" spcCol="1270" anchor="ctr" anchorCtr="0">
-          <a:noAutofit/>
-        </a:bodyPr>
-        <a:lstStyle/>
-        <a:p>
-          <a:pPr lvl="0" algn="ctr" defTabSz="400050">
-            <a:lnSpc>
-              <a:spcPct val="90000"/>
-            </a:lnSpc>
-            <a:spcBef>
-              <a:spcPct val="0"/>
-            </a:spcBef>
-            <a:spcAft>
-              <a:spcPct val="35000"/>
-            </a:spcAft>
-          </a:pPr>
-          <a:r>
-            <a:rPr lang="en-US" sz="900" kern="1200" dirty="0" smtClean="0"/>
-            <a:t>Wiki</a:t>
-          </a:r>
-          <a:endParaRPr lang="en-US" sz="900" kern="1200" dirty="0"/>
-        </a:p>
-      </dsp:txBody>
-      <dsp:txXfrm>
-        <a:off x="2969417" y="3187319"/>
-        <a:ext cx="690564" cy="690564"/>
-      </dsp:txXfrm>
-    </dsp:sp>
-    <dsp:sp modelId="{247D3A69-29B5-439B-98A1-0D7207FDCF6B}">
-      <dsp:nvSpPr>
-        <dsp:cNvPr id="0" name=""/>
-        <dsp:cNvSpPr/>
-      </dsp:nvSpPr>
-      <dsp:spPr>
-        <a:xfrm>
-          <a:off x="1508964" y="2283679"/>
-          <a:ext cx="976606" cy="976606"/>
-        </a:xfrm>
-        <a:prstGeom prst="ellipse">
-          <a:avLst/>
-        </a:prstGeom>
-        <a:solidFill>
-          <a:schemeClr val="accent1">
-            <a:hueOff val="0"/>
-            <a:satOff val="0"/>
-            <a:lumOff val="0"/>
-            <a:alphaOff val="0"/>
-          </a:schemeClr>
-        </a:solidFill>
-        <a:ln w="19050" cap="flat" cmpd="sng" algn="ctr">
-          <a:solidFill>
-            <a:schemeClr val="lt1">
-              <a:hueOff val="0"/>
-              <a:satOff val="0"/>
-              <a:lumOff val="0"/>
-              <a:alphaOff val="0"/>
-            </a:schemeClr>
-          </a:solidFill>
-          <a:prstDash val="solid"/>
-        </a:ln>
-        <a:effectLst/>
-      </dsp:spPr>
-      <dsp:style>
-        <a:lnRef idx="2">
-          <a:scrgbClr r="0" g="0" b="0"/>
-        </a:lnRef>
-        <a:fillRef idx="1">
-          <a:scrgbClr r="0" g="0" b="0"/>
-        </a:fillRef>
-        <a:effectRef idx="0">
-          <a:scrgbClr r="0" g="0" b="0"/>
-        </a:effectRef>
-        <a:fontRef idx="minor">
-          <a:schemeClr val="lt1"/>
-        </a:fontRef>
-      </dsp:style>
-      <dsp:txBody>
-        <a:bodyPr spcFirstLastPara="0" vert="horz" wrap="square" lIns="11430" tIns="11430" rIns="11430" bIns="11430" numCol="1" spcCol="1270" anchor="ctr" anchorCtr="0">
-          <a:noAutofit/>
-        </a:bodyPr>
-        <a:lstStyle/>
-        <a:p>
-          <a:pPr lvl="0" algn="ctr" defTabSz="400050">
-            <a:lnSpc>
-              <a:spcPct val="90000"/>
-            </a:lnSpc>
-            <a:spcBef>
-              <a:spcPct val="0"/>
-            </a:spcBef>
-            <a:spcAft>
-              <a:spcPct val="35000"/>
-            </a:spcAft>
-          </a:pPr>
-          <a:r>
-            <a:rPr lang="en-US" sz="900" kern="1200" dirty="0" smtClean="0"/>
-            <a:t>Design</a:t>
-          </a:r>
-          <a:endParaRPr lang="en-US" sz="900" kern="1200" dirty="0"/>
-        </a:p>
-      </dsp:txBody>
-      <dsp:txXfrm>
-        <a:off x="1651985" y="2426700"/>
-        <a:ext cx="690564" cy="690564"/>
-      </dsp:txXfrm>
-    </dsp:sp>
-    <dsp:sp modelId="{8923F954-04B8-4177-B335-B0ACB9B25CB3}">
-      <dsp:nvSpPr>
-        <dsp:cNvPr id="0" name=""/>
-        <dsp:cNvSpPr/>
-      </dsp:nvSpPr>
-      <dsp:spPr>
-        <a:xfrm>
-          <a:off x="1508964" y="762439"/>
-          <a:ext cx="976606" cy="976606"/>
-        </a:xfrm>
-        <a:prstGeom prst="ellipse">
-          <a:avLst/>
-        </a:prstGeom>
-        <a:solidFill>
-          <a:schemeClr val="accent1">
-            <a:hueOff val="0"/>
-            <a:satOff val="0"/>
-            <a:lumOff val="0"/>
-            <a:alphaOff val="0"/>
-          </a:schemeClr>
-        </a:solidFill>
-        <a:ln w="19050" cap="flat" cmpd="sng" algn="ctr">
-          <a:solidFill>
-            <a:schemeClr val="lt1">
-              <a:hueOff val="0"/>
-              <a:satOff val="0"/>
-              <a:lumOff val="0"/>
-              <a:alphaOff val="0"/>
-            </a:schemeClr>
-          </a:solidFill>
-          <a:prstDash val="solid"/>
-        </a:ln>
-        <a:effectLst/>
-      </dsp:spPr>
-      <dsp:style>
-        <a:lnRef idx="2">
-          <a:scrgbClr r="0" g="0" b="0"/>
-        </a:lnRef>
-        <a:fillRef idx="1">
-          <a:scrgbClr r="0" g="0" b="0"/>
-        </a:fillRef>
-        <a:effectRef idx="0">
-          <a:scrgbClr r="0" g="0" b="0"/>
-        </a:effectRef>
-        <a:fontRef idx="minor">
-          <a:schemeClr val="lt1"/>
-        </a:fontRef>
-      </dsp:style>
-      <dsp:txBody>
-        <a:bodyPr spcFirstLastPara="0" vert="horz" wrap="square" lIns="11430" tIns="11430" rIns="11430" bIns="11430" numCol="1" spcCol="1270" anchor="ctr" anchorCtr="0">
-          <a:noAutofit/>
-        </a:bodyPr>
-        <a:lstStyle/>
-        <a:p>
-          <a:pPr lvl="0" algn="ctr" defTabSz="400050">
-            <a:lnSpc>
-              <a:spcPct val="90000"/>
-            </a:lnSpc>
-            <a:spcBef>
-              <a:spcPct val="0"/>
-            </a:spcBef>
-            <a:spcAft>
-              <a:spcPct val="35000"/>
-            </a:spcAft>
-          </a:pPr>
-          <a:r>
-            <a:rPr lang="en-US" sz="900" kern="1200" dirty="0" smtClean="0"/>
-            <a:t>Course Management System</a:t>
-          </a:r>
-          <a:endParaRPr lang="en-US" sz="900" kern="1200" dirty="0"/>
-        </a:p>
-      </dsp:txBody>
-      <dsp:txXfrm>
-        <a:off x="1651985" y="905460"/>
-        <a:ext cx="690564" cy="690564"/>
-      </dsp:txXfrm>
-    </dsp:sp>
   </dsp:spTree>
 </dsp:drawing>
 </file>
@@ -3410,551 +2572,6 @@
       <dsp:cNvGrpSpPr/>
     </dsp:nvGrpSpPr>
     <dsp:grpSpPr/>
-    <dsp:sp modelId="{E3C3E230-DD8A-47F9-9450-1A6D235C15A9}">
-      <dsp:nvSpPr>
-        <dsp:cNvPr id="0" name=""/>
-        <dsp:cNvSpPr/>
-      </dsp:nvSpPr>
-      <dsp:spPr>
-        <a:xfrm>
-          <a:off x="2866955" y="1775184"/>
-          <a:ext cx="1352688" cy="1352688"/>
-        </a:xfrm>
-        <a:prstGeom prst="ellipse">
-          <a:avLst/>
-        </a:prstGeom>
-        <a:solidFill>
-          <a:schemeClr val="accent1">
-            <a:hueOff val="0"/>
-            <a:satOff val="0"/>
-            <a:lumOff val="0"/>
-            <a:alphaOff val="0"/>
-          </a:schemeClr>
-        </a:solidFill>
-        <a:ln w="19050" cap="flat" cmpd="sng" algn="ctr">
-          <a:solidFill>
-            <a:schemeClr val="lt1">
-              <a:hueOff val="0"/>
-              <a:satOff val="0"/>
-              <a:lumOff val="0"/>
-              <a:alphaOff val="0"/>
-            </a:schemeClr>
-          </a:solidFill>
-          <a:prstDash val="solid"/>
-        </a:ln>
-        <a:effectLst/>
-      </dsp:spPr>
-      <dsp:style>
-        <a:lnRef idx="2">
-          <a:scrgbClr r="0" g="0" b="0"/>
-        </a:lnRef>
-        <a:fillRef idx="1">
-          <a:scrgbClr r="0" g="0" b="0"/>
-        </a:fillRef>
-        <a:effectRef idx="0">
-          <a:scrgbClr r="0" g="0" b="0"/>
-        </a:effectRef>
-        <a:fontRef idx="minor">
-          <a:schemeClr val="lt1"/>
-        </a:fontRef>
-      </dsp:style>
-      <dsp:txBody>
-        <a:bodyPr spcFirstLastPara="0" vert="horz" wrap="square" lIns="8890" tIns="8890" rIns="8890" bIns="8890" numCol="1" spcCol="1270" anchor="ctr" anchorCtr="0">
-          <a:noAutofit/>
-        </a:bodyPr>
-        <a:lstStyle/>
-        <a:p>
-          <a:pPr lvl="0" algn="ctr" defTabSz="622300">
-            <a:lnSpc>
-              <a:spcPct val="90000"/>
-            </a:lnSpc>
-            <a:spcBef>
-              <a:spcPct val="0"/>
-            </a:spcBef>
-            <a:spcAft>
-              <a:spcPct val="35000"/>
-            </a:spcAft>
-          </a:pPr>
-          <a:r>
-            <a:rPr lang="en-US" sz="1400" kern="1200" dirty="0" err="1" smtClean="0"/>
-            <a:t>GroupSpace</a:t>
-          </a:r>
-          <a:endParaRPr lang="en-US" sz="1400" kern="1200" dirty="0"/>
-        </a:p>
-      </dsp:txBody>
-      <dsp:txXfrm>
-        <a:off x="3065052" y="1973281"/>
-        <a:ext cx="956494" cy="956494"/>
-      </dsp:txXfrm>
-    </dsp:sp>
-    <dsp:sp modelId="{63ABD740-7C63-4F24-83B1-E8C5D9F5C9CC}">
-      <dsp:nvSpPr>
-        <dsp:cNvPr id="0" name=""/>
-        <dsp:cNvSpPr/>
-      </dsp:nvSpPr>
-      <dsp:spPr>
-        <a:xfrm rot="16200000">
-          <a:off x="3339310" y="1554016"/>
-          <a:ext cx="407978" cy="34358"/>
-        </a:xfrm>
-        <a:custGeom>
-          <a:avLst/>
-          <a:gdLst/>
-          <a:ahLst/>
-          <a:cxnLst/>
-          <a:rect l="0" t="0" r="0" b="0"/>
-          <a:pathLst>
-            <a:path>
-              <a:moveTo>
-                <a:pt x="0" y="17179"/>
-              </a:moveTo>
-              <a:lnTo>
-                <a:pt x="407978" y="17179"/>
-              </a:lnTo>
-            </a:path>
-          </a:pathLst>
-        </a:custGeom>
-        <a:noFill/>
-        <a:ln w="19050" cap="flat" cmpd="sng" algn="ctr">
-          <a:solidFill>
-            <a:schemeClr val="accent1">
-              <a:shade val="60000"/>
-              <a:hueOff val="0"/>
-              <a:satOff val="0"/>
-              <a:lumOff val="0"/>
-              <a:alphaOff val="0"/>
-            </a:schemeClr>
-          </a:solidFill>
-          <a:prstDash val="solid"/>
-        </a:ln>
-        <a:effectLst/>
-      </dsp:spPr>
-      <dsp:style>
-        <a:lnRef idx="2">
-          <a:scrgbClr r="0" g="0" b="0"/>
-        </a:lnRef>
-        <a:fillRef idx="0">
-          <a:scrgbClr r="0" g="0" b="0"/>
-        </a:fillRef>
-        <a:effectRef idx="0">
-          <a:scrgbClr r="0" g="0" b="0"/>
-        </a:effectRef>
-        <a:fontRef idx="minor"/>
-      </dsp:style>
-      <dsp:txBody>
-        <a:bodyPr spcFirstLastPara="0" vert="horz" wrap="square" lIns="12700" tIns="0" rIns="12700" bIns="0" numCol="1" spcCol="1270" anchor="ctr" anchorCtr="0">
-          <a:noAutofit/>
-        </a:bodyPr>
-        <a:lstStyle/>
-        <a:p>
-          <a:pPr lvl="0" algn="ctr" defTabSz="222250">
-            <a:lnSpc>
-              <a:spcPct val="90000"/>
-            </a:lnSpc>
-            <a:spcBef>
-              <a:spcPct val="0"/>
-            </a:spcBef>
-            <a:spcAft>
-              <a:spcPct val="35000"/>
-            </a:spcAft>
-          </a:pPr>
-          <a:endParaRPr lang="en-US" sz="500" kern="1200"/>
-        </a:p>
-      </dsp:txBody>
-      <dsp:txXfrm>
-        <a:off x="3533100" y="1560996"/>
-        <a:ext cx="20398" cy="20398"/>
-      </dsp:txXfrm>
-    </dsp:sp>
-    <dsp:sp modelId="{5AA52DCE-A2F5-400B-A548-89E3CAE44286}">
-      <dsp:nvSpPr>
-        <dsp:cNvPr id="0" name=""/>
-        <dsp:cNvSpPr/>
-      </dsp:nvSpPr>
-      <dsp:spPr>
-        <a:xfrm>
-          <a:off x="2866955" y="14517"/>
-          <a:ext cx="1352688" cy="1352688"/>
-        </a:xfrm>
-        <a:prstGeom prst="ellipse">
-          <a:avLst/>
-        </a:prstGeom>
-        <a:solidFill>
-          <a:schemeClr val="accent1">
-            <a:hueOff val="0"/>
-            <a:satOff val="0"/>
-            <a:lumOff val="0"/>
-            <a:alphaOff val="0"/>
-          </a:schemeClr>
-        </a:solidFill>
-        <a:ln w="19050" cap="flat" cmpd="sng" algn="ctr">
-          <a:solidFill>
-            <a:schemeClr val="lt1">
-              <a:hueOff val="0"/>
-              <a:satOff val="0"/>
-              <a:lumOff val="0"/>
-              <a:alphaOff val="0"/>
-            </a:schemeClr>
-          </a:solidFill>
-          <a:prstDash val="solid"/>
-        </a:ln>
-        <a:effectLst/>
-      </dsp:spPr>
-      <dsp:style>
-        <a:lnRef idx="2">
-          <a:scrgbClr r="0" g="0" b="0"/>
-        </a:lnRef>
-        <a:fillRef idx="1">
-          <a:scrgbClr r="0" g="0" b="0"/>
-        </a:fillRef>
-        <a:effectRef idx="0">
-          <a:scrgbClr r="0" g="0" b="0"/>
-        </a:effectRef>
-        <a:fontRef idx="minor">
-          <a:schemeClr val="lt1"/>
-        </a:fontRef>
-      </dsp:style>
-      <dsp:txBody>
-        <a:bodyPr spcFirstLastPara="0" vert="horz" wrap="square" lIns="8255" tIns="8255" rIns="8255" bIns="8255" numCol="1" spcCol="1270" anchor="ctr" anchorCtr="0">
-          <a:noAutofit/>
-        </a:bodyPr>
-        <a:lstStyle/>
-        <a:p>
-          <a:pPr lvl="0" algn="ctr" defTabSz="577850">
-            <a:lnSpc>
-              <a:spcPct val="90000"/>
-            </a:lnSpc>
-            <a:spcBef>
-              <a:spcPct val="0"/>
-            </a:spcBef>
-            <a:spcAft>
-              <a:spcPct val="35000"/>
-            </a:spcAft>
-          </a:pPr>
-          <a:r>
-            <a:rPr lang="en-US" sz="1300" kern="1200" dirty="0" smtClean="0"/>
-            <a:t>Social Network</a:t>
-          </a:r>
-          <a:endParaRPr lang="en-US" sz="1300" kern="1200" dirty="0"/>
-        </a:p>
-      </dsp:txBody>
-      <dsp:txXfrm>
-        <a:off x="3065052" y="212614"/>
-        <a:ext cx="956494" cy="956494"/>
-      </dsp:txXfrm>
-    </dsp:sp>
-    <dsp:sp modelId="{1A68D7FE-4313-4395-94E4-D0493A9F797B}">
-      <dsp:nvSpPr>
-        <dsp:cNvPr id="0" name=""/>
-        <dsp:cNvSpPr/>
-      </dsp:nvSpPr>
-      <dsp:spPr>
-        <a:xfrm rot="1800000">
-          <a:off x="4101702" y="2874517"/>
-          <a:ext cx="407978" cy="34358"/>
-        </a:xfrm>
-        <a:custGeom>
-          <a:avLst/>
-          <a:gdLst/>
-          <a:ahLst/>
-          <a:cxnLst/>
-          <a:rect l="0" t="0" r="0" b="0"/>
-          <a:pathLst>
-            <a:path>
-              <a:moveTo>
-                <a:pt x="0" y="17179"/>
-              </a:moveTo>
-              <a:lnTo>
-                <a:pt x="407978" y="17179"/>
-              </a:lnTo>
-            </a:path>
-          </a:pathLst>
-        </a:custGeom>
-        <a:noFill/>
-        <a:ln w="19050" cap="flat" cmpd="sng" algn="ctr">
-          <a:solidFill>
-            <a:schemeClr val="accent1">
-              <a:shade val="60000"/>
-              <a:hueOff val="0"/>
-              <a:satOff val="0"/>
-              <a:lumOff val="0"/>
-              <a:alphaOff val="0"/>
-            </a:schemeClr>
-          </a:solidFill>
-          <a:prstDash val="solid"/>
-        </a:ln>
-        <a:effectLst/>
-      </dsp:spPr>
-      <dsp:style>
-        <a:lnRef idx="2">
-          <a:scrgbClr r="0" g="0" b="0"/>
-        </a:lnRef>
-        <a:fillRef idx="0">
-          <a:scrgbClr r="0" g="0" b="0"/>
-        </a:fillRef>
-        <a:effectRef idx="0">
-          <a:scrgbClr r="0" g="0" b="0"/>
-        </a:effectRef>
-        <a:fontRef idx="minor"/>
-      </dsp:style>
-      <dsp:txBody>
-        <a:bodyPr spcFirstLastPara="0" vert="horz" wrap="square" lIns="12700" tIns="0" rIns="12700" bIns="0" numCol="1" spcCol="1270" anchor="ctr" anchorCtr="0">
-          <a:noAutofit/>
-        </a:bodyPr>
-        <a:lstStyle/>
-        <a:p>
-          <a:pPr lvl="0" algn="ctr" defTabSz="222250">
-            <a:lnSpc>
-              <a:spcPct val="90000"/>
-            </a:lnSpc>
-            <a:spcBef>
-              <a:spcPct val="0"/>
-            </a:spcBef>
-            <a:spcAft>
-              <a:spcPct val="35000"/>
-            </a:spcAft>
-          </a:pPr>
-          <a:endParaRPr lang="en-US" sz="500" kern="1200"/>
-        </a:p>
-      </dsp:txBody>
-      <dsp:txXfrm>
-        <a:off x="4295491" y="2881496"/>
-        <a:ext cx="20398" cy="20398"/>
-      </dsp:txXfrm>
-    </dsp:sp>
-    <dsp:sp modelId="{9137E222-B1B2-458A-84D7-760E2AC66FA5}">
-      <dsp:nvSpPr>
-        <dsp:cNvPr id="0" name=""/>
-        <dsp:cNvSpPr/>
-      </dsp:nvSpPr>
-      <dsp:spPr>
-        <a:xfrm>
-          <a:off x="4391738" y="2655518"/>
-          <a:ext cx="1352688" cy="1352688"/>
-        </a:xfrm>
-        <a:prstGeom prst="ellipse">
-          <a:avLst/>
-        </a:prstGeom>
-        <a:solidFill>
-          <a:schemeClr val="accent1">
-            <a:hueOff val="0"/>
-            <a:satOff val="0"/>
-            <a:lumOff val="0"/>
-            <a:alphaOff val="0"/>
-          </a:schemeClr>
-        </a:solidFill>
-        <a:ln w="19050" cap="flat" cmpd="sng" algn="ctr">
-          <a:solidFill>
-            <a:schemeClr val="lt1">
-              <a:hueOff val="0"/>
-              <a:satOff val="0"/>
-              <a:lumOff val="0"/>
-              <a:alphaOff val="0"/>
-            </a:schemeClr>
-          </a:solidFill>
-          <a:prstDash val="solid"/>
-        </a:ln>
-        <a:effectLst/>
-      </dsp:spPr>
-      <dsp:style>
-        <a:lnRef idx="2">
-          <a:scrgbClr r="0" g="0" b="0"/>
-        </a:lnRef>
-        <a:fillRef idx="1">
-          <a:scrgbClr r="0" g="0" b="0"/>
-        </a:fillRef>
-        <a:effectRef idx="0">
-          <a:scrgbClr r="0" g="0" b="0"/>
-        </a:effectRef>
-        <a:fontRef idx="minor">
-          <a:schemeClr val="lt1"/>
-        </a:fontRef>
-      </dsp:style>
-      <dsp:txBody>
-        <a:bodyPr spcFirstLastPara="0" vert="horz" wrap="square" lIns="8255" tIns="8255" rIns="8255" bIns="8255" numCol="1" spcCol="1270" anchor="ctr" anchorCtr="0">
-          <a:noAutofit/>
-        </a:bodyPr>
-        <a:lstStyle/>
-        <a:p>
-          <a:pPr lvl="0" algn="ctr" defTabSz="577850">
-            <a:lnSpc>
-              <a:spcPct val="90000"/>
-            </a:lnSpc>
-            <a:spcBef>
-              <a:spcPct val="0"/>
-            </a:spcBef>
-            <a:spcAft>
-              <a:spcPct val="35000"/>
-            </a:spcAft>
-          </a:pPr>
-          <a:r>
-            <a:rPr lang="en-US" sz="1300" kern="1200" dirty="0" smtClean="0"/>
-            <a:t>Instance Message System</a:t>
-          </a:r>
-          <a:endParaRPr lang="en-US" sz="1300" kern="1200" dirty="0"/>
-        </a:p>
-      </dsp:txBody>
-      <dsp:txXfrm>
-        <a:off x="4589835" y="2853615"/>
-        <a:ext cx="956494" cy="956494"/>
-      </dsp:txXfrm>
-    </dsp:sp>
-    <dsp:sp modelId="{34DFB4A3-30F8-4A42-8B47-06E2356B9EA6}">
-      <dsp:nvSpPr>
-        <dsp:cNvPr id="0" name=""/>
-        <dsp:cNvSpPr/>
-      </dsp:nvSpPr>
-      <dsp:spPr>
-        <a:xfrm rot="9000000">
-          <a:off x="2576919" y="2874517"/>
-          <a:ext cx="407978" cy="34358"/>
-        </a:xfrm>
-        <a:custGeom>
-          <a:avLst/>
-          <a:gdLst/>
-          <a:ahLst/>
-          <a:cxnLst/>
-          <a:rect l="0" t="0" r="0" b="0"/>
-          <a:pathLst>
-            <a:path>
-              <a:moveTo>
-                <a:pt x="0" y="17179"/>
-              </a:moveTo>
-              <a:lnTo>
-                <a:pt x="407978" y="17179"/>
-              </a:lnTo>
-            </a:path>
-          </a:pathLst>
-        </a:custGeom>
-        <a:noFill/>
-        <a:ln w="19050" cap="flat" cmpd="sng" algn="ctr">
-          <a:solidFill>
-            <a:schemeClr val="accent1">
-              <a:shade val="60000"/>
-              <a:hueOff val="0"/>
-              <a:satOff val="0"/>
-              <a:lumOff val="0"/>
-              <a:alphaOff val="0"/>
-            </a:schemeClr>
-          </a:solidFill>
-          <a:prstDash val="solid"/>
-        </a:ln>
-        <a:effectLst/>
-      </dsp:spPr>
-      <dsp:style>
-        <a:lnRef idx="2">
-          <a:scrgbClr r="0" g="0" b="0"/>
-        </a:lnRef>
-        <a:fillRef idx="0">
-          <a:scrgbClr r="0" g="0" b="0"/>
-        </a:fillRef>
-        <a:effectRef idx="0">
-          <a:scrgbClr r="0" g="0" b="0"/>
-        </a:effectRef>
-        <a:fontRef idx="minor"/>
-      </dsp:style>
-      <dsp:txBody>
-        <a:bodyPr spcFirstLastPara="0" vert="horz" wrap="square" lIns="12700" tIns="0" rIns="12700" bIns="0" numCol="1" spcCol="1270" anchor="ctr" anchorCtr="0">
-          <a:noAutofit/>
-        </a:bodyPr>
-        <a:lstStyle/>
-        <a:p>
-          <a:pPr lvl="0" algn="ctr" defTabSz="222250">
-            <a:lnSpc>
-              <a:spcPct val="90000"/>
-            </a:lnSpc>
-            <a:spcBef>
-              <a:spcPct val="0"/>
-            </a:spcBef>
-            <a:spcAft>
-              <a:spcPct val="35000"/>
-            </a:spcAft>
-          </a:pPr>
-          <a:endParaRPr lang="en-US" sz="500" kern="1200"/>
-        </a:p>
-      </dsp:txBody>
-      <dsp:txXfrm rot="10800000">
-        <a:off x="2770709" y="2881496"/>
-        <a:ext cx="20398" cy="20398"/>
-      </dsp:txXfrm>
-    </dsp:sp>
-    <dsp:sp modelId="{D3273457-E737-4A0E-B2E8-32E9CC1BE3E1}">
-      <dsp:nvSpPr>
-        <dsp:cNvPr id="0" name=""/>
-        <dsp:cNvSpPr/>
-      </dsp:nvSpPr>
-      <dsp:spPr>
-        <a:xfrm>
-          <a:off x="1342172" y="2655518"/>
-          <a:ext cx="1352688" cy="1352688"/>
-        </a:xfrm>
-        <a:prstGeom prst="ellipse">
-          <a:avLst/>
-        </a:prstGeom>
-        <a:solidFill>
-          <a:schemeClr val="accent1">
-            <a:hueOff val="0"/>
-            <a:satOff val="0"/>
-            <a:lumOff val="0"/>
-            <a:alphaOff val="0"/>
-          </a:schemeClr>
-        </a:solidFill>
-        <a:ln w="19050" cap="flat" cmpd="sng" algn="ctr">
-          <a:solidFill>
-            <a:schemeClr val="lt1">
-              <a:hueOff val="0"/>
-              <a:satOff val="0"/>
-              <a:lumOff val="0"/>
-              <a:alphaOff val="0"/>
-            </a:schemeClr>
-          </a:solidFill>
-          <a:prstDash val="solid"/>
-        </a:ln>
-        <a:effectLst/>
-      </dsp:spPr>
-      <dsp:style>
-        <a:lnRef idx="2">
-          <a:scrgbClr r="0" g="0" b="0"/>
-        </a:lnRef>
-        <a:fillRef idx="1">
-          <a:scrgbClr r="0" g="0" b="0"/>
-        </a:fillRef>
-        <a:effectRef idx="0">
-          <a:scrgbClr r="0" g="0" b="0"/>
-        </a:effectRef>
-        <a:fontRef idx="minor">
-          <a:schemeClr val="lt1"/>
-        </a:fontRef>
-      </dsp:style>
-      <dsp:txBody>
-        <a:bodyPr spcFirstLastPara="0" vert="horz" wrap="square" lIns="8255" tIns="8255" rIns="8255" bIns="8255" numCol="1" spcCol="1270" anchor="ctr" anchorCtr="0">
-          <a:noAutofit/>
-        </a:bodyPr>
-        <a:lstStyle/>
-        <a:p>
-          <a:pPr lvl="0" algn="ctr" defTabSz="577850">
-            <a:lnSpc>
-              <a:spcPct val="90000"/>
-            </a:lnSpc>
-            <a:spcBef>
-              <a:spcPct val="0"/>
-            </a:spcBef>
-            <a:spcAft>
-              <a:spcPct val="35000"/>
-            </a:spcAft>
-          </a:pPr>
-          <a:r>
-            <a:rPr lang="en-US" sz="1300" kern="1200" dirty="0" smtClean="0"/>
-            <a:t>Software Configuration Management</a:t>
-          </a:r>
-          <a:endParaRPr lang="en-US" sz="1300" kern="1200" dirty="0"/>
-        </a:p>
-      </dsp:txBody>
-      <dsp:txXfrm>
-        <a:off x="1540269" y="2853615"/>
-        <a:ext cx="956494" cy="956494"/>
-      </dsp:txXfrm>
-    </dsp:sp>
   </dsp:spTree>
 </dsp:drawing>
 </file>
@@ -6744,7 +5361,7 @@
           <a:p>
             <a:fld id="{85AD2398-DDED-42CC-90C1-69E134217F94}" type="datetimeFigureOut">
               <a:rPr lang="en-US" smtClean="0"/>
-              <a:t>15/07/2012</a:t>
+              <a:t>7/16/2012</a:t>
             </a:fld>
             <a:endParaRPr lang="en-US"/>
           </a:p>
@@ -6909,7 +5526,7 @@
           <a:p>
             <a:fld id="{4C715847-7B4D-45DD-A2D4-9F51B7F9D7CE}" type="datetimeFigureOut">
               <a:rPr lang="en-US" smtClean="0"/>
-              <a:t>15/07/2012</a:t>
+              <a:t>7/16/2012</a:t>
             </a:fld>
             <a:endParaRPr lang="en-US"/>
           </a:p>
@@ -7221,52 +5838,6 @@
           <a:bodyPr/>
           <a:lstStyle/>
           <a:p>
-            <a:pPr marL="171450" indent="-171450">
-              <a:buFontTx/>
-              <a:buChar char="-"/>
-            </a:pPr>
-            <a:r>
-              <a:rPr lang="en-US" smtClean="0"/>
-              <a:t>Kính</a:t>
-            </a:r>
-            <a:r>
-              <a:rPr lang="en-US" baseline="0" smtClean="0"/>
-              <a:t> thưa quý thầy cô</a:t>
-            </a:r>
-          </a:p>
-          <a:p>
-            <a:pPr marL="171450" indent="-171450">
-              <a:buFontTx/>
-              <a:buChar char="-"/>
-            </a:pPr>
-            <a:r>
-              <a:rPr lang="en-US" smtClean="0"/>
-              <a:t>Giới</a:t>
-            </a:r>
-            <a:r>
-              <a:rPr lang="en-US" baseline="0" smtClean="0"/>
-              <a:t> thiệu tên đề tài</a:t>
-            </a:r>
-          </a:p>
-          <a:p>
-            <a:pPr marL="171450" indent="-171450">
-              <a:buFontTx/>
-              <a:buChar char="-"/>
-            </a:pPr>
-            <a:r>
-              <a:rPr lang="en-US" baseline="0" smtClean="0"/>
-              <a:t>Giới GVHD</a:t>
-            </a:r>
-          </a:p>
-          <a:p>
-            <a:pPr marL="171450" indent="-171450">
-              <a:buFontTx/>
-              <a:buChar char="-"/>
-            </a:pPr>
-            <a:r>
-              <a:rPr lang="en-US" baseline="0" smtClean="0"/>
-              <a:t>Giới thiệu thành viên nhóm</a:t>
-            </a:r>
             <a:endParaRPr lang="en-US"/>
           </a:p>
         </p:txBody>
@@ -7288,7 +5859,7 @@
           <a:p>
             <a:fld id="{DC92D41E-323F-4AC9-A45D-615F59E1C14A}" type="slidenum">
               <a:rPr lang="en-US" smtClean="0"/>
-              <a:t>1</a:t>
+              <a:t>2</a:t>
             </a:fld>
             <a:endParaRPr lang="en-US"/>
           </a:p>
@@ -7297,7 +5868,7 @@
     </p:spTree>
     <p:extLst>
       <p:ext uri="{BB962C8B-B14F-4D97-AF65-F5344CB8AC3E}">
-        <p14:creationId xmlns:p14="http://schemas.microsoft.com/office/powerpoint/2010/main" val="207368412"/>
+        <p14:creationId xmlns:p14="http://schemas.microsoft.com/office/powerpoint/2010/main" val="522547361"/>
       </p:ext>
     </p:extLst>
   </p:cSld>
@@ -7351,78 +5922,6 @@
           <a:bodyPr/>
           <a:lstStyle/>
           <a:p>
-            <a:pPr marL="171450" indent="-171450">
-              <a:buFontTx/>
-              <a:buChar char="-"/>
-            </a:pPr>
-            <a:r>
-              <a:rPr lang="en-US" smtClean="0"/>
-              <a:t>Giới thiệu</a:t>
-            </a:r>
-            <a:r>
-              <a:rPr lang="en-US" baseline="0" smtClean="0"/>
-              <a:t> cấu trúc nội dung trình bày</a:t>
-            </a:r>
-          </a:p>
-          <a:p>
-            <a:pPr marL="171450" indent="-171450">
-              <a:buFontTx/>
-              <a:buChar char="-"/>
-            </a:pPr>
-            <a:r>
-              <a:rPr lang="en-US" baseline="0" smtClean="0"/>
-              <a:t>Giới thiệu nội dung sơ lược từng phần</a:t>
-            </a:r>
-          </a:p>
-          <a:p>
-            <a:pPr marL="457200" lvl="1" indent="0">
-              <a:buFontTx/>
-              <a:buNone/>
-            </a:pPr>
-            <a:r>
-              <a:rPr lang="en-US" baseline="0" smtClean="0"/>
-              <a:t>+ Tổng quan : tính cấp thiết, mục tiêu đề tài, đối tượng, phạm vi nghiên cứu</a:t>
-            </a:r>
-          </a:p>
-          <a:p>
-            <a:pPr marL="457200" lvl="1" indent="0">
-              <a:buFontTx/>
-              <a:buNone/>
-            </a:pPr>
-            <a:r>
-              <a:rPr lang="en-US" baseline="0" smtClean="0"/>
-              <a:t>+ Khảo sát hiện trạng: cơ sở lý thuyết, các phần mềm tương tự</a:t>
-            </a:r>
-          </a:p>
-          <a:p>
-            <a:pPr marL="457200" lvl="1" indent="0">
-              <a:buFontTx/>
-              <a:buNone/>
-            </a:pPr>
-            <a:r>
-              <a:rPr lang="en-US" baseline="0" smtClean="0"/>
-              <a:t>+ Xây dựng: chức năng, thiết kế, cài đặt</a:t>
-            </a:r>
-          </a:p>
-          <a:p>
-            <a:pPr marL="457200" lvl="1" indent="0">
-              <a:buFontTx/>
-              <a:buNone/>
-            </a:pPr>
-            <a:r>
-              <a:rPr lang="en-US" baseline="0" smtClean="0"/>
-              <a:t>+ Hạn chế</a:t>
-            </a:r>
-          </a:p>
-          <a:p>
-            <a:pPr marL="457200" lvl="1" indent="0">
-              <a:buFontTx/>
-              <a:buNone/>
-            </a:pPr>
-            <a:r>
-              <a:rPr lang="en-US" baseline="0" smtClean="0"/>
-              <a:t>+ Hướng phát triển</a:t>
-            </a:r>
             <a:endParaRPr lang="en-US"/>
           </a:p>
         </p:txBody>
@@ -7444,7 +5943,7 @@
           <a:p>
             <a:fld id="{DC92D41E-323F-4AC9-A45D-615F59E1C14A}" type="slidenum">
               <a:rPr lang="en-US" smtClean="0"/>
-              <a:t>2</a:t>
+              <a:t>5</a:t>
             </a:fld>
             <a:endParaRPr lang="en-US"/>
           </a:p>
@@ -7453,7 +5952,7 @@
     </p:spTree>
     <p:extLst>
       <p:ext uri="{BB962C8B-B14F-4D97-AF65-F5344CB8AC3E}">
-        <p14:creationId xmlns:p14="http://schemas.microsoft.com/office/powerpoint/2010/main" val="522547361"/>
+        <p14:creationId xmlns:p14="http://schemas.microsoft.com/office/powerpoint/2010/main" val="3082665934"/>
       </p:ext>
     </p:extLst>
   </p:cSld>
@@ -7528,7 +6027,7 @@
           <a:p>
             <a:fld id="{DC92D41E-323F-4AC9-A45D-615F59E1C14A}" type="slidenum">
               <a:rPr lang="en-US" smtClean="0"/>
-              <a:t>5</a:t>
+              <a:t>6</a:t>
             </a:fld>
             <a:endParaRPr lang="en-US"/>
           </a:p>
@@ -7537,7 +6036,7 @@
     </p:spTree>
     <p:extLst>
       <p:ext uri="{BB962C8B-B14F-4D97-AF65-F5344CB8AC3E}">
-        <p14:creationId xmlns:p14="http://schemas.microsoft.com/office/powerpoint/2010/main" val="3082665934"/>
+        <p14:creationId xmlns:p14="http://schemas.microsoft.com/office/powerpoint/2010/main" val="522547361"/>
       </p:ext>
     </p:extLst>
   </p:cSld>
@@ -7612,7 +6111,7 @@
           <a:p>
             <a:fld id="{DC92D41E-323F-4AC9-A45D-615F59E1C14A}" type="slidenum">
               <a:rPr lang="en-US" smtClean="0"/>
-              <a:t>6</a:t>
+              <a:t>10</a:t>
             </a:fld>
             <a:endParaRPr lang="en-US"/>
           </a:p>
@@ -7675,7 +6174,135 @@
           <a:bodyPr/>
           <a:lstStyle/>
           <a:p>
-            <a:endParaRPr lang="en-US"/>
+            <a:r>
+              <a:rPr lang="en-US" dirty="0" err="1" smtClean="0"/>
+              <a:t>Trong</a:t>
+            </a:r>
+            <a:r>
+              <a:rPr lang="en-US" dirty="0" smtClean="0"/>
+              <a:t> </a:t>
+            </a:r>
+            <a:r>
+              <a:rPr lang="en-US" dirty="0" err="1" smtClean="0"/>
+              <a:t>dự</a:t>
+            </a:r>
+            <a:r>
+              <a:rPr lang="en-US" baseline="0" dirty="0" smtClean="0"/>
+              <a:t> </a:t>
+            </a:r>
+            <a:r>
+              <a:rPr lang="en-US" baseline="0" dirty="0" err="1" smtClean="0"/>
+              <a:t>án</a:t>
+            </a:r>
+            <a:r>
+              <a:rPr lang="en-US" baseline="0" dirty="0" smtClean="0"/>
+              <a:t> </a:t>
+            </a:r>
+            <a:r>
+              <a:rPr lang="en-US" baseline="0" dirty="0" err="1" smtClean="0"/>
+              <a:t>chỉ</a:t>
+            </a:r>
+            <a:r>
+              <a:rPr lang="en-US" baseline="0" dirty="0" smtClean="0"/>
+              <a:t> </a:t>
+            </a:r>
+            <a:r>
+              <a:rPr lang="en-US" baseline="0" dirty="0" err="1" smtClean="0"/>
+              <a:t>có</a:t>
+            </a:r>
+            <a:r>
+              <a:rPr lang="en-US" baseline="0" dirty="0" smtClean="0"/>
+              <a:t> </a:t>
+            </a:r>
+            <a:r>
+              <a:rPr lang="en-US" baseline="0" dirty="0" err="1" smtClean="0"/>
+              <a:t>thể</a:t>
+            </a:r>
+            <a:r>
+              <a:rPr lang="en-US" baseline="0" dirty="0" smtClean="0"/>
+              <a:t> </a:t>
+            </a:r>
+            <a:r>
+              <a:rPr lang="en-US" baseline="0" dirty="0" err="1" smtClean="0"/>
+              <a:t>tạo</a:t>
+            </a:r>
+            <a:r>
+              <a:rPr lang="en-US" baseline="0" dirty="0" smtClean="0"/>
+              <a:t> work item </a:t>
+            </a:r>
+            <a:r>
+              <a:rPr lang="en-US" baseline="0" dirty="0" err="1" smtClean="0"/>
+              <a:t>thuộc</a:t>
+            </a:r>
+            <a:r>
+              <a:rPr lang="en-US" baseline="0" dirty="0" smtClean="0"/>
+              <a:t> </a:t>
+            </a:r>
+            <a:r>
+              <a:rPr lang="en-US" baseline="0" dirty="0" err="1" smtClean="0"/>
+              <a:t>về</a:t>
+            </a:r>
+            <a:r>
+              <a:rPr lang="en-US" baseline="0" dirty="0" smtClean="0"/>
+              <a:t> </a:t>
+            </a:r>
+            <a:r>
+              <a:rPr lang="en-US" baseline="0" dirty="0" err="1" smtClean="0"/>
+              <a:t>quy</a:t>
+            </a:r>
+            <a:r>
+              <a:rPr lang="en-US" baseline="0" dirty="0" smtClean="0"/>
+              <a:t> </a:t>
+            </a:r>
+            <a:r>
+              <a:rPr lang="en-US" baseline="0" dirty="0" err="1" smtClean="0"/>
+              <a:t>trình</a:t>
+            </a:r>
+            <a:r>
+              <a:rPr lang="en-US" baseline="0" dirty="0" smtClean="0"/>
+              <a:t> </a:t>
+            </a:r>
+            <a:r>
+              <a:rPr lang="en-US" baseline="0" dirty="0" err="1" smtClean="0"/>
+              <a:t>phát</a:t>
+            </a:r>
+            <a:r>
+              <a:rPr lang="en-US" baseline="0" dirty="0" smtClean="0"/>
+              <a:t> </a:t>
+            </a:r>
+            <a:r>
+              <a:rPr lang="en-US" baseline="0" dirty="0" err="1" smtClean="0"/>
+              <a:t>triển</a:t>
+            </a:r>
+            <a:r>
+              <a:rPr lang="en-US" baseline="0" dirty="0" smtClean="0"/>
+              <a:t> </a:t>
+            </a:r>
+            <a:r>
+              <a:rPr lang="en-US" baseline="0" dirty="0" err="1" smtClean="0"/>
+              <a:t>của</a:t>
+            </a:r>
+            <a:r>
+              <a:rPr lang="en-US" baseline="0" dirty="0" smtClean="0"/>
+              <a:t> </a:t>
+            </a:r>
+            <a:r>
+              <a:rPr lang="en-US" baseline="0" dirty="0" err="1" smtClean="0"/>
+              <a:t>dự</a:t>
+            </a:r>
+            <a:r>
+              <a:rPr lang="en-US" baseline="0" dirty="0" smtClean="0"/>
+              <a:t> </a:t>
+            </a:r>
+            <a:r>
+              <a:rPr lang="en-US" baseline="0" dirty="0" err="1" smtClean="0"/>
+              <a:t>án</a:t>
+            </a:r>
+            <a:r>
+              <a:rPr lang="en-US" baseline="0" dirty="0" smtClean="0"/>
+              <a:t>.</a:t>
+            </a:r>
+            <a:endParaRPr lang="en-US" dirty="0"/>
           </a:p>
         </p:txBody>
       </p:sp>
@@ -7696,7 +6323,7 @@
           <a:p>
             <a:fld id="{DC92D41E-323F-4AC9-A45D-615F59E1C14A}" type="slidenum">
               <a:rPr lang="en-US" smtClean="0"/>
-              <a:t>10</a:t>
+              <a:t>14</a:t>
             </a:fld>
             <a:endParaRPr lang="en-US"/>
           </a:p>
@@ -7705,7 +6332,7 @@
     </p:spTree>
     <p:extLst>
       <p:ext uri="{BB962C8B-B14F-4D97-AF65-F5344CB8AC3E}">
-        <p14:creationId xmlns:p14="http://schemas.microsoft.com/office/powerpoint/2010/main" val="522547361"/>
+        <p14:creationId xmlns:p14="http://schemas.microsoft.com/office/powerpoint/2010/main" val="4022669211"/>
       </p:ext>
     </p:extLst>
   </p:cSld>
@@ -8026,7 +6653,7 @@
           <a:p>
             <a:fld id="{98E53CD6-F281-440F-95C0-155B06F988DD}" type="datetime1">
               <a:rPr lang="en-US" smtClean="0"/>
-              <a:t>15/07/2012</a:t>
+              <a:t>7/16/2012</a:t>
             </a:fld>
             <a:endParaRPr lang="en-US"/>
           </a:p>
@@ -8393,7 +7020,7 @@
           <a:p>
             <a:fld id="{FB75CA1C-FAAE-452B-A9A0-04274597E91C}" type="datetime1">
               <a:rPr lang="en-US" smtClean="0"/>
-              <a:t>15/07/2012</a:t>
+              <a:t>7/16/2012</a:t>
             </a:fld>
             <a:endParaRPr lang="en-US"/>
           </a:p>
@@ -8576,7 +7203,7 @@
           <a:p>
             <a:fld id="{E540F00F-61E9-41D9-8B9F-E60823CC2B8F}" type="datetime1">
               <a:rPr lang="en-US" smtClean="0"/>
-              <a:t>15/07/2012</a:t>
+              <a:t>7/16/2012</a:t>
             </a:fld>
             <a:endParaRPr lang="en-US"/>
           </a:p>
@@ -8938,7 +7565,7 @@
             <a:fld id="{FCC16894-5FBA-4AA1-B4C4-F198F8BAB8EE}" type="datetime1">
               <a:rPr lang="en-US" smtClean="0"/>
               <a:pPr/>
-              <a:t>15/07/2012</a:t>
+              <a:t>7/16/2012</a:t>
             </a:fld>
             <a:endParaRPr lang="en-US" dirty="0"/>
           </a:p>
@@ -9233,7 +7860,7 @@
           <a:p>
             <a:fld id="{9880AB46-C2F8-4CED-B046-C9421EE9131E}" type="datetime1">
               <a:rPr lang="en-US" smtClean="0"/>
-              <a:t>15/07/2012</a:t>
+              <a:t>7/16/2012</a:t>
             </a:fld>
             <a:endParaRPr lang="en-US"/>
           </a:p>
@@ -9461,7 +8088,7 @@
           <a:p>
             <a:fld id="{F6B66E23-1D74-4A80-8615-71C9FAF9CB48}" type="datetime1">
               <a:rPr lang="en-US" smtClean="0"/>
-              <a:t>15/07/2012</a:t>
+              <a:t>7/16/2012</a:t>
             </a:fld>
             <a:endParaRPr lang="en-US"/>
           </a:p>
@@ -9821,7 +8448,7 @@
           <a:p>
             <a:fld id="{A10E77F1-F8E5-43F5-B86A-173865D1D665}" type="datetime1">
               <a:rPr lang="en-US" smtClean="0"/>
-              <a:t>15/07/2012</a:t>
+              <a:t>7/16/2012</a:t>
             </a:fld>
             <a:endParaRPr lang="en-US"/>
           </a:p>
@@ -10061,7 +8688,7 @@
           <a:p>
             <a:fld id="{B659CF7B-1899-4ABD-B618-B12586A70191}" type="datetime1">
               <a:rPr lang="en-US" smtClean="0"/>
-              <a:t>15/07/2012</a:t>
+              <a:t>7/16/2012</a:t>
             </a:fld>
             <a:endParaRPr lang="en-US"/>
           </a:p>
@@ -10209,7 +8836,7 @@
           <a:p>
             <a:fld id="{60C46DD3-79D0-4ECB-8390-8FA1280DAC51}" type="datetime1">
               <a:rPr lang="en-US" smtClean="0"/>
-              <a:t>15/07/2012</a:t>
+              <a:t>7/16/2012</a:t>
             </a:fld>
             <a:endParaRPr lang="en-US"/>
           </a:p>
@@ -10494,7 +9121,7 @@
           <a:p>
             <a:fld id="{0124066E-2945-4D2F-A208-2B84FC462117}" type="datetime1">
               <a:rPr lang="en-US" smtClean="0"/>
-              <a:t>15/07/2012</a:t>
+              <a:t>7/16/2012</a:t>
             </a:fld>
             <a:endParaRPr lang="en-US"/>
           </a:p>
@@ -10902,7 +9529,7 @@
           <a:p>
             <a:fld id="{F968A740-1A17-4B3D-8A72-ABA7683113B5}" type="datetime1">
               <a:rPr lang="en-US" smtClean="0"/>
-              <a:t>15/07/2012</a:t>
+              <a:t>7/16/2012</a:t>
             </a:fld>
             <a:endParaRPr lang="en-US"/>
           </a:p>
@@ -11241,7 +9868,7 @@
           <a:p>
             <a:fld id="{30E94C64-AEEC-434B-B2FC-071CE6512757}" type="datetime1">
               <a:rPr lang="en-US" smtClean="0"/>
-              <a:t>15/07/2012</a:t>
+              <a:t>7/16/2012</a:t>
             </a:fld>
             <a:endParaRPr lang="en-US" dirty="0"/>
           </a:p>
@@ -11785,45 +10412,6 @@
       </p:grpSpPr>
       <p:sp>
         <p:nvSpPr>
-          <p:cNvPr id="3" name="Subtitle 2"/>
-          <p:cNvSpPr>
-            <a:spLocks noGrp="1"/>
-          </p:cNvSpPr>
-          <p:nvPr>
-            <p:ph type="subTitle" idx="1"/>
-          </p:nvPr>
-        </p:nvSpPr>
-        <p:spPr>
-          <a:xfrm>
-            <a:off x="591671" y="1091184"/>
-            <a:ext cx="8077200" cy="1499616"/>
-          </a:xfrm>
-        </p:spPr>
-        <p:txBody>
-          <a:bodyPr>
-            <a:normAutofit/>
-          </a:bodyPr>
-          <a:lstStyle/>
-          <a:p>
-            <a:r>
-              <a:rPr lang="en-US" sz="3200" dirty="0" smtClean="0">
-                <a:latin typeface="Arial" pitchFamily="34" charset="0"/>
-                <a:cs typeface="Arial" pitchFamily="34" charset="0"/>
-              </a:rPr>
-              <a:t>BẢO VỆ </a:t>
-            </a:r>
-            <a:r>
-              <a:rPr lang="en-US" sz="3200" dirty="0">
-                <a:latin typeface="Arial" pitchFamily="34" charset="0"/>
-                <a:cs typeface="Arial" pitchFamily="34" charset="0"/>
-              </a:rPr>
-              <a:t>LUẬN VĂN TỐT NGHIỆP</a:t>
-            </a:r>
-          </a:p>
-        </p:txBody>
-      </p:sp>
-      <p:sp>
-        <p:nvSpPr>
           <p:cNvPr id="5" name="Date Placeholder 4"/>
           <p:cNvSpPr>
             <a:spLocks noGrp="1"/>
@@ -11839,7 +10427,7 @@
           <a:p>
             <a:fld id="{6D05353F-0162-4E3B-A5E6-0D37264D06A7}" type="datetime1">
               <a:rPr lang="en-US" smtClean="0"/>
-              <a:t>15/07/2012</a:t>
+              <a:t>7/16/2012</a:t>
             </a:fld>
             <a:endParaRPr lang="en-US" dirty="0"/>
           </a:p>
@@ -11890,28 +10478,237 @@
       </p:sp>
       <p:sp>
         <p:nvSpPr>
-          <p:cNvPr id="8" name="Title 7"/>
-          <p:cNvSpPr>
-            <a:spLocks noGrp="1"/>
-          </p:cNvSpPr>
-          <p:nvPr>
-            <p:ph type="ctrTitle"/>
+          <p:cNvPr id="3" name="Subtitle 2"/>
+          <p:cNvSpPr>
+            <a:spLocks noGrp="1"/>
+          </p:cNvSpPr>
+          <p:nvPr>
+            <p:ph type="subTitle" idx="4294967295"/>
           </p:nvPr>
         </p:nvSpPr>
         <p:spPr>
           <a:xfrm>
-            <a:off x="914400" y="3352800"/>
-            <a:ext cx="7315200" cy="1524000"/>
+            <a:off x="3048000" y="762000"/>
+            <a:ext cx="5334000" cy="1077913"/>
           </a:xfrm>
         </p:spPr>
         <p:txBody>
           <a:bodyPr>
-            <a:normAutofit/>
+            <a:normAutofit fontScale="77500" lnSpcReduction="20000"/>
           </a:bodyPr>
           <a:lstStyle/>
           <a:p>
+            <a:pPr marL="0" indent="0" algn="ctr">
+              <a:buNone/>
+            </a:pPr>
+            <a:r>
+              <a:rPr lang="en-US" sz="2600" dirty="0" err="1" smtClean="0">
+                <a:latin typeface="Arial" pitchFamily="34" charset="0"/>
+                <a:cs typeface="Arial" pitchFamily="34" charset="0"/>
+              </a:rPr>
+              <a:t>Trường</a:t>
+            </a:r>
+            <a:r>
+              <a:rPr lang="en-US" sz="2600" dirty="0" smtClean="0">
+                <a:latin typeface="Arial" pitchFamily="34" charset="0"/>
+                <a:cs typeface="Arial" pitchFamily="34" charset="0"/>
+              </a:rPr>
+              <a:t> </a:t>
+            </a:r>
+            <a:r>
+              <a:rPr lang="en-US" sz="2600" dirty="0" err="1" smtClean="0">
+                <a:latin typeface="Arial" pitchFamily="34" charset="0"/>
+                <a:cs typeface="Arial" pitchFamily="34" charset="0"/>
+              </a:rPr>
+              <a:t>Đại</a:t>
+            </a:r>
+            <a:r>
+              <a:rPr lang="en-US" sz="2600" dirty="0" smtClean="0">
+                <a:latin typeface="Arial" pitchFamily="34" charset="0"/>
+                <a:cs typeface="Arial" pitchFamily="34" charset="0"/>
+              </a:rPr>
+              <a:t> </a:t>
+            </a:r>
+            <a:r>
+              <a:rPr lang="en-US" sz="2600" dirty="0" err="1" smtClean="0">
+                <a:latin typeface="Arial" pitchFamily="34" charset="0"/>
+                <a:cs typeface="Arial" pitchFamily="34" charset="0"/>
+              </a:rPr>
+              <a:t>Học</a:t>
+            </a:r>
+            <a:r>
+              <a:rPr lang="en-US" sz="2600" dirty="0" smtClean="0">
+                <a:latin typeface="Arial" pitchFamily="34" charset="0"/>
+                <a:cs typeface="Arial" pitchFamily="34" charset="0"/>
+              </a:rPr>
+              <a:t> </a:t>
+            </a:r>
+            <a:r>
+              <a:rPr lang="en-US" sz="2600" dirty="0" err="1" smtClean="0">
+                <a:latin typeface="Arial" pitchFamily="34" charset="0"/>
+                <a:cs typeface="Arial" pitchFamily="34" charset="0"/>
+              </a:rPr>
+              <a:t>Khoa</a:t>
+            </a:r>
+            <a:r>
+              <a:rPr lang="en-US" sz="2600" dirty="0" smtClean="0">
+                <a:latin typeface="Arial" pitchFamily="34" charset="0"/>
+                <a:cs typeface="Arial" pitchFamily="34" charset="0"/>
+              </a:rPr>
+              <a:t> </a:t>
+            </a:r>
+            <a:r>
+              <a:rPr lang="en-US" sz="2600" dirty="0" err="1" smtClean="0">
+                <a:latin typeface="Arial" pitchFamily="34" charset="0"/>
+                <a:cs typeface="Arial" pitchFamily="34" charset="0"/>
+              </a:rPr>
+              <a:t>Học</a:t>
+            </a:r>
+            <a:r>
+              <a:rPr lang="en-US" sz="2600" dirty="0" smtClean="0">
+                <a:latin typeface="Arial" pitchFamily="34" charset="0"/>
+                <a:cs typeface="Arial" pitchFamily="34" charset="0"/>
+              </a:rPr>
+              <a:t> </a:t>
+            </a:r>
+            <a:r>
+              <a:rPr lang="en-US" sz="2600" dirty="0" err="1" smtClean="0">
+                <a:latin typeface="Arial" pitchFamily="34" charset="0"/>
+                <a:cs typeface="Arial" pitchFamily="34" charset="0"/>
+              </a:rPr>
+              <a:t>Tự</a:t>
+            </a:r>
+            <a:r>
+              <a:rPr lang="en-US" sz="2600" dirty="0" smtClean="0">
+                <a:latin typeface="Arial" pitchFamily="34" charset="0"/>
+                <a:cs typeface="Arial" pitchFamily="34" charset="0"/>
+              </a:rPr>
+              <a:t> </a:t>
+            </a:r>
+            <a:r>
+              <a:rPr lang="en-US" sz="2600" dirty="0" err="1" smtClean="0">
+                <a:latin typeface="Arial" pitchFamily="34" charset="0"/>
+                <a:cs typeface="Arial" pitchFamily="34" charset="0"/>
+              </a:rPr>
+              <a:t>Nhiên</a:t>
+            </a:r>
+            <a:endParaRPr lang="en-US" sz="2600" dirty="0" smtClean="0">
+              <a:latin typeface="Arial" pitchFamily="34" charset="0"/>
+              <a:cs typeface="Arial" pitchFamily="34" charset="0"/>
+            </a:endParaRPr>
+          </a:p>
+          <a:p>
+            <a:pPr marL="0" indent="0" algn="ctr">
+              <a:buNone/>
+            </a:pPr>
+            <a:r>
+              <a:rPr lang="en-US" sz="2600" dirty="0" err="1" smtClean="0">
+                <a:latin typeface="Arial" pitchFamily="34" charset="0"/>
+                <a:cs typeface="Arial" pitchFamily="34" charset="0"/>
+              </a:rPr>
+              <a:t>Khoa</a:t>
+            </a:r>
+            <a:r>
+              <a:rPr lang="en-US" sz="2600" dirty="0" smtClean="0">
+                <a:latin typeface="Arial" pitchFamily="34" charset="0"/>
+                <a:cs typeface="Arial" pitchFamily="34" charset="0"/>
+              </a:rPr>
+              <a:t> </a:t>
+            </a:r>
+            <a:r>
+              <a:rPr lang="en-US" sz="2600" dirty="0" err="1" smtClean="0">
+                <a:latin typeface="Arial" pitchFamily="34" charset="0"/>
+                <a:cs typeface="Arial" pitchFamily="34" charset="0"/>
+              </a:rPr>
+              <a:t>Công</a:t>
+            </a:r>
+            <a:r>
+              <a:rPr lang="en-US" sz="2600" dirty="0" smtClean="0">
+                <a:latin typeface="Arial" pitchFamily="34" charset="0"/>
+                <a:cs typeface="Arial" pitchFamily="34" charset="0"/>
+              </a:rPr>
+              <a:t> </a:t>
+            </a:r>
+            <a:r>
+              <a:rPr lang="en-US" sz="2600" dirty="0" err="1" smtClean="0">
+                <a:latin typeface="Arial" pitchFamily="34" charset="0"/>
+                <a:cs typeface="Arial" pitchFamily="34" charset="0"/>
+              </a:rPr>
+              <a:t>Nghệ</a:t>
+            </a:r>
+            <a:r>
+              <a:rPr lang="en-US" sz="2600" dirty="0" smtClean="0">
+                <a:latin typeface="Arial" pitchFamily="34" charset="0"/>
+                <a:cs typeface="Arial" pitchFamily="34" charset="0"/>
+              </a:rPr>
+              <a:t> </a:t>
+            </a:r>
+            <a:r>
+              <a:rPr lang="en-US" sz="2600" dirty="0" err="1" smtClean="0">
+                <a:latin typeface="Arial" pitchFamily="34" charset="0"/>
+                <a:cs typeface="Arial" pitchFamily="34" charset="0"/>
+              </a:rPr>
+              <a:t>Thông</a:t>
+            </a:r>
+            <a:r>
+              <a:rPr lang="en-US" sz="2600" dirty="0" smtClean="0">
+                <a:latin typeface="Arial" pitchFamily="34" charset="0"/>
+                <a:cs typeface="Arial" pitchFamily="34" charset="0"/>
+              </a:rPr>
+              <a:t> Tin</a:t>
+            </a:r>
+          </a:p>
+          <a:p>
+            <a:pPr marL="0" indent="0" algn="ctr">
+              <a:buNone/>
+            </a:pPr>
+            <a:r>
+              <a:rPr lang="en-US" sz="3200" dirty="0" smtClean="0">
+                <a:latin typeface="Arial" pitchFamily="34" charset="0"/>
+                <a:cs typeface="Arial" pitchFamily="34" charset="0"/>
+              </a:rPr>
+              <a:t> </a:t>
+            </a:r>
+            <a:endParaRPr lang="en-US" sz="3200" dirty="0">
+              <a:latin typeface="Arial" pitchFamily="34" charset="0"/>
+              <a:cs typeface="Arial" pitchFamily="34" charset="0"/>
+            </a:endParaRPr>
+          </a:p>
+        </p:txBody>
+      </p:sp>
+      <p:sp>
+        <p:nvSpPr>
+          <p:cNvPr id="8" name="Title 7"/>
+          <p:cNvSpPr>
+            <a:spLocks noGrp="1"/>
+          </p:cNvSpPr>
+          <p:nvPr>
+            <p:ph type="ctrTitle" idx="4294967295"/>
+          </p:nvPr>
+        </p:nvSpPr>
+        <p:spPr>
+          <a:xfrm>
+            <a:off x="0" y="2743200"/>
+            <a:ext cx="9144000" cy="1524000"/>
+          </a:xfrm>
+          <a:solidFill>
+            <a:schemeClr val="bg2">
+              <a:lumMod val="75000"/>
+            </a:schemeClr>
+          </a:solidFill>
+        </p:spPr>
+        <p:txBody>
+          <a:bodyPr>
+            <a:normAutofit fontScale="90000"/>
+          </a:bodyPr>
+          <a:lstStyle/>
+          <a:p>
+            <a:pPr algn="ctr"/>
             <a:r>
               <a:rPr lang="en-US" dirty="0" smtClean="0">
+                <a:solidFill>
+                  <a:schemeClr val="bg1"/>
+                </a:solidFill>
                 <a:latin typeface="Arial" pitchFamily="34" charset="0"/>
                 <a:cs typeface="Arial" pitchFamily="34" charset="0"/>
               </a:rPr>
@@ -11919,12 +10716,18 @@
             </a:r>
             <a:br>
               <a:rPr lang="en-US" dirty="0" smtClean="0">
+                <a:solidFill>
+                  <a:schemeClr val="bg1"/>
+                </a:solidFill>
                 <a:latin typeface="Arial" pitchFamily="34" charset="0"/>
                 <a:cs typeface="Arial" pitchFamily="34" charset="0"/>
               </a:rPr>
             </a:br>
             <a:r>
               <a:rPr lang="en-US" dirty="0" smtClean="0">
+                <a:solidFill>
+                  <a:schemeClr val="bg1"/>
+                </a:solidFill>
                 <a:latin typeface="Arial" pitchFamily="34" charset="0"/>
                 <a:cs typeface="Arial" pitchFamily="34" charset="0"/>
               </a:rPr>
@@ -11932,18 +10735,27 @@
             </a:r>
             <a:br>
               <a:rPr lang="en-US" dirty="0" smtClean="0">
+                <a:solidFill>
+                  <a:schemeClr val="bg1"/>
+                </a:solidFill>
                 <a:latin typeface="Arial" pitchFamily="34" charset="0"/>
                 <a:cs typeface="Arial" pitchFamily="34" charset="0"/>
               </a:rPr>
             </a:br>
             <a:r>
               <a:rPr lang="en-US" dirty="0" smtClean="0">
+                <a:solidFill>
+                  <a:schemeClr val="bg1"/>
+                </a:solidFill>
                 <a:latin typeface="Arial" pitchFamily="34" charset="0"/>
                 <a:cs typeface="Arial" pitchFamily="34" charset="0"/>
               </a:rPr>
               <a:t>CHO CÁC ĐỀ ÁN MÔN HỌC</a:t>
             </a:r>
             <a:endParaRPr lang="en-US" dirty="0">
+              <a:solidFill>
+                <a:schemeClr val="bg1"/>
+              </a:solidFill>
               <a:latin typeface="Arial" pitchFamily="34" charset="0"/>
               <a:cs typeface="Arial" pitchFamily="34" charset="0"/>
             </a:endParaRPr>
@@ -11959,7 +10771,7 @@
           <p:nvPr/>
         </p:nvPicPr>
         <p:blipFill>
-          <a:blip r:embed="rId3" cstate="print">
+          <a:blip r:embed="rId2" cstate="print">
             <a:extLst>
               <a:ext uri="{28A0092B-C50C-407E-A947-70E740481C1C}">
                 <a14:useLocalDpi xmlns:a14="http://schemas.microsoft.com/office/drawing/2010/main" val="0"/>
@@ -11980,6 +10792,175 @@
           </a:prstGeom>
         </p:spPr>
       </p:pic>
+      <p:sp>
+        <p:nvSpPr>
+          <p:cNvPr id="4" name="TextBox 3"/>
+          <p:cNvSpPr txBox="1"/>
+          <p:nvPr/>
+        </p:nvSpPr>
+        <p:spPr>
+          <a:xfrm>
+            <a:off x="1752600" y="4800600"/>
+            <a:ext cx="7162800" cy="1200329"/>
+          </a:xfrm>
+          <a:prstGeom prst="rect">
+            <a:avLst/>
+          </a:prstGeom>
+          <a:noFill/>
+        </p:spPr>
+        <p:txBody>
+          <a:bodyPr wrap="square" rtlCol="0">
+            <a:spAutoFit/>
+          </a:bodyPr>
+          <a:lstStyle/>
+          <a:p>
+            <a:pPr algn="r"/>
+            <a:r>
+              <a:rPr lang="en-US" dirty="0" err="1" smtClean="0"/>
+              <a:t>Giáo</a:t>
+            </a:r>
+            <a:r>
+              <a:rPr lang="en-US" dirty="0" smtClean="0"/>
+              <a:t> </a:t>
+            </a:r>
+            <a:r>
+              <a:rPr lang="en-US" dirty="0" err="1" smtClean="0"/>
+              <a:t>viên</a:t>
+            </a:r>
+            <a:r>
+              <a:rPr lang="en-US" dirty="0" smtClean="0"/>
+              <a:t> </a:t>
+            </a:r>
+            <a:r>
+              <a:rPr lang="en-US" dirty="0" err="1" smtClean="0"/>
+              <a:t>hướng</a:t>
+            </a:r>
+            <a:r>
+              <a:rPr lang="en-US" dirty="0" smtClean="0"/>
+              <a:t> </a:t>
+            </a:r>
+            <a:r>
+              <a:rPr lang="en-US" dirty="0" err="1" smtClean="0"/>
+              <a:t>dẫn</a:t>
+            </a:r>
+            <a:r>
+              <a:rPr lang="en-US" dirty="0" smtClean="0"/>
+              <a:t> : TS. </a:t>
+            </a:r>
+            <a:r>
+              <a:rPr lang="en-US" dirty="0" err="1" smtClean="0"/>
+              <a:t>Nguyễn</a:t>
+            </a:r>
+            <a:r>
+              <a:rPr lang="en-US" dirty="0" smtClean="0"/>
+              <a:t> </a:t>
+            </a:r>
+            <a:r>
+              <a:rPr lang="en-US" dirty="0" err="1" smtClean="0"/>
+              <a:t>Văn</a:t>
+            </a:r>
+            <a:r>
+              <a:rPr lang="en-US" dirty="0" smtClean="0"/>
+              <a:t> </a:t>
+            </a:r>
+            <a:r>
+              <a:rPr lang="en-US" dirty="0" err="1" smtClean="0"/>
+              <a:t>Vũ</a:t>
+            </a:r>
+            <a:endParaRPr lang="en-US" dirty="0" smtClean="0"/>
+          </a:p>
+          <a:p>
+            <a:pPr marL="3149600"/>
+            <a:r>
+              <a:rPr lang="en-US" dirty="0" err="1" smtClean="0"/>
+              <a:t>Sinh</a:t>
+            </a:r>
+            <a:r>
+              <a:rPr lang="en-US" dirty="0" smtClean="0"/>
+              <a:t> </a:t>
+            </a:r>
+            <a:r>
+              <a:rPr lang="en-US" dirty="0" err="1" smtClean="0"/>
+              <a:t>viên</a:t>
+            </a:r>
+            <a:r>
+              <a:rPr lang="en-US" dirty="0" smtClean="0"/>
+              <a:t> </a:t>
+            </a:r>
+            <a:r>
+              <a:rPr lang="en-US" dirty="0" err="1" smtClean="0"/>
+              <a:t>thực</a:t>
+            </a:r>
+            <a:r>
+              <a:rPr lang="en-US" dirty="0" smtClean="0"/>
+              <a:t> </a:t>
+            </a:r>
+            <a:r>
+              <a:rPr lang="en-US" dirty="0" err="1" smtClean="0"/>
+              <a:t>hiện</a:t>
+            </a:r>
+            <a:r>
+              <a:rPr lang="en-US" dirty="0" smtClean="0"/>
+              <a:t> :</a:t>
+            </a:r>
+          </a:p>
+          <a:p>
+            <a:pPr algn="r"/>
+            <a:r>
+              <a:rPr lang="en-US" dirty="0" err="1" smtClean="0"/>
+              <a:t>Đinh</a:t>
+            </a:r>
+            <a:r>
+              <a:rPr lang="en-US" dirty="0" smtClean="0"/>
+              <a:t> </a:t>
+            </a:r>
+            <a:r>
+              <a:rPr lang="en-US" dirty="0" err="1" smtClean="0"/>
+              <a:t>Văn</a:t>
+            </a:r>
+            <a:r>
+              <a:rPr lang="en-US" dirty="0" smtClean="0"/>
+              <a:t> </a:t>
+            </a:r>
+            <a:r>
+              <a:rPr lang="en-US" dirty="0" err="1" smtClean="0"/>
+              <a:t>Hoàng</a:t>
+            </a:r>
+            <a:r>
+              <a:rPr lang="en-US" dirty="0" smtClean="0"/>
+              <a:t> -0812164</a:t>
+            </a:r>
+          </a:p>
+          <a:p>
+            <a:pPr algn="r"/>
+            <a:r>
+              <a:rPr lang="en-US" dirty="0" err="1" smtClean="0"/>
+              <a:t>Nguyễn</a:t>
+            </a:r>
+            <a:r>
+              <a:rPr lang="en-US" dirty="0" smtClean="0"/>
+              <a:t> </a:t>
+            </a:r>
+            <a:r>
+              <a:rPr lang="en-US" dirty="0" err="1" smtClean="0"/>
+              <a:t>Đức</a:t>
+            </a:r>
+            <a:r>
+              <a:rPr lang="en-US" dirty="0" smtClean="0"/>
+              <a:t> </a:t>
+            </a:r>
+            <a:r>
+              <a:rPr lang="en-US" dirty="0" err="1" smtClean="0"/>
+              <a:t>Xuân</a:t>
+            </a:r>
+            <a:r>
+              <a:rPr lang="en-US" dirty="0" smtClean="0"/>
+              <a:t> - 0812642</a:t>
+            </a:r>
+            <a:endParaRPr lang="en-US" dirty="0"/>
+          </a:p>
+        </p:txBody>
+      </p:sp>
     </p:spTree>
     <p:extLst>
       <p:ext uri="{BB962C8B-B14F-4D97-AF65-F5344CB8AC3E}">
@@ -12194,22 +11175,31 @@
               <a:t> </a:t>
             </a:r>
             <a:r>
-              <a:rPr lang="en-US" err="1" smtClean="0"/>
+              <a:rPr lang="en-US" dirty="0" err="1" smtClean="0"/>
               <a:t>tương</a:t>
             </a:r>
             <a:r>
-              <a:rPr lang="en-US" smtClean="0"/>
-              <a:t> </a:t>
-            </a:r>
-            <a:r>
-              <a:rPr lang="en-US" smtClean="0"/>
+              <a:rPr lang="en-US" dirty="0" smtClean="0"/>
+              <a:t> </a:t>
+            </a:r>
+            <a:r>
+              <a:rPr lang="en-US" dirty="0" err="1" smtClean="0"/>
               <a:t>tác</a:t>
             </a:r>
-          </a:p>
-          <a:p>
-            <a:r>
-              <a:rPr lang="en-US" smtClean="0"/>
-              <a:t>Hạn chế</a:t>
+            <a:endParaRPr lang="en-US" dirty="0" smtClean="0"/>
+          </a:p>
+          <a:p>
+            <a:r>
+              <a:rPr lang="en-US" dirty="0" err="1" smtClean="0"/>
+              <a:t>Hạn</a:t>
+            </a:r>
+            <a:r>
+              <a:rPr lang="en-US" dirty="0" smtClean="0"/>
+              <a:t> </a:t>
+            </a:r>
+            <a:r>
+              <a:rPr lang="en-US" dirty="0" err="1" smtClean="0"/>
+              <a:t>chế</a:t>
             </a:r>
             <a:endParaRPr lang="en-US" dirty="0" smtClean="0"/>
           </a:p>
@@ -12295,7 +11285,7 @@
           <a:p>
             <a:fld id="{B897EA51-552A-472F-B6A5-1B26DAFDA035}" type="datetime1">
               <a:rPr lang="en-US" smtClean="0"/>
-              <a:t>15/07/2012</a:t>
+              <a:t>7/16/2012</a:t>
             </a:fld>
             <a:endParaRPr lang="en-US"/>
           </a:p>
@@ -12598,15 +11588,7 @@
             </a:r>
             <a:r>
               <a:rPr lang="en-US" dirty="0" smtClean="0"/>
-              <a:t> </a:t>
-            </a:r>
-            <a:r>
-              <a:rPr lang="en-US" smtClean="0"/>
-              <a:t>Use </a:t>
-            </a:r>
-            <a:r>
-              <a:rPr lang="en-US" smtClean="0"/>
-              <a:t>Case (1/3)</a:t>
+              <a:t> Use Case (1/3)</a:t>
             </a:r>
             <a:endParaRPr lang="en-US" dirty="0"/>
           </a:p>
@@ -12630,7 +11612,7 @@
             <a:fld id="{FCC16894-5FBA-4AA1-B4C4-F198F8BAB8EE}" type="datetime1">
               <a:rPr lang="en-US" smtClean="0"/>
               <a:pPr/>
-              <a:t>15/07/2012</a:t>
+              <a:t>7/16/2012</a:t>
             </a:fld>
             <a:endParaRPr lang="en-US" dirty="0"/>
           </a:p>
@@ -12792,15 +11774,7 @@
             </a:r>
             <a:r>
               <a:rPr lang="en-US" dirty="0" smtClean="0"/>
-              <a:t> Use </a:t>
-            </a:r>
-            <a:r>
-              <a:rPr lang="en-US" smtClean="0"/>
-              <a:t>Case </a:t>
-            </a:r>
-            <a:r>
-              <a:rPr lang="en-US" smtClean="0"/>
-              <a:t>(2/3)</a:t>
+              <a:t> Use Case (2/3)</a:t>
             </a:r>
             <a:endParaRPr lang="en-US" dirty="0"/>
           </a:p>
@@ -12824,7 +11798,7 @@
             <a:fld id="{FCC16894-5FBA-4AA1-B4C4-F198F8BAB8EE}" type="datetime1">
               <a:rPr lang="en-US" smtClean="0"/>
               <a:pPr/>
-              <a:t>15/07/2012</a:t>
+              <a:t>7/16/2012</a:t>
             </a:fld>
             <a:endParaRPr lang="en-US" dirty="0"/>
           </a:p>
@@ -12986,15 +11960,7 @@
             </a:r>
             <a:r>
               <a:rPr lang="en-US" dirty="0" smtClean="0"/>
-              <a:t> Use </a:t>
-            </a:r>
-            <a:r>
-              <a:rPr lang="en-US" smtClean="0"/>
-              <a:t>Case </a:t>
-            </a:r>
-            <a:r>
-              <a:rPr lang="en-US" smtClean="0"/>
-              <a:t>(3/3)</a:t>
+              <a:t> Use Case (3/3)</a:t>
             </a:r>
             <a:endParaRPr lang="en-US" dirty="0"/>
           </a:p>
@@ -13018,7 +11984,7 @@
             <a:fld id="{FCC16894-5FBA-4AA1-B4C4-F198F8BAB8EE}" type="datetime1">
               <a:rPr lang="en-US" smtClean="0"/>
               <a:pPr/>
-              <a:t>15/07/2012</a:t>
+              <a:t>7/16/2012</a:t>
             </a:fld>
             <a:endParaRPr lang="en-US" dirty="0"/>
           </a:p>
@@ -13244,7 +12210,7 @@
             <a:fld id="{FCC16894-5FBA-4AA1-B4C4-F198F8BAB8EE}" type="datetime1">
               <a:rPr lang="en-US" smtClean="0"/>
               <a:pPr/>
-              <a:t>15/07/2012</a:t>
+              <a:t>7/16/2012</a:t>
             </a:fld>
             <a:endParaRPr lang="en-US" dirty="0"/>
           </a:p>
@@ -13303,7 +12269,7 @@
           </p:nvPr>
         </p:nvPicPr>
         <p:blipFill rotWithShape="1">
-          <a:blip r:embed="rId2" cstate="print">
+          <a:blip r:embed="rId3" cstate="print">
             <a:extLst>
               <a:ext uri="{28A0092B-C50C-407E-A947-70E740481C1C}">
                 <a14:useLocalDpi xmlns:a14="http://schemas.microsoft.com/office/drawing/2010/main" val="0"/>
@@ -13327,6 +12293,74 @@
           </a:ln>
         </p:spPr>
       </p:pic>
+      <p:sp>
+        <p:nvSpPr>
+          <p:cNvPr id="3" name="Explosion 1 2"/>
+          <p:cNvSpPr/>
+          <p:nvPr/>
+        </p:nvSpPr>
+        <p:spPr>
+          <a:xfrm>
+            <a:off x="-228600" y="990600"/>
+            <a:ext cx="2311399" cy="2209800"/>
+          </a:xfrm>
+          <a:prstGeom prst="irregularSeal1">
+            <a:avLst/>
+          </a:prstGeom>
+        </p:spPr>
+        <p:style>
+          <a:lnRef idx="2">
+            <a:schemeClr val="accent1">
+              <a:shade val="50000"/>
+            </a:schemeClr>
+          </a:lnRef>
+          <a:fillRef idx="1">
+            <a:schemeClr val="accent1"/>
+          </a:fillRef>
+          <a:effectRef idx="0">
+            <a:schemeClr val="accent1"/>
+          </a:effectRef>
+          <a:fontRef idx="minor">
+            <a:schemeClr val="lt1"/>
+          </a:fontRef>
+        </p:style>
+        <p:txBody>
+          <a:bodyPr rtlCol="0" anchor="ctr"/>
+          <a:lstStyle/>
+          <a:p>
+            <a:pPr algn="ctr"/>
+            <a:r>
+              <a:rPr lang="en-US" dirty="0" err="1" smtClean="0"/>
+              <a:t>Loại</a:t>
+            </a:r>
+            <a:r>
+              <a:rPr lang="en-US" dirty="0" smtClean="0"/>
+              <a:t> work item </a:t>
+            </a:r>
+            <a:r>
+              <a:rPr lang="en-US" dirty="0" err="1" smtClean="0"/>
+              <a:t>không</a:t>
+            </a:r>
+            <a:r>
+              <a:rPr lang="en-US" dirty="0" smtClean="0"/>
+              <a:t> </a:t>
+            </a:r>
+            <a:r>
+              <a:rPr lang="en-US" dirty="0" err="1" smtClean="0"/>
+              <a:t>xác</a:t>
+            </a:r>
+            <a:r>
+              <a:rPr lang="en-US" dirty="0" smtClean="0"/>
+              <a:t> </a:t>
+            </a:r>
+            <a:r>
+              <a:rPr lang="en-US" dirty="0" err="1" smtClean="0"/>
+              <a:t>định</a:t>
+            </a:r>
+            <a:endParaRPr lang="en-US" dirty="0"/>
+          </a:p>
+        </p:txBody>
+      </p:sp>
     </p:spTree>
     <p:extLst>
       <p:ext uri="{BB962C8B-B14F-4D97-AF65-F5344CB8AC3E}">
@@ -13535,7 +12569,7 @@
           <a:graphicData uri="http://schemas.openxmlformats.org/presentationml/2006/ole">
             <mc:AlternateContent xmlns:mc="http://schemas.openxmlformats.org/markup-compatibility/2006">
               <mc:Choice xmlns:v="urn:schemas-microsoft-com:vml" Requires="v">
-                <p:oleObj spid="_x0000_s10261" name="Visio" r:id="rId3" imgW="6688055" imgH="2661113" progId="Visio.Drawing.11">
+                <p:oleObj spid="_x0000_s10264" name="Visio" r:id="rId3" imgW="6688055" imgH="2661113" progId="Visio.Drawing.11">
                   <p:embed/>
                 </p:oleObj>
               </mc:Choice>
@@ -13592,7 +12626,7 @@
           <a:p>
             <a:fld id="{1CF8059D-E1B3-49E1-9B7E-0DF1A497220F}" type="datetime1">
               <a:rPr lang="en-US" smtClean="0"/>
-              <a:t>15/07/2012</a:t>
+              <a:t>7/16/2012</a:t>
             </a:fld>
             <a:endParaRPr lang="en-US"/>
           </a:p>
@@ -14014,7 +13048,7 @@
           <a:p>
             <a:fld id="{E8E19C0F-210C-4F3E-85A3-AB245ECA8099}" type="datetime1">
               <a:rPr lang="en-US" smtClean="0"/>
-              <a:t>15/07/2012</a:t>
+              <a:t>7/16/2012</a:t>
             </a:fld>
             <a:endParaRPr lang="en-US"/>
           </a:p>
@@ -14194,7 +13228,7 @@
             <a:fld id="{FCC16894-5FBA-4AA1-B4C4-F198F8BAB8EE}" type="datetime1">
               <a:rPr lang="en-US" smtClean="0"/>
               <a:pPr/>
-              <a:t>15/07/2012</a:t>
+              <a:t>7/16/2012</a:t>
             </a:fld>
             <a:endParaRPr lang="en-US" dirty="0"/>
           </a:p>
@@ -14454,7 +13488,7 @@
             <a:fld id="{FCC16894-5FBA-4AA1-B4C4-F198F8BAB8EE}" type="datetime1">
               <a:rPr lang="en-US" smtClean="0"/>
               <a:pPr/>
-              <a:t>15/07/2012</a:t>
+              <a:t>7/16/2012</a:t>
             </a:fld>
             <a:endParaRPr lang="en-US" dirty="0"/>
           </a:p>
@@ -14681,7 +13715,7 @@
             <a:fld id="{FCC16894-5FBA-4AA1-B4C4-F198F8BAB8EE}" type="datetime1">
               <a:rPr lang="en-US" smtClean="0"/>
               <a:pPr/>
-              <a:t>15/07/2012</a:t>
+              <a:t>7/16/2012</a:t>
             </a:fld>
             <a:endParaRPr lang="en-US" dirty="0"/>
           </a:p>
@@ -14965,22 +13999,31 @@
               <a:t> </a:t>
             </a:r>
             <a:r>
-              <a:rPr lang="en-US" err="1" smtClean="0"/>
+              <a:rPr lang="en-US" dirty="0" err="1" smtClean="0"/>
               <a:t>tương</a:t>
             </a:r>
             <a:r>
-              <a:rPr lang="en-US" smtClean="0"/>
-              <a:t> </a:t>
-            </a:r>
-            <a:r>
-              <a:rPr lang="en-US" smtClean="0"/>
+              <a:rPr lang="en-US" dirty="0" smtClean="0"/>
+              <a:t> </a:t>
+            </a:r>
+            <a:r>
+              <a:rPr lang="en-US" dirty="0" err="1" smtClean="0"/>
               <a:t>tác</a:t>
             </a:r>
-          </a:p>
-          <a:p>
-            <a:r>
-              <a:rPr lang="en-US" smtClean="0"/>
-              <a:t>Hạn chế</a:t>
+            <a:endParaRPr lang="en-US" dirty="0" smtClean="0"/>
+          </a:p>
+          <a:p>
+            <a:r>
+              <a:rPr lang="en-US" dirty="0" err="1" smtClean="0"/>
+              <a:t>Hạn</a:t>
+            </a:r>
+            <a:r>
+              <a:rPr lang="en-US" dirty="0" smtClean="0"/>
+              <a:t> </a:t>
+            </a:r>
+            <a:r>
+              <a:rPr lang="en-US" dirty="0" err="1" smtClean="0"/>
+              <a:t>chế</a:t>
             </a:r>
             <a:endParaRPr lang="en-US" dirty="0" smtClean="0"/>
           </a:p>
@@ -15066,7 +14109,7 @@
           <a:p>
             <a:fld id="{4945124A-6CC2-4A17-8300-111F1CDA69D3}" type="datetime1">
               <a:rPr lang="en-US" smtClean="0"/>
-              <a:t>15/07/2012</a:t>
+              <a:t>7/16/2012</a:t>
             </a:fld>
             <a:endParaRPr lang="en-US"/>
           </a:p>
@@ -15372,16 +14415,16 @@
               <a:t> </a:t>
             </a:r>
             <a:r>
-              <a:rPr lang="en-US" err="1" smtClean="0"/>
+              <a:rPr lang="en-US" dirty="0" err="1" smtClean="0"/>
               <a:t>Dự</a:t>
             </a:r>
             <a:r>
-              <a:rPr lang="en-US" smtClean="0"/>
-              <a:t> </a:t>
-            </a:r>
-            <a:r>
-              <a:rPr lang="en-US" smtClean="0"/>
-              <a:t>Án (1/2)</a:t>
+              <a:rPr lang="en-US" dirty="0" smtClean="0"/>
+              <a:t> </a:t>
+            </a:r>
+            <a:r>
+              <a:rPr lang="en-US" dirty="0" err="1" smtClean="0"/>
+              <a:t>Án</a:t>
             </a:r>
             <a:endParaRPr lang="en-US" dirty="0"/>
           </a:p>
@@ -15464,7 +14507,7 @@
             <a:fld id="{FCC16894-5FBA-4AA1-B4C4-F198F8BAB8EE}" type="datetime1">
               <a:rPr lang="en-US" smtClean="0"/>
               <a:pPr/>
-              <a:t>15/07/2012</a:t>
+              <a:t>7/16/2012</a:t>
             </a:fld>
             <a:endParaRPr lang="en-US" dirty="0"/>
           </a:p>
@@ -15630,16 +14673,20 @@
               <a:t> </a:t>
             </a:r>
             <a:r>
-              <a:rPr lang="en-US" err="1" smtClean="0"/>
+              <a:rPr lang="en-US" dirty="0" err="1" smtClean="0"/>
               <a:t>Án</a:t>
             </a:r>
             <a:r>
-              <a:rPr lang="en-US" smtClean="0"/>
-              <a:t> </a:t>
-            </a:r>
-            <a:r>
-              <a:rPr lang="en-US" smtClean="0"/>
-              <a:t>(2/2)</a:t>
+              <a:rPr lang="en-US" dirty="0" smtClean="0"/>
+              <a:t> (</a:t>
+            </a:r>
+            <a:r>
+              <a:rPr lang="en-US" dirty="0" err="1" smtClean="0"/>
+              <a:t>tt</a:t>
+            </a:r>
+            <a:r>
+              <a:rPr lang="en-US" dirty="0" smtClean="0"/>
+              <a:t>)</a:t>
             </a:r>
             <a:endParaRPr lang="en-US" dirty="0"/>
           </a:p>
@@ -15726,7 +14773,7 @@
             <a:fld id="{FCC16894-5FBA-4AA1-B4C4-F198F8BAB8EE}" type="datetime1">
               <a:rPr lang="en-US" smtClean="0"/>
               <a:pPr/>
-              <a:t>15/07/2012</a:t>
+              <a:t>7/16/2012</a:t>
             </a:fld>
             <a:endParaRPr lang="en-US" dirty="0"/>
           </a:p>
@@ -16023,7 +15070,7 @@
             <a:fld id="{FCC16894-5FBA-4AA1-B4C4-F198F8BAB8EE}" type="datetime1">
               <a:rPr lang="en-US" smtClean="0"/>
               <a:pPr/>
-              <a:t>15/07/2012</a:t>
+              <a:t>7/16/2012</a:t>
             </a:fld>
             <a:endParaRPr lang="en-US" dirty="0"/>
           </a:p>
@@ -16454,7 +15501,7 @@
             <a:fld id="{FCC16894-5FBA-4AA1-B4C4-F198F8BAB8EE}" type="datetime1">
               <a:rPr lang="en-US" smtClean="0"/>
               <a:pPr/>
-              <a:t>15/07/2012</a:t>
+              <a:t>7/16/2012</a:t>
             </a:fld>
             <a:endParaRPr lang="en-US" dirty="0"/>
           </a:p>
@@ -16566,7 +15613,7 @@
             <a:fld id="{FCC16894-5FBA-4AA1-B4C4-F198F8BAB8EE}" type="datetime1">
               <a:rPr lang="en-US" smtClean="0"/>
               <a:pPr algn="r"/>
-              <a:t>15/07/2012</a:t>
+              <a:t>7/16/2012</a:t>
             </a:fld>
             <a:endParaRPr lang="en-US" dirty="0"/>
           </a:p>
@@ -16783,7 +15830,7 @@
             <a:fld id="{FCC16894-5FBA-4AA1-B4C4-F198F8BAB8EE}" type="datetime1">
               <a:rPr lang="en-US" smtClean="0"/>
               <a:pPr/>
-              <a:t>15/07/2012</a:t>
+              <a:t>7/16/2012</a:t>
             </a:fld>
             <a:endParaRPr lang="en-US" dirty="0"/>
           </a:p>
@@ -17090,7 +16137,7 @@
             <a:fld id="{FCC16894-5FBA-4AA1-B4C4-F198F8BAB8EE}" type="datetime1">
               <a:rPr lang="en-US" smtClean="0"/>
               <a:pPr/>
-              <a:t>15/07/2012</a:t>
+              <a:t>7/16/2012</a:t>
             </a:fld>
             <a:endParaRPr lang="en-US" dirty="0"/>
           </a:p>
@@ -17302,7 +16349,7 @@
             <a:fld id="{FCC16894-5FBA-4AA1-B4C4-F198F8BAB8EE}" type="datetime1">
               <a:rPr lang="en-US" smtClean="0"/>
               <a:pPr/>
-              <a:t>15/07/2012</a:t>
+              <a:t>7/16/2012</a:t>
             </a:fld>
             <a:endParaRPr lang="en-US" dirty="0"/>
           </a:p>
@@ -17755,7 +16802,7 @@
           <a:p>
             <a:fld id="{9C4A3F15-EBF9-4680-A54D-1DC3C34D18BF}" type="datetime1">
               <a:rPr lang="en-US" smtClean="0"/>
-              <a:t>15/07/2012</a:t>
+              <a:t>7/16/2012</a:t>
             </a:fld>
             <a:endParaRPr lang="en-US"/>
           </a:p>
@@ -18274,7 +17321,7 @@
           <a:p>
             <a:fld id="{89A29F8A-DA52-474B-B3A6-77E8D5F29773}" type="datetime1">
               <a:rPr lang="en-US" smtClean="0"/>
-              <a:t>15/07/2012</a:t>
+              <a:t>7/16/2012</a:t>
             </a:fld>
             <a:endParaRPr lang="en-US"/>
           </a:p>
@@ -19749,7 +18796,7 @@
           <a:p>
             <a:fld id="{83A31958-C2EC-4CA9-90D0-208E40050D22}" type="datetime1">
               <a:rPr lang="en-US" smtClean="0"/>
-              <a:t>15/07/2012</a:t>
+              <a:t>7/16/2012</a:t>
             </a:fld>
             <a:endParaRPr lang="en-US"/>
           </a:p>
@@ -20410,7 +19457,7 @@
           <a:p>
             <a:fld id="{467EC7A7-EB60-48C0-9304-E5986BB1EADA}" type="datetime1">
               <a:rPr lang="en-US" smtClean="0"/>
-              <a:t>15/07/2012</a:t>
+              <a:t>7/16/2012</a:t>
             </a:fld>
             <a:endParaRPr lang="en-US"/>
           </a:p>
@@ -21032,7 +20079,7 @@
           <a:graphicData uri="http://schemas.openxmlformats.org/presentationml/2006/ole">
             <mc:AlternateContent xmlns:mc="http://schemas.openxmlformats.org/markup-compatibility/2006">
               <mc:Choice xmlns:v="urn:schemas-microsoft-com:vml" Requires="v">
-                <p:oleObj spid="_x0000_s5198" name="Visio" r:id="rId3" imgW="3572937" imgH="1000698" progId="Visio.Drawing.11">
+                <p:oleObj spid="_x0000_s5201" name="Visio" r:id="rId3" imgW="3572937" imgH="1000698" progId="Visio.Drawing.11">
                   <p:embed/>
                 </p:oleObj>
               </mc:Choice>
@@ -21094,7 +20141,7 @@
           <a:p>
             <a:fld id="{A50877F5-09BF-4B6E-861A-BF1596E01D5C}" type="datetime1">
               <a:rPr lang="en-US" smtClean="0"/>
-              <a:t>15/07/2012</a:t>
+              <a:t>7/16/2012</a:t>
             </a:fld>
             <a:endParaRPr lang="en-US"/>
           </a:p>
@@ -21535,7 +20582,7 @@
           <a:p>
             <a:fld id="{4C9EF2B8-4E0D-4EA8-A7BE-F4383C0FC78D}" type="datetime1">
               <a:rPr lang="en-US" smtClean="0"/>
-              <a:t>15/07/2012</a:t>
+              <a:t>7/16/2012</a:t>
             </a:fld>
             <a:endParaRPr lang="en-US"/>
           </a:p>
@@ -21673,15 +20720,7 @@
             </a:r>
             <a:r>
               <a:rPr lang="en-US" dirty="0" smtClean="0"/>
-              <a:t> </a:t>
-            </a:r>
-            <a:r>
-              <a:rPr lang="en-US" smtClean="0"/>
-              <a:t>Domain </a:t>
-            </a:r>
-            <a:r>
-              <a:rPr lang="en-US" smtClean="0"/>
-              <a:t>Model (1/2)</a:t>
+              <a:t> Domain Model (1/3)</a:t>
             </a:r>
             <a:endParaRPr lang="en-US" dirty="0"/>
           </a:p>
@@ -21705,7 +20744,7 @@
             <a:fld id="{FCC16894-5FBA-4AA1-B4C4-F198F8BAB8EE}" type="datetime1">
               <a:rPr lang="en-US" smtClean="0"/>
               <a:pPr/>
-              <a:t>15/07/2012</a:t>
+              <a:t>7/16/2012</a:t>
             </a:fld>
             <a:endParaRPr lang="en-US" dirty="0"/>
           </a:p>
@@ -21857,7 +20896,7 @@
             <a:fld id="{FCC16894-5FBA-4AA1-B4C4-F198F8BAB8EE}" type="datetime1">
               <a:rPr lang="en-US" smtClean="0"/>
               <a:pPr algn="r"/>
-              <a:t>15/07/2012</a:t>
+              <a:t>7/16/2012</a:t>
             </a:fld>
             <a:endParaRPr lang="en-US" dirty="0"/>
           </a:p>
@@ -22027,15 +21066,7 @@
             </a:r>
             <a:r>
               <a:rPr lang="en-US" dirty="0" smtClean="0"/>
-              <a:t> Domain </a:t>
-            </a:r>
-            <a:r>
-              <a:rPr lang="en-US" smtClean="0"/>
-              <a:t>Model </a:t>
-            </a:r>
-            <a:r>
-              <a:rPr lang="en-US" smtClean="0"/>
-              <a:t>(2/2)</a:t>
+              <a:t> Domain Model (3/3)</a:t>
             </a:r>
             <a:endParaRPr lang="en-US" dirty="0"/>
           </a:p>
@@ -22059,7 +21090,7 @@
             <a:fld id="{FCC16894-5FBA-4AA1-B4C4-F198F8BAB8EE}" type="datetime1">
               <a:rPr lang="en-US" smtClean="0"/>
               <a:pPr/>
-              <a:t>15/07/2012</a:t>
+              <a:t>7/16/2012</a:t>
             </a:fld>
             <a:endParaRPr lang="en-US" dirty="0"/>
           </a:p>
@@ -22221,16 +21252,16 @@
               <a:t> </a:t>
             </a:r>
             <a:r>
-              <a:rPr lang="en-US" err="1" smtClean="0"/>
+              <a:rPr lang="en-US" dirty="0" err="1" smtClean="0"/>
               <a:t>Bảo</a:t>
             </a:r>
             <a:r>
-              <a:rPr lang="en-US" smtClean="0"/>
-              <a:t> </a:t>
-            </a:r>
-            <a:r>
-              <a:rPr lang="en-US" smtClean="0"/>
-              <a:t>Mật (1/2)</a:t>
+              <a:rPr lang="en-US" dirty="0" smtClean="0"/>
+              <a:t> </a:t>
+            </a:r>
+            <a:r>
+              <a:rPr lang="en-US" dirty="0" err="1" smtClean="0"/>
+              <a:t>Mật</a:t>
             </a:r>
             <a:endParaRPr lang="en-US" dirty="0"/>
           </a:p>
@@ -22358,7 +21389,7 @@
             <a:fld id="{FCC16894-5FBA-4AA1-B4C4-F198F8BAB8EE}" type="datetime1">
               <a:rPr lang="en-US" smtClean="0"/>
               <a:pPr/>
-              <a:t>15/07/2012</a:t>
+              <a:t>7/16/2012</a:t>
             </a:fld>
             <a:endParaRPr lang="en-US" dirty="0"/>
           </a:p>
@@ -22428,7 +21459,7 @@
           <a:graphicData uri="http://schemas.openxmlformats.org/presentationml/2006/ole">
             <mc:AlternateContent xmlns:mc="http://schemas.openxmlformats.org/markup-compatibility/2006">
               <mc:Choice xmlns:v="urn:schemas-microsoft-com:vml" Requires="v">
-                <p:oleObj spid="_x0000_s9274" r:id="rId3" imgW="4586835" imgH="2157957" progId="Visio.Drawing.11">
+                <p:oleObj spid="_x0000_s9277" r:id="rId3" imgW="4586835" imgH="2157957" progId="Visio.Drawing.11">
                   <p:embed/>
                 </p:oleObj>
               </mc:Choice>
@@ -22588,16 +21619,20 @@
               <a:t> </a:t>
             </a:r>
             <a:r>
-              <a:rPr lang="en-US" err="1" smtClean="0"/>
+              <a:rPr lang="en-US" dirty="0" err="1" smtClean="0"/>
               <a:t>Mật</a:t>
             </a:r>
             <a:r>
-              <a:rPr lang="en-US" smtClean="0"/>
-              <a:t> </a:t>
-            </a:r>
-            <a:r>
-              <a:rPr lang="en-US" smtClean="0"/>
-              <a:t>(2/2)</a:t>
+              <a:rPr lang="en-US" dirty="0" smtClean="0"/>
+              <a:t> (</a:t>
+            </a:r>
+            <a:r>
+              <a:rPr lang="en-US" dirty="0" err="1" smtClean="0"/>
+              <a:t>tt</a:t>
+            </a:r>
+            <a:r>
+              <a:rPr lang="en-US" dirty="0" smtClean="0"/>
+              <a:t>)</a:t>
             </a:r>
             <a:endParaRPr lang="en-US" dirty="0"/>
           </a:p>
@@ -22801,7 +21836,7 @@
           <a:p>
             <a:fld id="{73B38C7B-77D0-4104-BED1-BDB55996A2EE}" type="datetime1">
               <a:rPr lang="en-US" smtClean="0"/>
-              <a:t>15/07/2012</a:t>
+              <a:t>7/16/2012</a:t>
             </a:fld>
             <a:endParaRPr lang="en-US"/>
           </a:p>
@@ -23023,7 +22058,7 @@
             <a:fld id="{FCC16894-5FBA-4AA1-B4C4-F198F8BAB8EE}" type="datetime1">
               <a:rPr lang="en-US" smtClean="0"/>
               <a:pPr/>
-              <a:t>15/07/2012</a:t>
+              <a:t>7/16/2012</a:t>
             </a:fld>
             <a:endParaRPr lang="en-US" dirty="0"/>
           </a:p>
@@ -23113,7 +22148,7 @@
         </p:blipFill>
         <p:spPr bwMode="auto">
           <a:xfrm>
-            <a:off x="1676400" y="1201204"/>
+            <a:off x="457200" y="1183738"/>
             <a:ext cx="5657128" cy="5047195"/>
           </a:xfrm>
           <a:prstGeom prst="rect">
@@ -23154,6 +22189,74 @@
           </a:extLst>
         </p:spPr>
       </p:pic>
+      <p:sp>
+        <p:nvSpPr>
+          <p:cNvPr id="3" name="Explosion 1 2"/>
+          <p:cNvSpPr/>
+          <p:nvPr/>
+        </p:nvSpPr>
+        <p:spPr>
+          <a:xfrm>
+            <a:off x="5867400" y="762000"/>
+            <a:ext cx="3038139" cy="3352800"/>
+          </a:xfrm>
+          <a:prstGeom prst="irregularSeal1">
+            <a:avLst/>
+          </a:prstGeom>
+        </p:spPr>
+        <p:style>
+          <a:lnRef idx="2">
+            <a:schemeClr val="accent1">
+              <a:shade val="50000"/>
+            </a:schemeClr>
+          </a:lnRef>
+          <a:fillRef idx="1">
+            <a:schemeClr val="accent1"/>
+          </a:fillRef>
+          <a:effectRef idx="0">
+            <a:schemeClr val="accent1"/>
+          </a:effectRef>
+          <a:fontRef idx="minor">
+            <a:schemeClr val="lt1"/>
+          </a:fontRef>
+        </p:style>
+        <p:txBody>
+          <a:bodyPr rtlCol="0" anchor="ctr"/>
+          <a:lstStyle/>
+          <a:p>
+            <a:pPr algn="ctr"/>
+            <a:r>
+              <a:rPr lang="en-US" dirty="0" err="1" smtClean="0"/>
+              <a:t>Miễn</a:t>
+            </a:r>
+            <a:r>
+              <a:rPr lang="en-US" dirty="0" smtClean="0"/>
+              <a:t> </a:t>
+            </a:r>
+            <a:r>
+              <a:rPr lang="en-US" dirty="0" err="1" smtClean="0"/>
+              <a:t>phí</a:t>
+            </a:r>
+            <a:r>
+              <a:rPr lang="en-US" dirty="0" smtClean="0"/>
+              <a:t>,  </a:t>
+            </a:r>
+            <a:r>
+              <a:rPr lang="en-US" dirty="0" err="1" smtClean="0"/>
+              <a:t>nguồn</a:t>
+            </a:r>
+            <a:r>
+              <a:rPr lang="en-US" dirty="0" smtClean="0"/>
+              <a:t> </a:t>
+            </a:r>
+            <a:r>
+              <a:rPr lang="en-US" dirty="0" err="1" smtClean="0"/>
+              <a:t>mở</a:t>
+            </a:r>
+            <a:endParaRPr lang="en-US" dirty="0"/>
+          </a:p>
+        </p:txBody>
+      </p:sp>
     </p:spTree>
     <p:extLst>
       <p:ext uri="{BB962C8B-B14F-4D97-AF65-F5344CB8AC3E}">
@@ -23175,9 +22278,91 @@
   <p:timing>
     <p:tnLst>
       <p:par>
-        <p:cTn id="1" dur="indefinite" restart="never" nodeType="tmRoot"/>
+        <p:cTn id="1" dur="indefinite" restart="never" nodeType="tmRoot">
+          <p:childTnLst>
+            <p:seq concurrent="1" nextAc="seek">
+              <p:cTn id="2" dur="indefinite" nodeType="mainSeq">
+                <p:childTnLst>
+                  <p:par>
+                    <p:cTn id="3" fill="hold">
+                      <p:stCondLst>
+                        <p:cond delay="indefinite"/>
+                        <p:cond evt="onBegin" delay="0">
+                          <p:tn val="2"/>
+                        </p:cond>
+                      </p:stCondLst>
+                      <p:childTnLst>
+                        <p:par>
+                          <p:cTn id="4" fill="hold">
+                            <p:stCondLst>
+                              <p:cond delay="0"/>
+                            </p:stCondLst>
+                            <p:childTnLst>
+                              <p:par>
+                                <p:cTn id="5" presetID="16" presetClass="entr" presetSubtype="21" fill="hold" grpId="0" nodeType="afterEffect">
+                                  <p:stCondLst>
+                                    <p:cond delay="500"/>
+                                  </p:stCondLst>
+                                  <p:childTnLst>
+                                    <p:set>
+                                      <p:cBhvr>
+                                        <p:cTn id="6" dur="1" fill="hold">
+                                          <p:stCondLst>
+                                            <p:cond delay="0"/>
+                                          </p:stCondLst>
+                                        </p:cTn>
+                                        <p:tgtEl>
+                                          <p:spTgt spid="3"/>
+                                        </p:tgtEl>
+                                        <p:attrNameLst>
+                                          <p:attrName>style.visibility</p:attrName>
+                                        </p:attrNameLst>
+                                      </p:cBhvr>
+                                      <p:to>
+                                        <p:strVal val="visible"/>
+                                      </p:to>
+                                    </p:set>
+                                    <p:animEffect transition="in" filter="barn(inVertical)">
+                                      <p:cBhvr>
+                                        <p:cTn id="7" dur="500"/>
+                                        <p:tgtEl>
+                                          <p:spTgt spid="3"/>
+                                        </p:tgtEl>
+                                      </p:cBhvr>
+                                    </p:animEffect>
+                                  </p:childTnLst>
+                                </p:cTn>
+                              </p:par>
+                            </p:childTnLst>
+                          </p:cTn>
+                        </p:par>
+                      </p:childTnLst>
+                    </p:cTn>
+                  </p:par>
+                </p:childTnLst>
+              </p:cTn>
+              <p:prevCondLst>
+                <p:cond evt="onPrev" delay="0">
+                  <p:tgtEl>
+                    <p:sldTgt/>
+                  </p:tgtEl>
+                </p:cond>
+              </p:prevCondLst>
+              <p:nextCondLst>
+                <p:cond evt="onNext" delay="0">
+                  <p:tgtEl>
+                    <p:sldTgt/>
+                  </p:tgtEl>
+                </p:cond>
+              </p:nextCondLst>
+            </p:seq>
+          </p:childTnLst>
+        </p:cTn>
       </p:par>
     </p:tnLst>
+    <p:bldLst>
+      <p:bldP spid="3" grpId="0" animBg="1"/>
+    </p:bldLst>
   </p:timing>
 </p:sld>
 </file>
@@ -23376,22 +22561,31 @@
               <a:t> </a:t>
             </a:r>
             <a:r>
-              <a:rPr lang="en-US" err="1" smtClean="0"/>
+              <a:rPr lang="en-US" dirty="0" err="1" smtClean="0"/>
               <a:t>tương</a:t>
             </a:r>
             <a:r>
-              <a:rPr lang="en-US" smtClean="0"/>
-              <a:t> </a:t>
-            </a:r>
-            <a:r>
-              <a:rPr lang="en-US" smtClean="0"/>
+              <a:rPr lang="en-US" dirty="0" smtClean="0"/>
+              <a:t> </a:t>
+            </a:r>
+            <a:r>
+              <a:rPr lang="en-US" dirty="0" err="1" smtClean="0"/>
               <a:t>tác</a:t>
             </a:r>
-          </a:p>
-          <a:p>
-            <a:r>
-              <a:rPr lang="en-US" smtClean="0"/>
-              <a:t>Hạn chế</a:t>
+            <a:endParaRPr lang="en-US" dirty="0" smtClean="0"/>
+          </a:p>
+          <a:p>
+            <a:r>
+              <a:rPr lang="en-US" dirty="0" err="1" smtClean="0"/>
+              <a:t>Hạn</a:t>
+            </a:r>
+            <a:r>
+              <a:rPr lang="en-US" dirty="0" smtClean="0"/>
+              <a:t> </a:t>
+            </a:r>
+            <a:r>
+              <a:rPr lang="en-US" dirty="0" err="1" smtClean="0"/>
+              <a:t>chế</a:t>
             </a:r>
             <a:endParaRPr lang="en-US" dirty="0" smtClean="0"/>
           </a:p>
@@ -23477,7 +22671,7 @@
           <a:p>
             <a:fld id="{2D19DBF8-6DDA-4143-B695-78DBC03CEFD0}" type="datetime1">
               <a:rPr lang="en-US" smtClean="0"/>
-              <a:t>15/07/2012</a:t>
+              <a:t>7/16/2012</a:t>
             </a:fld>
             <a:endParaRPr lang="en-US"/>
           </a:p>
@@ -24131,7 +23325,7 @@
           <a:p>
             <a:fld id="{E7E83998-7190-4E0C-85B5-FD0B1D3497B5}" type="datetime1">
               <a:rPr lang="en-US" smtClean="0"/>
-              <a:t>15/07/2012</a:t>
+              <a:t>7/16/2012</a:t>
             </a:fld>
             <a:endParaRPr lang="en-US"/>
           </a:p>
@@ -24240,10 +23434,18 @@
           <a:lstStyle/>
           <a:p>
             <a:r>
-              <a:rPr lang="en-US" smtClean="0"/>
-              <a:t>Hạn chế</a:t>
-            </a:r>
-            <a:endParaRPr lang="en-US"/>
+              <a:rPr lang="en-US" dirty="0" err="1" smtClean="0"/>
+              <a:t>Hạn</a:t>
+            </a:r>
+            <a:r>
+              <a:rPr lang="en-US" dirty="0" smtClean="0"/>
+              <a:t> </a:t>
+            </a:r>
+            <a:r>
+              <a:rPr lang="en-US" dirty="0" err="1" smtClean="0"/>
+              <a:t>chế</a:t>
+            </a:r>
+            <a:endParaRPr lang="en-US" dirty="0"/>
           </a:p>
         </p:txBody>
       </p:sp>
@@ -24263,19 +23465,137 @@
           <a:lstStyle/>
           <a:p>
             <a:r>
-              <a:rPr lang="en-US" smtClean="0"/>
-              <a:t>Chức năng chưa đầy đủ cho hỗ trợ giáo viên quản lý quá trình thực hiện đồ án của sinh viên (chấm điểm, báo cáo, thống kê).</a:t>
-            </a:r>
-          </a:p>
-          <a:p>
-            <a:r>
-              <a:rPr lang="en-US" smtClean="0"/>
-              <a:t>Chưa tích hợp được các công tương tác khác : Yahoo, Skype, mạng xã hội.</a:t>
-            </a:r>
-          </a:p>
-          <a:p>
-            <a:pPr lvl="1"/>
-            <a:endParaRPr lang="en-US"/>
+              <a:rPr lang="en-US" dirty="0" err="1" smtClean="0"/>
+              <a:t>Chưa</a:t>
+            </a:r>
+            <a:r>
+              <a:rPr lang="en-US" dirty="0" smtClean="0"/>
+              <a:t> </a:t>
+            </a:r>
+            <a:r>
+              <a:rPr lang="en-US" dirty="0" err="1" smtClean="0"/>
+              <a:t>được</a:t>
+            </a:r>
+            <a:r>
+              <a:rPr lang="en-US" dirty="0" smtClean="0"/>
+              <a:t> </a:t>
+            </a:r>
+            <a:r>
+              <a:rPr lang="en-US" dirty="0" err="1" smtClean="0"/>
+              <a:t>kiểm</a:t>
+            </a:r>
+            <a:r>
+              <a:rPr lang="en-US" dirty="0" smtClean="0"/>
+              <a:t> </a:t>
+            </a:r>
+            <a:r>
+              <a:rPr lang="en-US" dirty="0" err="1" smtClean="0"/>
+              <a:t>thử</a:t>
+            </a:r>
+            <a:r>
+              <a:rPr lang="en-US" dirty="0" smtClean="0"/>
+              <a:t> </a:t>
+            </a:r>
+            <a:r>
+              <a:rPr lang="en-US" dirty="0" err="1" smtClean="0"/>
+              <a:t>một</a:t>
+            </a:r>
+            <a:r>
+              <a:rPr lang="en-US" dirty="0" smtClean="0"/>
+              <a:t> </a:t>
+            </a:r>
+            <a:r>
+              <a:rPr lang="en-US" dirty="0" err="1" smtClean="0"/>
+              <a:t>cách</a:t>
+            </a:r>
+            <a:r>
+              <a:rPr lang="en-US" dirty="0" smtClean="0"/>
+              <a:t> </a:t>
+            </a:r>
+            <a:r>
+              <a:rPr lang="en-US" dirty="0" err="1" smtClean="0"/>
+              <a:t>chuyên</a:t>
+            </a:r>
+            <a:r>
+              <a:rPr lang="en-US" dirty="0" smtClean="0"/>
+              <a:t> </a:t>
+            </a:r>
+            <a:r>
+              <a:rPr lang="en-US" dirty="0" err="1" smtClean="0"/>
+              <a:t>nghiệp</a:t>
+            </a:r>
+            <a:endParaRPr lang="en-US" dirty="0" smtClean="0"/>
+          </a:p>
+          <a:p>
+            <a:r>
+              <a:rPr lang="en-US" dirty="0" err="1" smtClean="0"/>
+              <a:t>Chỉ</a:t>
+            </a:r>
+            <a:r>
+              <a:rPr lang="en-US" dirty="0" smtClean="0"/>
+              <a:t> </a:t>
+            </a:r>
+            <a:r>
+              <a:rPr lang="en-US" dirty="0" err="1" smtClean="0"/>
+              <a:t>cài</a:t>
+            </a:r>
+            <a:r>
+              <a:rPr lang="en-US" dirty="0" smtClean="0"/>
+              <a:t> </a:t>
+            </a:r>
+            <a:r>
+              <a:rPr lang="en-US" dirty="0" err="1" smtClean="0"/>
+              <a:t>đặt</a:t>
+            </a:r>
+            <a:r>
+              <a:rPr lang="en-US" dirty="0" smtClean="0"/>
+              <a:t> </a:t>
+            </a:r>
+            <a:r>
+              <a:rPr lang="en-US" dirty="0" err="1" smtClean="0"/>
+              <a:t>các</a:t>
+            </a:r>
+            <a:r>
+              <a:rPr lang="en-US" dirty="0" smtClean="0"/>
+              <a:t> </a:t>
+            </a:r>
+            <a:r>
+              <a:rPr lang="en-US" dirty="0" err="1" smtClean="0"/>
+              <a:t>chức</a:t>
+            </a:r>
+            <a:r>
+              <a:rPr lang="en-US" dirty="0" smtClean="0"/>
+              <a:t> </a:t>
+            </a:r>
+            <a:r>
+              <a:rPr lang="en-US" dirty="0" err="1" smtClean="0"/>
+              <a:t>năng</a:t>
+            </a:r>
+            <a:r>
+              <a:rPr lang="en-US" dirty="0" smtClean="0"/>
+              <a:t> </a:t>
+            </a:r>
+            <a:r>
+              <a:rPr lang="en-US" dirty="0" err="1" smtClean="0"/>
+              <a:t>cần</a:t>
+            </a:r>
+            <a:r>
+              <a:rPr lang="en-US" dirty="0" smtClean="0"/>
+              <a:t> </a:t>
+            </a:r>
+            <a:r>
+              <a:rPr lang="en-US" dirty="0" err="1" smtClean="0"/>
+              <a:t>thiết</a:t>
+            </a:r>
+            <a:r>
+              <a:rPr lang="en-US" dirty="0" smtClean="0"/>
+              <a:t> </a:t>
+            </a:r>
+            <a:r>
+              <a:rPr lang="en-US" dirty="0" err="1" smtClean="0"/>
+              <a:t>nhất</a:t>
+            </a:r>
+            <a:endParaRPr lang="en-US" dirty="0" smtClean="0"/>
           </a:p>
         </p:txBody>
       </p:sp>
@@ -24297,7 +23617,7 @@
             <a:fld id="{FCC16894-5FBA-4AA1-B4C4-F198F8BAB8EE}" type="datetime1">
               <a:rPr lang="en-US" smtClean="0"/>
               <a:pPr/>
-              <a:t>15/07/2012</a:t>
+              <a:t>7/16/2012</a:t>
             </a:fld>
             <a:endParaRPr lang="en-US" dirty="0"/>
           </a:p>
@@ -24348,7 +23668,7 @@
     </p:spTree>
     <p:extLst>
       <p:ext uri="{BB962C8B-B14F-4D97-AF65-F5344CB8AC3E}">
-        <p14:creationId xmlns:p14="http://schemas.microsoft.com/office/powerpoint/2010/main" val="1237641435"/>
+        <p14:creationId xmlns:p14="http://schemas.microsoft.com/office/powerpoint/2010/main" val="1659140546"/>
       </p:ext>
     </p:extLst>
   </p:cSld>
@@ -24567,22 +23887,31 @@
               <a:t> </a:t>
             </a:r>
             <a:r>
-              <a:rPr lang="en-US" err="1" smtClean="0"/>
+              <a:rPr lang="en-US" dirty="0" err="1" smtClean="0"/>
               <a:t>tương</a:t>
             </a:r>
             <a:r>
-              <a:rPr lang="en-US" smtClean="0"/>
-              <a:t> </a:t>
-            </a:r>
-            <a:r>
-              <a:rPr lang="en-US" smtClean="0"/>
+              <a:rPr lang="en-US" dirty="0" smtClean="0"/>
+              <a:t> </a:t>
+            </a:r>
+            <a:r>
+              <a:rPr lang="en-US" dirty="0" err="1" smtClean="0"/>
               <a:t>tác</a:t>
             </a:r>
-          </a:p>
-          <a:p>
-            <a:r>
-              <a:rPr lang="en-US" smtClean="0"/>
-              <a:t>Hạn chế</a:t>
+            <a:endParaRPr lang="en-US" dirty="0" smtClean="0"/>
+          </a:p>
+          <a:p>
+            <a:r>
+              <a:rPr lang="en-US" dirty="0" err="1" smtClean="0"/>
+              <a:t>Hạn</a:t>
+            </a:r>
+            <a:r>
+              <a:rPr lang="en-US" dirty="0" smtClean="0"/>
+              <a:t> </a:t>
+            </a:r>
+            <a:r>
+              <a:rPr lang="en-US" dirty="0" err="1" smtClean="0"/>
+              <a:t>chế</a:t>
             </a:r>
             <a:endParaRPr lang="en-US" dirty="0" smtClean="0"/>
           </a:p>
@@ -24668,7 +23997,7 @@
           <a:p>
             <a:fld id="{2D19DBF8-6DDA-4143-B695-78DBC03CEFD0}" type="datetime1">
               <a:rPr lang="en-US" smtClean="0"/>
-              <a:t>15/07/2012</a:t>
+              <a:t>7/16/2012</a:t>
             </a:fld>
             <a:endParaRPr lang="en-US"/>
           </a:p>
@@ -24783,7 +24112,7 @@
     </p:spTree>
     <p:extLst>
       <p:ext uri="{BB962C8B-B14F-4D97-AF65-F5344CB8AC3E}">
-        <p14:creationId xmlns:p14="http://schemas.microsoft.com/office/powerpoint/2010/main" val="2766705070"/>
+        <p14:creationId xmlns:p14="http://schemas.microsoft.com/office/powerpoint/2010/main" val="3706474359"/>
       </p:ext>
     </p:extLst>
   </p:cSld>
@@ -24966,16 +24295,16 @@
               <a:t> </a:t>
             </a:r>
             <a:r>
-              <a:rPr lang="en-US" err="1" smtClean="0"/>
+              <a:rPr lang="en-US" dirty="0" err="1" smtClean="0"/>
               <a:t>Phát</a:t>
             </a:r>
             <a:r>
-              <a:rPr lang="en-US" smtClean="0"/>
-              <a:t> </a:t>
-            </a:r>
-            <a:r>
-              <a:rPr lang="en-US" smtClean="0"/>
-              <a:t>Triển (1/2)</a:t>
+              <a:rPr lang="en-US" dirty="0" smtClean="0"/>
+              <a:t> </a:t>
+            </a:r>
+            <a:r>
+              <a:rPr lang="en-US" dirty="0" err="1" smtClean="0"/>
+              <a:t>Triển</a:t>
             </a:r>
             <a:endParaRPr lang="en-US" dirty="0"/>
           </a:p>
@@ -25047,7 +24376,7 @@
             <a:fld id="{FCC16894-5FBA-4AA1-B4C4-F198F8BAB8EE}" type="datetime1">
               <a:rPr lang="en-US" smtClean="0"/>
               <a:pPr/>
-              <a:t>15/07/2012</a:t>
+              <a:t>7/16/2012</a:t>
             </a:fld>
             <a:endParaRPr lang="en-US" dirty="0"/>
           </a:p>
@@ -25454,23 +24783,23 @@
               <a:t> </a:t>
             </a:r>
             <a:r>
-              <a:rPr lang="en-US" err="1" smtClean="0"/>
+              <a:rPr lang="en-US" dirty="0" err="1" smtClean="0"/>
               <a:t>Triển</a:t>
             </a:r>
             <a:r>
-              <a:rPr lang="en-US"/>
-              <a:t> </a:t>
-            </a:r>
-            <a:r>
-              <a:rPr lang="en-US" smtClean="0"/>
+              <a:rPr lang="en-US" dirty="0"/>
+              <a:t> </a:t>
+            </a:r>
+            <a:r>
+              <a:rPr lang="en-US" dirty="0" smtClean="0"/>
               <a:t>(</a:t>
             </a:r>
             <a:r>
-              <a:rPr lang="en-US" smtClean="0"/>
-              <a:t>2/2</a:t>
-            </a:r>
-            <a:r>
-              <a:rPr lang="en-US" smtClean="0"/>
+              <a:rPr lang="en-US" dirty="0" err="1" smtClean="0"/>
+              <a:t>tt</a:t>
+            </a:r>
+            <a:r>
+              <a:rPr lang="en-US" dirty="0" smtClean="0"/>
               <a:t>)</a:t>
             </a:r>
             <a:endParaRPr lang="en-US" dirty="0"/>
@@ -25520,7 +24849,7 @@
             <a:fld id="{FCC16894-5FBA-4AA1-B4C4-F198F8BAB8EE}" type="datetime1">
               <a:rPr lang="en-US" smtClean="0"/>
               <a:pPr/>
-              <a:t>15/07/2012</a:t>
+              <a:t>7/16/2012</a:t>
             </a:fld>
             <a:endParaRPr lang="en-US" dirty="0"/>
           </a:p>
@@ -25589,9 +24918,90 @@
   <p:timing>
     <p:tnLst>
       <p:par>
-        <p:cTn id="1" dur="indefinite" restart="never" nodeType="tmRoot"/>
+        <p:cTn id="1" dur="indefinite" restart="never" nodeType="tmRoot">
+          <p:childTnLst>
+            <p:seq concurrent="1" nextAc="seek">
+              <p:cTn id="2" dur="indefinite" nodeType="mainSeq">
+                <p:childTnLst>
+                  <p:par>
+                    <p:cTn id="3" fill="hold">
+                      <p:stCondLst>
+                        <p:cond delay="indefinite"/>
+                      </p:stCondLst>
+                      <p:childTnLst>
+                        <p:par>
+                          <p:cTn id="4" fill="hold">
+                            <p:stCondLst>
+                              <p:cond delay="0"/>
+                            </p:stCondLst>
+                            <p:childTnLst>
+                              <p:par>
+                                <p:cTn id="5" presetID="21" presetClass="entr" presetSubtype="1" fill="hold" grpId="0" nodeType="clickEffect">
+                                  <p:stCondLst>
+                                    <p:cond delay="0"/>
+                                  </p:stCondLst>
+                                  <p:childTnLst>
+                                    <p:set>
+                                      <p:cBhvr>
+                                        <p:cTn id="6" dur="1" fill="hold">
+                                          <p:stCondLst>
+                                            <p:cond delay="0"/>
+                                          </p:stCondLst>
+                                        </p:cTn>
+                                        <p:tgtEl>
+                                          <p:spTgt spid="7"/>
+                                        </p:tgtEl>
+                                        <p:attrNameLst>
+                                          <p:attrName>style.visibility</p:attrName>
+                                        </p:attrNameLst>
+                                      </p:cBhvr>
+                                      <p:to>
+                                        <p:strVal val="visible"/>
+                                      </p:to>
+                                    </p:set>
+                                    <p:animEffect transition="in" filter="wheel(1)">
+                                      <p:cBhvr>
+                                        <p:cTn id="7" dur="2000"/>
+                                        <p:tgtEl>
+                                          <p:spTgt spid="7"/>
+                                        </p:tgtEl>
+                                      </p:cBhvr>
+                                    </p:animEffect>
+                                  </p:childTnLst>
+                                </p:cTn>
+                              </p:par>
+                            </p:childTnLst>
+                          </p:cTn>
+                        </p:par>
+                      </p:childTnLst>
+                    </p:cTn>
+                  </p:par>
+                </p:childTnLst>
+              </p:cTn>
+              <p:prevCondLst>
+                <p:cond evt="onPrev" delay="0">
+                  <p:tgtEl>
+                    <p:sldTgt/>
+                  </p:tgtEl>
+                </p:cond>
+              </p:prevCondLst>
+              <p:nextCondLst>
+                <p:cond evt="onNext" delay="0">
+                  <p:tgtEl>
+                    <p:sldTgt/>
+                  </p:tgtEl>
+                </p:cond>
+              </p:nextCondLst>
+            </p:seq>
+          </p:childTnLst>
+        </p:cTn>
       </p:par>
     </p:tnLst>
+    <p:bldLst>
+      <p:bldGraphic spid="7" grpId="0">
+        <p:bldAsOne/>
+      </p:bldGraphic>
+    </p:bldLst>
   </p:timing>
 </p:sld>
 </file>
@@ -26144,7 +25554,7 @@
             <a:fld id="{FCC16894-5FBA-4AA1-B4C4-F198F8BAB8EE}" type="datetime1">
               <a:rPr lang="en-US" smtClean="0"/>
               <a:pPr/>
-              <a:t>15/07/2012</a:t>
+              <a:t>7/16/2012</a:t>
             </a:fld>
             <a:endParaRPr lang="en-US" dirty="0"/>
           </a:p>
@@ -26347,7 +25757,7 @@
           <a:p>
             <a:fld id="{B0F20B8D-B308-47B3-826B-5DB335E2CD66}" type="datetime1">
               <a:rPr lang="en-US" smtClean="0"/>
-              <a:t>15/07/2012</a:t>
+              <a:t>7/16/2012</a:t>
             </a:fld>
             <a:endParaRPr lang="en-US"/>
           </a:p>
@@ -26442,6 +25852,313 @@
       </p:grpSpPr>
       <p:sp>
         <p:nvSpPr>
+          <p:cNvPr id="2" name="Title 1"/>
+          <p:cNvSpPr>
+            <a:spLocks noGrp="1"/>
+          </p:cNvSpPr>
+          <p:nvPr>
+            <p:ph type="title"/>
+          </p:nvPr>
+        </p:nvSpPr>
+        <p:spPr/>
+        <p:txBody>
+          <a:bodyPr/>
+          <a:lstStyle/>
+          <a:p>
+            <a:r>
+              <a:rPr lang="en-US" dirty="0" err="1" smtClean="0"/>
+              <a:t>Tham</a:t>
+            </a:r>
+            <a:r>
+              <a:rPr lang="en-US" dirty="0" smtClean="0"/>
+              <a:t> </a:t>
+            </a:r>
+            <a:r>
+              <a:rPr lang="en-US" dirty="0" err="1" smtClean="0"/>
+              <a:t>khảo</a:t>
+            </a:r>
+            <a:endParaRPr lang="en-US" dirty="0"/>
+          </a:p>
+        </p:txBody>
+      </p:sp>
+      <p:sp>
+        <p:nvSpPr>
+          <p:cNvPr id="3" name="Content Placeholder 2"/>
+          <p:cNvSpPr>
+            <a:spLocks noGrp="1"/>
+          </p:cNvSpPr>
+          <p:nvPr>
+            <p:ph sz="quarter" idx="1"/>
+          </p:nvPr>
+        </p:nvSpPr>
+        <p:spPr/>
+        <p:txBody>
+          <a:bodyPr>
+            <a:normAutofit fontScale="92500" lnSpcReduction="20000"/>
+          </a:bodyPr>
+          <a:lstStyle/>
+          <a:p>
+            <a:pPr lvl="0"/>
+            <a:r>
+              <a:rPr lang="en-US" b="1" dirty="0"/>
+              <a:t> </a:t>
+            </a:r>
+            <a:r>
+              <a:rPr lang="en-US" dirty="0"/>
+              <a:t>Grady </a:t>
+            </a:r>
+            <a:r>
+              <a:rPr lang="en-US" dirty="0" err="1"/>
+              <a:t>Booch</a:t>
+            </a:r>
+            <a:r>
+              <a:rPr lang="en-US" dirty="0"/>
+              <a:t> and Alan W. Brown, </a:t>
+            </a:r>
+            <a:r>
+              <a:rPr lang="en-US" i="1" dirty="0"/>
+              <a:t>Collaborative Development Environments</a:t>
+            </a:r>
+            <a:endParaRPr lang="en-US" dirty="0"/>
+          </a:p>
+          <a:p>
+            <a:pPr lvl="0"/>
+            <a:r>
+              <a:rPr lang="en-US" dirty="0"/>
+              <a:t> Jim Whitehead, </a:t>
+            </a:r>
+            <a:r>
+              <a:rPr lang="en-US" i="1" dirty="0"/>
+              <a:t>Collaboration in Software Engineering: a Roadmap</a:t>
+            </a:r>
+            <a:r>
+              <a:rPr lang="en-US" dirty="0"/>
+              <a:t> </a:t>
+            </a:r>
+          </a:p>
+          <a:p>
+            <a:pPr lvl="0"/>
+            <a:r>
+              <a:rPr lang="en-US" dirty="0"/>
+              <a:t> Martin Fowler, David Rice, Matthew </a:t>
+            </a:r>
+            <a:r>
+              <a:rPr lang="en-US" dirty="0" err="1"/>
+              <a:t>Foemmel</a:t>
+            </a:r>
+            <a:r>
+              <a:rPr lang="en-US" dirty="0"/>
+              <a:t>, Edward </a:t>
+            </a:r>
+            <a:r>
+              <a:rPr lang="en-US" dirty="0" err="1"/>
+              <a:t>Hieatt</a:t>
+            </a:r>
+            <a:r>
+              <a:rPr lang="en-US" dirty="0"/>
+              <a:t>, Robert </a:t>
+            </a:r>
+            <a:r>
+              <a:rPr lang="en-US" dirty="0" err="1"/>
+              <a:t>Mee,Randy</a:t>
+            </a:r>
+            <a:r>
+              <a:rPr lang="en-US" dirty="0"/>
+              <a:t> Stafford</a:t>
+            </a:r>
+            <a:r>
+              <a:rPr lang="en-US" i="1" dirty="0"/>
+              <a:t>, Patterns of Enterprise Application Architecture, </a:t>
+            </a:r>
+            <a:r>
+              <a:rPr lang="en-US" dirty="0"/>
+              <a:t>Addison Wesley, 2002</a:t>
+            </a:r>
+          </a:p>
+          <a:p>
+            <a:pPr lvl="0"/>
+            <a:r>
+              <a:rPr lang="en-US" u="sng" dirty="0">
+                <a:hlinkClick r:id="rId2"/>
+              </a:rPr>
+              <a:t>http://www.drdobbs.com/architecture-and-design/196900222</a:t>
+            </a:r>
+            <a:endParaRPr lang="en-US" dirty="0"/>
+          </a:p>
+          <a:p>
+            <a:r>
+              <a:rPr lang="en-US" dirty="0" err="1" smtClean="0"/>
+              <a:t>Redmine</a:t>
+            </a:r>
+            <a:r>
+              <a:rPr lang="en-US" dirty="0" smtClean="0"/>
+              <a:t>, </a:t>
+            </a:r>
+            <a:r>
+              <a:rPr lang="en-US" dirty="0">
+                <a:hlinkClick r:id="rId3"/>
+              </a:rPr>
+              <a:t>http://www.redmine.org</a:t>
+            </a:r>
+            <a:r>
+              <a:rPr lang="en-US" dirty="0" smtClean="0">
+                <a:hlinkClick r:id="rId3"/>
+              </a:rPr>
+              <a:t>/</a:t>
+            </a:r>
+            <a:endParaRPr lang="en-US" dirty="0" smtClean="0"/>
+          </a:p>
+          <a:p>
+            <a:r>
+              <a:rPr lang="en-US" dirty="0" smtClean="0"/>
+              <a:t>Team foundation server, </a:t>
+            </a:r>
+            <a:r>
+              <a:rPr lang="en-US" dirty="0">
+                <a:hlinkClick r:id="rId4"/>
+              </a:rPr>
+              <a:t>http://</a:t>
+            </a:r>
+            <a:r>
+              <a:rPr lang="en-US" dirty="0" smtClean="0">
+                <a:hlinkClick r:id="rId4"/>
+              </a:rPr>
+              <a:t>www.microsoft.com/visualstudio/en-us/products/2010-editions/team-foundation-server/overview</a:t>
+            </a:r>
+            <a:endParaRPr lang="en-US" dirty="0" smtClean="0"/>
+          </a:p>
+          <a:p>
+            <a:r>
+              <a:rPr lang="en-US" dirty="0" err="1" smtClean="0"/>
+              <a:t>Assembla</a:t>
+            </a:r>
+            <a:r>
+              <a:rPr lang="en-US" dirty="0" smtClean="0"/>
+              <a:t>, </a:t>
+            </a:r>
+            <a:r>
+              <a:rPr lang="en-US" dirty="0">
+                <a:hlinkClick r:id="rId5"/>
+              </a:rPr>
+              <a:t>http://www.assembla.com/</a:t>
+            </a:r>
+            <a:endParaRPr lang="en-US" dirty="0"/>
+          </a:p>
+        </p:txBody>
+      </p:sp>
+      <p:sp>
+        <p:nvSpPr>
+          <p:cNvPr id="4" name="Date Placeholder 3"/>
+          <p:cNvSpPr>
+            <a:spLocks noGrp="1"/>
+          </p:cNvSpPr>
+          <p:nvPr>
+            <p:ph type="dt" sz="half" idx="10"/>
+          </p:nvPr>
+        </p:nvSpPr>
+        <p:spPr/>
+        <p:txBody>
+          <a:bodyPr/>
+          <a:lstStyle/>
+          <a:p>
+            <a:fld id="{FCC16894-5FBA-4AA1-B4C4-F198F8BAB8EE}" type="datetime1">
+              <a:rPr lang="en-US" smtClean="0"/>
+              <a:pPr/>
+              <a:t>7/16/2012</a:t>
+            </a:fld>
+            <a:endParaRPr lang="en-US" dirty="0"/>
+          </a:p>
+        </p:txBody>
+      </p:sp>
+      <p:sp>
+        <p:nvSpPr>
+          <p:cNvPr id="5" name="Footer Placeholder 4"/>
+          <p:cNvSpPr>
+            <a:spLocks noGrp="1"/>
+          </p:cNvSpPr>
+          <p:nvPr>
+            <p:ph type="ftr" sz="quarter" idx="11"/>
+          </p:nvPr>
+        </p:nvSpPr>
+        <p:spPr/>
+        <p:txBody>
+          <a:bodyPr/>
+          <a:lstStyle/>
+          <a:p>
+            <a:endParaRPr lang="en-US" dirty="0"/>
+          </a:p>
+        </p:txBody>
+      </p:sp>
+      <p:sp>
+        <p:nvSpPr>
+          <p:cNvPr id="6" name="Slide Number Placeholder 5"/>
+          <p:cNvSpPr>
+            <a:spLocks noGrp="1"/>
+          </p:cNvSpPr>
+          <p:nvPr>
+            <p:ph type="sldNum" sz="quarter" idx="12"/>
+          </p:nvPr>
+        </p:nvSpPr>
+        <p:spPr/>
+        <p:txBody>
+          <a:bodyPr/>
+          <a:lstStyle/>
+          <a:p>
+            <a:fld id="{CEA6F92A-56EE-4F66-8461-BEA44C34BAE8}" type="slidenum">
+              <a:rPr lang="en-US" smtClean="0"/>
+              <a:t>46</a:t>
+            </a:fld>
+            <a:endParaRPr lang="en-US"/>
+          </a:p>
+        </p:txBody>
+      </p:sp>
+    </p:spTree>
+    <p:extLst>
+      <p:ext uri="{BB962C8B-B14F-4D97-AF65-F5344CB8AC3E}">
+        <p14:creationId xmlns:p14="http://schemas.microsoft.com/office/powerpoint/2010/main" val="4291333225"/>
+      </p:ext>
+    </p:extLst>
+  </p:cSld>
+  <p:clrMapOvr>
+    <a:masterClrMapping/>
+  </p:clrMapOvr>
+  <mc:AlternateContent xmlns:mc="http://schemas.openxmlformats.org/markup-compatibility/2006" xmlns:p14="http://schemas.microsoft.com/office/powerpoint/2010/main">
+    <mc:Choice Requires="p14">
+      <p:transition p14:dur="0"/>
+    </mc:Choice>
+    <mc:Fallback xmlns="">
+      <p:transition/>
+    </mc:Fallback>
+  </mc:AlternateContent>
+  <p:timing>
+    <p:tnLst>
+      <p:par>
+        <p:cTn id="1" dur="indefinite" restart="never" nodeType="tmRoot"/>
+      </p:par>
+    </p:tnLst>
+  </p:timing>
+</p:sld>
+</file>
+
+<file path=ppt/slides/slide47.xml><?xml version="1.0" encoding="utf-8"?>
+<p:sld xmlns:a="http://schemas.openxmlformats.org/drawingml/2006/main" xmlns:r="http://schemas.openxmlformats.org/officeDocument/2006/relationships" xmlns:p="http://schemas.openxmlformats.org/presentationml/2006/main">
+  <p:cSld>
+    <p:spTree>
+      <p:nvGrpSpPr>
+        <p:cNvPr id="1" name=""/>
+        <p:cNvGrpSpPr/>
+        <p:nvPr/>
+      </p:nvGrpSpPr>
+      <p:grpSpPr>
+        <a:xfrm>
+          <a:off x="0" y="0"/>
+          <a:ext cx="0" cy="0"/>
+          <a:chOff x="0" y="0"/>
+          <a:chExt cx="0" cy="0"/>
+        </a:xfrm>
+      </p:grpSpPr>
+      <p:sp>
+        <p:nvSpPr>
           <p:cNvPr id="4" name="Slide Number Placeholder 3"/>
           <p:cNvSpPr>
             <a:spLocks noGrp="1"/>
@@ -26465,7 +26182,7 @@
             <a:fld id="{65B613A6-ECE8-4332-8450-A606DEF9DB12}" type="slidenum">
               <a:rPr lang="en-US" smtClean="0"/>
               <a:pPr/>
-              <a:t>46</a:t>
+              <a:t>47</a:t>
             </a:fld>
             <a:endParaRPr lang="en-US"/>
           </a:p>
@@ -26529,7 +26246,7 @@
           <a:p>
             <a:fld id="{7EDA7857-C0B0-4F13-91ED-D248D670D955}" type="datetime1">
               <a:rPr lang="en-US" smtClean="0"/>
-              <a:t>15/07/2012</a:t>
+              <a:t>7/16/2012</a:t>
             </a:fld>
             <a:endParaRPr lang="en-US"/>
           </a:p>
@@ -26911,7 +26628,7 @@
           <a:p>
             <a:fld id="{82EB374C-D5C4-486A-9647-B6A264313D62}" type="datetime1">
               <a:rPr lang="en-US" smtClean="0"/>
-              <a:t>15/07/2012</a:t>
+              <a:t>7/16/2012</a:t>
             </a:fld>
             <a:endParaRPr lang="en-US"/>
           </a:p>
@@ -27173,22 +26890,31 @@
               <a:t> </a:t>
             </a:r>
             <a:r>
-              <a:rPr lang="en-US" err="1" smtClean="0"/>
+              <a:rPr lang="en-US" dirty="0" err="1" smtClean="0"/>
               <a:t>tương</a:t>
             </a:r>
             <a:r>
-              <a:rPr lang="en-US" smtClean="0"/>
-              <a:t> </a:t>
-            </a:r>
-            <a:r>
-              <a:rPr lang="en-US" smtClean="0"/>
+              <a:rPr lang="en-US" dirty="0" smtClean="0"/>
+              <a:t> </a:t>
+            </a:r>
+            <a:r>
+              <a:rPr lang="en-US" dirty="0" err="1" smtClean="0"/>
               <a:t>tác</a:t>
             </a:r>
-          </a:p>
-          <a:p>
-            <a:r>
-              <a:rPr lang="en-US" smtClean="0"/>
-              <a:t>Hạn chế</a:t>
+            <a:endParaRPr lang="en-US" dirty="0" smtClean="0"/>
+          </a:p>
+          <a:p>
+            <a:r>
+              <a:rPr lang="en-US" dirty="0" err="1" smtClean="0"/>
+              <a:t>Hạn</a:t>
+            </a:r>
+            <a:r>
+              <a:rPr lang="en-US" dirty="0" smtClean="0"/>
+              <a:t> </a:t>
+            </a:r>
+            <a:r>
+              <a:rPr lang="en-US" dirty="0" err="1" smtClean="0"/>
+              <a:t>chế</a:t>
             </a:r>
             <a:endParaRPr lang="en-US" dirty="0" smtClean="0"/>
           </a:p>
@@ -27274,7 +27000,7 @@
           <a:p>
             <a:fld id="{E32CF3E1-D7B2-4318-9892-AABBFDC61E77}" type="datetime1">
               <a:rPr lang="en-US" smtClean="0"/>
-              <a:t>15/07/2012</a:t>
+              <a:t>7/16/2012</a:t>
             </a:fld>
             <a:endParaRPr lang="en-US"/>
           </a:p>
@@ -27925,7 +27651,7 @@
           <a:p>
             <a:fld id="{7FB06CC0-024A-4CD4-93F4-77826598BD17}" type="datetime1">
               <a:rPr lang="en-US" smtClean="0"/>
-              <a:t>15/07/2012</a:t>
+              <a:t>7/16/2012</a:t>
             </a:fld>
             <a:endParaRPr lang="en-US"/>
           </a:p>
@@ -28231,7 +27957,7 @@
           <a:p>
             <a:fld id="{89DB3C26-A2A2-441A-979D-3B33FB4C1F60}" type="datetime1">
               <a:rPr lang="en-US" smtClean="0"/>
-              <a:t>15/07/2012</a:t>
+              <a:t>7/16/2012</a:t>
             </a:fld>
             <a:endParaRPr lang="en-US"/>
           </a:p>
@@ -28688,7 +28414,7 @@
           <a:p>
             <a:fld id="{E34ABE66-0DFD-468B-9214-9D1330676C1E}" type="datetime1">
               <a:rPr lang="en-US" smtClean="0"/>
-              <a:t>15/07/2012</a:t>
+              <a:t>7/16/2012</a:t>
             </a:fld>
             <a:endParaRPr lang="en-US"/>
           </a:p>

--- a/Report/ppt/Presentation.pptx
+++ b/Report/ppt/Presentation.pptx
@@ -2560,6 +2560,845 @@
       <dsp:cNvGrpSpPr/>
     </dsp:nvGrpSpPr>
     <dsp:grpSpPr/>
+    <dsp:sp modelId="{CCF9B802-8B75-4FDD-AF07-A4FC46890E87}">
+      <dsp:nvSpPr>
+        <dsp:cNvPr id="0" name=""/>
+        <dsp:cNvSpPr/>
+      </dsp:nvSpPr>
+      <dsp:spPr>
+        <a:xfrm>
+          <a:off x="1758302" y="454964"/>
+          <a:ext cx="3112795" cy="3112795"/>
+        </a:xfrm>
+        <a:prstGeom prst="blockArc">
+          <a:avLst>
+            <a:gd name="adj1" fmla="val 12600000"/>
+            <a:gd name="adj2" fmla="val 16200000"/>
+            <a:gd name="adj3" fmla="val 4518"/>
+          </a:avLst>
+        </a:prstGeom>
+        <a:solidFill>
+          <a:schemeClr val="accent1">
+            <a:tint val="60000"/>
+            <a:hueOff val="0"/>
+            <a:satOff val="0"/>
+            <a:lumOff val="0"/>
+            <a:alphaOff val="0"/>
+          </a:schemeClr>
+        </a:solidFill>
+        <a:ln>
+          <a:noFill/>
+        </a:ln>
+        <a:effectLst/>
+      </dsp:spPr>
+      <dsp:style>
+        <a:lnRef idx="0">
+          <a:scrgbClr r="0" g="0" b="0"/>
+        </a:lnRef>
+        <a:fillRef idx="1">
+          <a:scrgbClr r="0" g="0" b="0"/>
+        </a:fillRef>
+        <a:effectRef idx="0">
+          <a:scrgbClr r="0" g="0" b="0"/>
+        </a:effectRef>
+        <a:fontRef idx="minor">
+          <a:schemeClr val="lt1"/>
+        </a:fontRef>
+      </dsp:style>
+    </dsp:sp>
+    <dsp:sp modelId="{15782D7C-BC28-4EF1-B069-7067348A098F}">
+      <dsp:nvSpPr>
+        <dsp:cNvPr id="0" name=""/>
+        <dsp:cNvSpPr/>
+      </dsp:nvSpPr>
+      <dsp:spPr>
+        <a:xfrm>
+          <a:off x="1758302" y="454964"/>
+          <a:ext cx="3112795" cy="3112795"/>
+        </a:xfrm>
+        <a:prstGeom prst="blockArc">
+          <a:avLst>
+            <a:gd name="adj1" fmla="val 9000000"/>
+            <a:gd name="adj2" fmla="val 12600000"/>
+            <a:gd name="adj3" fmla="val 4518"/>
+          </a:avLst>
+        </a:prstGeom>
+        <a:solidFill>
+          <a:schemeClr val="accent1">
+            <a:tint val="60000"/>
+            <a:hueOff val="0"/>
+            <a:satOff val="0"/>
+            <a:lumOff val="0"/>
+            <a:alphaOff val="0"/>
+          </a:schemeClr>
+        </a:solidFill>
+        <a:ln>
+          <a:noFill/>
+        </a:ln>
+        <a:effectLst/>
+      </dsp:spPr>
+      <dsp:style>
+        <a:lnRef idx="0">
+          <a:scrgbClr r="0" g="0" b="0"/>
+        </a:lnRef>
+        <a:fillRef idx="1">
+          <a:scrgbClr r="0" g="0" b="0"/>
+        </a:fillRef>
+        <a:effectRef idx="0">
+          <a:scrgbClr r="0" g="0" b="0"/>
+        </a:effectRef>
+        <a:fontRef idx="minor">
+          <a:schemeClr val="lt1"/>
+        </a:fontRef>
+      </dsp:style>
+    </dsp:sp>
+    <dsp:sp modelId="{926CA29A-5B92-4EF4-B823-1E977539B923}">
+      <dsp:nvSpPr>
+        <dsp:cNvPr id="0" name=""/>
+        <dsp:cNvSpPr/>
+      </dsp:nvSpPr>
+      <dsp:spPr>
+        <a:xfrm>
+          <a:off x="1758302" y="454964"/>
+          <a:ext cx="3112795" cy="3112795"/>
+        </a:xfrm>
+        <a:prstGeom prst="blockArc">
+          <a:avLst>
+            <a:gd name="adj1" fmla="val 5400000"/>
+            <a:gd name="adj2" fmla="val 9000000"/>
+            <a:gd name="adj3" fmla="val 4518"/>
+          </a:avLst>
+        </a:prstGeom>
+        <a:solidFill>
+          <a:schemeClr val="accent1">
+            <a:tint val="60000"/>
+            <a:hueOff val="0"/>
+            <a:satOff val="0"/>
+            <a:lumOff val="0"/>
+            <a:alphaOff val="0"/>
+          </a:schemeClr>
+        </a:solidFill>
+        <a:ln>
+          <a:noFill/>
+        </a:ln>
+        <a:effectLst/>
+      </dsp:spPr>
+      <dsp:style>
+        <a:lnRef idx="0">
+          <a:scrgbClr r="0" g="0" b="0"/>
+        </a:lnRef>
+        <a:fillRef idx="1">
+          <a:scrgbClr r="0" g="0" b="0"/>
+        </a:fillRef>
+        <a:effectRef idx="0">
+          <a:scrgbClr r="0" g="0" b="0"/>
+        </a:effectRef>
+        <a:fontRef idx="minor">
+          <a:schemeClr val="lt1"/>
+        </a:fontRef>
+      </dsp:style>
+    </dsp:sp>
+    <dsp:sp modelId="{E105F98C-E379-4365-B2A2-ECDA9DACDE1A}">
+      <dsp:nvSpPr>
+        <dsp:cNvPr id="0" name=""/>
+        <dsp:cNvSpPr/>
+      </dsp:nvSpPr>
+      <dsp:spPr>
+        <a:xfrm>
+          <a:off x="1758302" y="454964"/>
+          <a:ext cx="3112795" cy="3112795"/>
+        </a:xfrm>
+        <a:prstGeom prst="blockArc">
+          <a:avLst>
+            <a:gd name="adj1" fmla="val 1800000"/>
+            <a:gd name="adj2" fmla="val 5400000"/>
+            <a:gd name="adj3" fmla="val 4518"/>
+          </a:avLst>
+        </a:prstGeom>
+        <a:solidFill>
+          <a:schemeClr val="accent1">
+            <a:tint val="60000"/>
+            <a:hueOff val="0"/>
+            <a:satOff val="0"/>
+            <a:lumOff val="0"/>
+            <a:alphaOff val="0"/>
+          </a:schemeClr>
+        </a:solidFill>
+        <a:ln>
+          <a:noFill/>
+        </a:ln>
+        <a:effectLst/>
+      </dsp:spPr>
+      <dsp:style>
+        <a:lnRef idx="0">
+          <a:scrgbClr r="0" g="0" b="0"/>
+        </a:lnRef>
+        <a:fillRef idx="1">
+          <a:scrgbClr r="0" g="0" b="0"/>
+        </a:fillRef>
+        <a:effectRef idx="0">
+          <a:scrgbClr r="0" g="0" b="0"/>
+        </a:effectRef>
+        <a:fontRef idx="minor">
+          <a:schemeClr val="lt1"/>
+        </a:fontRef>
+      </dsp:style>
+    </dsp:sp>
+    <dsp:sp modelId="{5FE872C7-8652-4745-9691-BCA9705F4993}">
+      <dsp:nvSpPr>
+        <dsp:cNvPr id="0" name=""/>
+        <dsp:cNvSpPr/>
+      </dsp:nvSpPr>
+      <dsp:spPr>
+        <a:xfrm>
+          <a:off x="1758302" y="454964"/>
+          <a:ext cx="3112795" cy="3112795"/>
+        </a:xfrm>
+        <a:prstGeom prst="blockArc">
+          <a:avLst>
+            <a:gd name="adj1" fmla="val 19800000"/>
+            <a:gd name="adj2" fmla="val 1800000"/>
+            <a:gd name="adj3" fmla="val 4518"/>
+          </a:avLst>
+        </a:prstGeom>
+        <a:solidFill>
+          <a:schemeClr val="accent1">
+            <a:tint val="60000"/>
+            <a:hueOff val="0"/>
+            <a:satOff val="0"/>
+            <a:lumOff val="0"/>
+            <a:alphaOff val="0"/>
+          </a:schemeClr>
+        </a:solidFill>
+        <a:ln>
+          <a:noFill/>
+        </a:ln>
+        <a:effectLst/>
+      </dsp:spPr>
+      <dsp:style>
+        <a:lnRef idx="0">
+          <a:scrgbClr r="0" g="0" b="0"/>
+        </a:lnRef>
+        <a:fillRef idx="1">
+          <a:scrgbClr r="0" g="0" b="0"/>
+        </a:fillRef>
+        <a:effectRef idx="0">
+          <a:scrgbClr r="0" g="0" b="0"/>
+        </a:effectRef>
+        <a:fontRef idx="minor">
+          <a:schemeClr val="lt1"/>
+        </a:fontRef>
+      </dsp:style>
+    </dsp:sp>
+    <dsp:sp modelId="{FF403BAD-2958-457A-8239-85CFCAA24A0A}">
+      <dsp:nvSpPr>
+        <dsp:cNvPr id="0" name=""/>
+        <dsp:cNvSpPr/>
+      </dsp:nvSpPr>
+      <dsp:spPr>
+        <a:xfrm>
+          <a:off x="1758302" y="454964"/>
+          <a:ext cx="3112795" cy="3112795"/>
+        </a:xfrm>
+        <a:prstGeom prst="blockArc">
+          <a:avLst>
+            <a:gd name="adj1" fmla="val 16200000"/>
+            <a:gd name="adj2" fmla="val 19800000"/>
+            <a:gd name="adj3" fmla="val 4518"/>
+          </a:avLst>
+        </a:prstGeom>
+        <a:solidFill>
+          <a:schemeClr val="accent1">
+            <a:tint val="60000"/>
+            <a:hueOff val="0"/>
+            <a:satOff val="0"/>
+            <a:lumOff val="0"/>
+            <a:alphaOff val="0"/>
+          </a:schemeClr>
+        </a:solidFill>
+        <a:ln>
+          <a:noFill/>
+        </a:ln>
+        <a:effectLst/>
+      </dsp:spPr>
+      <dsp:style>
+        <a:lnRef idx="0">
+          <a:scrgbClr r="0" g="0" b="0"/>
+        </a:lnRef>
+        <a:fillRef idx="1">
+          <a:scrgbClr r="0" g="0" b="0"/>
+        </a:fillRef>
+        <a:effectRef idx="0">
+          <a:scrgbClr r="0" g="0" b="0"/>
+        </a:effectRef>
+        <a:fontRef idx="minor">
+          <a:schemeClr val="lt1"/>
+        </a:fontRef>
+      </dsp:style>
+    </dsp:sp>
+    <dsp:sp modelId="{8FB83454-B088-48EC-A020-6FBDD95AFCB0}">
+      <dsp:nvSpPr>
+        <dsp:cNvPr id="0" name=""/>
+        <dsp:cNvSpPr/>
+      </dsp:nvSpPr>
+      <dsp:spPr>
+        <a:xfrm>
+          <a:off x="2617123" y="1313786"/>
+          <a:ext cx="1395152" cy="1395152"/>
+        </a:xfrm>
+        <a:prstGeom prst="ellipse">
+          <a:avLst/>
+        </a:prstGeom>
+        <a:solidFill>
+          <a:schemeClr val="accent1">
+            <a:hueOff val="0"/>
+            <a:satOff val="0"/>
+            <a:lumOff val="0"/>
+            <a:alphaOff val="0"/>
+          </a:schemeClr>
+        </a:solidFill>
+        <a:ln w="19050" cap="flat" cmpd="sng" algn="ctr">
+          <a:solidFill>
+            <a:schemeClr val="lt1">
+              <a:hueOff val="0"/>
+              <a:satOff val="0"/>
+              <a:lumOff val="0"/>
+              <a:alphaOff val="0"/>
+            </a:schemeClr>
+          </a:solidFill>
+          <a:prstDash val="solid"/>
+        </a:ln>
+        <a:effectLst/>
+      </dsp:spPr>
+      <dsp:style>
+        <a:lnRef idx="2">
+          <a:scrgbClr r="0" g="0" b="0"/>
+        </a:lnRef>
+        <a:fillRef idx="1">
+          <a:scrgbClr r="0" g="0" b="0"/>
+        </a:fillRef>
+        <a:effectRef idx="0">
+          <a:scrgbClr r="0" g="0" b="0"/>
+        </a:effectRef>
+        <a:fontRef idx="minor">
+          <a:schemeClr val="lt1"/>
+        </a:fontRef>
+      </dsp:style>
+      <dsp:txBody>
+        <a:bodyPr spcFirstLastPara="0" vert="horz" wrap="square" lIns="11430" tIns="11430" rIns="11430" bIns="11430" numCol="1" spcCol="1270" anchor="ctr" anchorCtr="0">
+          <a:noAutofit/>
+        </a:bodyPr>
+        <a:lstStyle/>
+        <a:p>
+          <a:pPr lvl="0" algn="ctr" defTabSz="400050">
+            <a:lnSpc>
+              <a:spcPct val="90000"/>
+            </a:lnSpc>
+            <a:spcBef>
+              <a:spcPct val="0"/>
+            </a:spcBef>
+            <a:spcAft>
+              <a:spcPct val="35000"/>
+            </a:spcAft>
+          </a:pPr>
+          <a:r>
+            <a:rPr lang="en-US" sz="900" kern="1200" dirty="0" err="1" smtClean="0"/>
+            <a:t>Môi</a:t>
+          </a:r>
+          <a:r>
+            <a:rPr lang="en-US" sz="900" kern="1200" dirty="0" smtClean="0"/>
+            <a:t> </a:t>
+          </a:r>
+          <a:r>
+            <a:rPr lang="en-US" sz="900" kern="1200" dirty="0" err="1" smtClean="0"/>
+            <a:t>Trường</a:t>
+          </a:r>
+          <a:r>
+            <a:rPr lang="en-US" sz="900" kern="1200" dirty="0" smtClean="0"/>
+            <a:t> </a:t>
+          </a:r>
+          <a:r>
+            <a:rPr lang="en-US" sz="900" kern="1200" dirty="0" err="1" smtClean="0"/>
+            <a:t>Tích</a:t>
+          </a:r>
+          <a:r>
+            <a:rPr lang="en-US" sz="900" kern="1200" dirty="0" smtClean="0"/>
+            <a:t> </a:t>
+          </a:r>
+          <a:r>
+            <a:rPr lang="en-US" sz="900" kern="1200" dirty="0" err="1" smtClean="0"/>
+            <a:t>Hợp</a:t>
+          </a:r>
+          <a:endParaRPr lang="en-US" sz="900" kern="1200" dirty="0"/>
+        </a:p>
+      </dsp:txBody>
+      <dsp:txXfrm>
+        <a:off x="2821438" y="1518101"/>
+        <a:ext cx="986522" cy="986522"/>
+      </dsp:txXfrm>
+    </dsp:sp>
+    <dsp:sp modelId="{35346AF4-191E-4A0D-BB7A-87D1C62CEB61}">
+      <dsp:nvSpPr>
+        <dsp:cNvPr id="0" name=""/>
+        <dsp:cNvSpPr/>
+      </dsp:nvSpPr>
+      <dsp:spPr>
+        <a:xfrm>
+          <a:off x="2826396" y="1819"/>
+          <a:ext cx="976606" cy="976606"/>
+        </a:xfrm>
+        <a:prstGeom prst="ellipse">
+          <a:avLst/>
+        </a:prstGeom>
+        <a:solidFill>
+          <a:schemeClr val="accent1">
+            <a:hueOff val="0"/>
+            <a:satOff val="0"/>
+            <a:lumOff val="0"/>
+            <a:alphaOff val="0"/>
+          </a:schemeClr>
+        </a:solidFill>
+        <a:ln w="19050" cap="flat" cmpd="sng" algn="ctr">
+          <a:solidFill>
+            <a:schemeClr val="lt1">
+              <a:hueOff val="0"/>
+              <a:satOff val="0"/>
+              <a:lumOff val="0"/>
+              <a:alphaOff val="0"/>
+            </a:schemeClr>
+          </a:solidFill>
+          <a:prstDash val="solid"/>
+        </a:ln>
+        <a:effectLst/>
+      </dsp:spPr>
+      <dsp:style>
+        <a:lnRef idx="2">
+          <a:scrgbClr r="0" g="0" b="0"/>
+        </a:lnRef>
+        <a:fillRef idx="1">
+          <a:scrgbClr r="0" g="0" b="0"/>
+        </a:fillRef>
+        <a:effectRef idx="0">
+          <a:scrgbClr r="0" g="0" b="0"/>
+        </a:effectRef>
+        <a:fontRef idx="minor">
+          <a:schemeClr val="lt1"/>
+        </a:fontRef>
+      </dsp:style>
+      <dsp:txBody>
+        <a:bodyPr spcFirstLastPara="0" vert="horz" wrap="square" lIns="11430" tIns="11430" rIns="11430" bIns="11430" numCol="1" spcCol="1270" anchor="ctr" anchorCtr="0">
+          <a:noAutofit/>
+        </a:bodyPr>
+        <a:lstStyle/>
+        <a:p>
+          <a:pPr lvl="0" algn="ctr" defTabSz="400050">
+            <a:lnSpc>
+              <a:spcPct val="90000"/>
+            </a:lnSpc>
+            <a:spcBef>
+              <a:spcPct val="0"/>
+            </a:spcBef>
+            <a:spcAft>
+              <a:spcPct val="35000"/>
+            </a:spcAft>
+          </a:pPr>
+          <a:r>
+            <a:rPr lang="en-US" sz="900" kern="1200" dirty="0" smtClean="0"/>
+            <a:t>IDE</a:t>
+          </a:r>
+          <a:endParaRPr lang="en-US" sz="900" kern="1200" dirty="0"/>
+        </a:p>
+      </dsp:txBody>
+      <dsp:txXfrm>
+        <a:off x="2969417" y="144840"/>
+        <a:ext cx="690564" cy="690564"/>
+      </dsp:txXfrm>
+    </dsp:sp>
+    <dsp:sp modelId="{7B7234EA-E518-4A98-8088-44C0F2C4B6C5}">
+      <dsp:nvSpPr>
+        <dsp:cNvPr id="0" name=""/>
+        <dsp:cNvSpPr/>
+      </dsp:nvSpPr>
+      <dsp:spPr>
+        <a:xfrm>
+          <a:off x="4143828" y="762439"/>
+          <a:ext cx="976606" cy="976606"/>
+        </a:xfrm>
+        <a:prstGeom prst="ellipse">
+          <a:avLst/>
+        </a:prstGeom>
+        <a:solidFill>
+          <a:schemeClr val="accent1">
+            <a:hueOff val="0"/>
+            <a:satOff val="0"/>
+            <a:lumOff val="0"/>
+            <a:alphaOff val="0"/>
+          </a:schemeClr>
+        </a:solidFill>
+        <a:ln w="19050" cap="flat" cmpd="sng" algn="ctr">
+          <a:solidFill>
+            <a:schemeClr val="lt1">
+              <a:hueOff val="0"/>
+              <a:satOff val="0"/>
+              <a:lumOff val="0"/>
+              <a:alphaOff val="0"/>
+            </a:schemeClr>
+          </a:solidFill>
+          <a:prstDash val="solid"/>
+        </a:ln>
+        <a:effectLst/>
+      </dsp:spPr>
+      <dsp:style>
+        <a:lnRef idx="2">
+          <a:scrgbClr r="0" g="0" b="0"/>
+        </a:lnRef>
+        <a:fillRef idx="1">
+          <a:scrgbClr r="0" g="0" b="0"/>
+        </a:fillRef>
+        <a:effectRef idx="0">
+          <a:scrgbClr r="0" g="0" b="0"/>
+        </a:effectRef>
+        <a:fontRef idx="minor">
+          <a:schemeClr val="lt1"/>
+        </a:fontRef>
+      </dsp:style>
+      <dsp:txBody>
+        <a:bodyPr spcFirstLastPara="0" vert="horz" wrap="square" lIns="11430" tIns="11430" rIns="11430" bIns="11430" numCol="1" spcCol="1270" anchor="ctr" anchorCtr="0">
+          <a:noAutofit/>
+        </a:bodyPr>
+        <a:lstStyle/>
+        <a:p>
+          <a:pPr lvl="0" algn="ctr" defTabSz="400050">
+            <a:lnSpc>
+              <a:spcPct val="90000"/>
+            </a:lnSpc>
+            <a:spcBef>
+              <a:spcPct val="0"/>
+            </a:spcBef>
+            <a:spcAft>
+              <a:spcPct val="35000"/>
+            </a:spcAft>
+          </a:pPr>
+          <a:r>
+            <a:rPr lang="en-US" sz="900" kern="1200" dirty="0" smtClean="0"/>
+            <a:t>Repository &amp; Version Control</a:t>
+          </a:r>
+          <a:endParaRPr lang="en-US" sz="900" kern="1200" dirty="0"/>
+        </a:p>
+      </dsp:txBody>
+      <dsp:txXfrm>
+        <a:off x="4286849" y="905460"/>
+        <a:ext cx="690564" cy="690564"/>
+      </dsp:txXfrm>
+    </dsp:sp>
+    <dsp:sp modelId="{50077370-186A-4B2D-9DFB-BB89D03F861C}">
+      <dsp:nvSpPr>
+        <dsp:cNvPr id="0" name=""/>
+        <dsp:cNvSpPr/>
+      </dsp:nvSpPr>
+      <dsp:spPr>
+        <a:xfrm>
+          <a:off x="4143828" y="2283679"/>
+          <a:ext cx="976606" cy="976606"/>
+        </a:xfrm>
+        <a:prstGeom prst="ellipse">
+          <a:avLst/>
+        </a:prstGeom>
+        <a:solidFill>
+          <a:schemeClr val="accent1">
+            <a:hueOff val="0"/>
+            <a:satOff val="0"/>
+            <a:lumOff val="0"/>
+            <a:alphaOff val="0"/>
+          </a:schemeClr>
+        </a:solidFill>
+        <a:ln w="19050" cap="flat" cmpd="sng" algn="ctr">
+          <a:solidFill>
+            <a:schemeClr val="lt1">
+              <a:hueOff val="0"/>
+              <a:satOff val="0"/>
+              <a:lumOff val="0"/>
+              <a:alphaOff val="0"/>
+            </a:schemeClr>
+          </a:solidFill>
+          <a:prstDash val="solid"/>
+        </a:ln>
+        <a:effectLst/>
+      </dsp:spPr>
+      <dsp:style>
+        <a:lnRef idx="2">
+          <a:scrgbClr r="0" g="0" b="0"/>
+        </a:lnRef>
+        <a:fillRef idx="1">
+          <a:scrgbClr r="0" g="0" b="0"/>
+        </a:fillRef>
+        <a:effectRef idx="0">
+          <a:scrgbClr r="0" g="0" b="0"/>
+        </a:effectRef>
+        <a:fontRef idx="minor">
+          <a:schemeClr val="lt1"/>
+        </a:fontRef>
+      </dsp:style>
+      <dsp:txBody>
+        <a:bodyPr spcFirstLastPara="0" vert="horz" wrap="square" lIns="11430" tIns="11430" rIns="11430" bIns="11430" numCol="1" spcCol="1270" anchor="ctr" anchorCtr="0">
+          <a:noAutofit/>
+        </a:bodyPr>
+        <a:lstStyle/>
+        <a:p>
+          <a:pPr lvl="0" algn="ctr" defTabSz="400050">
+            <a:lnSpc>
+              <a:spcPct val="90000"/>
+            </a:lnSpc>
+            <a:spcBef>
+              <a:spcPct val="0"/>
+            </a:spcBef>
+            <a:spcAft>
+              <a:spcPct val="35000"/>
+            </a:spcAft>
+          </a:pPr>
+          <a:r>
+            <a:rPr lang="en-US" sz="900" kern="1200" dirty="0" smtClean="0"/>
+            <a:t>Project Management</a:t>
+          </a:r>
+          <a:endParaRPr lang="en-US" sz="900" kern="1200" dirty="0"/>
+        </a:p>
+      </dsp:txBody>
+      <dsp:txXfrm>
+        <a:off x="4286849" y="2426700"/>
+        <a:ext cx="690564" cy="690564"/>
+      </dsp:txXfrm>
+    </dsp:sp>
+    <dsp:sp modelId="{265A39A8-6329-4A1D-840D-C1E9B0677375}">
+      <dsp:nvSpPr>
+        <dsp:cNvPr id="0" name=""/>
+        <dsp:cNvSpPr/>
+      </dsp:nvSpPr>
+      <dsp:spPr>
+        <a:xfrm>
+          <a:off x="2826396" y="3044298"/>
+          <a:ext cx="976606" cy="976606"/>
+        </a:xfrm>
+        <a:prstGeom prst="ellipse">
+          <a:avLst/>
+        </a:prstGeom>
+        <a:solidFill>
+          <a:schemeClr val="accent1">
+            <a:hueOff val="0"/>
+            <a:satOff val="0"/>
+            <a:lumOff val="0"/>
+            <a:alphaOff val="0"/>
+          </a:schemeClr>
+        </a:solidFill>
+        <a:ln w="19050" cap="flat" cmpd="sng" algn="ctr">
+          <a:solidFill>
+            <a:schemeClr val="lt1">
+              <a:hueOff val="0"/>
+              <a:satOff val="0"/>
+              <a:lumOff val="0"/>
+              <a:alphaOff val="0"/>
+            </a:schemeClr>
+          </a:solidFill>
+          <a:prstDash val="solid"/>
+        </a:ln>
+        <a:effectLst/>
+      </dsp:spPr>
+      <dsp:style>
+        <a:lnRef idx="2">
+          <a:scrgbClr r="0" g="0" b="0"/>
+        </a:lnRef>
+        <a:fillRef idx="1">
+          <a:scrgbClr r="0" g="0" b="0"/>
+        </a:fillRef>
+        <a:effectRef idx="0">
+          <a:scrgbClr r="0" g="0" b="0"/>
+        </a:effectRef>
+        <a:fontRef idx="minor">
+          <a:schemeClr val="lt1"/>
+        </a:fontRef>
+      </dsp:style>
+      <dsp:txBody>
+        <a:bodyPr spcFirstLastPara="0" vert="horz" wrap="square" lIns="11430" tIns="11430" rIns="11430" bIns="11430" numCol="1" spcCol="1270" anchor="ctr" anchorCtr="0">
+          <a:noAutofit/>
+        </a:bodyPr>
+        <a:lstStyle/>
+        <a:p>
+          <a:pPr lvl="0" algn="ctr" defTabSz="400050">
+            <a:lnSpc>
+              <a:spcPct val="90000"/>
+            </a:lnSpc>
+            <a:spcBef>
+              <a:spcPct val="0"/>
+            </a:spcBef>
+            <a:spcAft>
+              <a:spcPct val="35000"/>
+            </a:spcAft>
+          </a:pPr>
+          <a:r>
+            <a:rPr lang="en-US" sz="900" kern="1200" dirty="0" smtClean="0"/>
+            <a:t>Wiki</a:t>
+          </a:r>
+          <a:endParaRPr lang="en-US" sz="900" kern="1200" dirty="0"/>
+        </a:p>
+      </dsp:txBody>
+      <dsp:txXfrm>
+        <a:off x="2969417" y="3187319"/>
+        <a:ext cx="690564" cy="690564"/>
+      </dsp:txXfrm>
+    </dsp:sp>
+    <dsp:sp modelId="{247D3A69-29B5-439B-98A1-0D7207FDCF6B}">
+      <dsp:nvSpPr>
+        <dsp:cNvPr id="0" name=""/>
+        <dsp:cNvSpPr/>
+      </dsp:nvSpPr>
+      <dsp:spPr>
+        <a:xfrm>
+          <a:off x="1508964" y="2283679"/>
+          <a:ext cx="976606" cy="976606"/>
+        </a:xfrm>
+        <a:prstGeom prst="ellipse">
+          <a:avLst/>
+        </a:prstGeom>
+        <a:solidFill>
+          <a:schemeClr val="accent1">
+            <a:hueOff val="0"/>
+            <a:satOff val="0"/>
+            <a:lumOff val="0"/>
+            <a:alphaOff val="0"/>
+          </a:schemeClr>
+        </a:solidFill>
+        <a:ln w="19050" cap="flat" cmpd="sng" algn="ctr">
+          <a:solidFill>
+            <a:schemeClr val="lt1">
+              <a:hueOff val="0"/>
+              <a:satOff val="0"/>
+              <a:lumOff val="0"/>
+              <a:alphaOff val="0"/>
+            </a:schemeClr>
+          </a:solidFill>
+          <a:prstDash val="solid"/>
+        </a:ln>
+        <a:effectLst/>
+      </dsp:spPr>
+      <dsp:style>
+        <a:lnRef idx="2">
+          <a:scrgbClr r="0" g="0" b="0"/>
+        </a:lnRef>
+        <a:fillRef idx="1">
+          <a:scrgbClr r="0" g="0" b="0"/>
+        </a:fillRef>
+        <a:effectRef idx="0">
+          <a:scrgbClr r="0" g="0" b="0"/>
+        </a:effectRef>
+        <a:fontRef idx="minor">
+          <a:schemeClr val="lt1"/>
+        </a:fontRef>
+      </dsp:style>
+      <dsp:txBody>
+        <a:bodyPr spcFirstLastPara="0" vert="horz" wrap="square" lIns="11430" tIns="11430" rIns="11430" bIns="11430" numCol="1" spcCol="1270" anchor="ctr" anchorCtr="0">
+          <a:noAutofit/>
+        </a:bodyPr>
+        <a:lstStyle/>
+        <a:p>
+          <a:pPr lvl="0" algn="ctr" defTabSz="400050">
+            <a:lnSpc>
+              <a:spcPct val="90000"/>
+            </a:lnSpc>
+            <a:spcBef>
+              <a:spcPct val="0"/>
+            </a:spcBef>
+            <a:spcAft>
+              <a:spcPct val="35000"/>
+            </a:spcAft>
+          </a:pPr>
+          <a:r>
+            <a:rPr lang="en-US" sz="900" kern="1200" dirty="0" smtClean="0"/>
+            <a:t>Design</a:t>
+          </a:r>
+          <a:endParaRPr lang="en-US" sz="900" kern="1200" dirty="0"/>
+        </a:p>
+      </dsp:txBody>
+      <dsp:txXfrm>
+        <a:off x="1651985" y="2426700"/>
+        <a:ext cx="690564" cy="690564"/>
+      </dsp:txXfrm>
+    </dsp:sp>
+    <dsp:sp modelId="{8923F954-04B8-4177-B335-B0ACB9B25CB3}">
+      <dsp:nvSpPr>
+        <dsp:cNvPr id="0" name=""/>
+        <dsp:cNvSpPr/>
+      </dsp:nvSpPr>
+      <dsp:spPr>
+        <a:xfrm>
+          <a:off x="1508964" y="762439"/>
+          <a:ext cx="976606" cy="976606"/>
+        </a:xfrm>
+        <a:prstGeom prst="ellipse">
+          <a:avLst/>
+        </a:prstGeom>
+        <a:solidFill>
+          <a:schemeClr val="accent1">
+            <a:hueOff val="0"/>
+            <a:satOff val="0"/>
+            <a:lumOff val="0"/>
+            <a:alphaOff val="0"/>
+          </a:schemeClr>
+        </a:solidFill>
+        <a:ln w="19050" cap="flat" cmpd="sng" algn="ctr">
+          <a:solidFill>
+            <a:schemeClr val="lt1">
+              <a:hueOff val="0"/>
+              <a:satOff val="0"/>
+              <a:lumOff val="0"/>
+              <a:alphaOff val="0"/>
+            </a:schemeClr>
+          </a:solidFill>
+          <a:prstDash val="solid"/>
+        </a:ln>
+        <a:effectLst/>
+      </dsp:spPr>
+      <dsp:style>
+        <a:lnRef idx="2">
+          <a:scrgbClr r="0" g="0" b="0"/>
+        </a:lnRef>
+        <a:fillRef idx="1">
+          <a:scrgbClr r="0" g="0" b="0"/>
+        </a:fillRef>
+        <a:effectRef idx="0">
+          <a:scrgbClr r="0" g="0" b="0"/>
+        </a:effectRef>
+        <a:fontRef idx="minor">
+          <a:schemeClr val="lt1"/>
+        </a:fontRef>
+      </dsp:style>
+      <dsp:txBody>
+        <a:bodyPr spcFirstLastPara="0" vert="horz" wrap="square" lIns="11430" tIns="11430" rIns="11430" bIns="11430" numCol="1" spcCol="1270" anchor="ctr" anchorCtr="0">
+          <a:noAutofit/>
+        </a:bodyPr>
+        <a:lstStyle/>
+        <a:p>
+          <a:pPr lvl="0" algn="ctr" defTabSz="400050">
+            <a:lnSpc>
+              <a:spcPct val="90000"/>
+            </a:lnSpc>
+            <a:spcBef>
+              <a:spcPct val="0"/>
+            </a:spcBef>
+            <a:spcAft>
+              <a:spcPct val="35000"/>
+            </a:spcAft>
+          </a:pPr>
+          <a:r>
+            <a:rPr lang="en-US" sz="900" kern="1200" dirty="0" smtClean="0"/>
+            <a:t>Course Management System</a:t>
+          </a:r>
+          <a:endParaRPr lang="en-US" sz="900" kern="1200" dirty="0"/>
+        </a:p>
+      </dsp:txBody>
+      <dsp:txXfrm>
+        <a:off x="1651985" y="905460"/>
+        <a:ext cx="690564" cy="690564"/>
+      </dsp:txXfrm>
+    </dsp:sp>
   </dsp:spTree>
 </dsp:drawing>
 </file>
@@ -2572,6 +3411,551 @@
       <dsp:cNvGrpSpPr/>
     </dsp:nvGrpSpPr>
     <dsp:grpSpPr/>
+    <dsp:sp modelId="{E3C3E230-DD8A-47F9-9450-1A6D235C15A9}">
+      <dsp:nvSpPr>
+        <dsp:cNvPr id="0" name=""/>
+        <dsp:cNvSpPr/>
+      </dsp:nvSpPr>
+      <dsp:spPr>
+        <a:xfrm>
+          <a:off x="2866955" y="1775184"/>
+          <a:ext cx="1352688" cy="1352688"/>
+        </a:xfrm>
+        <a:prstGeom prst="ellipse">
+          <a:avLst/>
+        </a:prstGeom>
+        <a:solidFill>
+          <a:schemeClr val="accent1">
+            <a:hueOff val="0"/>
+            <a:satOff val="0"/>
+            <a:lumOff val="0"/>
+            <a:alphaOff val="0"/>
+          </a:schemeClr>
+        </a:solidFill>
+        <a:ln w="19050" cap="flat" cmpd="sng" algn="ctr">
+          <a:solidFill>
+            <a:schemeClr val="lt1">
+              <a:hueOff val="0"/>
+              <a:satOff val="0"/>
+              <a:lumOff val="0"/>
+              <a:alphaOff val="0"/>
+            </a:schemeClr>
+          </a:solidFill>
+          <a:prstDash val="solid"/>
+        </a:ln>
+        <a:effectLst/>
+      </dsp:spPr>
+      <dsp:style>
+        <a:lnRef idx="2">
+          <a:scrgbClr r="0" g="0" b="0"/>
+        </a:lnRef>
+        <a:fillRef idx="1">
+          <a:scrgbClr r="0" g="0" b="0"/>
+        </a:fillRef>
+        <a:effectRef idx="0">
+          <a:scrgbClr r="0" g="0" b="0"/>
+        </a:effectRef>
+        <a:fontRef idx="minor">
+          <a:schemeClr val="lt1"/>
+        </a:fontRef>
+      </dsp:style>
+      <dsp:txBody>
+        <a:bodyPr spcFirstLastPara="0" vert="horz" wrap="square" lIns="8890" tIns="8890" rIns="8890" bIns="8890" numCol="1" spcCol="1270" anchor="ctr" anchorCtr="0">
+          <a:noAutofit/>
+        </a:bodyPr>
+        <a:lstStyle/>
+        <a:p>
+          <a:pPr lvl="0" algn="ctr" defTabSz="622300">
+            <a:lnSpc>
+              <a:spcPct val="90000"/>
+            </a:lnSpc>
+            <a:spcBef>
+              <a:spcPct val="0"/>
+            </a:spcBef>
+            <a:spcAft>
+              <a:spcPct val="35000"/>
+            </a:spcAft>
+          </a:pPr>
+          <a:r>
+            <a:rPr lang="en-US" sz="1400" kern="1200" dirty="0" err="1" smtClean="0"/>
+            <a:t>GroupSpace</a:t>
+          </a:r>
+          <a:endParaRPr lang="en-US" sz="1400" kern="1200" dirty="0"/>
+        </a:p>
+      </dsp:txBody>
+      <dsp:txXfrm>
+        <a:off x="3065052" y="1973281"/>
+        <a:ext cx="956494" cy="956494"/>
+      </dsp:txXfrm>
+    </dsp:sp>
+    <dsp:sp modelId="{63ABD740-7C63-4F24-83B1-E8C5D9F5C9CC}">
+      <dsp:nvSpPr>
+        <dsp:cNvPr id="0" name=""/>
+        <dsp:cNvSpPr/>
+      </dsp:nvSpPr>
+      <dsp:spPr>
+        <a:xfrm rot="16200000">
+          <a:off x="3339310" y="1554016"/>
+          <a:ext cx="407978" cy="34358"/>
+        </a:xfrm>
+        <a:custGeom>
+          <a:avLst/>
+          <a:gdLst/>
+          <a:ahLst/>
+          <a:cxnLst/>
+          <a:rect l="0" t="0" r="0" b="0"/>
+          <a:pathLst>
+            <a:path>
+              <a:moveTo>
+                <a:pt x="0" y="17179"/>
+              </a:moveTo>
+              <a:lnTo>
+                <a:pt x="407978" y="17179"/>
+              </a:lnTo>
+            </a:path>
+          </a:pathLst>
+        </a:custGeom>
+        <a:noFill/>
+        <a:ln w="19050" cap="flat" cmpd="sng" algn="ctr">
+          <a:solidFill>
+            <a:schemeClr val="accent1">
+              <a:shade val="60000"/>
+              <a:hueOff val="0"/>
+              <a:satOff val="0"/>
+              <a:lumOff val="0"/>
+              <a:alphaOff val="0"/>
+            </a:schemeClr>
+          </a:solidFill>
+          <a:prstDash val="solid"/>
+        </a:ln>
+        <a:effectLst/>
+      </dsp:spPr>
+      <dsp:style>
+        <a:lnRef idx="2">
+          <a:scrgbClr r="0" g="0" b="0"/>
+        </a:lnRef>
+        <a:fillRef idx="0">
+          <a:scrgbClr r="0" g="0" b="0"/>
+        </a:fillRef>
+        <a:effectRef idx="0">
+          <a:scrgbClr r="0" g="0" b="0"/>
+        </a:effectRef>
+        <a:fontRef idx="minor"/>
+      </dsp:style>
+      <dsp:txBody>
+        <a:bodyPr spcFirstLastPara="0" vert="horz" wrap="square" lIns="12700" tIns="0" rIns="12700" bIns="0" numCol="1" spcCol="1270" anchor="ctr" anchorCtr="0">
+          <a:noAutofit/>
+        </a:bodyPr>
+        <a:lstStyle/>
+        <a:p>
+          <a:pPr lvl="0" algn="ctr" defTabSz="222250">
+            <a:lnSpc>
+              <a:spcPct val="90000"/>
+            </a:lnSpc>
+            <a:spcBef>
+              <a:spcPct val="0"/>
+            </a:spcBef>
+            <a:spcAft>
+              <a:spcPct val="35000"/>
+            </a:spcAft>
+          </a:pPr>
+          <a:endParaRPr lang="en-US" sz="500" kern="1200"/>
+        </a:p>
+      </dsp:txBody>
+      <dsp:txXfrm>
+        <a:off x="3533100" y="1560996"/>
+        <a:ext cx="20398" cy="20398"/>
+      </dsp:txXfrm>
+    </dsp:sp>
+    <dsp:sp modelId="{5AA52DCE-A2F5-400B-A548-89E3CAE44286}">
+      <dsp:nvSpPr>
+        <dsp:cNvPr id="0" name=""/>
+        <dsp:cNvSpPr/>
+      </dsp:nvSpPr>
+      <dsp:spPr>
+        <a:xfrm>
+          <a:off x="2866955" y="14517"/>
+          <a:ext cx="1352688" cy="1352688"/>
+        </a:xfrm>
+        <a:prstGeom prst="ellipse">
+          <a:avLst/>
+        </a:prstGeom>
+        <a:solidFill>
+          <a:schemeClr val="accent1">
+            <a:hueOff val="0"/>
+            <a:satOff val="0"/>
+            <a:lumOff val="0"/>
+            <a:alphaOff val="0"/>
+          </a:schemeClr>
+        </a:solidFill>
+        <a:ln w="19050" cap="flat" cmpd="sng" algn="ctr">
+          <a:solidFill>
+            <a:schemeClr val="lt1">
+              <a:hueOff val="0"/>
+              <a:satOff val="0"/>
+              <a:lumOff val="0"/>
+              <a:alphaOff val="0"/>
+            </a:schemeClr>
+          </a:solidFill>
+          <a:prstDash val="solid"/>
+        </a:ln>
+        <a:effectLst/>
+      </dsp:spPr>
+      <dsp:style>
+        <a:lnRef idx="2">
+          <a:scrgbClr r="0" g="0" b="0"/>
+        </a:lnRef>
+        <a:fillRef idx="1">
+          <a:scrgbClr r="0" g="0" b="0"/>
+        </a:fillRef>
+        <a:effectRef idx="0">
+          <a:scrgbClr r="0" g="0" b="0"/>
+        </a:effectRef>
+        <a:fontRef idx="minor">
+          <a:schemeClr val="lt1"/>
+        </a:fontRef>
+      </dsp:style>
+      <dsp:txBody>
+        <a:bodyPr spcFirstLastPara="0" vert="horz" wrap="square" lIns="8255" tIns="8255" rIns="8255" bIns="8255" numCol="1" spcCol="1270" anchor="ctr" anchorCtr="0">
+          <a:noAutofit/>
+        </a:bodyPr>
+        <a:lstStyle/>
+        <a:p>
+          <a:pPr lvl="0" algn="ctr" defTabSz="577850">
+            <a:lnSpc>
+              <a:spcPct val="90000"/>
+            </a:lnSpc>
+            <a:spcBef>
+              <a:spcPct val="0"/>
+            </a:spcBef>
+            <a:spcAft>
+              <a:spcPct val="35000"/>
+            </a:spcAft>
+          </a:pPr>
+          <a:r>
+            <a:rPr lang="en-US" sz="1300" kern="1200" dirty="0" smtClean="0"/>
+            <a:t>Social Network</a:t>
+          </a:r>
+          <a:endParaRPr lang="en-US" sz="1300" kern="1200" dirty="0"/>
+        </a:p>
+      </dsp:txBody>
+      <dsp:txXfrm>
+        <a:off x="3065052" y="212614"/>
+        <a:ext cx="956494" cy="956494"/>
+      </dsp:txXfrm>
+    </dsp:sp>
+    <dsp:sp modelId="{1A68D7FE-4313-4395-94E4-D0493A9F797B}">
+      <dsp:nvSpPr>
+        <dsp:cNvPr id="0" name=""/>
+        <dsp:cNvSpPr/>
+      </dsp:nvSpPr>
+      <dsp:spPr>
+        <a:xfrm rot="1800000">
+          <a:off x="4101702" y="2874517"/>
+          <a:ext cx="407978" cy="34358"/>
+        </a:xfrm>
+        <a:custGeom>
+          <a:avLst/>
+          <a:gdLst/>
+          <a:ahLst/>
+          <a:cxnLst/>
+          <a:rect l="0" t="0" r="0" b="0"/>
+          <a:pathLst>
+            <a:path>
+              <a:moveTo>
+                <a:pt x="0" y="17179"/>
+              </a:moveTo>
+              <a:lnTo>
+                <a:pt x="407978" y="17179"/>
+              </a:lnTo>
+            </a:path>
+          </a:pathLst>
+        </a:custGeom>
+        <a:noFill/>
+        <a:ln w="19050" cap="flat" cmpd="sng" algn="ctr">
+          <a:solidFill>
+            <a:schemeClr val="accent1">
+              <a:shade val="60000"/>
+              <a:hueOff val="0"/>
+              <a:satOff val="0"/>
+              <a:lumOff val="0"/>
+              <a:alphaOff val="0"/>
+            </a:schemeClr>
+          </a:solidFill>
+          <a:prstDash val="solid"/>
+        </a:ln>
+        <a:effectLst/>
+      </dsp:spPr>
+      <dsp:style>
+        <a:lnRef idx="2">
+          <a:scrgbClr r="0" g="0" b="0"/>
+        </a:lnRef>
+        <a:fillRef idx="0">
+          <a:scrgbClr r="0" g="0" b="0"/>
+        </a:fillRef>
+        <a:effectRef idx="0">
+          <a:scrgbClr r="0" g="0" b="0"/>
+        </a:effectRef>
+        <a:fontRef idx="minor"/>
+      </dsp:style>
+      <dsp:txBody>
+        <a:bodyPr spcFirstLastPara="0" vert="horz" wrap="square" lIns="12700" tIns="0" rIns="12700" bIns="0" numCol="1" spcCol="1270" anchor="ctr" anchorCtr="0">
+          <a:noAutofit/>
+        </a:bodyPr>
+        <a:lstStyle/>
+        <a:p>
+          <a:pPr lvl="0" algn="ctr" defTabSz="222250">
+            <a:lnSpc>
+              <a:spcPct val="90000"/>
+            </a:lnSpc>
+            <a:spcBef>
+              <a:spcPct val="0"/>
+            </a:spcBef>
+            <a:spcAft>
+              <a:spcPct val="35000"/>
+            </a:spcAft>
+          </a:pPr>
+          <a:endParaRPr lang="en-US" sz="500" kern="1200"/>
+        </a:p>
+      </dsp:txBody>
+      <dsp:txXfrm>
+        <a:off x="4295491" y="2881496"/>
+        <a:ext cx="20398" cy="20398"/>
+      </dsp:txXfrm>
+    </dsp:sp>
+    <dsp:sp modelId="{9137E222-B1B2-458A-84D7-760E2AC66FA5}">
+      <dsp:nvSpPr>
+        <dsp:cNvPr id="0" name=""/>
+        <dsp:cNvSpPr/>
+      </dsp:nvSpPr>
+      <dsp:spPr>
+        <a:xfrm>
+          <a:off x="4391738" y="2655518"/>
+          <a:ext cx="1352688" cy="1352688"/>
+        </a:xfrm>
+        <a:prstGeom prst="ellipse">
+          <a:avLst/>
+        </a:prstGeom>
+        <a:solidFill>
+          <a:schemeClr val="accent1">
+            <a:hueOff val="0"/>
+            <a:satOff val="0"/>
+            <a:lumOff val="0"/>
+            <a:alphaOff val="0"/>
+          </a:schemeClr>
+        </a:solidFill>
+        <a:ln w="19050" cap="flat" cmpd="sng" algn="ctr">
+          <a:solidFill>
+            <a:schemeClr val="lt1">
+              <a:hueOff val="0"/>
+              <a:satOff val="0"/>
+              <a:lumOff val="0"/>
+              <a:alphaOff val="0"/>
+            </a:schemeClr>
+          </a:solidFill>
+          <a:prstDash val="solid"/>
+        </a:ln>
+        <a:effectLst/>
+      </dsp:spPr>
+      <dsp:style>
+        <a:lnRef idx="2">
+          <a:scrgbClr r="0" g="0" b="0"/>
+        </a:lnRef>
+        <a:fillRef idx="1">
+          <a:scrgbClr r="0" g="0" b="0"/>
+        </a:fillRef>
+        <a:effectRef idx="0">
+          <a:scrgbClr r="0" g="0" b="0"/>
+        </a:effectRef>
+        <a:fontRef idx="minor">
+          <a:schemeClr val="lt1"/>
+        </a:fontRef>
+      </dsp:style>
+      <dsp:txBody>
+        <a:bodyPr spcFirstLastPara="0" vert="horz" wrap="square" lIns="8255" tIns="8255" rIns="8255" bIns="8255" numCol="1" spcCol="1270" anchor="ctr" anchorCtr="0">
+          <a:noAutofit/>
+        </a:bodyPr>
+        <a:lstStyle/>
+        <a:p>
+          <a:pPr lvl="0" algn="ctr" defTabSz="577850">
+            <a:lnSpc>
+              <a:spcPct val="90000"/>
+            </a:lnSpc>
+            <a:spcBef>
+              <a:spcPct val="0"/>
+            </a:spcBef>
+            <a:spcAft>
+              <a:spcPct val="35000"/>
+            </a:spcAft>
+          </a:pPr>
+          <a:r>
+            <a:rPr lang="en-US" sz="1300" kern="1200" dirty="0" smtClean="0"/>
+            <a:t>Instance Message System</a:t>
+          </a:r>
+          <a:endParaRPr lang="en-US" sz="1300" kern="1200" dirty="0"/>
+        </a:p>
+      </dsp:txBody>
+      <dsp:txXfrm>
+        <a:off x="4589835" y="2853615"/>
+        <a:ext cx="956494" cy="956494"/>
+      </dsp:txXfrm>
+    </dsp:sp>
+    <dsp:sp modelId="{34DFB4A3-30F8-4A42-8B47-06E2356B9EA6}">
+      <dsp:nvSpPr>
+        <dsp:cNvPr id="0" name=""/>
+        <dsp:cNvSpPr/>
+      </dsp:nvSpPr>
+      <dsp:spPr>
+        <a:xfrm rot="9000000">
+          <a:off x="2576919" y="2874517"/>
+          <a:ext cx="407978" cy="34358"/>
+        </a:xfrm>
+        <a:custGeom>
+          <a:avLst/>
+          <a:gdLst/>
+          <a:ahLst/>
+          <a:cxnLst/>
+          <a:rect l="0" t="0" r="0" b="0"/>
+          <a:pathLst>
+            <a:path>
+              <a:moveTo>
+                <a:pt x="0" y="17179"/>
+              </a:moveTo>
+              <a:lnTo>
+                <a:pt x="407978" y="17179"/>
+              </a:lnTo>
+            </a:path>
+          </a:pathLst>
+        </a:custGeom>
+        <a:noFill/>
+        <a:ln w="19050" cap="flat" cmpd="sng" algn="ctr">
+          <a:solidFill>
+            <a:schemeClr val="accent1">
+              <a:shade val="60000"/>
+              <a:hueOff val="0"/>
+              <a:satOff val="0"/>
+              <a:lumOff val="0"/>
+              <a:alphaOff val="0"/>
+            </a:schemeClr>
+          </a:solidFill>
+          <a:prstDash val="solid"/>
+        </a:ln>
+        <a:effectLst/>
+      </dsp:spPr>
+      <dsp:style>
+        <a:lnRef idx="2">
+          <a:scrgbClr r="0" g="0" b="0"/>
+        </a:lnRef>
+        <a:fillRef idx="0">
+          <a:scrgbClr r="0" g="0" b="0"/>
+        </a:fillRef>
+        <a:effectRef idx="0">
+          <a:scrgbClr r="0" g="0" b="0"/>
+        </a:effectRef>
+        <a:fontRef idx="minor"/>
+      </dsp:style>
+      <dsp:txBody>
+        <a:bodyPr spcFirstLastPara="0" vert="horz" wrap="square" lIns="12700" tIns="0" rIns="12700" bIns="0" numCol="1" spcCol="1270" anchor="ctr" anchorCtr="0">
+          <a:noAutofit/>
+        </a:bodyPr>
+        <a:lstStyle/>
+        <a:p>
+          <a:pPr lvl="0" algn="ctr" defTabSz="222250">
+            <a:lnSpc>
+              <a:spcPct val="90000"/>
+            </a:lnSpc>
+            <a:spcBef>
+              <a:spcPct val="0"/>
+            </a:spcBef>
+            <a:spcAft>
+              <a:spcPct val="35000"/>
+            </a:spcAft>
+          </a:pPr>
+          <a:endParaRPr lang="en-US" sz="500" kern="1200"/>
+        </a:p>
+      </dsp:txBody>
+      <dsp:txXfrm rot="10800000">
+        <a:off x="2770709" y="2881496"/>
+        <a:ext cx="20398" cy="20398"/>
+      </dsp:txXfrm>
+    </dsp:sp>
+    <dsp:sp modelId="{D3273457-E737-4A0E-B2E8-32E9CC1BE3E1}">
+      <dsp:nvSpPr>
+        <dsp:cNvPr id="0" name=""/>
+        <dsp:cNvSpPr/>
+      </dsp:nvSpPr>
+      <dsp:spPr>
+        <a:xfrm>
+          <a:off x="1342172" y="2655518"/>
+          <a:ext cx="1352688" cy="1352688"/>
+        </a:xfrm>
+        <a:prstGeom prst="ellipse">
+          <a:avLst/>
+        </a:prstGeom>
+        <a:solidFill>
+          <a:schemeClr val="accent1">
+            <a:hueOff val="0"/>
+            <a:satOff val="0"/>
+            <a:lumOff val="0"/>
+            <a:alphaOff val="0"/>
+          </a:schemeClr>
+        </a:solidFill>
+        <a:ln w="19050" cap="flat" cmpd="sng" algn="ctr">
+          <a:solidFill>
+            <a:schemeClr val="lt1">
+              <a:hueOff val="0"/>
+              <a:satOff val="0"/>
+              <a:lumOff val="0"/>
+              <a:alphaOff val="0"/>
+            </a:schemeClr>
+          </a:solidFill>
+          <a:prstDash val="solid"/>
+        </a:ln>
+        <a:effectLst/>
+      </dsp:spPr>
+      <dsp:style>
+        <a:lnRef idx="2">
+          <a:scrgbClr r="0" g="0" b="0"/>
+        </a:lnRef>
+        <a:fillRef idx="1">
+          <a:scrgbClr r="0" g="0" b="0"/>
+        </a:fillRef>
+        <a:effectRef idx="0">
+          <a:scrgbClr r="0" g="0" b="0"/>
+        </a:effectRef>
+        <a:fontRef idx="minor">
+          <a:schemeClr val="lt1"/>
+        </a:fontRef>
+      </dsp:style>
+      <dsp:txBody>
+        <a:bodyPr spcFirstLastPara="0" vert="horz" wrap="square" lIns="8255" tIns="8255" rIns="8255" bIns="8255" numCol="1" spcCol="1270" anchor="ctr" anchorCtr="0">
+          <a:noAutofit/>
+        </a:bodyPr>
+        <a:lstStyle/>
+        <a:p>
+          <a:pPr lvl="0" algn="ctr" defTabSz="577850">
+            <a:lnSpc>
+              <a:spcPct val="90000"/>
+            </a:lnSpc>
+            <a:spcBef>
+              <a:spcPct val="0"/>
+            </a:spcBef>
+            <a:spcAft>
+              <a:spcPct val="35000"/>
+            </a:spcAft>
+          </a:pPr>
+          <a:r>
+            <a:rPr lang="en-US" sz="1300" kern="1200" dirty="0" smtClean="0"/>
+            <a:t>Software Configuration Management</a:t>
+          </a:r>
+          <a:endParaRPr lang="en-US" sz="1300" kern="1200" dirty="0"/>
+        </a:p>
+      </dsp:txBody>
+      <dsp:txXfrm>
+        <a:off x="1540269" y="2853615"/>
+        <a:ext cx="956494" cy="956494"/>
+      </dsp:txXfrm>
+    </dsp:sp>
   </dsp:spTree>
 </dsp:drawing>
 </file>
@@ -5361,7 +6745,7 @@
           <a:p>
             <a:fld id="{85AD2398-DDED-42CC-90C1-69E134217F94}" type="datetimeFigureOut">
               <a:rPr lang="en-US" smtClean="0"/>
-              <a:t>7/16/2012</a:t>
+              <a:t>16/07/2012</a:t>
             </a:fld>
             <a:endParaRPr lang="en-US"/>
           </a:p>
@@ -5526,7 +6910,7 @@
           <a:p>
             <a:fld id="{4C715847-7B4D-45DD-A2D4-9F51B7F9D7CE}" type="datetimeFigureOut">
               <a:rPr lang="en-US" smtClean="0"/>
-              <a:t>7/16/2012</a:t>
+              <a:t>16/07/2012</a:t>
             </a:fld>
             <a:endParaRPr lang="en-US"/>
           </a:p>
@@ -6653,7 +8037,7 @@
           <a:p>
             <a:fld id="{98E53CD6-F281-440F-95C0-155B06F988DD}" type="datetime1">
               <a:rPr lang="en-US" smtClean="0"/>
-              <a:t>7/16/2012</a:t>
+              <a:t>16/07/2012</a:t>
             </a:fld>
             <a:endParaRPr lang="en-US"/>
           </a:p>
@@ -7020,7 +8404,7 @@
           <a:p>
             <a:fld id="{FB75CA1C-FAAE-452B-A9A0-04274597E91C}" type="datetime1">
               <a:rPr lang="en-US" smtClean="0"/>
-              <a:t>7/16/2012</a:t>
+              <a:t>16/07/2012</a:t>
             </a:fld>
             <a:endParaRPr lang="en-US"/>
           </a:p>
@@ -7203,7 +8587,7 @@
           <a:p>
             <a:fld id="{E540F00F-61E9-41D9-8B9F-E60823CC2B8F}" type="datetime1">
               <a:rPr lang="en-US" smtClean="0"/>
-              <a:t>7/16/2012</a:t>
+              <a:t>16/07/2012</a:t>
             </a:fld>
             <a:endParaRPr lang="en-US"/>
           </a:p>
@@ -7565,7 +8949,7 @@
             <a:fld id="{FCC16894-5FBA-4AA1-B4C4-F198F8BAB8EE}" type="datetime1">
               <a:rPr lang="en-US" smtClean="0"/>
               <a:pPr/>
-              <a:t>7/16/2012</a:t>
+              <a:t>16/07/2012</a:t>
             </a:fld>
             <a:endParaRPr lang="en-US" dirty="0"/>
           </a:p>
@@ -7860,7 +9244,7 @@
           <a:p>
             <a:fld id="{9880AB46-C2F8-4CED-B046-C9421EE9131E}" type="datetime1">
               <a:rPr lang="en-US" smtClean="0"/>
-              <a:t>7/16/2012</a:t>
+              <a:t>16/07/2012</a:t>
             </a:fld>
             <a:endParaRPr lang="en-US"/>
           </a:p>
@@ -8088,7 +9472,7 @@
           <a:p>
             <a:fld id="{F6B66E23-1D74-4A80-8615-71C9FAF9CB48}" type="datetime1">
               <a:rPr lang="en-US" smtClean="0"/>
-              <a:t>7/16/2012</a:t>
+              <a:t>16/07/2012</a:t>
             </a:fld>
             <a:endParaRPr lang="en-US"/>
           </a:p>
@@ -8448,7 +9832,7 @@
           <a:p>
             <a:fld id="{A10E77F1-F8E5-43F5-B86A-173865D1D665}" type="datetime1">
               <a:rPr lang="en-US" smtClean="0"/>
-              <a:t>7/16/2012</a:t>
+              <a:t>16/07/2012</a:t>
             </a:fld>
             <a:endParaRPr lang="en-US"/>
           </a:p>
@@ -8688,7 +10072,7 @@
           <a:p>
             <a:fld id="{B659CF7B-1899-4ABD-B618-B12586A70191}" type="datetime1">
               <a:rPr lang="en-US" smtClean="0"/>
-              <a:t>7/16/2012</a:t>
+              <a:t>16/07/2012</a:t>
             </a:fld>
             <a:endParaRPr lang="en-US"/>
           </a:p>
@@ -8836,7 +10220,7 @@
           <a:p>
             <a:fld id="{60C46DD3-79D0-4ECB-8390-8FA1280DAC51}" type="datetime1">
               <a:rPr lang="en-US" smtClean="0"/>
-              <a:t>7/16/2012</a:t>
+              <a:t>16/07/2012</a:t>
             </a:fld>
             <a:endParaRPr lang="en-US"/>
           </a:p>
@@ -9121,7 +10505,7 @@
           <a:p>
             <a:fld id="{0124066E-2945-4D2F-A208-2B84FC462117}" type="datetime1">
               <a:rPr lang="en-US" smtClean="0"/>
-              <a:t>7/16/2012</a:t>
+              <a:t>16/07/2012</a:t>
             </a:fld>
             <a:endParaRPr lang="en-US"/>
           </a:p>
@@ -9529,7 +10913,7 @@
           <a:p>
             <a:fld id="{F968A740-1A17-4B3D-8A72-ABA7683113B5}" type="datetime1">
               <a:rPr lang="en-US" smtClean="0"/>
-              <a:t>7/16/2012</a:t>
+              <a:t>16/07/2012</a:t>
             </a:fld>
             <a:endParaRPr lang="en-US"/>
           </a:p>
@@ -9868,7 +11252,7 @@
           <a:p>
             <a:fld id="{30E94C64-AEEC-434B-B2FC-071CE6512757}" type="datetime1">
               <a:rPr lang="en-US" smtClean="0"/>
-              <a:t>7/16/2012</a:t>
+              <a:t>16/07/2012</a:t>
             </a:fld>
             <a:endParaRPr lang="en-US" dirty="0"/>
           </a:p>
@@ -10427,7 +11811,7 @@
           <a:p>
             <a:fld id="{6D05353F-0162-4E3B-A5E6-0D37264D06A7}" type="datetime1">
               <a:rPr lang="en-US" smtClean="0"/>
-              <a:t>7/16/2012</a:t>
+              <a:t>16/07/2012</a:t>
             </a:fld>
             <a:endParaRPr lang="en-US" dirty="0"/>
           </a:p>
@@ -11285,7 +12669,7 @@
           <a:p>
             <a:fld id="{B897EA51-552A-472F-B6A5-1B26DAFDA035}" type="datetime1">
               <a:rPr lang="en-US" smtClean="0"/>
-              <a:t>7/16/2012</a:t>
+              <a:t>16/07/2012</a:t>
             </a:fld>
             <a:endParaRPr lang="en-US"/>
           </a:p>
@@ -11612,7 +12996,7 @@
             <a:fld id="{FCC16894-5FBA-4AA1-B4C4-F198F8BAB8EE}" type="datetime1">
               <a:rPr lang="en-US" smtClean="0"/>
               <a:pPr/>
-              <a:t>7/16/2012</a:t>
+              <a:t>16/07/2012</a:t>
             </a:fld>
             <a:endParaRPr lang="en-US" dirty="0"/>
           </a:p>
@@ -11798,7 +13182,7 @@
             <a:fld id="{FCC16894-5FBA-4AA1-B4C4-F198F8BAB8EE}" type="datetime1">
               <a:rPr lang="en-US" smtClean="0"/>
               <a:pPr/>
-              <a:t>7/16/2012</a:t>
+              <a:t>16/07/2012</a:t>
             </a:fld>
             <a:endParaRPr lang="en-US" dirty="0"/>
           </a:p>
@@ -11984,7 +13368,7 @@
             <a:fld id="{FCC16894-5FBA-4AA1-B4C4-F198F8BAB8EE}" type="datetime1">
               <a:rPr lang="en-US" smtClean="0"/>
               <a:pPr/>
-              <a:t>7/16/2012</a:t>
+              <a:t>16/07/2012</a:t>
             </a:fld>
             <a:endParaRPr lang="en-US" dirty="0"/>
           </a:p>
@@ -12210,7 +13594,7 @@
             <a:fld id="{FCC16894-5FBA-4AA1-B4C4-F198F8BAB8EE}" type="datetime1">
               <a:rPr lang="en-US" smtClean="0"/>
               <a:pPr/>
-              <a:t>7/16/2012</a:t>
+              <a:t>16/07/2012</a:t>
             </a:fld>
             <a:endParaRPr lang="en-US" dirty="0"/>
           </a:p>
@@ -12569,7 +13953,7 @@
           <a:graphicData uri="http://schemas.openxmlformats.org/presentationml/2006/ole">
             <mc:AlternateContent xmlns:mc="http://schemas.openxmlformats.org/markup-compatibility/2006">
               <mc:Choice xmlns:v="urn:schemas-microsoft-com:vml" Requires="v">
-                <p:oleObj spid="_x0000_s10264" name="Visio" r:id="rId3" imgW="6688055" imgH="2661113" progId="Visio.Drawing.11">
+                <p:oleObj spid="_x0000_s10267" name="Visio" r:id="rId3" imgW="6688055" imgH="2661113" progId="Visio.Drawing.11">
                   <p:embed/>
                 </p:oleObj>
               </mc:Choice>
@@ -12626,7 +14010,7 @@
           <a:p>
             <a:fld id="{1CF8059D-E1B3-49E1-9B7E-0DF1A497220F}" type="datetime1">
               <a:rPr lang="en-US" smtClean="0"/>
-              <a:t>7/16/2012</a:t>
+              <a:t>16/07/2012</a:t>
             </a:fld>
             <a:endParaRPr lang="en-US"/>
           </a:p>
@@ -13048,7 +14432,7 @@
           <a:p>
             <a:fld id="{E8E19C0F-210C-4F3E-85A3-AB245ECA8099}" type="datetime1">
               <a:rPr lang="en-US" smtClean="0"/>
-              <a:t>7/16/2012</a:t>
+              <a:t>16/07/2012</a:t>
             </a:fld>
             <a:endParaRPr lang="en-US"/>
           </a:p>
@@ -13228,7 +14612,7 @@
             <a:fld id="{FCC16894-5FBA-4AA1-B4C4-F198F8BAB8EE}" type="datetime1">
               <a:rPr lang="en-US" smtClean="0"/>
               <a:pPr/>
-              <a:t>7/16/2012</a:t>
+              <a:t>16/07/2012</a:t>
             </a:fld>
             <a:endParaRPr lang="en-US" dirty="0"/>
           </a:p>
@@ -13488,7 +14872,7 @@
             <a:fld id="{FCC16894-5FBA-4AA1-B4C4-F198F8BAB8EE}" type="datetime1">
               <a:rPr lang="en-US" smtClean="0"/>
               <a:pPr/>
-              <a:t>7/16/2012</a:t>
+              <a:t>16/07/2012</a:t>
             </a:fld>
             <a:endParaRPr lang="en-US" dirty="0"/>
           </a:p>
@@ -13715,7 +15099,7 @@
             <a:fld id="{FCC16894-5FBA-4AA1-B4C4-F198F8BAB8EE}" type="datetime1">
               <a:rPr lang="en-US" smtClean="0"/>
               <a:pPr/>
-              <a:t>7/16/2012</a:t>
+              <a:t>16/07/2012</a:t>
             </a:fld>
             <a:endParaRPr lang="en-US" dirty="0"/>
           </a:p>
@@ -14109,7 +15493,7 @@
           <a:p>
             <a:fld id="{4945124A-6CC2-4A17-8300-111F1CDA69D3}" type="datetime1">
               <a:rPr lang="en-US" smtClean="0"/>
-              <a:t>7/16/2012</a:t>
+              <a:t>16/07/2012</a:t>
             </a:fld>
             <a:endParaRPr lang="en-US"/>
           </a:p>
@@ -14415,16 +15799,16 @@
               <a:t> </a:t>
             </a:r>
             <a:r>
-              <a:rPr lang="en-US" dirty="0" err="1" smtClean="0"/>
+              <a:rPr lang="en-US" err="1" smtClean="0"/>
               <a:t>Dự</a:t>
             </a:r>
             <a:r>
-              <a:rPr lang="en-US" dirty="0" smtClean="0"/>
-              <a:t> </a:t>
-            </a:r>
-            <a:r>
-              <a:rPr lang="en-US" dirty="0" err="1" smtClean="0"/>
-              <a:t>Án</a:t>
+              <a:rPr lang="en-US" smtClean="0"/>
+              <a:t> </a:t>
+            </a:r>
+            <a:r>
+              <a:rPr lang="en-US" smtClean="0"/>
+              <a:t>Án (1/2)</a:t>
             </a:r>
             <a:endParaRPr lang="en-US" dirty="0"/>
           </a:p>
@@ -14507,7 +15891,7 @@
             <a:fld id="{FCC16894-5FBA-4AA1-B4C4-F198F8BAB8EE}" type="datetime1">
               <a:rPr lang="en-US" smtClean="0"/>
               <a:pPr/>
-              <a:t>7/16/2012</a:t>
+              <a:t>16/07/2012</a:t>
             </a:fld>
             <a:endParaRPr lang="en-US" dirty="0"/>
           </a:p>
@@ -14673,19 +16057,23 @@
               <a:t> </a:t>
             </a:r>
             <a:r>
-              <a:rPr lang="en-US" dirty="0" err="1" smtClean="0"/>
+              <a:rPr lang="en-US" err="1" smtClean="0"/>
               <a:t>Án</a:t>
             </a:r>
             <a:r>
-              <a:rPr lang="en-US" dirty="0" smtClean="0"/>
-              <a:t> (</a:t>
-            </a:r>
-            <a:r>
-              <a:rPr lang="en-US" dirty="0" err="1" smtClean="0"/>
-              <a:t>tt</a:t>
-            </a:r>
-            <a:r>
-              <a:rPr lang="en-US" dirty="0" smtClean="0"/>
+              <a:rPr lang="en-US" smtClean="0"/>
+              <a:t> </a:t>
+            </a:r>
+            <a:r>
+              <a:rPr lang="en-US" smtClean="0"/>
+              <a:t>(</a:t>
+            </a:r>
+            <a:r>
+              <a:rPr lang="en-US" smtClean="0"/>
+              <a:t>2/2</a:t>
+            </a:r>
+            <a:r>
+              <a:rPr lang="en-US" smtClean="0"/>
               <a:t>)</a:t>
             </a:r>
             <a:endParaRPr lang="en-US" dirty="0"/>
@@ -14773,7 +16161,7 @@
             <a:fld id="{FCC16894-5FBA-4AA1-B4C4-F198F8BAB8EE}" type="datetime1">
               <a:rPr lang="en-US" smtClean="0"/>
               <a:pPr/>
-              <a:t>7/16/2012</a:t>
+              <a:t>16/07/2012</a:t>
             </a:fld>
             <a:endParaRPr lang="en-US" dirty="0"/>
           </a:p>
@@ -15070,7 +16458,7 @@
             <a:fld id="{FCC16894-5FBA-4AA1-B4C4-F198F8BAB8EE}" type="datetime1">
               <a:rPr lang="en-US" smtClean="0"/>
               <a:pPr/>
-              <a:t>7/16/2012</a:t>
+              <a:t>16/07/2012</a:t>
             </a:fld>
             <a:endParaRPr lang="en-US" dirty="0"/>
           </a:p>
@@ -15501,7 +16889,7 @@
             <a:fld id="{FCC16894-5FBA-4AA1-B4C4-F198F8BAB8EE}" type="datetime1">
               <a:rPr lang="en-US" smtClean="0"/>
               <a:pPr/>
-              <a:t>7/16/2012</a:t>
+              <a:t>16/07/2012</a:t>
             </a:fld>
             <a:endParaRPr lang="en-US" dirty="0"/>
           </a:p>
@@ -15613,7 +17001,7 @@
             <a:fld id="{FCC16894-5FBA-4AA1-B4C4-F198F8BAB8EE}" type="datetime1">
               <a:rPr lang="en-US" smtClean="0"/>
               <a:pPr algn="r"/>
-              <a:t>7/16/2012</a:t>
+              <a:t>16/07/2012</a:t>
             </a:fld>
             <a:endParaRPr lang="en-US" dirty="0"/>
           </a:p>
@@ -15830,7 +17218,7 @@
             <a:fld id="{FCC16894-5FBA-4AA1-B4C4-F198F8BAB8EE}" type="datetime1">
               <a:rPr lang="en-US" smtClean="0"/>
               <a:pPr/>
-              <a:t>7/16/2012</a:t>
+              <a:t>16/07/2012</a:t>
             </a:fld>
             <a:endParaRPr lang="en-US" dirty="0"/>
           </a:p>
@@ -16137,7 +17525,7 @@
             <a:fld id="{FCC16894-5FBA-4AA1-B4C4-F198F8BAB8EE}" type="datetime1">
               <a:rPr lang="en-US" smtClean="0"/>
               <a:pPr/>
-              <a:t>7/16/2012</a:t>
+              <a:t>16/07/2012</a:t>
             </a:fld>
             <a:endParaRPr lang="en-US" dirty="0"/>
           </a:p>
@@ -16349,7 +17737,7 @@
             <a:fld id="{FCC16894-5FBA-4AA1-B4C4-F198F8BAB8EE}" type="datetime1">
               <a:rPr lang="en-US" smtClean="0"/>
               <a:pPr/>
-              <a:t>7/16/2012</a:t>
+              <a:t>16/07/2012</a:t>
             </a:fld>
             <a:endParaRPr lang="en-US" dirty="0"/>
           </a:p>
@@ -16802,7 +18190,7 @@
           <a:p>
             <a:fld id="{9C4A3F15-EBF9-4680-A54D-1DC3C34D18BF}" type="datetime1">
               <a:rPr lang="en-US" smtClean="0"/>
-              <a:t>7/16/2012</a:t>
+              <a:t>16/07/2012</a:t>
             </a:fld>
             <a:endParaRPr lang="en-US"/>
           </a:p>
@@ -17321,7 +18709,7 @@
           <a:p>
             <a:fld id="{89A29F8A-DA52-474B-B3A6-77E8D5F29773}" type="datetime1">
               <a:rPr lang="en-US" smtClean="0"/>
-              <a:t>7/16/2012</a:t>
+              <a:t>16/07/2012</a:t>
             </a:fld>
             <a:endParaRPr lang="en-US"/>
           </a:p>
@@ -18796,7 +20184,7 @@
           <a:p>
             <a:fld id="{83A31958-C2EC-4CA9-90D0-208E40050D22}" type="datetime1">
               <a:rPr lang="en-US" smtClean="0"/>
-              <a:t>7/16/2012</a:t>
+              <a:t>16/07/2012</a:t>
             </a:fld>
             <a:endParaRPr lang="en-US"/>
           </a:p>
@@ -19457,7 +20845,7 @@
           <a:p>
             <a:fld id="{467EC7A7-EB60-48C0-9304-E5986BB1EADA}" type="datetime1">
               <a:rPr lang="en-US" smtClean="0"/>
-              <a:t>7/16/2012</a:t>
+              <a:t>16/07/2012</a:t>
             </a:fld>
             <a:endParaRPr lang="en-US"/>
           </a:p>
@@ -20079,7 +21467,7 @@
           <a:graphicData uri="http://schemas.openxmlformats.org/presentationml/2006/ole">
             <mc:AlternateContent xmlns:mc="http://schemas.openxmlformats.org/markup-compatibility/2006">
               <mc:Choice xmlns:v="urn:schemas-microsoft-com:vml" Requires="v">
-                <p:oleObj spid="_x0000_s5201" name="Visio" r:id="rId3" imgW="3572937" imgH="1000698" progId="Visio.Drawing.11">
+                <p:oleObj spid="_x0000_s5204" name="Visio" r:id="rId3" imgW="3572937" imgH="1000698" progId="Visio.Drawing.11">
                   <p:embed/>
                 </p:oleObj>
               </mc:Choice>
@@ -20141,7 +21529,7 @@
           <a:p>
             <a:fld id="{A50877F5-09BF-4B6E-861A-BF1596E01D5C}" type="datetime1">
               <a:rPr lang="en-US" smtClean="0"/>
-              <a:t>7/16/2012</a:t>
+              <a:t>16/07/2012</a:t>
             </a:fld>
             <a:endParaRPr lang="en-US"/>
           </a:p>
@@ -20582,7 +21970,7 @@
           <a:p>
             <a:fld id="{4C9EF2B8-4E0D-4EA8-A7BE-F4383C0FC78D}" type="datetime1">
               <a:rPr lang="en-US" smtClean="0"/>
-              <a:t>7/16/2012</a:t>
+              <a:t>16/07/2012</a:t>
             </a:fld>
             <a:endParaRPr lang="en-US"/>
           </a:p>
@@ -20744,7 +22132,7 @@
             <a:fld id="{FCC16894-5FBA-4AA1-B4C4-F198F8BAB8EE}" type="datetime1">
               <a:rPr lang="en-US" smtClean="0"/>
               <a:pPr/>
-              <a:t>7/16/2012</a:t>
+              <a:t>16/07/2012</a:t>
             </a:fld>
             <a:endParaRPr lang="en-US" dirty="0"/>
           </a:p>
@@ -20896,7 +22284,7 @@
             <a:fld id="{FCC16894-5FBA-4AA1-B4C4-F198F8BAB8EE}" type="datetime1">
               <a:rPr lang="en-US" smtClean="0"/>
               <a:pPr algn="r"/>
-              <a:t>7/16/2012</a:t>
+              <a:t>16/07/2012</a:t>
             </a:fld>
             <a:endParaRPr lang="en-US" dirty="0"/>
           </a:p>
@@ -21090,7 +22478,7 @@
             <a:fld id="{FCC16894-5FBA-4AA1-B4C4-F198F8BAB8EE}" type="datetime1">
               <a:rPr lang="en-US" smtClean="0"/>
               <a:pPr/>
-              <a:t>7/16/2012</a:t>
+              <a:t>16/07/2012</a:t>
             </a:fld>
             <a:endParaRPr lang="en-US" dirty="0"/>
           </a:p>
@@ -21389,7 +22777,7 @@
             <a:fld id="{FCC16894-5FBA-4AA1-B4C4-F198F8BAB8EE}" type="datetime1">
               <a:rPr lang="en-US" smtClean="0"/>
               <a:pPr/>
-              <a:t>7/16/2012</a:t>
+              <a:t>16/07/2012</a:t>
             </a:fld>
             <a:endParaRPr lang="en-US" dirty="0"/>
           </a:p>
@@ -21459,7 +22847,7 @@
           <a:graphicData uri="http://schemas.openxmlformats.org/presentationml/2006/ole">
             <mc:AlternateContent xmlns:mc="http://schemas.openxmlformats.org/markup-compatibility/2006">
               <mc:Choice xmlns:v="urn:schemas-microsoft-com:vml" Requires="v">
-                <p:oleObj spid="_x0000_s9277" r:id="rId3" imgW="4586835" imgH="2157957" progId="Visio.Drawing.11">
+                <p:oleObj spid="_x0000_s9280" r:id="rId3" imgW="4586835" imgH="2157957" progId="Visio.Drawing.11">
                   <p:embed/>
                 </p:oleObj>
               </mc:Choice>
@@ -21836,7 +23224,7 @@
           <a:p>
             <a:fld id="{73B38C7B-77D0-4104-BED1-BDB55996A2EE}" type="datetime1">
               <a:rPr lang="en-US" smtClean="0"/>
-              <a:t>7/16/2012</a:t>
+              <a:t>16/07/2012</a:t>
             </a:fld>
             <a:endParaRPr lang="en-US"/>
           </a:p>
@@ -22058,7 +23446,7 @@
             <a:fld id="{FCC16894-5FBA-4AA1-B4C4-F198F8BAB8EE}" type="datetime1">
               <a:rPr lang="en-US" smtClean="0"/>
               <a:pPr/>
-              <a:t>7/16/2012</a:t>
+              <a:t>16/07/2012</a:t>
             </a:fld>
             <a:endParaRPr lang="en-US" dirty="0"/>
           </a:p>
@@ -22671,7 +24059,7 @@
           <a:p>
             <a:fld id="{2D19DBF8-6DDA-4143-B695-78DBC03CEFD0}" type="datetime1">
               <a:rPr lang="en-US" smtClean="0"/>
-              <a:t>7/16/2012</a:t>
+              <a:t>16/07/2012</a:t>
             </a:fld>
             <a:endParaRPr lang="en-US"/>
           </a:p>
@@ -23325,7 +24713,7 @@
           <a:p>
             <a:fld id="{E7E83998-7190-4E0C-85B5-FD0B1D3497B5}" type="datetime1">
               <a:rPr lang="en-US" smtClean="0"/>
-              <a:t>7/16/2012</a:t>
+              <a:t>16/07/2012</a:t>
             </a:fld>
             <a:endParaRPr lang="en-US"/>
           </a:p>
@@ -23617,7 +25005,7 @@
             <a:fld id="{FCC16894-5FBA-4AA1-B4C4-F198F8BAB8EE}" type="datetime1">
               <a:rPr lang="en-US" smtClean="0"/>
               <a:pPr/>
-              <a:t>7/16/2012</a:t>
+              <a:t>16/07/2012</a:t>
             </a:fld>
             <a:endParaRPr lang="en-US" dirty="0"/>
           </a:p>
@@ -23997,7 +25385,7 @@
           <a:p>
             <a:fld id="{2D19DBF8-6DDA-4143-B695-78DBC03CEFD0}" type="datetime1">
               <a:rPr lang="en-US" smtClean="0"/>
-              <a:t>7/16/2012</a:t>
+              <a:t>16/07/2012</a:t>
             </a:fld>
             <a:endParaRPr lang="en-US"/>
           </a:p>
@@ -24376,7 +25764,7 @@
             <a:fld id="{FCC16894-5FBA-4AA1-B4C4-F198F8BAB8EE}" type="datetime1">
               <a:rPr lang="en-US" smtClean="0"/>
               <a:pPr/>
-              <a:t>7/16/2012</a:t>
+              <a:t>16/07/2012</a:t>
             </a:fld>
             <a:endParaRPr lang="en-US" dirty="0"/>
           </a:p>
@@ -24849,7 +26237,7 @@
             <a:fld id="{FCC16894-5FBA-4AA1-B4C4-F198F8BAB8EE}" type="datetime1">
               <a:rPr lang="en-US" smtClean="0"/>
               <a:pPr/>
-              <a:t>7/16/2012</a:t>
+              <a:t>16/07/2012</a:t>
             </a:fld>
             <a:endParaRPr lang="en-US" dirty="0"/>
           </a:p>
@@ -25554,7 +26942,7 @@
             <a:fld id="{FCC16894-5FBA-4AA1-B4C4-F198F8BAB8EE}" type="datetime1">
               <a:rPr lang="en-US" smtClean="0"/>
               <a:pPr/>
-              <a:t>7/16/2012</a:t>
+              <a:t>16/07/2012</a:t>
             </a:fld>
             <a:endParaRPr lang="en-US" dirty="0"/>
           </a:p>
@@ -25757,7 +27145,7 @@
           <a:p>
             <a:fld id="{B0F20B8D-B308-47B3-826B-5DB335E2CD66}" type="datetime1">
               <a:rPr lang="en-US" smtClean="0"/>
-              <a:t>7/16/2012</a:t>
+              <a:t>16/07/2012</a:t>
             </a:fld>
             <a:endParaRPr lang="en-US"/>
           </a:p>
@@ -25898,13 +27286,9 @@
           </a:bodyPr>
           <a:lstStyle/>
           <a:p>
-            <a:pPr lvl="0"/>
-            <a:r>
-              <a:rPr lang="en-US" b="1" dirty="0"/>
-              <a:t> </a:t>
-            </a:r>
-            <a:r>
-              <a:rPr lang="en-US" dirty="0"/>
+            <a:pPr lvl="0" algn="just"/>
+            <a:r>
+              <a:rPr lang="en-US" smtClean="0"/>
               <a:t>Grady </a:t>
             </a:r>
             <a:r>
@@ -25922,10 +27306,14 @@
             <a:endParaRPr lang="en-US" dirty="0"/>
           </a:p>
           <a:p>
-            <a:pPr lvl="0"/>
+            <a:pPr lvl="0" algn="just"/>
+            <a:r>
+              <a:rPr lang="en-US" smtClean="0"/>
+              <a:t>Jim </a:t>
+            </a:r>
             <a:r>
               <a:rPr lang="en-US" dirty="0"/>
-              <a:t> Jim Whitehead, </a:t>
+              <a:t>Whitehead, </a:t>
             </a:r>
             <a:r>
               <a:rPr lang="en-US" i="1" dirty="0"/>
@@ -25937,10 +27325,14 @@
             </a:r>
           </a:p>
           <a:p>
-            <a:pPr lvl="0"/>
+            <a:pPr lvl="0" algn="just"/>
+            <a:r>
+              <a:rPr lang="en-US" smtClean="0"/>
+              <a:t>Martin </a:t>
+            </a:r>
             <a:r>
               <a:rPr lang="en-US" dirty="0"/>
-              <a:t> Martin Fowler, David Rice, Matthew </a:t>
+              <a:t>Fowler, David Rice, Matthew </a:t>
             </a:r>
             <a:r>
               <a:rPr lang="en-US" dirty="0" err="1"/>
@@ -25976,7 +27368,7 @@
             </a:r>
           </a:p>
           <a:p>
-            <a:pPr lvl="0"/>
+            <a:pPr lvl="0" algn="just"/>
             <a:r>
               <a:rPr lang="en-US" u="sng" dirty="0">
                 <a:hlinkClick r:id="rId2"/>
@@ -26011,7 +27403,15 @@
           <a:p>
             <a:r>
               <a:rPr lang="en-US" dirty="0" smtClean="0"/>
-              <a:t>Team foundation server, </a:t>
+              <a:t>Team foundation </a:t>
+            </a:r>
+            <a:r>
+              <a:rPr lang="en-US" smtClean="0"/>
+              <a:t>server</a:t>
+            </a:r>
+            <a:r>
+              <a:rPr lang="en-US" smtClean="0"/>
+              <a:t>,  </a:t>
             </a:r>
             <a:r>
               <a:rPr lang="en-US" dirty="0">
@@ -26064,7 +27464,7 @@
             <a:fld id="{FCC16894-5FBA-4AA1-B4C4-F198F8BAB8EE}" type="datetime1">
               <a:rPr lang="en-US" smtClean="0"/>
               <a:pPr/>
-              <a:t>7/16/2012</a:t>
+              <a:t>16/07/2012</a:t>
             </a:fld>
             <a:endParaRPr lang="en-US" dirty="0"/>
           </a:p>
@@ -26246,7 +27646,7 @@
           <a:p>
             <a:fld id="{7EDA7857-C0B0-4F13-91ED-D248D670D955}" type="datetime1">
               <a:rPr lang="en-US" smtClean="0"/>
-              <a:t>7/16/2012</a:t>
+              <a:t>16/07/2012</a:t>
             </a:fld>
             <a:endParaRPr lang="en-US"/>
           </a:p>
@@ -26628,7 +28028,7 @@
           <a:p>
             <a:fld id="{82EB374C-D5C4-486A-9647-B6A264313D62}" type="datetime1">
               <a:rPr lang="en-US" smtClean="0"/>
-              <a:t>7/16/2012</a:t>
+              <a:t>16/07/2012</a:t>
             </a:fld>
             <a:endParaRPr lang="en-US"/>
           </a:p>
@@ -27000,7 +28400,7 @@
           <a:p>
             <a:fld id="{E32CF3E1-D7B2-4318-9892-AABBFDC61E77}" type="datetime1">
               <a:rPr lang="en-US" smtClean="0"/>
-              <a:t>7/16/2012</a:t>
+              <a:t>16/07/2012</a:t>
             </a:fld>
             <a:endParaRPr lang="en-US"/>
           </a:p>
@@ -27651,7 +29051,7 @@
           <a:p>
             <a:fld id="{7FB06CC0-024A-4CD4-93F4-77826598BD17}" type="datetime1">
               <a:rPr lang="en-US" smtClean="0"/>
-              <a:t>7/16/2012</a:t>
+              <a:t>16/07/2012</a:t>
             </a:fld>
             <a:endParaRPr lang="en-US"/>
           </a:p>
@@ -27957,7 +29357,7 @@
           <a:p>
             <a:fld id="{89DB3C26-A2A2-441A-979D-3B33FB4C1F60}" type="datetime1">
               <a:rPr lang="en-US" smtClean="0"/>
-              <a:t>7/16/2012</a:t>
+              <a:t>16/07/2012</a:t>
             </a:fld>
             <a:endParaRPr lang="en-US"/>
           </a:p>
@@ -28414,7 +29814,7 @@
           <a:p>
             <a:fld id="{E34ABE66-0DFD-468B-9214-9D1330676C1E}" type="datetime1">
               <a:rPr lang="en-US" smtClean="0"/>
-              <a:t>7/16/2012</a:t>
+              <a:t>16/07/2012</a:t>
             </a:fld>
             <a:endParaRPr lang="en-US"/>
           </a:p>

--- a/Report/ppt/Presentation.pptx
+++ b/Report/ppt/Presentation.pptx
@@ -7222,6 +7222,14 @@
           <a:bodyPr/>
           <a:lstStyle/>
           <a:p>
+            <a:r>
+              <a:rPr lang="en-US" smtClean="0"/>
+              <a:t>Tong quan</a:t>
+            </a:r>
+            <a:r>
+              <a:rPr lang="en-US" baseline="0" smtClean="0"/>
+              <a:t> : tinh cap thiet, muc tieu, doi tuong – pham vi nghien cuu</a:t>
+            </a:r>
             <a:endParaRPr lang="en-US"/>
           </a:p>
         </p:txBody>
@@ -7244,6 +7252,386 @@
             <a:fld id="{DC92D41E-323F-4AC9-A45D-615F59E1C14A}" type="slidenum">
               <a:rPr lang="en-US" smtClean="0"/>
               <a:t>2</a:t>
+            </a:fld>
+            <a:endParaRPr lang="en-US"/>
+          </a:p>
+        </p:txBody>
+      </p:sp>
+    </p:spTree>
+    <p:extLst>
+      <p:ext uri="{BB962C8B-B14F-4D97-AF65-F5344CB8AC3E}">
+        <p14:creationId xmlns:p14="http://schemas.microsoft.com/office/powerpoint/2010/main" val="522547361"/>
+      </p:ext>
+    </p:extLst>
+  </p:cSld>
+  <p:clrMapOvr>
+    <a:masterClrMapping/>
+  </p:clrMapOvr>
+</p:notes>
+</file>
+
+<file path=ppt/notesSlides/notesSlide10.xml><?xml version="1.0" encoding="utf-8"?>
+<p:notes xmlns:a="http://schemas.openxmlformats.org/drawingml/2006/main" xmlns:r="http://schemas.openxmlformats.org/officeDocument/2006/relationships" xmlns:p="http://schemas.openxmlformats.org/presentationml/2006/main">
+  <p:cSld>
+    <p:spTree>
+      <p:nvGrpSpPr>
+        <p:cNvPr id="1" name=""/>
+        <p:cNvGrpSpPr/>
+        <p:nvPr/>
+      </p:nvGrpSpPr>
+      <p:grpSpPr>
+        <a:xfrm>
+          <a:off x="0" y="0"/>
+          <a:ext cx="0" cy="0"/>
+          <a:chOff x="0" y="0"/>
+          <a:chExt cx="0" cy="0"/>
+        </a:xfrm>
+      </p:grpSpPr>
+      <p:sp>
+        <p:nvSpPr>
+          <p:cNvPr id="2" name="Slide Image Placeholder 1"/>
+          <p:cNvSpPr>
+            <a:spLocks noGrp="1" noRot="1" noChangeAspect="1"/>
+          </p:cNvSpPr>
+          <p:nvPr>
+            <p:ph type="sldImg"/>
+          </p:nvPr>
+        </p:nvSpPr>
+        <p:spPr/>
+      </p:sp>
+      <p:sp>
+        <p:nvSpPr>
+          <p:cNvPr id="3" name="Notes Placeholder 2"/>
+          <p:cNvSpPr>
+            <a:spLocks noGrp="1"/>
+          </p:cNvSpPr>
+          <p:nvPr>
+            <p:ph type="body" idx="1"/>
+          </p:nvPr>
+        </p:nvSpPr>
+        <p:spPr/>
+        <p:txBody>
+          <a:bodyPr/>
+          <a:lstStyle/>
+          <a:p>
+            <a:r>
+              <a:rPr lang="en-US" dirty="0" err="1" smtClean="0"/>
+              <a:t>Trong</a:t>
+            </a:r>
+            <a:r>
+              <a:rPr lang="en-US" dirty="0" smtClean="0"/>
+              <a:t> </a:t>
+            </a:r>
+            <a:r>
+              <a:rPr lang="en-US" dirty="0" err="1" smtClean="0"/>
+              <a:t>dự</a:t>
+            </a:r>
+            <a:r>
+              <a:rPr lang="en-US" baseline="0" dirty="0" smtClean="0"/>
+              <a:t> </a:t>
+            </a:r>
+            <a:r>
+              <a:rPr lang="en-US" baseline="0" dirty="0" err="1" smtClean="0"/>
+              <a:t>án</a:t>
+            </a:r>
+            <a:r>
+              <a:rPr lang="en-US" baseline="0" dirty="0" smtClean="0"/>
+              <a:t> </a:t>
+            </a:r>
+            <a:r>
+              <a:rPr lang="en-US" baseline="0" dirty="0" err="1" smtClean="0"/>
+              <a:t>chỉ</a:t>
+            </a:r>
+            <a:r>
+              <a:rPr lang="en-US" baseline="0" dirty="0" smtClean="0"/>
+              <a:t> </a:t>
+            </a:r>
+            <a:r>
+              <a:rPr lang="en-US" baseline="0" dirty="0" err="1" smtClean="0"/>
+              <a:t>có</a:t>
+            </a:r>
+            <a:r>
+              <a:rPr lang="en-US" baseline="0" dirty="0" smtClean="0"/>
+              <a:t> </a:t>
+            </a:r>
+            <a:r>
+              <a:rPr lang="en-US" baseline="0" dirty="0" err="1" smtClean="0"/>
+              <a:t>thể</a:t>
+            </a:r>
+            <a:r>
+              <a:rPr lang="en-US" baseline="0" dirty="0" smtClean="0"/>
+              <a:t> </a:t>
+            </a:r>
+            <a:r>
+              <a:rPr lang="en-US" baseline="0" dirty="0" err="1" smtClean="0"/>
+              <a:t>tạo</a:t>
+            </a:r>
+            <a:r>
+              <a:rPr lang="en-US" baseline="0" dirty="0" smtClean="0"/>
+              <a:t> work item </a:t>
+            </a:r>
+            <a:r>
+              <a:rPr lang="en-US" baseline="0" dirty="0" err="1" smtClean="0"/>
+              <a:t>thuộc</a:t>
+            </a:r>
+            <a:r>
+              <a:rPr lang="en-US" baseline="0" dirty="0" smtClean="0"/>
+              <a:t> </a:t>
+            </a:r>
+            <a:r>
+              <a:rPr lang="en-US" baseline="0" dirty="0" err="1" smtClean="0"/>
+              <a:t>về</a:t>
+            </a:r>
+            <a:r>
+              <a:rPr lang="en-US" baseline="0" dirty="0" smtClean="0"/>
+              <a:t> </a:t>
+            </a:r>
+            <a:r>
+              <a:rPr lang="en-US" baseline="0" dirty="0" err="1" smtClean="0"/>
+              <a:t>quy</a:t>
+            </a:r>
+            <a:r>
+              <a:rPr lang="en-US" baseline="0" dirty="0" smtClean="0"/>
+              <a:t> </a:t>
+            </a:r>
+            <a:r>
+              <a:rPr lang="en-US" baseline="0" dirty="0" err="1" smtClean="0"/>
+              <a:t>trình</a:t>
+            </a:r>
+            <a:r>
+              <a:rPr lang="en-US" baseline="0" dirty="0" smtClean="0"/>
+              <a:t> </a:t>
+            </a:r>
+            <a:r>
+              <a:rPr lang="en-US" baseline="0" dirty="0" err="1" smtClean="0"/>
+              <a:t>phát</a:t>
+            </a:r>
+            <a:r>
+              <a:rPr lang="en-US" baseline="0" dirty="0" smtClean="0"/>
+              <a:t> </a:t>
+            </a:r>
+            <a:r>
+              <a:rPr lang="en-US" baseline="0" dirty="0" err="1" smtClean="0"/>
+              <a:t>triển</a:t>
+            </a:r>
+            <a:r>
+              <a:rPr lang="en-US" baseline="0" dirty="0" smtClean="0"/>
+              <a:t> </a:t>
+            </a:r>
+            <a:r>
+              <a:rPr lang="en-US" baseline="0" dirty="0" err="1" smtClean="0"/>
+              <a:t>của</a:t>
+            </a:r>
+            <a:r>
+              <a:rPr lang="en-US" baseline="0" dirty="0" smtClean="0"/>
+              <a:t> </a:t>
+            </a:r>
+            <a:r>
+              <a:rPr lang="en-US" baseline="0" dirty="0" err="1" smtClean="0"/>
+              <a:t>dự</a:t>
+            </a:r>
+            <a:r>
+              <a:rPr lang="en-US" baseline="0" dirty="0" smtClean="0"/>
+              <a:t> </a:t>
+            </a:r>
+            <a:r>
+              <a:rPr lang="en-US" baseline="0" dirty="0" err="1" smtClean="0"/>
+              <a:t>án</a:t>
+            </a:r>
+            <a:r>
+              <a:rPr lang="en-US" baseline="0" dirty="0" smtClean="0"/>
+              <a:t>.</a:t>
+            </a:r>
+            <a:endParaRPr lang="en-US" dirty="0"/>
+          </a:p>
+        </p:txBody>
+      </p:sp>
+      <p:sp>
+        <p:nvSpPr>
+          <p:cNvPr id="4" name="Slide Number Placeholder 3"/>
+          <p:cNvSpPr>
+            <a:spLocks noGrp="1"/>
+          </p:cNvSpPr>
+          <p:nvPr>
+            <p:ph type="sldNum" sz="quarter" idx="10"/>
+          </p:nvPr>
+        </p:nvSpPr>
+        <p:spPr/>
+        <p:txBody>
+          <a:bodyPr/>
+          <a:lstStyle/>
+          <a:p>
+            <a:fld id="{DC92D41E-323F-4AC9-A45D-615F59E1C14A}" type="slidenum">
+              <a:rPr lang="en-US" smtClean="0"/>
+              <a:t>14</a:t>
+            </a:fld>
+            <a:endParaRPr lang="en-US"/>
+          </a:p>
+        </p:txBody>
+      </p:sp>
+    </p:spTree>
+    <p:extLst>
+      <p:ext uri="{BB962C8B-B14F-4D97-AF65-F5344CB8AC3E}">
+        <p14:creationId xmlns:p14="http://schemas.microsoft.com/office/powerpoint/2010/main" val="4022669211"/>
+      </p:ext>
+    </p:extLst>
+  </p:cSld>
+  <p:clrMapOvr>
+    <a:masterClrMapping/>
+  </p:clrMapOvr>
+</p:notes>
+</file>
+
+<file path=ppt/notesSlides/notesSlide11.xml><?xml version="1.0" encoding="utf-8"?>
+<p:notes xmlns:a="http://schemas.openxmlformats.org/drawingml/2006/main" xmlns:r="http://schemas.openxmlformats.org/officeDocument/2006/relationships" xmlns:p="http://schemas.openxmlformats.org/presentationml/2006/main">
+  <p:cSld>
+    <p:spTree>
+      <p:nvGrpSpPr>
+        <p:cNvPr id="1" name=""/>
+        <p:cNvGrpSpPr/>
+        <p:nvPr/>
+      </p:nvGrpSpPr>
+      <p:grpSpPr>
+        <a:xfrm>
+          <a:off x="0" y="0"/>
+          <a:ext cx="0" cy="0"/>
+          <a:chOff x="0" y="0"/>
+          <a:chExt cx="0" cy="0"/>
+        </a:xfrm>
+      </p:grpSpPr>
+      <p:sp>
+        <p:nvSpPr>
+          <p:cNvPr id="2" name="Slide Image Placeholder 1"/>
+          <p:cNvSpPr>
+            <a:spLocks noGrp="1" noRot="1" noChangeAspect="1"/>
+          </p:cNvSpPr>
+          <p:nvPr>
+            <p:ph type="sldImg"/>
+          </p:nvPr>
+        </p:nvSpPr>
+        <p:spPr/>
+      </p:sp>
+      <p:sp>
+        <p:nvSpPr>
+          <p:cNvPr id="3" name="Notes Placeholder 2"/>
+          <p:cNvSpPr>
+            <a:spLocks noGrp="1"/>
+          </p:cNvSpPr>
+          <p:nvPr>
+            <p:ph type="body" idx="1"/>
+          </p:nvPr>
+        </p:nvSpPr>
+        <p:spPr/>
+        <p:txBody>
+          <a:bodyPr/>
+          <a:lstStyle/>
+          <a:p>
+            <a:endParaRPr lang="en-US"/>
+          </a:p>
+        </p:txBody>
+      </p:sp>
+      <p:sp>
+        <p:nvSpPr>
+          <p:cNvPr id="4" name="Slide Number Placeholder 3"/>
+          <p:cNvSpPr>
+            <a:spLocks noGrp="1"/>
+          </p:cNvSpPr>
+          <p:nvPr>
+            <p:ph type="sldNum" sz="quarter" idx="10"/>
+          </p:nvPr>
+        </p:nvSpPr>
+        <p:spPr/>
+        <p:txBody>
+          <a:bodyPr/>
+          <a:lstStyle/>
+          <a:p>
+            <a:fld id="{DC92D41E-323F-4AC9-A45D-615F59E1C14A}" type="slidenum">
+              <a:rPr lang="en-US" smtClean="0"/>
+              <a:t>39</a:t>
+            </a:fld>
+            <a:endParaRPr lang="en-US"/>
+          </a:p>
+        </p:txBody>
+      </p:sp>
+    </p:spTree>
+    <p:extLst>
+      <p:ext uri="{BB962C8B-B14F-4D97-AF65-F5344CB8AC3E}">
+        <p14:creationId xmlns:p14="http://schemas.microsoft.com/office/powerpoint/2010/main" val="522547361"/>
+      </p:ext>
+    </p:extLst>
+  </p:cSld>
+  <p:clrMapOvr>
+    <a:masterClrMapping/>
+  </p:clrMapOvr>
+</p:notes>
+</file>
+
+<file path=ppt/notesSlides/notesSlide12.xml><?xml version="1.0" encoding="utf-8"?>
+<p:notes xmlns:a="http://schemas.openxmlformats.org/drawingml/2006/main" xmlns:r="http://schemas.openxmlformats.org/officeDocument/2006/relationships" xmlns:p="http://schemas.openxmlformats.org/presentationml/2006/main">
+  <p:cSld>
+    <p:spTree>
+      <p:nvGrpSpPr>
+        <p:cNvPr id="1" name=""/>
+        <p:cNvGrpSpPr/>
+        <p:nvPr/>
+      </p:nvGrpSpPr>
+      <p:grpSpPr>
+        <a:xfrm>
+          <a:off x="0" y="0"/>
+          <a:ext cx="0" cy="0"/>
+          <a:chOff x="0" y="0"/>
+          <a:chExt cx="0" cy="0"/>
+        </a:xfrm>
+      </p:grpSpPr>
+      <p:sp>
+        <p:nvSpPr>
+          <p:cNvPr id="2" name="Slide Image Placeholder 1"/>
+          <p:cNvSpPr>
+            <a:spLocks noGrp="1" noRot="1" noChangeAspect="1"/>
+          </p:cNvSpPr>
+          <p:nvPr>
+            <p:ph type="sldImg"/>
+          </p:nvPr>
+        </p:nvSpPr>
+        <p:spPr/>
+      </p:sp>
+      <p:sp>
+        <p:nvSpPr>
+          <p:cNvPr id="3" name="Notes Placeholder 2"/>
+          <p:cNvSpPr>
+            <a:spLocks noGrp="1"/>
+          </p:cNvSpPr>
+          <p:nvPr>
+            <p:ph type="body" idx="1"/>
+          </p:nvPr>
+        </p:nvSpPr>
+        <p:spPr/>
+        <p:txBody>
+          <a:bodyPr/>
+          <a:lstStyle/>
+          <a:p>
+            <a:endParaRPr lang="en-US"/>
+          </a:p>
+        </p:txBody>
+      </p:sp>
+      <p:sp>
+        <p:nvSpPr>
+          <p:cNvPr id="4" name="Slide Number Placeholder 3"/>
+          <p:cNvSpPr>
+            <a:spLocks noGrp="1"/>
+          </p:cNvSpPr>
+          <p:nvPr>
+            <p:ph type="sldNum" sz="quarter" idx="10"/>
+          </p:nvPr>
+        </p:nvSpPr>
+        <p:spPr/>
+        <p:txBody>
+          <a:bodyPr/>
+          <a:lstStyle/>
+          <a:p>
+            <a:fld id="{DC92D41E-323F-4AC9-A45D-615F59E1C14A}" type="slidenum">
+              <a:rPr lang="en-US" smtClean="0"/>
+              <a:t>41</a:t>
             </a:fld>
             <a:endParaRPr lang="en-US"/>
           </a:p>
@@ -7306,6 +7694,26 @@
           <a:bodyPr/>
           <a:lstStyle/>
           <a:p>
+            <a:r>
+              <a:rPr lang="en-US" smtClean="0"/>
+              <a:t>Ngay</a:t>
+            </a:r>
+            <a:r>
+              <a:rPr lang="en-US" baseline="0" smtClean="0"/>
+              <a:t> nay sinh vien thuong xuyen thuc hien do an nhom -&gt; Su dung nhieu cong cu ho tro tuong tac giua cac thanh vien.</a:t>
+            </a:r>
+          </a:p>
+          <a:p>
+            <a:r>
+              <a:rPr lang="en-US" baseline="0" smtClean="0"/>
+              <a:t>Nhung do deu la cac cong cu roi rac, khong thong nhat, gay kho khan cho viec quan ly danh gia qua trinh thuc dien do an.</a:t>
+            </a:r>
+          </a:p>
+          <a:p>
+            <a:r>
+              <a:rPr lang="en-US" baseline="0" smtClean="0"/>
+              <a:t>Do do yeu cau dat ra la xay dung 1 he thong quan ly tuong tac thong nhat ho tro giao vien va sinh vien trong viec quan ly va thuc hien do an.</a:t>
+            </a:r>
             <a:endParaRPr lang="en-US"/>
           </a:p>
         </p:txBody>
@@ -7327,7 +7735,7 @@
           <a:p>
             <a:fld id="{DC92D41E-323F-4AC9-A45D-615F59E1C14A}" type="slidenum">
               <a:rPr lang="en-US" smtClean="0"/>
-              <a:t>5</a:t>
+              <a:t>3</a:t>
             </a:fld>
             <a:endParaRPr lang="en-US"/>
           </a:p>
@@ -7336,7 +7744,7 @@
     </p:spTree>
     <p:extLst>
       <p:ext uri="{BB962C8B-B14F-4D97-AF65-F5344CB8AC3E}">
-        <p14:creationId xmlns:p14="http://schemas.microsoft.com/office/powerpoint/2010/main" val="3082665934"/>
+        <p14:creationId xmlns:p14="http://schemas.microsoft.com/office/powerpoint/2010/main" val="1907659973"/>
       </p:ext>
     </p:extLst>
   </p:cSld>
@@ -7390,6 +7798,14 @@
           <a:bodyPr/>
           <a:lstStyle/>
           <a:p>
+            <a:r>
+              <a:rPr lang="en-US" smtClean="0"/>
+              <a:t>Nhu da noi,</a:t>
+            </a:r>
+            <a:r>
+              <a:rPr lang="en-US" baseline="0" smtClean="0"/>
+              <a:t> de tai nay nham nghien cuu va xay dung 1 he thong chung, thong nhat nham giai quyet cac van de quan ly nhom, quan ly lich lam viec, ho tro trong viec tien hanh thuc hien do an theo cac quy trinh phan mem</a:t>
+            </a:r>
             <a:endParaRPr lang="en-US"/>
           </a:p>
         </p:txBody>
@@ -7411,7 +7827,7 @@
           <a:p>
             <a:fld id="{DC92D41E-323F-4AC9-A45D-615F59E1C14A}" type="slidenum">
               <a:rPr lang="en-US" smtClean="0"/>
-              <a:t>6</a:t>
+              <a:t>4</a:t>
             </a:fld>
             <a:endParaRPr lang="en-US"/>
           </a:p>
@@ -7420,7 +7836,7 @@
     </p:spTree>
     <p:extLst>
       <p:ext uri="{BB962C8B-B14F-4D97-AF65-F5344CB8AC3E}">
-        <p14:creationId xmlns:p14="http://schemas.microsoft.com/office/powerpoint/2010/main" val="522547361"/>
+        <p14:creationId xmlns:p14="http://schemas.microsoft.com/office/powerpoint/2010/main" val="4054579322"/>
       </p:ext>
     </p:extLst>
   </p:cSld>
@@ -7495,7 +7911,7 @@
           <a:p>
             <a:fld id="{DC92D41E-323F-4AC9-A45D-615F59E1C14A}" type="slidenum">
               <a:rPr lang="en-US" smtClean="0"/>
-              <a:t>10</a:t>
+              <a:t>5</a:t>
             </a:fld>
             <a:endParaRPr lang="en-US"/>
           </a:p>
@@ -7504,7 +7920,7 @@
     </p:spTree>
     <p:extLst>
       <p:ext uri="{BB962C8B-B14F-4D97-AF65-F5344CB8AC3E}">
-        <p14:creationId xmlns:p14="http://schemas.microsoft.com/office/powerpoint/2010/main" val="522547361"/>
+        <p14:creationId xmlns:p14="http://schemas.microsoft.com/office/powerpoint/2010/main" val="3082665934"/>
       </p:ext>
     </p:extLst>
   </p:cSld>
@@ -7558,135 +7974,7 @@
           <a:bodyPr/>
           <a:lstStyle/>
           <a:p>
-            <a:r>
-              <a:rPr lang="en-US" dirty="0" err="1" smtClean="0"/>
-              <a:t>Trong</a:t>
-            </a:r>
-            <a:r>
-              <a:rPr lang="en-US" dirty="0" smtClean="0"/>
-              <a:t> </a:t>
-            </a:r>
-            <a:r>
-              <a:rPr lang="en-US" dirty="0" err="1" smtClean="0"/>
-              <a:t>dự</a:t>
-            </a:r>
-            <a:r>
-              <a:rPr lang="en-US" baseline="0" dirty="0" smtClean="0"/>
-              <a:t> </a:t>
-            </a:r>
-            <a:r>
-              <a:rPr lang="en-US" baseline="0" dirty="0" err="1" smtClean="0"/>
-              <a:t>án</a:t>
-            </a:r>
-            <a:r>
-              <a:rPr lang="en-US" baseline="0" dirty="0" smtClean="0"/>
-              <a:t> </a:t>
-            </a:r>
-            <a:r>
-              <a:rPr lang="en-US" baseline="0" dirty="0" err="1" smtClean="0"/>
-              <a:t>chỉ</a:t>
-            </a:r>
-            <a:r>
-              <a:rPr lang="en-US" baseline="0" dirty="0" smtClean="0"/>
-              <a:t> </a:t>
-            </a:r>
-            <a:r>
-              <a:rPr lang="en-US" baseline="0" dirty="0" err="1" smtClean="0"/>
-              <a:t>có</a:t>
-            </a:r>
-            <a:r>
-              <a:rPr lang="en-US" baseline="0" dirty="0" smtClean="0"/>
-              <a:t> </a:t>
-            </a:r>
-            <a:r>
-              <a:rPr lang="en-US" baseline="0" dirty="0" err="1" smtClean="0"/>
-              <a:t>thể</a:t>
-            </a:r>
-            <a:r>
-              <a:rPr lang="en-US" baseline="0" dirty="0" smtClean="0"/>
-              <a:t> </a:t>
-            </a:r>
-            <a:r>
-              <a:rPr lang="en-US" baseline="0" dirty="0" err="1" smtClean="0"/>
-              <a:t>tạo</a:t>
-            </a:r>
-            <a:r>
-              <a:rPr lang="en-US" baseline="0" dirty="0" smtClean="0"/>
-              <a:t> work item </a:t>
-            </a:r>
-            <a:r>
-              <a:rPr lang="en-US" baseline="0" dirty="0" err="1" smtClean="0"/>
-              <a:t>thuộc</a:t>
-            </a:r>
-            <a:r>
-              <a:rPr lang="en-US" baseline="0" dirty="0" smtClean="0"/>
-              <a:t> </a:t>
-            </a:r>
-            <a:r>
-              <a:rPr lang="en-US" baseline="0" dirty="0" err="1" smtClean="0"/>
-              <a:t>về</a:t>
-            </a:r>
-            <a:r>
-              <a:rPr lang="en-US" baseline="0" dirty="0" smtClean="0"/>
-              <a:t> </a:t>
-            </a:r>
-            <a:r>
-              <a:rPr lang="en-US" baseline="0" dirty="0" err="1" smtClean="0"/>
-              <a:t>quy</a:t>
-            </a:r>
-            <a:r>
-              <a:rPr lang="en-US" baseline="0" dirty="0" smtClean="0"/>
-              <a:t> </a:t>
-            </a:r>
-            <a:r>
-              <a:rPr lang="en-US" baseline="0" dirty="0" err="1" smtClean="0"/>
-              <a:t>trình</a:t>
-            </a:r>
-            <a:r>
-              <a:rPr lang="en-US" baseline="0" dirty="0" smtClean="0"/>
-              <a:t> </a:t>
-            </a:r>
-            <a:r>
-              <a:rPr lang="en-US" baseline="0" dirty="0" err="1" smtClean="0"/>
-              <a:t>phát</a:t>
-            </a:r>
-            <a:r>
-              <a:rPr lang="en-US" baseline="0" dirty="0" smtClean="0"/>
-              <a:t> </a:t>
-            </a:r>
-            <a:r>
-              <a:rPr lang="en-US" baseline="0" dirty="0" err="1" smtClean="0"/>
-              <a:t>triển</a:t>
-            </a:r>
-            <a:r>
-              <a:rPr lang="en-US" baseline="0" dirty="0" smtClean="0"/>
-              <a:t> </a:t>
-            </a:r>
-            <a:r>
-              <a:rPr lang="en-US" baseline="0" dirty="0" err="1" smtClean="0"/>
-              <a:t>của</a:t>
-            </a:r>
-            <a:r>
-              <a:rPr lang="en-US" baseline="0" dirty="0" smtClean="0"/>
-              <a:t> </a:t>
-            </a:r>
-            <a:r>
-              <a:rPr lang="en-US" baseline="0" dirty="0" err="1" smtClean="0"/>
-              <a:t>dự</a:t>
-            </a:r>
-            <a:r>
-              <a:rPr lang="en-US" baseline="0" dirty="0" smtClean="0"/>
-              <a:t> </a:t>
-            </a:r>
-            <a:r>
-              <a:rPr lang="en-US" baseline="0" dirty="0" err="1" smtClean="0"/>
-              <a:t>án</a:t>
-            </a:r>
-            <a:r>
-              <a:rPr lang="en-US" baseline="0" dirty="0" smtClean="0"/>
-              <a:t>.</a:t>
-            </a:r>
-            <a:endParaRPr lang="en-US" dirty="0"/>
+            <a:endParaRPr lang="en-US"/>
           </a:p>
         </p:txBody>
       </p:sp>
@@ -7707,7 +7995,7 @@
           <a:p>
             <a:fld id="{DC92D41E-323F-4AC9-A45D-615F59E1C14A}" type="slidenum">
               <a:rPr lang="en-US" smtClean="0"/>
-              <a:t>14</a:t>
+              <a:t>6</a:t>
             </a:fld>
             <a:endParaRPr lang="en-US"/>
           </a:p>
@@ -7716,7 +8004,7 @@
     </p:spTree>
     <p:extLst>
       <p:ext uri="{BB962C8B-B14F-4D97-AF65-F5344CB8AC3E}">
-        <p14:creationId xmlns:p14="http://schemas.microsoft.com/office/powerpoint/2010/main" val="4022669211"/>
+        <p14:creationId xmlns:p14="http://schemas.microsoft.com/office/powerpoint/2010/main" val="522547361"/>
       </p:ext>
     </p:extLst>
   </p:cSld>
@@ -7770,6 +8058,20 @@
           <a:bodyPr/>
           <a:lstStyle/>
           <a:p>
+            <a:r>
+              <a:rPr lang="en-US" smtClean="0"/>
+              <a:t>Voi nhung do an</a:t>
+            </a:r>
+            <a:r>
+              <a:rPr lang="en-US" baseline="0" smtClean="0"/>
+              <a:t> co nhieu nguoi tham gia, dat ra nhu cau hop tác giữa các thành viên. Từ đó nảy sinh ra trường hợp không thống nhất, cần có sự trao đổi bàn bạc.</a:t>
+            </a:r>
+          </a:p>
+          <a:p>
+            <a:r>
+              <a:rPr lang="en-US" baseline="0" smtClean="0"/>
+              <a:t>Các công cụ hỗ trợ ra đời nhằm hỗ trợ tương tác giữa các thành viên dự án</a:t>
+            </a:r>
             <a:endParaRPr lang="en-US"/>
           </a:p>
         </p:txBody>
@@ -7791,7 +8093,7 @@
           <a:p>
             <a:fld id="{DC92D41E-323F-4AC9-A45D-615F59E1C14A}" type="slidenum">
               <a:rPr lang="en-US" smtClean="0"/>
-              <a:t>39</a:t>
+              <a:t>7</a:t>
             </a:fld>
             <a:endParaRPr lang="en-US"/>
           </a:p>
@@ -7800,7 +8102,7 @@
     </p:spTree>
     <p:extLst>
       <p:ext uri="{BB962C8B-B14F-4D97-AF65-F5344CB8AC3E}">
-        <p14:creationId xmlns:p14="http://schemas.microsoft.com/office/powerpoint/2010/main" val="522547361"/>
+        <p14:creationId xmlns:p14="http://schemas.microsoft.com/office/powerpoint/2010/main" val="446436147"/>
       </p:ext>
     </p:extLst>
   </p:cSld>
@@ -7875,7 +8177,183 @@
           <a:p>
             <a:fld id="{DC92D41E-323F-4AC9-A45D-615F59E1C14A}" type="slidenum">
               <a:rPr lang="en-US" smtClean="0"/>
-              <a:t>41</a:t>
+              <a:t>8</a:t>
+            </a:fld>
+            <a:endParaRPr lang="en-US"/>
+          </a:p>
+        </p:txBody>
+      </p:sp>
+    </p:spTree>
+    <p:extLst>
+      <p:ext uri="{BB962C8B-B14F-4D97-AF65-F5344CB8AC3E}">
+        <p14:creationId xmlns:p14="http://schemas.microsoft.com/office/powerpoint/2010/main" val="1723843161"/>
+      </p:ext>
+    </p:extLst>
+  </p:cSld>
+  <p:clrMapOvr>
+    <a:masterClrMapping/>
+  </p:clrMapOvr>
+</p:notes>
+</file>
+
+<file path=ppt/notesSlides/notesSlide8.xml><?xml version="1.0" encoding="utf-8"?>
+<p:notes xmlns:a="http://schemas.openxmlformats.org/drawingml/2006/main" xmlns:r="http://schemas.openxmlformats.org/officeDocument/2006/relationships" xmlns:p="http://schemas.openxmlformats.org/presentationml/2006/main">
+  <p:cSld>
+    <p:spTree>
+      <p:nvGrpSpPr>
+        <p:cNvPr id="1" name=""/>
+        <p:cNvGrpSpPr/>
+        <p:nvPr/>
+      </p:nvGrpSpPr>
+      <p:grpSpPr>
+        <a:xfrm>
+          <a:off x="0" y="0"/>
+          <a:ext cx="0" cy="0"/>
+          <a:chOff x="0" y="0"/>
+          <a:chExt cx="0" cy="0"/>
+        </a:xfrm>
+      </p:grpSpPr>
+      <p:sp>
+        <p:nvSpPr>
+          <p:cNvPr id="2" name="Slide Image Placeholder 1"/>
+          <p:cNvSpPr>
+            <a:spLocks noGrp="1" noRot="1" noChangeAspect="1"/>
+          </p:cNvSpPr>
+          <p:nvPr>
+            <p:ph type="sldImg"/>
+          </p:nvPr>
+        </p:nvSpPr>
+        <p:spPr/>
+      </p:sp>
+      <p:sp>
+        <p:nvSpPr>
+          <p:cNvPr id="3" name="Notes Placeholder 2"/>
+          <p:cNvSpPr>
+            <a:spLocks noGrp="1"/>
+          </p:cNvSpPr>
+          <p:nvPr>
+            <p:ph type="body" idx="1"/>
+          </p:nvPr>
+        </p:nvSpPr>
+        <p:spPr/>
+        <p:txBody>
+          <a:bodyPr/>
+          <a:lstStyle/>
+          <a:p>
+            <a:r>
+              <a:rPr lang="en-US" smtClean="0"/>
+              <a:t>Tuy nhiên</a:t>
+            </a:r>
+            <a:r>
+              <a:rPr lang="en-US" baseline="0" smtClean="0"/>
+              <a:t> những công cụ, hệ thống này có nhiều chức năng phức tạp, khó sử dụng, nhiếu tính năng sinh viên không dùng đến nên ko đạt được hiệu quả tối ưu</a:t>
+            </a:r>
+            <a:endParaRPr lang="en-US"/>
+          </a:p>
+        </p:txBody>
+      </p:sp>
+      <p:sp>
+        <p:nvSpPr>
+          <p:cNvPr id="4" name="Slide Number Placeholder 3"/>
+          <p:cNvSpPr>
+            <a:spLocks noGrp="1"/>
+          </p:cNvSpPr>
+          <p:nvPr>
+            <p:ph type="sldNum" sz="quarter" idx="10"/>
+          </p:nvPr>
+        </p:nvSpPr>
+        <p:spPr/>
+        <p:txBody>
+          <a:bodyPr/>
+          <a:lstStyle/>
+          <a:p>
+            <a:fld id="{DC92D41E-323F-4AC9-A45D-615F59E1C14A}" type="slidenum">
+              <a:rPr lang="en-US" smtClean="0"/>
+              <a:t>9</a:t>
+            </a:fld>
+            <a:endParaRPr lang="en-US"/>
+          </a:p>
+        </p:txBody>
+      </p:sp>
+    </p:spTree>
+    <p:extLst>
+      <p:ext uri="{BB962C8B-B14F-4D97-AF65-F5344CB8AC3E}">
+        <p14:creationId xmlns:p14="http://schemas.microsoft.com/office/powerpoint/2010/main" val="1908290267"/>
+      </p:ext>
+    </p:extLst>
+  </p:cSld>
+  <p:clrMapOvr>
+    <a:masterClrMapping/>
+  </p:clrMapOvr>
+</p:notes>
+</file>
+
+<file path=ppt/notesSlides/notesSlide9.xml><?xml version="1.0" encoding="utf-8"?>
+<p:notes xmlns:a="http://schemas.openxmlformats.org/drawingml/2006/main" xmlns:r="http://schemas.openxmlformats.org/officeDocument/2006/relationships" xmlns:p="http://schemas.openxmlformats.org/presentationml/2006/main">
+  <p:cSld>
+    <p:spTree>
+      <p:nvGrpSpPr>
+        <p:cNvPr id="1" name=""/>
+        <p:cNvGrpSpPr/>
+        <p:nvPr/>
+      </p:nvGrpSpPr>
+      <p:grpSpPr>
+        <a:xfrm>
+          <a:off x="0" y="0"/>
+          <a:ext cx="0" cy="0"/>
+          <a:chOff x="0" y="0"/>
+          <a:chExt cx="0" cy="0"/>
+        </a:xfrm>
+      </p:grpSpPr>
+      <p:sp>
+        <p:nvSpPr>
+          <p:cNvPr id="2" name="Slide Image Placeholder 1"/>
+          <p:cNvSpPr>
+            <a:spLocks noGrp="1" noRot="1" noChangeAspect="1"/>
+          </p:cNvSpPr>
+          <p:nvPr>
+            <p:ph type="sldImg"/>
+          </p:nvPr>
+        </p:nvSpPr>
+        <p:spPr/>
+      </p:sp>
+      <p:sp>
+        <p:nvSpPr>
+          <p:cNvPr id="3" name="Notes Placeholder 2"/>
+          <p:cNvSpPr>
+            <a:spLocks noGrp="1"/>
+          </p:cNvSpPr>
+          <p:nvPr>
+            <p:ph type="body" idx="1"/>
+          </p:nvPr>
+        </p:nvSpPr>
+        <p:spPr/>
+        <p:txBody>
+          <a:bodyPr/>
+          <a:lstStyle/>
+          <a:p>
+            <a:endParaRPr lang="en-US"/>
+          </a:p>
+        </p:txBody>
+      </p:sp>
+      <p:sp>
+        <p:nvSpPr>
+          <p:cNvPr id="4" name="Slide Number Placeholder 3"/>
+          <p:cNvSpPr>
+            <a:spLocks noGrp="1"/>
+          </p:cNvSpPr>
+          <p:nvPr>
+            <p:ph type="sldNum" sz="quarter" idx="10"/>
+          </p:nvPr>
+        </p:nvSpPr>
+        <p:spPr/>
+        <p:txBody>
+          <a:bodyPr/>
+          <a:lstStyle/>
+          <a:p>
+            <a:fld id="{DC92D41E-323F-4AC9-A45D-615F59E1C14A}" type="slidenum">
+              <a:rPr lang="en-US" smtClean="0"/>
+              <a:t>10</a:t>
             </a:fld>
             <a:endParaRPr lang="en-US"/>
           </a:p>
@@ -12802,126 +13280,9 @@
   <p:timing>
     <p:tnLst>
       <p:par>
-        <p:cTn id="1" dur="indefinite" restart="never" nodeType="tmRoot">
-          <p:childTnLst>
-            <p:seq concurrent="1" nextAc="seek">
-              <p:cTn id="2" dur="indefinite" nodeType="mainSeq">
-                <p:childTnLst>
-                  <p:par>
-                    <p:cTn id="3" fill="hold">
-                      <p:stCondLst>
-                        <p:cond delay="indefinite"/>
-                      </p:stCondLst>
-                      <p:childTnLst>
-                        <p:par>
-                          <p:cTn id="4" fill="hold">
-                            <p:stCondLst>
-                              <p:cond delay="0"/>
-                            </p:stCondLst>
-                            <p:childTnLst>
-                              <p:par>
-                                <p:cTn id="5" presetID="2" presetClass="entr" presetSubtype="8" fill="hold" grpId="0" nodeType="clickEffect">
-                                  <p:stCondLst>
-                                    <p:cond delay="0"/>
-                                  </p:stCondLst>
-                                  <p:childTnLst>
-                                    <p:set>
-                                      <p:cBhvr>
-                                        <p:cTn id="6" dur="1" fill="hold">
-                                          <p:stCondLst>
-                                            <p:cond delay="0"/>
-                                          </p:stCondLst>
-                                        </p:cTn>
-                                        <p:tgtEl>
-                                          <p:spTgt spid="4"/>
-                                        </p:tgtEl>
-                                        <p:attrNameLst>
-                                          <p:attrName>style.visibility</p:attrName>
-                                        </p:attrNameLst>
-                                      </p:cBhvr>
-                                      <p:to>
-                                        <p:strVal val="visible"/>
-                                      </p:to>
-                                    </p:set>
-                                    <p:anim calcmode="lin" valueType="num">
-                                      <p:cBhvr additive="base">
-                                        <p:cTn id="7" dur="500" fill="hold"/>
-                                        <p:tgtEl>
-                                          <p:spTgt spid="4"/>
-                                        </p:tgtEl>
-                                        <p:attrNameLst>
-                                          <p:attrName>ppt_x</p:attrName>
-                                        </p:attrNameLst>
-                                      </p:cBhvr>
-                                      <p:tavLst>
-                                        <p:tav tm="0">
-                                          <p:val>
-                                            <p:strVal val="0-#ppt_w/2"/>
-                                          </p:val>
-                                        </p:tav>
-                                        <p:tav tm="100000">
-                                          <p:val>
-                                            <p:strVal val="#ppt_x"/>
-                                          </p:val>
-                                        </p:tav>
-                                      </p:tavLst>
-                                    </p:anim>
-                                    <p:anim calcmode="lin" valueType="num">
-                                      <p:cBhvr additive="base">
-                                        <p:cTn id="8" dur="500" fill="hold"/>
-                                        <p:tgtEl>
-                                          <p:spTgt spid="4"/>
-                                        </p:tgtEl>
-                                        <p:attrNameLst>
-                                          <p:attrName>ppt_y</p:attrName>
-                                        </p:attrNameLst>
-                                      </p:cBhvr>
-                                      <p:tavLst>
-                                        <p:tav tm="0">
-                                          <p:val>
-                                            <p:strVal val="#ppt_y"/>
-                                          </p:val>
-                                        </p:tav>
-                                        <p:tav tm="100000">
-                                          <p:val>
-                                            <p:strVal val="#ppt_y"/>
-                                          </p:val>
-                                        </p:tav>
-                                      </p:tavLst>
-                                    </p:anim>
-                                  </p:childTnLst>
-                                </p:cTn>
-                              </p:par>
-                            </p:childTnLst>
-                          </p:cTn>
-                        </p:par>
-                      </p:childTnLst>
-                    </p:cTn>
-                  </p:par>
-                </p:childTnLst>
-              </p:cTn>
-              <p:prevCondLst>
-                <p:cond evt="onPrev" delay="0">
-                  <p:tgtEl>
-                    <p:sldTgt/>
-                  </p:tgtEl>
-                </p:cond>
-              </p:prevCondLst>
-              <p:nextCondLst>
-                <p:cond evt="onNext" delay="0">
-                  <p:tgtEl>
-                    <p:sldTgt/>
-                  </p:tgtEl>
-                </p:cond>
-              </p:nextCondLst>
-            </p:seq>
-          </p:childTnLst>
-        </p:cTn>
+        <p:cTn id="1" dur="indefinite" restart="never" nodeType="tmRoot"/>
       </p:par>
     </p:tnLst>
-    <p:bldLst>
-      <p:bldP spid="4" grpId="0" animBg="1"/>
-    </p:bldLst>
   </p:timing>
 </p:sld>
 </file>
@@ -13953,7 +14314,7 @@
           <a:graphicData uri="http://schemas.openxmlformats.org/presentationml/2006/ole">
             <mc:AlternateContent xmlns:mc="http://schemas.openxmlformats.org/markup-compatibility/2006">
               <mc:Choice xmlns:v="urn:schemas-microsoft-com:vml" Requires="v">
-                <p:oleObj spid="_x0000_s10267" name="Visio" r:id="rId3" imgW="6688055" imgH="2661113" progId="Visio.Drawing.11">
+                <p:oleObj spid="_x0000_s10270" name="Visio" r:id="rId3" imgW="6688055" imgH="2661113" progId="Visio.Drawing.11">
                   <p:embed/>
                 </p:oleObj>
               </mc:Choice>
@@ -15804,11 +16165,7 @@
             </a:r>
             <a:r>
               <a:rPr lang="en-US" smtClean="0"/>
-              <a:t> </a:t>
-            </a:r>
-            <a:r>
-              <a:rPr lang="en-US" smtClean="0"/>
-              <a:t>Án (1/2)</a:t>
+              <a:t> Án (1/2)</a:t>
             </a:r>
             <a:endParaRPr lang="en-US" dirty="0"/>
           </a:p>
@@ -16062,19 +16419,7 @@
             </a:r>
             <a:r>
               <a:rPr lang="en-US" smtClean="0"/>
-              <a:t> </a:t>
-            </a:r>
-            <a:r>
-              <a:rPr lang="en-US" smtClean="0"/>
-              <a:t>(</a:t>
-            </a:r>
-            <a:r>
-              <a:rPr lang="en-US" smtClean="0"/>
-              <a:t>2/2</a:t>
-            </a:r>
-            <a:r>
-              <a:rPr lang="en-US" smtClean="0"/>
-              <a:t>)</a:t>
+              <a:t> (2/2)</a:t>
             </a:r>
             <a:endParaRPr lang="en-US" dirty="0"/>
           </a:p>
@@ -19524,7 +19869,7 @@
             <a:endParaRPr lang="en-US" dirty="0" smtClean="0"/>
           </a:p>
           <a:p>
-            <a:pPr lvl="1"/>
+            <a:pPr lvl="1" algn="just"/>
             <a:r>
               <a:rPr lang="en-US" dirty="0" err="1" smtClean="0"/>
               <a:t>Sinh</a:t>
@@ -19604,7 +19949,7 @@
             <a:endParaRPr lang="en-US" dirty="0" smtClean="0"/>
           </a:p>
           <a:p>
-            <a:pPr lvl="1"/>
+            <a:pPr lvl="1" algn="just"/>
             <a:r>
               <a:rPr lang="en-US" dirty="0" err="1" smtClean="0"/>
               <a:t>Giáo</a:t>
@@ -19751,7 +20096,7 @@
             </a:r>
           </a:p>
           <a:p>
-            <a:pPr lvl="1"/>
+            <a:pPr lvl="1" algn="just"/>
             <a:r>
               <a:rPr lang="en-US" dirty="0" err="1" smtClean="0"/>
               <a:t>Các</a:t>
@@ -19842,7 +20187,7 @@
             </a:r>
           </a:p>
           <a:p>
-            <a:pPr marL="274320" lvl="1" indent="0">
+            <a:pPr marL="274320" lvl="1" indent="0" algn="just">
               <a:buNone/>
             </a:pPr>
             <a:r>
@@ -21467,7 +21812,7 @@
           <a:graphicData uri="http://schemas.openxmlformats.org/presentationml/2006/ole">
             <mc:AlternateContent xmlns:mc="http://schemas.openxmlformats.org/markup-compatibility/2006">
               <mc:Choice xmlns:v="urn:schemas-microsoft-com:vml" Requires="v">
-                <p:oleObj spid="_x0000_s5204" name="Visio" r:id="rId3" imgW="3572937" imgH="1000698" progId="Visio.Drawing.11">
+                <p:oleObj spid="_x0000_s5207" name="Visio" r:id="rId3" imgW="3572937" imgH="1000698" progId="Visio.Drawing.11">
                   <p:embed/>
                 </p:oleObj>
               </mc:Choice>
@@ -22847,7 +23192,7 @@
           <a:graphicData uri="http://schemas.openxmlformats.org/presentationml/2006/ole">
             <mc:AlternateContent xmlns:mc="http://schemas.openxmlformats.org/markup-compatibility/2006">
               <mc:Choice xmlns:v="urn:schemas-microsoft-com:vml" Requires="v">
-                <p:oleObj spid="_x0000_s9280" r:id="rId3" imgW="4586835" imgH="2157957" progId="Visio.Drawing.11">
+                <p:oleObj spid="_x0000_s9283" r:id="rId3" imgW="4586835" imgH="2157957" progId="Visio.Drawing.11">
                   <p:embed/>
                 </p:oleObj>
               </mc:Choice>
@@ -27407,11 +27752,7 @@
             </a:r>
             <a:r>
               <a:rPr lang="en-US" smtClean="0"/>
-              <a:t>server</a:t>
-            </a:r>
-            <a:r>
-              <a:rPr lang="en-US" smtClean="0"/>
-              <a:t>,  </a:t>
+              <a:t>server,  </a:t>
             </a:r>
             <a:r>
               <a:rPr lang="en-US" dirty="0">
@@ -28533,126 +28874,9 @@
   <p:timing>
     <p:tnLst>
       <p:par>
-        <p:cTn id="1" dur="indefinite" restart="never" nodeType="tmRoot">
-          <p:childTnLst>
-            <p:seq concurrent="1" nextAc="seek">
-              <p:cTn id="2" dur="indefinite" nodeType="mainSeq">
-                <p:childTnLst>
-                  <p:par>
-                    <p:cTn id="3" fill="hold">
-                      <p:stCondLst>
-                        <p:cond delay="indefinite"/>
-                      </p:stCondLst>
-                      <p:childTnLst>
-                        <p:par>
-                          <p:cTn id="4" fill="hold">
-                            <p:stCondLst>
-                              <p:cond delay="0"/>
-                            </p:stCondLst>
-                            <p:childTnLst>
-                              <p:par>
-                                <p:cTn id="5" presetID="2" presetClass="entr" presetSubtype="8" fill="hold" grpId="0" nodeType="clickEffect">
-                                  <p:stCondLst>
-                                    <p:cond delay="0"/>
-                                  </p:stCondLst>
-                                  <p:childTnLst>
-                                    <p:set>
-                                      <p:cBhvr>
-                                        <p:cTn id="6" dur="1" fill="hold">
-                                          <p:stCondLst>
-                                            <p:cond delay="0"/>
-                                          </p:stCondLst>
-                                        </p:cTn>
-                                        <p:tgtEl>
-                                          <p:spTgt spid="4"/>
-                                        </p:tgtEl>
-                                        <p:attrNameLst>
-                                          <p:attrName>style.visibility</p:attrName>
-                                        </p:attrNameLst>
-                                      </p:cBhvr>
-                                      <p:to>
-                                        <p:strVal val="visible"/>
-                                      </p:to>
-                                    </p:set>
-                                    <p:anim calcmode="lin" valueType="num">
-                                      <p:cBhvr additive="base">
-                                        <p:cTn id="7" dur="500" fill="hold"/>
-                                        <p:tgtEl>
-                                          <p:spTgt spid="4"/>
-                                        </p:tgtEl>
-                                        <p:attrNameLst>
-                                          <p:attrName>ppt_x</p:attrName>
-                                        </p:attrNameLst>
-                                      </p:cBhvr>
-                                      <p:tavLst>
-                                        <p:tav tm="0">
-                                          <p:val>
-                                            <p:strVal val="0-#ppt_w/2"/>
-                                          </p:val>
-                                        </p:tav>
-                                        <p:tav tm="100000">
-                                          <p:val>
-                                            <p:strVal val="#ppt_x"/>
-                                          </p:val>
-                                        </p:tav>
-                                      </p:tavLst>
-                                    </p:anim>
-                                    <p:anim calcmode="lin" valueType="num">
-                                      <p:cBhvr additive="base">
-                                        <p:cTn id="8" dur="500" fill="hold"/>
-                                        <p:tgtEl>
-                                          <p:spTgt spid="4"/>
-                                        </p:tgtEl>
-                                        <p:attrNameLst>
-                                          <p:attrName>ppt_y</p:attrName>
-                                        </p:attrNameLst>
-                                      </p:cBhvr>
-                                      <p:tavLst>
-                                        <p:tav tm="0">
-                                          <p:val>
-                                            <p:strVal val="#ppt_y"/>
-                                          </p:val>
-                                        </p:tav>
-                                        <p:tav tm="100000">
-                                          <p:val>
-                                            <p:strVal val="#ppt_y"/>
-                                          </p:val>
-                                        </p:tav>
-                                      </p:tavLst>
-                                    </p:anim>
-                                  </p:childTnLst>
-                                </p:cTn>
-                              </p:par>
-                            </p:childTnLst>
-                          </p:cTn>
-                        </p:par>
-                      </p:childTnLst>
-                    </p:cTn>
-                  </p:par>
-                </p:childTnLst>
-              </p:cTn>
-              <p:prevCondLst>
-                <p:cond evt="onPrev" delay="0">
-                  <p:tgtEl>
-                    <p:sldTgt/>
-                  </p:tgtEl>
-                </p:cond>
-              </p:prevCondLst>
-              <p:nextCondLst>
-                <p:cond evt="onNext" delay="0">
-                  <p:tgtEl>
-                    <p:sldTgt/>
-                  </p:tgtEl>
-                </p:cond>
-              </p:nextCondLst>
-            </p:seq>
-          </p:childTnLst>
-        </p:cTn>
+        <p:cTn id="1" dur="indefinite" restart="never" nodeType="tmRoot"/>
       </p:par>
     </p:tnLst>
-    <p:bldLst>
-      <p:bldP spid="4" grpId="0" animBg="1"/>
-    </p:bldLst>
   </p:timing>
 </p:sld>
 </file>
@@ -29453,7 +29677,7 @@
           <p:nvPr/>
         </p:nvPicPr>
         <p:blipFill>
-          <a:blip r:embed="rId2">
+          <a:blip r:embed="rId3">
             <a:extLst>
               <a:ext uri="{28A0092B-C50C-407E-A947-70E740481C1C}">
                 <a14:useLocalDpi xmlns:a14="http://schemas.microsoft.com/office/drawing/2010/main" val="0"/>
@@ -29871,7 +30095,7 @@
           <p:nvPr/>
         </p:nvPicPr>
         <p:blipFill>
-          <a:blip r:embed="rId2">
+          <a:blip r:embed="rId3">
             <a:extLst>
               <a:ext uri="{28A0092B-C50C-407E-A947-70E740481C1C}">
                 <a14:useLocalDpi xmlns:a14="http://schemas.microsoft.com/office/drawing/2010/main" val="0"/>
@@ -29912,7 +30136,7 @@
           <p:nvPr/>
         </p:nvPicPr>
         <p:blipFill>
-          <a:blip r:embed="rId3">
+          <a:blip r:embed="rId4">
             <a:extLst>
               <a:ext uri="{28A0092B-C50C-407E-A947-70E740481C1C}">
                 <a14:useLocalDpi xmlns:a14="http://schemas.microsoft.com/office/drawing/2010/main" val="0"/>

--- a/Report/ppt/Presentation.pptx
+++ b/Report/ppt/Presentation.pptx
@@ -6745,7 +6745,7 @@
           <a:p>
             <a:fld id="{85AD2398-DDED-42CC-90C1-69E134217F94}" type="datetimeFigureOut">
               <a:rPr lang="en-US" smtClean="0"/>
-              <a:t>16/07/2012</a:t>
+              <a:t>7/16/2012</a:t>
             </a:fld>
             <a:endParaRPr lang="en-US"/>
           </a:p>
@@ -6910,7 +6910,7 @@
           <a:p>
             <a:fld id="{4C715847-7B4D-45DD-A2D4-9F51B7F9D7CE}" type="datetimeFigureOut">
               <a:rPr lang="en-US" smtClean="0"/>
-              <a:t>16/07/2012</a:t>
+              <a:t>7/16/2012</a:t>
             </a:fld>
             <a:endParaRPr lang="en-US"/>
           </a:p>
@@ -8515,7 +8515,7 @@
           <a:p>
             <a:fld id="{98E53CD6-F281-440F-95C0-155B06F988DD}" type="datetime1">
               <a:rPr lang="en-US" smtClean="0"/>
-              <a:t>16/07/2012</a:t>
+              <a:t>7/16/2012</a:t>
             </a:fld>
             <a:endParaRPr lang="en-US"/>
           </a:p>
@@ -8882,7 +8882,7 @@
           <a:p>
             <a:fld id="{FB75CA1C-FAAE-452B-A9A0-04274597E91C}" type="datetime1">
               <a:rPr lang="en-US" smtClean="0"/>
-              <a:t>16/07/2012</a:t>
+              <a:t>7/16/2012</a:t>
             </a:fld>
             <a:endParaRPr lang="en-US"/>
           </a:p>
@@ -9065,7 +9065,7 @@
           <a:p>
             <a:fld id="{E540F00F-61E9-41D9-8B9F-E60823CC2B8F}" type="datetime1">
               <a:rPr lang="en-US" smtClean="0"/>
-              <a:t>16/07/2012</a:t>
+              <a:t>7/16/2012</a:t>
             </a:fld>
             <a:endParaRPr lang="en-US"/>
           </a:p>
@@ -9427,7 +9427,7 @@
             <a:fld id="{FCC16894-5FBA-4AA1-B4C4-F198F8BAB8EE}" type="datetime1">
               <a:rPr lang="en-US" smtClean="0"/>
               <a:pPr/>
-              <a:t>16/07/2012</a:t>
+              <a:t>7/16/2012</a:t>
             </a:fld>
             <a:endParaRPr lang="en-US" dirty="0"/>
           </a:p>
@@ -9722,7 +9722,7 @@
           <a:p>
             <a:fld id="{9880AB46-C2F8-4CED-B046-C9421EE9131E}" type="datetime1">
               <a:rPr lang="en-US" smtClean="0"/>
-              <a:t>16/07/2012</a:t>
+              <a:t>7/16/2012</a:t>
             </a:fld>
             <a:endParaRPr lang="en-US"/>
           </a:p>
@@ -9950,7 +9950,7 @@
           <a:p>
             <a:fld id="{F6B66E23-1D74-4A80-8615-71C9FAF9CB48}" type="datetime1">
               <a:rPr lang="en-US" smtClean="0"/>
-              <a:t>16/07/2012</a:t>
+              <a:t>7/16/2012</a:t>
             </a:fld>
             <a:endParaRPr lang="en-US"/>
           </a:p>
@@ -10310,7 +10310,7 @@
           <a:p>
             <a:fld id="{A10E77F1-F8E5-43F5-B86A-173865D1D665}" type="datetime1">
               <a:rPr lang="en-US" smtClean="0"/>
-              <a:t>16/07/2012</a:t>
+              <a:t>7/16/2012</a:t>
             </a:fld>
             <a:endParaRPr lang="en-US"/>
           </a:p>
@@ -10550,7 +10550,7 @@
           <a:p>
             <a:fld id="{B659CF7B-1899-4ABD-B618-B12586A70191}" type="datetime1">
               <a:rPr lang="en-US" smtClean="0"/>
-              <a:t>16/07/2012</a:t>
+              <a:t>7/16/2012</a:t>
             </a:fld>
             <a:endParaRPr lang="en-US"/>
           </a:p>
@@ -10698,7 +10698,7 @@
           <a:p>
             <a:fld id="{60C46DD3-79D0-4ECB-8390-8FA1280DAC51}" type="datetime1">
               <a:rPr lang="en-US" smtClean="0"/>
-              <a:t>16/07/2012</a:t>
+              <a:t>7/16/2012</a:t>
             </a:fld>
             <a:endParaRPr lang="en-US"/>
           </a:p>
@@ -10983,7 +10983,7 @@
           <a:p>
             <a:fld id="{0124066E-2945-4D2F-A208-2B84FC462117}" type="datetime1">
               <a:rPr lang="en-US" smtClean="0"/>
-              <a:t>16/07/2012</a:t>
+              <a:t>7/16/2012</a:t>
             </a:fld>
             <a:endParaRPr lang="en-US"/>
           </a:p>
@@ -11391,7 +11391,7 @@
           <a:p>
             <a:fld id="{F968A740-1A17-4B3D-8A72-ABA7683113B5}" type="datetime1">
               <a:rPr lang="en-US" smtClean="0"/>
-              <a:t>16/07/2012</a:t>
+              <a:t>7/16/2012</a:t>
             </a:fld>
             <a:endParaRPr lang="en-US"/>
           </a:p>
@@ -11730,7 +11730,7 @@
           <a:p>
             <a:fld id="{30E94C64-AEEC-434B-B2FC-071CE6512757}" type="datetime1">
               <a:rPr lang="en-US" smtClean="0"/>
-              <a:t>16/07/2012</a:t>
+              <a:t>7/16/2012</a:t>
             </a:fld>
             <a:endParaRPr lang="en-US" dirty="0"/>
           </a:p>
@@ -12289,7 +12289,7 @@
           <a:p>
             <a:fld id="{6D05353F-0162-4E3B-A5E6-0D37264D06A7}" type="datetime1">
               <a:rPr lang="en-US" smtClean="0"/>
-              <a:t>16/07/2012</a:t>
+              <a:t>7/16/2012</a:t>
             </a:fld>
             <a:endParaRPr lang="en-US" dirty="0"/>
           </a:p>
@@ -13147,7 +13147,7 @@
           <a:p>
             <a:fld id="{B897EA51-552A-472F-B6A5-1B26DAFDA035}" type="datetime1">
               <a:rPr lang="en-US" smtClean="0"/>
-              <a:t>16/07/2012</a:t>
+              <a:t>7/16/2012</a:t>
             </a:fld>
             <a:endParaRPr lang="en-US"/>
           </a:p>
@@ -13357,7 +13357,7 @@
             <a:fld id="{FCC16894-5FBA-4AA1-B4C4-F198F8BAB8EE}" type="datetime1">
               <a:rPr lang="en-US" smtClean="0"/>
               <a:pPr/>
-              <a:t>16/07/2012</a:t>
+              <a:t>7/16/2012</a:t>
             </a:fld>
             <a:endParaRPr lang="en-US" dirty="0"/>
           </a:p>
@@ -13423,13 +13423,13 @@
               </a:ext>
             </a:extLst>
           </a:blip>
-          <a:srcRect l="15398" r="8206"/>
+          <a:srcRect l="15398" r="8206" b="3548"/>
           <a:stretch/>
         </p:blipFill>
         <p:spPr bwMode="auto">
           <a:xfrm>
-            <a:off x="1981200" y="1219200"/>
-            <a:ext cx="5071003" cy="5105400"/>
+            <a:off x="1981200" y="1524000"/>
+            <a:ext cx="5071003" cy="4785360"/>
           </a:xfrm>
           <a:prstGeom prst="rect">
             <a:avLst/>
@@ -13445,6 +13445,462 @@
           </a:extLst>
         </p:spPr>
       </p:pic>
+      <p:sp>
+        <p:nvSpPr>
+          <p:cNvPr id="8" name="Content Placeholder 2"/>
+          <p:cNvSpPr txBox="1">
+            <a:spLocks/>
+          </p:cNvSpPr>
+          <p:nvPr/>
+        </p:nvSpPr>
+        <p:spPr>
+          <a:xfrm>
+            <a:off x="457200" y="1219200"/>
+            <a:ext cx="8229600" cy="4937760"/>
+          </a:xfrm>
+          <a:prstGeom prst="rect">
+            <a:avLst/>
+          </a:prstGeom>
+        </p:spPr>
+        <p:txBody>
+          <a:bodyPr vert="horz">
+            <a:normAutofit/>
+          </a:bodyPr>
+          <a:lstStyle>
+            <a:lvl1pPr marL="274320" indent="-274320" algn="l" rtl="0" eaLnBrk="1" latinLnBrk="0" hangingPunct="1">
+              <a:spcBef>
+                <a:spcPts val="1000"/>
+              </a:spcBef>
+              <a:spcAft>
+                <a:spcPts val="0"/>
+              </a:spcAft>
+              <a:buClr>
+                <a:schemeClr val="accent1"/>
+              </a:buClr>
+              <a:buSzPct val="76000"/>
+              <a:buFontTx/>
+              <a:buBlip>
+                <a:blip r:embed="rId3"/>
+              </a:buBlip>
+              <a:defRPr kumimoji="0" sz="2600" kern="1200">
+                <a:solidFill>
+                  <a:schemeClr val="tx1"/>
+                </a:solidFill>
+                <a:latin typeface="Calibri" pitchFamily="34" charset="0"/>
+                <a:ea typeface="+mn-ea"/>
+                <a:cs typeface="Calibri" pitchFamily="34" charset="0"/>
+              </a:defRPr>
+            </a:lvl1pPr>
+            <a:lvl2pPr marL="548640" indent="-274320" algn="l" rtl="0" eaLnBrk="1" latinLnBrk="0" hangingPunct="1">
+              <a:spcBef>
+                <a:spcPts val="1000"/>
+              </a:spcBef>
+              <a:buClr>
+                <a:schemeClr val="accent2"/>
+              </a:buClr>
+              <a:buSzPct val="76000"/>
+              <a:buFontTx/>
+              <a:buBlip>
+                <a:blip r:embed="rId4"/>
+              </a:buBlip>
+              <a:defRPr kumimoji="0" sz="2300" kern="1200" baseline="0">
+                <a:solidFill>
+                  <a:schemeClr val="tx1"/>
+                </a:solidFill>
+                <a:latin typeface="Calibri" pitchFamily="34" charset="0"/>
+                <a:ea typeface="+mn-ea"/>
+                <a:cs typeface="Calibri" pitchFamily="34" charset="0"/>
+              </a:defRPr>
+            </a:lvl2pPr>
+            <a:lvl3pPr marL="822960" indent="-228600" algn="l" rtl="0" eaLnBrk="1" latinLnBrk="0" hangingPunct="1">
+              <a:spcBef>
+                <a:spcPts val="1000"/>
+              </a:spcBef>
+              <a:buClr>
+                <a:schemeClr val="tx1"/>
+              </a:buClr>
+              <a:buSzPct val="76000"/>
+              <a:buFont typeface="Calibri" pitchFamily="34" charset="0"/>
+              <a:buChar char="–"/>
+              <a:defRPr kumimoji="0" sz="2000" kern="1200">
+                <a:solidFill>
+                  <a:schemeClr val="tx1"/>
+                </a:solidFill>
+                <a:latin typeface="Calibri" pitchFamily="34" charset="0"/>
+                <a:ea typeface="+mn-ea"/>
+                <a:cs typeface="Calibri" pitchFamily="34" charset="0"/>
+              </a:defRPr>
+            </a:lvl3pPr>
+            <a:lvl4pPr marL="1097280" indent="-228600" algn="l" rtl="0" eaLnBrk="1" latinLnBrk="0" hangingPunct="1">
+              <a:spcBef>
+                <a:spcPts val="600"/>
+              </a:spcBef>
+              <a:buClr>
+                <a:schemeClr val="accent2">
+                  <a:shade val="75000"/>
+                </a:schemeClr>
+              </a:buClr>
+              <a:buSzPct val="70000"/>
+              <a:buFont typeface="Wingdings"/>
+              <a:buChar char=""/>
+              <a:defRPr kumimoji="0" sz="1800" kern="1200">
+                <a:solidFill>
+                  <a:schemeClr val="tx1"/>
+                </a:solidFill>
+                <a:latin typeface="Calibri" pitchFamily="34" charset="0"/>
+                <a:ea typeface="+mn-ea"/>
+                <a:cs typeface="Calibri" pitchFamily="34" charset="0"/>
+              </a:defRPr>
+            </a:lvl4pPr>
+            <a:lvl5pPr marL="1143000" indent="0" algn="l" rtl="0" eaLnBrk="1" latinLnBrk="0" hangingPunct="1">
+              <a:spcBef>
+                <a:spcPts val="300"/>
+              </a:spcBef>
+              <a:buClr>
+                <a:schemeClr val="accent2"/>
+              </a:buClr>
+              <a:buSzPct val="70000"/>
+              <a:buFont typeface="Wingdings"/>
+              <a:buNone/>
+              <a:defRPr kumimoji="0" sz="1600" kern="1200">
+                <a:solidFill>
+                  <a:schemeClr val="tx1"/>
+                </a:solidFill>
+                <a:latin typeface="Calibri" pitchFamily="34" charset="0"/>
+                <a:ea typeface="+mn-ea"/>
+                <a:cs typeface="Calibri" pitchFamily="34" charset="0"/>
+              </a:defRPr>
+            </a:lvl5pPr>
+            <a:lvl6pPr marL="1645920" indent="-182880" algn="l" rtl="0" eaLnBrk="1" latinLnBrk="0" hangingPunct="1">
+              <a:spcBef>
+                <a:spcPts val="300"/>
+              </a:spcBef>
+              <a:buClr>
+                <a:srgbClr val="9FB8CD">
+                  <a:shade val="75000"/>
+                </a:srgbClr>
+              </a:buClr>
+              <a:buSzPct val="75000"/>
+              <a:buFont typeface="Wingdings 3"/>
+              <a:buChar char=""/>
+              <a:defRPr kumimoji="0" lang="en-US" sz="1600" kern="1200" smtClean="0">
+                <a:solidFill>
+                  <a:schemeClr val="tx1"/>
+                </a:solidFill>
+                <a:latin typeface="+mn-lt"/>
+                <a:ea typeface="+mn-ea"/>
+                <a:cs typeface="+mn-cs"/>
+              </a:defRPr>
+            </a:lvl6pPr>
+            <a:lvl7pPr marL="1828800" indent="-182880" algn="l" rtl="0" eaLnBrk="1" latinLnBrk="0" hangingPunct="1">
+              <a:spcBef>
+                <a:spcPts val="300"/>
+              </a:spcBef>
+              <a:buClr>
+                <a:srgbClr val="727CA3">
+                  <a:shade val="75000"/>
+                </a:srgbClr>
+              </a:buClr>
+              <a:buSzPct val="75000"/>
+              <a:buFont typeface="Wingdings 3"/>
+              <a:buChar char=""/>
+              <a:defRPr kumimoji="0" lang="en-US" sz="1400" kern="1200" smtClean="0">
+                <a:solidFill>
+                  <a:schemeClr val="tx1"/>
+                </a:solidFill>
+                <a:latin typeface="+mn-lt"/>
+                <a:ea typeface="+mn-ea"/>
+                <a:cs typeface="+mn-cs"/>
+              </a:defRPr>
+            </a:lvl7pPr>
+            <a:lvl8pPr marL="2011680" indent="-182880" algn="l" rtl="0" eaLnBrk="1" latinLnBrk="0" hangingPunct="1">
+              <a:spcBef>
+                <a:spcPts val="300"/>
+              </a:spcBef>
+              <a:buClr>
+                <a:prstClr val="white">
+                  <a:shade val="50000"/>
+                </a:prstClr>
+              </a:buClr>
+              <a:buSzPct val="75000"/>
+              <a:buFont typeface="Wingdings 3"/>
+              <a:buChar char=""/>
+              <a:defRPr kumimoji="0" lang="en-US" sz="1400" kern="1200" smtClean="0">
+                <a:solidFill>
+                  <a:schemeClr val="tx1"/>
+                </a:solidFill>
+                <a:latin typeface="+mn-lt"/>
+                <a:ea typeface="+mn-ea"/>
+                <a:cs typeface="+mn-cs"/>
+              </a:defRPr>
+            </a:lvl8pPr>
+            <a:lvl9pPr marL="2194560" indent="-182880" algn="l" rtl="0" eaLnBrk="1" latinLnBrk="0" hangingPunct="1">
+              <a:spcBef>
+                <a:spcPts val="300"/>
+              </a:spcBef>
+              <a:buClr>
+                <a:srgbClr val="9FB8CD"/>
+              </a:buClr>
+              <a:buSzPct val="75000"/>
+              <a:buFont typeface="Wingdings 3"/>
+              <a:buChar char=""/>
+              <a:defRPr kumimoji="0" lang="en-US" sz="1200" kern="1200" smtClean="0">
+                <a:solidFill>
+                  <a:schemeClr val="tx1"/>
+                </a:solidFill>
+                <a:latin typeface="+mn-lt"/>
+                <a:ea typeface="+mn-ea"/>
+                <a:cs typeface="+mn-cs"/>
+              </a:defRPr>
+            </a:lvl9pPr>
+          </a:lstStyle>
+          <a:p>
+            <a:endParaRPr lang="en-US" dirty="0"/>
+          </a:p>
+        </p:txBody>
+      </p:sp>
+      <p:sp>
+        <p:nvSpPr>
+          <p:cNvPr id="9" name="Content Placeholder 2"/>
+          <p:cNvSpPr txBox="1">
+            <a:spLocks/>
+          </p:cNvSpPr>
+          <p:nvPr/>
+        </p:nvSpPr>
+        <p:spPr>
+          <a:xfrm>
+            <a:off x="647700" y="1219200"/>
+            <a:ext cx="8229600" cy="4937760"/>
+          </a:xfrm>
+          <a:prstGeom prst="rect">
+            <a:avLst/>
+          </a:prstGeom>
+        </p:spPr>
+        <p:txBody>
+          <a:bodyPr vert="horz">
+            <a:normAutofit/>
+          </a:bodyPr>
+          <a:lstStyle>
+            <a:lvl1pPr marL="274320" indent="-274320" algn="l" rtl="0" eaLnBrk="1" latinLnBrk="0" hangingPunct="1">
+              <a:spcBef>
+                <a:spcPts val="1000"/>
+              </a:spcBef>
+              <a:spcAft>
+                <a:spcPts val="0"/>
+              </a:spcAft>
+              <a:buClr>
+                <a:schemeClr val="accent1"/>
+              </a:buClr>
+              <a:buSzPct val="76000"/>
+              <a:buFontTx/>
+              <a:buBlip>
+                <a:blip r:embed="rId3"/>
+              </a:buBlip>
+              <a:defRPr kumimoji="0" sz="2600" kern="1200">
+                <a:solidFill>
+                  <a:schemeClr val="tx1"/>
+                </a:solidFill>
+                <a:latin typeface="Calibri" pitchFamily="34" charset="0"/>
+                <a:ea typeface="+mn-ea"/>
+                <a:cs typeface="Calibri" pitchFamily="34" charset="0"/>
+              </a:defRPr>
+            </a:lvl1pPr>
+            <a:lvl2pPr marL="548640" indent="-274320" algn="l" rtl="0" eaLnBrk="1" latinLnBrk="0" hangingPunct="1">
+              <a:spcBef>
+                <a:spcPts val="1000"/>
+              </a:spcBef>
+              <a:buClr>
+                <a:schemeClr val="accent2"/>
+              </a:buClr>
+              <a:buSzPct val="76000"/>
+              <a:buFontTx/>
+              <a:buBlip>
+                <a:blip r:embed="rId4"/>
+              </a:buBlip>
+              <a:defRPr kumimoji="0" sz="2300" kern="1200" baseline="0">
+                <a:solidFill>
+                  <a:schemeClr val="tx1"/>
+                </a:solidFill>
+                <a:latin typeface="Calibri" pitchFamily="34" charset="0"/>
+                <a:ea typeface="+mn-ea"/>
+                <a:cs typeface="Calibri" pitchFamily="34" charset="0"/>
+              </a:defRPr>
+            </a:lvl2pPr>
+            <a:lvl3pPr marL="822960" indent="-228600" algn="l" rtl="0" eaLnBrk="1" latinLnBrk="0" hangingPunct="1">
+              <a:spcBef>
+                <a:spcPts val="1000"/>
+              </a:spcBef>
+              <a:buClr>
+                <a:schemeClr val="tx1"/>
+              </a:buClr>
+              <a:buSzPct val="76000"/>
+              <a:buFont typeface="Calibri" pitchFamily="34" charset="0"/>
+              <a:buChar char="–"/>
+              <a:defRPr kumimoji="0" sz="2000" kern="1200">
+                <a:solidFill>
+                  <a:schemeClr val="tx1"/>
+                </a:solidFill>
+                <a:latin typeface="Calibri" pitchFamily="34" charset="0"/>
+                <a:ea typeface="+mn-ea"/>
+                <a:cs typeface="Calibri" pitchFamily="34" charset="0"/>
+              </a:defRPr>
+            </a:lvl3pPr>
+            <a:lvl4pPr marL="1097280" indent="-228600" algn="l" rtl="0" eaLnBrk="1" latinLnBrk="0" hangingPunct="1">
+              <a:spcBef>
+                <a:spcPts val="600"/>
+              </a:spcBef>
+              <a:buClr>
+                <a:schemeClr val="accent2">
+                  <a:shade val="75000"/>
+                </a:schemeClr>
+              </a:buClr>
+              <a:buSzPct val="70000"/>
+              <a:buFont typeface="Wingdings"/>
+              <a:buChar char=""/>
+              <a:defRPr kumimoji="0" sz="1800" kern="1200">
+                <a:solidFill>
+                  <a:schemeClr val="tx1"/>
+                </a:solidFill>
+                <a:latin typeface="Calibri" pitchFamily="34" charset="0"/>
+                <a:ea typeface="+mn-ea"/>
+                <a:cs typeface="Calibri" pitchFamily="34" charset="0"/>
+              </a:defRPr>
+            </a:lvl4pPr>
+            <a:lvl5pPr marL="1143000" indent="0" algn="l" rtl="0" eaLnBrk="1" latinLnBrk="0" hangingPunct="1">
+              <a:spcBef>
+                <a:spcPts val="300"/>
+              </a:spcBef>
+              <a:buClr>
+                <a:schemeClr val="accent2"/>
+              </a:buClr>
+              <a:buSzPct val="70000"/>
+              <a:buFont typeface="Wingdings"/>
+              <a:buNone/>
+              <a:defRPr kumimoji="0" sz="1600" kern="1200">
+                <a:solidFill>
+                  <a:schemeClr val="tx1"/>
+                </a:solidFill>
+                <a:latin typeface="Calibri" pitchFamily="34" charset="0"/>
+                <a:ea typeface="+mn-ea"/>
+                <a:cs typeface="Calibri" pitchFamily="34" charset="0"/>
+              </a:defRPr>
+            </a:lvl5pPr>
+            <a:lvl6pPr marL="1645920" indent="-182880" algn="l" rtl="0" eaLnBrk="1" latinLnBrk="0" hangingPunct="1">
+              <a:spcBef>
+                <a:spcPts val="300"/>
+              </a:spcBef>
+              <a:buClr>
+                <a:srgbClr val="9FB8CD">
+                  <a:shade val="75000"/>
+                </a:srgbClr>
+              </a:buClr>
+              <a:buSzPct val="75000"/>
+              <a:buFont typeface="Wingdings 3"/>
+              <a:buChar char=""/>
+              <a:defRPr kumimoji="0" lang="en-US" sz="1600" kern="1200" smtClean="0">
+                <a:solidFill>
+                  <a:schemeClr val="tx1"/>
+                </a:solidFill>
+                <a:latin typeface="+mn-lt"/>
+                <a:ea typeface="+mn-ea"/>
+                <a:cs typeface="+mn-cs"/>
+              </a:defRPr>
+            </a:lvl6pPr>
+            <a:lvl7pPr marL="1828800" indent="-182880" algn="l" rtl="0" eaLnBrk="1" latinLnBrk="0" hangingPunct="1">
+              <a:spcBef>
+                <a:spcPts val="300"/>
+              </a:spcBef>
+              <a:buClr>
+                <a:srgbClr val="727CA3">
+                  <a:shade val="75000"/>
+                </a:srgbClr>
+              </a:buClr>
+              <a:buSzPct val="75000"/>
+              <a:buFont typeface="Wingdings 3"/>
+              <a:buChar char=""/>
+              <a:defRPr kumimoji="0" lang="en-US" sz="1400" kern="1200" smtClean="0">
+                <a:solidFill>
+                  <a:schemeClr val="tx1"/>
+                </a:solidFill>
+                <a:latin typeface="+mn-lt"/>
+                <a:ea typeface="+mn-ea"/>
+                <a:cs typeface="+mn-cs"/>
+              </a:defRPr>
+            </a:lvl7pPr>
+            <a:lvl8pPr marL="2011680" indent="-182880" algn="l" rtl="0" eaLnBrk="1" latinLnBrk="0" hangingPunct="1">
+              <a:spcBef>
+                <a:spcPts val="300"/>
+              </a:spcBef>
+              <a:buClr>
+                <a:prstClr val="white">
+                  <a:shade val="50000"/>
+                </a:prstClr>
+              </a:buClr>
+              <a:buSzPct val="75000"/>
+              <a:buFont typeface="Wingdings 3"/>
+              <a:buChar char=""/>
+              <a:defRPr kumimoji="0" lang="en-US" sz="1400" kern="1200" smtClean="0">
+                <a:solidFill>
+                  <a:schemeClr val="tx1"/>
+                </a:solidFill>
+                <a:latin typeface="+mn-lt"/>
+                <a:ea typeface="+mn-ea"/>
+                <a:cs typeface="+mn-cs"/>
+              </a:defRPr>
+            </a:lvl8pPr>
+            <a:lvl9pPr marL="2194560" indent="-182880" algn="l" rtl="0" eaLnBrk="1" latinLnBrk="0" hangingPunct="1">
+              <a:spcBef>
+                <a:spcPts val="300"/>
+              </a:spcBef>
+              <a:buClr>
+                <a:srgbClr val="9FB8CD"/>
+              </a:buClr>
+              <a:buSzPct val="75000"/>
+              <a:buFont typeface="Wingdings 3"/>
+              <a:buChar char=""/>
+              <a:defRPr kumimoji="0" lang="en-US" sz="1200" kern="1200" smtClean="0">
+                <a:solidFill>
+                  <a:schemeClr val="tx1"/>
+                </a:solidFill>
+                <a:latin typeface="+mn-lt"/>
+                <a:ea typeface="+mn-ea"/>
+                <a:cs typeface="+mn-cs"/>
+              </a:defRPr>
+            </a:lvl9pPr>
+          </a:lstStyle>
+          <a:p>
+            <a:r>
+              <a:rPr lang="en-US" dirty="0" err="1" smtClean="0"/>
+              <a:t>Quản</a:t>
+            </a:r>
+            <a:r>
+              <a:rPr lang="en-US" dirty="0" smtClean="0"/>
+              <a:t> </a:t>
+            </a:r>
+            <a:r>
+              <a:rPr lang="en-US" dirty="0" err="1" smtClean="0"/>
+              <a:t>lý</a:t>
+            </a:r>
+            <a:r>
+              <a:rPr lang="en-US" dirty="0" smtClean="0"/>
+              <a:t> </a:t>
+            </a:r>
+            <a:r>
+              <a:rPr lang="en-US" dirty="0" err="1" smtClean="0"/>
+              <a:t>tài</a:t>
+            </a:r>
+            <a:r>
+              <a:rPr lang="en-US" dirty="0" smtClean="0"/>
+              <a:t> </a:t>
+            </a:r>
+            <a:r>
+              <a:rPr lang="en-US" dirty="0" err="1" smtClean="0"/>
+              <a:t>khoản</a:t>
+            </a:r>
+            <a:endParaRPr lang="en-US" dirty="0"/>
+          </a:p>
+        </p:txBody>
+      </p:sp>
     </p:spTree>
     <p:extLst>
       <p:ext uri="{BB962C8B-B14F-4D97-AF65-F5344CB8AC3E}">
@@ -13455,11 +13911,11 @@
   <p:clrMapOvr>
     <a:masterClrMapping/>
   </p:clrMapOvr>
-  <mc:AlternateContent xmlns:mc="http://schemas.openxmlformats.org/markup-compatibility/2006" xmlns:p14="http://schemas.microsoft.com/office/powerpoint/2010/main">
-    <mc:Choice Requires="p14">
-      <p:transition p14:dur="0"/>
+  <mc:AlternateContent xmlns:mc="http://schemas.openxmlformats.org/markup-compatibility/2006">
+    <mc:Choice xmlns:p14="http://schemas.microsoft.com/office/powerpoint/2010/main" Requires="p14">
+      <p:transition p14:dur="10"/>
     </mc:Choice>
-    <mc:Fallback xmlns="">
+    <mc:Fallback>
       <p:transition/>
     </mc:Fallback>
   </mc:AlternateContent>
@@ -13543,7 +13999,7 @@
             <a:fld id="{FCC16894-5FBA-4AA1-B4C4-F198F8BAB8EE}" type="datetime1">
               <a:rPr lang="en-US" smtClean="0"/>
               <a:pPr/>
-              <a:t>16/07/2012</a:t>
+              <a:t>7/16/2012</a:t>
             </a:fld>
             <a:endParaRPr lang="en-US" dirty="0"/>
           </a:p>
@@ -13609,13 +14065,13 @@
               </a:ext>
             </a:extLst>
           </a:blip>
-          <a:srcRect l="44619" r="11138"/>
+          <a:srcRect l="44619" r="11138" b="5473"/>
           <a:stretch/>
         </p:blipFill>
         <p:spPr bwMode="auto">
           <a:xfrm>
-            <a:off x="1352458" y="1219200"/>
-            <a:ext cx="7029542" cy="5105400"/>
+            <a:off x="1371600" y="1600200"/>
+            <a:ext cx="7029542" cy="4826000"/>
           </a:xfrm>
           <a:prstGeom prst="rect">
             <a:avLst/>
@@ -13631,6 +14087,272 @@
           </a:extLst>
         </p:spPr>
       </p:pic>
+      <p:sp>
+        <p:nvSpPr>
+          <p:cNvPr id="7" name="Content Placeholder 2"/>
+          <p:cNvSpPr txBox="1">
+            <a:spLocks/>
+          </p:cNvSpPr>
+          <p:nvPr/>
+        </p:nvSpPr>
+        <p:spPr>
+          <a:xfrm>
+            <a:off x="457200" y="1219200"/>
+            <a:ext cx="8229600" cy="4937760"/>
+          </a:xfrm>
+          <a:prstGeom prst="rect">
+            <a:avLst/>
+          </a:prstGeom>
+        </p:spPr>
+        <p:txBody>
+          <a:bodyPr vert="horz">
+            <a:normAutofit/>
+          </a:bodyPr>
+          <a:lstStyle>
+            <a:lvl1pPr marL="274320" indent="-274320" algn="l" rtl="0" eaLnBrk="1" latinLnBrk="0" hangingPunct="1">
+              <a:spcBef>
+                <a:spcPts val="1000"/>
+              </a:spcBef>
+              <a:spcAft>
+                <a:spcPts val="0"/>
+              </a:spcAft>
+              <a:buClr>
+                <a:schemeClr val="accent1"/>
+              </a:buClr>
+              <a:buSzPct val="76000"/>
+              <a:buFontTx/>
+              <a:buBlip>
+                <a:blip r:embed="rId3"/>
+              </a:buBlip>
+              <a:defRPr kumimoji="0" sz="2600" kern="1200">
+                <a:solidFill>
+                  <a:schemeClr val="tx1"/>
+                </a:solidFill>
+                <a:latin typeface="Calibri" pitchFamily="34" charset="0"/>
+                <a:ea typeface="+mn-ea"/>
+                <a:cs typeface="Calibri" pitchFamily="34" charset="0"/>
+              </a:defRPr>
+            </a:lvl1pPr>
+            <a:lvl2pPr marL="548640" indent="-274320" algn="l" rtl="0" eaLnBrk="1" latinLnBrk="0" hangingPunct="1">
+              <a:spcBef>
+                <a:spcPts val="1000"/>
+              </a:spcBef>
+              <a:buClr>
+                <a:schemeClr val="accent2"/>
+              </a:buClr>
+              <a:buSzPct val="76000"/>
+              <a:buFontTx/>
+              <a:buBlip>
+                <a:blip r:embed="rId4"/>
+              </a:buBlip>
+              <a:defRPr kumimoji="0" sz="2300" kern="1200" baseline="0">
+                <a:solidFill>
+                  <a:schemeClr val="tx1"/>
+                </a:solidFill>
+                <a:latin typeface="Calibri" pitchFamily="34" charset="0"/>
+                <a:ea typeface="+mn-ea"/>
+                <a:cs typeface="Calibri" pitchFamily="34" charset="0"/>
+              </a:defRPr>
+            </a:lvl2pPr>
+            <a:lvl3pPr marL="822960" indent="-228600" algn="l" rtl="0" eaLnBrk="1" latinLnBrk="0" hangingPunct="1">
+              <a:spcBef>
+                <a:spcPts val="1000"/>
+              </a:spcBef>
+              <a:buClr>
+                <a:schemeClr val="tx1"/>
+              </a:buClr>
+              <a:buSzPct val="76000"/>
+              <a:buFont typeface="Calibri" pitchFamily="34" charset="0"/>
+              <a:buChar char="–"/>
+              <a:defRPr kumimoji="0" sz="2000" kern="1200">
+                <a:solidFill>
+                  <a:schemeClr val="tx1"/>
+                </a:solidFill>
+                <a:latin typeface="Calibri" pitchFamily="34" charset="0"/>
+                <a:ea typeface="+mn-ea"/>
+                <a:cs typeface="Calibri" pitchFamily="34" charset="0"/>
+              </a:defRPr>
+            </a:lvl3pPr>
+            <a:lvl4pPr marL="1097280" indent="-228600" algn="l" rtl="0" eaLnBrk="1" latinLnBrk="0" hangingPunct="1">
+              <a:spcBef>
+                <a:spcPts val="600"/>
+              </a:spcBef>
+              <a:buClr>
+                <a:schemeClr val="accent2">
+                  <a:shade val="75000"/>
+                </a:schemeClr>
+              </a:buClr>
+              <a:buSzPct val="70000"/>
+              <a:buFont typeface="Wingdings"/>
+              <a:buChar char=""/>
+              <a:defRPr kumimoji="0" sz="1800" kern="1200">
+                <a:solidFill>
+                  <a:schemeClr val="tx1"/>
+                </a:solidFill>
+                <a:latin typeface="Calibri" pitchFamily="34" charset="0"/>
+                <a:ea typeface="+mn-ea"/>
+                <a:cs typeface="Calibri" pitchFamily="34" charset="0"/>
+              </a:defRPr>
+            </a:lvl4pPr>
+            <a:lvl5pPr marL="1143000" indent="0" algn="l" rtl="0" eaLnBrk="1" latinLnBrk="0" hangingPunct="1">
+              <a:spcBef>
+                <a:spcPts val="300"/>
+              </a:spcBef>
+              <a:buClr>
+                <a:schemeClr val="accent2"/>
+              </a:buClr>
+              <a:buSzPct val="70000"/>
+              <a:buFont typeface="Wingdings"/>
+              <a:buNone/>
+              <a:defRPr kumimoji="0" sz="1600" kern="1200">
+                <a:solidFill>
+                  <a:schemeClr val="tx1"/>
+                </a:solidFill>
+                <a:latin typeface="Calibri" pitchFamily="34" charset="0"/>
+                <a:ea typeface="+mn-ea"/>
+                <a:cs typeface="Calibri" pitchFamily="34" charset="0"/>
+              </a:defRPr>
+            </a:lvl5pPr>
+            <a:lvl6pPr marL="1645920" indent="-182880" algn="l" rtl="0" eaLnBrk="1" latinLnBrk="0" hangingPunct="1">
+              <a:spcBef>
+                <a:spcPts val="300"/>
+              </a:spcBef>
+              <a:buClr>
+                <a:srgbClr val="9FB8CD">
+                  <a:shade val="75000"/>
+                </a:srgbClr>
+              </a:buClr>
+              <a:buSzPct val="75000"/>
+              <a:buFont typeface="Wingdings 3"/>
+              <a:buChar char=""/>
+              <a:defRPr kumimoji="0" lang="en-US" sz="1600" kern="1200" smtClean="0">
+                <a:solidFill>
+                  <a:schemeClr val="tx1"/>
+                </a:solidFill>
+                <a:latin typeface="+mn-lt"/>
+                <a:ea typeface="+mn-ea"/>
+                <a:cs typeface="+mn-cs"/>
+              </a:defRPr>
+            </a:lvl6pPr>
+            <a:lvl7pPr marL="1828800" indent="-182880" algn="l" rtl="0" eaLnBrk="1" latinLnBrk="0" hangingPunct="1">
+              <a:spcBef>
+                <a:spcPts val="300"/>
+              </a:spcBef>
+              <a:buClr>
+                <a:srgbClr val="727CA3">
+                  <a:shade val="75000"/>
+                </a:srgbClr>
+              </a:buClr>
+              <a:buSzPct val="75000"/>
+              <a:buFont typeface="Wingdings 3"/>
+              <a:buChar char=""/>
+              <a:defRPr kumimoji="0" lang="en-US" sz="1400" kern="1200" smtClean="0">
+                <a:solidFill>
+                  <a:schemeClr val="tx1"/>
+                </a:solidFill>
+                <a:latin typeface="+mn-lt"/>
+                <a:ea typeface="+mn-ea"/>
+                <a:cs typeface="+mn-cs"/>
+              </a:defRPr>
+            </a:lvl7pPr>
+            <a:lvl8pPr marL="2011680" indent="-182880" algn="l" rtl="0" eaLnBrk="1" latinLnBrk="0" hangingPunct="1">
+              <a:spcBef>
+                <a:spcPts val="300"/>
+              </a:spcBef>
+              <a:buClr>
+                <a:prstClr val="white">
+                  <a:shade val="50000"/>
+                </a:prstClr>
+              </a:buClr>
+              <a:buSzPct val="75000"/>
+              <a:buFont typeface="Wingdings 3"/>
+              <a:buChar char=""/>
+              <a:defRPr kumimoji="0" lang="en-US" sz="1400" kern="1200" smtClean="0">
+                <a:solidFill>
+                  <a:schemeClr val="tx1"/>
+                </a:solidFill>
+                <a:latin typeface="+mn-lt"/>
+                <a:ea typeface="+mn-ea"/>
+                <a:cs typeface="+mn-cs"/>
+              </a:defRPr>
+            </a:lvl8pPr>
+            <a:lvl9pPr marL="2194560" indent="-182880" algn="l" rtl="0" eaLnBrk="1" latinLnBrk="0" hangingPunct="1">
+              <a:spcBef>
+                <a:spcPts val="300"/>
+              </a:spcBef>
+              <a:buClr>
+                <a:srgbClr val="9FB8CD"/>
+              </a:buClr>
+              <a:buSzPct val="75000"/>
+              <a:buFont typeface="Wingdings 3"/>
+              <a:buChar char=""/>
+              <a:defRPr kumimoji="0" lang="en-US" sz="1200" kern="1200" smtClean="0">
+                <a:solidFill>
+                  <a:schemeClr val="tx1"/>
+                </a:solidFill>
+                <a:latin typeface="+mn-lt"/>
+                <a:ea typeface="+mn-ea"/>
+                <a:cs typeface="+mn-cs"/>
+              </a:defRPr>
+            </a:lvl9pPr>
+          </a:lstStyle>
+          <a:p>
+            <a:r>
+              <a:rPr lang="en-US" dirty="0" err="1" smtClean="0"/>
+              <a:t>Quản</a:t>
+            </a:r>
+            <a:r>
+              <a:rPr lang="en-US" dirty="0" smtClean="0"/>
+              <a:t> </a:t>
+            </a:r>
+            <a:r>
+              <a:rPr lang="en-US" dirty="0" err="1" smtClean="0"/>
+              <a:t>lý</a:t>
+            </a:r>
+            <a:r>
+              <a:rPr lang="en-US" dirty="0" smtClean="0"/>
+              <a:t> </a:t>
+            </a:r>
+            <a:r>
+              <a:rPr lang="en-US" dirty="0" err="1" smtClean="0"/>
+              <a:t>lớp</a:t>
+            </a:r>
+            <a:r>
+              <a:rPr lang="en-US" dirty="0" smtClean="0"/>
+              <a:t> </a:t>
+            </a:r>
+            <a:r>
+              <a:rPr lang="en-US" dirty="0" err="1" smtClean="0"/>
+              <a:t>học</a:t>
+            </a:r>
+            <a:r>
+              <a:rPr lang="en-US" dirty="0" smtClean="0"/>
+              <a:t> </a:t>
+            </a:r>
+            <a:r>
+              <a:rPr lang="en-US" dirty="0" err="1" smtClean="0"/>
+              <a:t>và</a:t>
+            </a:r>
+            <a:r>
+              <a:rPr lang="en-US" dirty="0" smtClean="0"/>
+              <a:t> </a:t>
+            </a:r>
+            <a:r>
+              <a:rPr lang="en-US" dirty="0" err="1" smtClean="0"/>
+              <a:t>dự</a:t>
+            </a:r>
+            <a:r>
+              <a:rPr lang="en-US" dirty="0" smtClean="0"/>
+              <a:t> </a:t>
+            </a:r>
+            <a:r>
+              <a:rPr lang="en-US" dirty="0" err="1" smtClean="0"/>
+              <a:t>án</a:t>
+            </a:r>
+            <a:endParaRPr lang="en-US" dirty="0"/>
+          </a:p>
+        </p:txBody>
+      </p:sp>
     </p:spTree>
     <p:extLst>
       <p:ext uri="{BB962C8B-B14F-4D97-AF65-F5344CB8AC3E}">
@@ -13729,7 +14451,7 @@
             <a:fld id="{FCC16894-5FBA-4AA1-B4C4-F198F8BAB8EE}" type="datetime1">
               <a:rPr lang="en-US" smtClean="0"/>
               <a:pPr/>
-              <a:t>16/07/2012</a:t>
+              <a:t>7/16/2012</a:t>
             </a:fld>
             <a:endParaRPr lang="en-US" dirty="0"/>
           </a:p>
@@ -13792,17 +14514,71 @@
           <a:bodyPr/>
           <a:lstStyle/>
           <a:p>
-            <a:endParaRPr lang="en-US"/>
+            <a:r>
+              <a:rPr lang="en-US" dirty="0" err="1" smtClean="0"/>
+              <a:t>Quản</a:t>
+            </a:r>
+            <a:r>
+              <a:rPr lang="en-US" dirty="0" smtClean="0"/>
+              <a:t> </a:t>
+            </a:r>
+            <a:r>
+              <a:rPr lang="en-US" dirty="0" err="1" smtClean="0"/>
+              <a:t>lý</a:t>
+            </a:r>
+            <a:r>
+              <a:rPr lang="en-US" dirty="0" smtClean="0"/>
+              <a:t> </a:t>
+            </a:r>
+            <a:r>
+              <a:rPr lang="en-US" dirty="0" err="1" smtClean="0"/>
+              <a:t>tương</a:t>
+            </a:r>
+            <a:r>
+              <a:rPr lang="en-US" dirty="0" smtClean="0"/>
+              <a:t> </a:t>
+            </a:r>
+            <a:r>
+              <a:rPr lang="en-US" dirty="0" err="1" smtClean="0"/>
+              <a:t>tác</a:t>
+            </a:r>
+            <a:r>
+              <a:rPr lang="en-US" dirty="0"/>
+              <a:t> </a:t>
+            </a:r>
+            <a:r>
+              <a:rPr lang="en-US" dirty="0" err="1" smtClean="0"/>
+              <a:t>trong</a:t>
+            </a:r>
+            <a:r>
+              <a:rPr lang="en-US" dirty="0" smtClean="0"/>
+              <a:t> </a:t>
+            </a:r>
+            <a:r>
+              <a:rPr lang="en-US" dirty="0" err="1" smtClean="0"/>
+              <a:t>dự</a:t>
+            </a:r>
+            <a:r>
+              <a:rPr lang="en-US" dirty="0" smtClean="0"/>
+              <a:t> </a:t>
+            </a:r>
+            <a:r>
+              <a:rPr lang="en-US" dirty="0" err="1" smtClean="0"/>
+              <a:t>án</a:t>
+            </a:r>
+            <a:endParaRPr lang="en-US" dirty="0"/>
           </a:p>
         </p:txBody>
       </p:sp>
       <p:pic>
         <p:nvPicPr>
-          <p:cNvPr id="9" name="Picture 8"/>
-          <p:cNvPicPr/>
+          <p:cNvPr id="11266" name="Picture 2"/>
+          <p:cNvPicPr>
+            <a:picLocks noChangeAspect="1" noChangeArrowheads="1"/>
+          </p:cNvPicPr>
           <p:nvPr/>
         </p:nvPicPr>
-        <p:blipFill>
+        <p:blipFill rotWithShape="1">
           <a:blip r:embed="rId2">
             <a:extLst>
               <a:ext uri="{28A0092B-C50C-407E-A947-70E740481C1C}">
@@ -13810,15 +14586,13 @@
               </a:ext>
             </a:extLst>
           </a:blip>
-          <a:srcRect/>
-          <a:stretch>
-            <a:fillRect/>
-          </a:stretch>
+          <a:srcRect b="4914"/>
+          <a:stretch/>
         </p:blipFill>
         <p:spPr bwMode="auto">
           <a:xfrm>
-            <a:off x="1066800" y="1219200"/>
-            <a:ext cx="7162800" cy="4876800"/>
+            <a:off x="170815" y="1371600"/>
+            <a:ext cx="8912225" cy="5074920"/>
           </a:xfrm>
           <a:prstGeom prst="rect">
             <a:avLst/>
@@ -13827,6 +14601,35 @@
           <a:ln>
             <a:noFill/>
           </a:ln>
+          <a:effectLst/>
+          <a:extLst>
+            <a:ext uri="{909E8E84-426E-40DD-AFC4-6F175D3DCCD1}">
+              <a14:hiddenFill xmlns:a14="http://schemas.microsoft.com/office/drawing/2010/main">
+                <a:solidFill>
+                  <a:schemeClr val="accent1"/>
+                </a:solidFill>
+              </a14:hiddenFill>
+            </a:ext>
+            <a:ext uri="{91240B29-F687-4F45-9708-019B960494DF}">
+              <a14:hiddenLine xmlns:a14="http://schemas.microsoft.com/office/drawing/2010/main" w="9525">
+                <a:solidFill>
+                  <a:schemeClr val="tx1"/>
+                </a:solidFill>
+                <a:miter lim="800000"/>
+                <a:headEnd/>
+                <a:tailEnd/>
+              </a14:hiddenLine>
+            </a:ext>
+            <a:ext uri="{AF507438-7753-43E0-B8FC-AC1667EBCBE1}">
+              <a14:hiddenEffects xmlns:a14="http://schemas.microsoft.com/office/drawing/2010/main">
+                <a:effectLst>
+                  <a:outerShdw dist="35921" dir="2700000" algn="ctr" rotWithShape="0">
+                    <a:schemeClr val="bg2"/>
+                  </a:outerShdw>
+                </a:effectLst>
+              </a14:hiddenEffects>
+            </a:ext>
+          </a:extLst>
         </p:spPr>
       </p:pic>
     </p:spTree>
@@ -13955,7 +14758,7 @@
             <a:fld id="{FCC16894-5FBA-4AA1-B4C4-F198F8BAB8EE}" type="datetime1">
               <a:rPr lang="en-US" smtClean="0"/>
               <a:pPr/>
-              <a:t>16/07/2012</a:t>
+              <a:t>7/16/2012</a:t>
             </a:fld>
             <a:endParaRPr lang="en-US" dirty="0"/>
           </a:p>
@@ -14314,7 +15117,7 @@
           <a:graphicData uri="http://schemas.openxmlformats.org/presentationml/2006/ole">
             <mc:AlternateContent xmlns:mc="http://schemas.openxmlformats.org/markup-compatibility/2006">
               <mc:Choice xmlns:v="urn:schemas-microsoft-com:vml" Requires="v">
-                <p:oleObj spid="_x0000_s10270" name="Visio" r:id="rId3" imgW="6688055" imgH="2661113" progId="Visio.Drawing.11">
+                <p:oleObj spid="_x0000_s10272" name="Visio" r:id="rId3" imgW="6688055" imgH="2661113" progId="Visio.Drawing.11">
                   <p:embed/>
                 </p:oleObj>
               </mc:Choice>
@@ -14371,7 +15174,7 @@
           <a:p>
             <a:fld id="{1CF8059D-E1B3-49E1-9B7E-0DF1A497220F}" type="datetime1">
               <a:rPr lang="en-US" smtClean="0"/>
-              <a:t>16/07/2012</a:t>
+              <a:t>7/16/2012</a:t>
             </a:fld>
             <a:endParaRPr lang="en-US"/>
           </a:p>
@@ -14793,7 +15596,7 @@
           <a:p>
             <a:fld id="{E8E19C0F-210C-4F3E-85A3-AB245ECA8099}" type="datetime1">
               <a:rPr lang="en-US" smtClean="0"/>
-              <a:t>16/07/2012</a:t>
+              <a:t>7/16/2012</a:t>
             </a:fld>
             <a:endParaRPr lang="en-US"/>
           </a:p>
@@ -14973,7 +15776,7 @@
             <a:fld id="{FCC16894-5FBA-4AA1-B4C4-F198F8BAB8EE}" type="datetime1">
               <a:rPr lang="en-US" smtClean="0"/>
               <a:pPr/>
-              <a:t>16/07/2012</a:t>
+              <a:t>7/16/2012</a:t>
             </a:fld>
             <a:endParaRPr lang="en-US" dirty="0"/>
           </a:p>
@@ -15233,7 +16036,7 @@
             <a:fld id="{FCC16894-5FBA-4AA1-B4C4-F198F8BAB8EE}" type="datetime1">
               <a:rPr lang="en-US" smtClean="0"/>
               <a:pPr/>
-              <a:t>16/07/2012</a:t>
+              <a:t>7/16/2012</a:t>
             </a:fld>
             <a:endParaRPr lang="en-US" dirty="0"/>
           </a:p>
@@ -15460,7 +16263,7 @@
             <a:fld id="{FCC16894-5FBA-4AA1-B4C4-F198F8BAB8EE}" type="datetime1">
               <a:rPr lang="en-US" smtClean="0"/>
               <a:pPr/>
-              <a:t>16/07/2012</a:t>
+              <a:t>7/16/2012</a:t>
             </a:fld>
             <a:endParaRPr lang="en-US" dirty="0"/>
           </a:p>
@@ -15854,7 +16657,7 @@
           <a:p>
             <a:fld id="{4945124A-6CC2-4A17-8300-111F1CDA69D3}" type="datetime1">
               <a:rPr lang="en-US" smtClean="0"/>
-              <a:t>16/07/2012</a:t>
+              <a:t>7/16/2012</a:t>
             </a:fld>
             <a:endParaRPr lang="en-US"/>
           </a:p>
@@ -16248,7 +17051,7 @@
             <a:fld id="{FCC16894-5FBA-4AA1-B4C4-F198F8BAB8EE}" type="datetime1">
               <a:rPr lang="en-US" smtClean="0"/>
               <a:pPr/>
-              <a:t>16/07/2012</a:t>
+              <a:t>7/16/2012</a:t>
             </a:fld>
             <a:endParaRPr lang="en-US" dirty="0"/>
           </a:p>
@@ -16506,7 +17309,7 @@
             <a:fld id="{FCC16894-5FBA-4AA1-B4C4-F198F8BAB8EE}" type="datetime1">
               <a:rPr lang="en-US" smtClean="0"/>
               <a:pPr/>
-              <a:t>16/07/2012</a:t>
+              <a:t>7/16/2012</a:t>
             </a:fld>
             <a:endParaRPr lang="en-US" dirty="0"/>
           </a:p>
@@ -16803,7 +17606,7 @@
             <a:fld id="{FCC16894-5FBA-4AA1-B4C4-F198F8BAB8EE}" type="datetime1">
               <a:rPr lang="en-US" smtClean="0"/>
               <a:pPr/>
-              <a:t>16/07/2012</a:t>
+              <a:t>7/16/2012</a:t>
             </a:fld>
             <a:endParaRPr lang="en-US" dirty="0"/>
           </a:p>
@@ -17234,7 +18037,7 @@
             <a:fld id="{FCC16894-5FBA-4AA1-B4C4-F198F8BAB8EE}" type="datetime1">
               <a:rPr lang="en-US" smtClean="0"/>
               <a:pPr/>
-              <a:t>16/07/2012</a:t>
+              <a:t>7/16/2012</a:t>
             </a:fld>
             <a:endParaRPr lang="en-US" dirty="0"/>
           </a:p>
@@ -17346,7 +18149,7 @@
             <a:fld id="{FCC16894-5FBA-4AA1-B4C4-F198F8BAB8EE}" type="datetime1">
               <a:rPr lang="en-US" smtClean="0"/>
               <a:pPr algn="r"/>
-              <a:t>16/07/2012</a:t>
+              <a:t>7/16/2012</a:t>
             </a:fld>
             <a:endParaRPr lang="en-US" dirty="0"/>
           </a:p>
@@ -17563,7 +18366,7 @@
             <a:fld id="{FCC16894-5FBA-4AA1-B4C4-F198F8BAB8EE}" type="datetime1">
               <a:rPr lang="en-US" smtClean="0"/>
               <a:pPr/>
-              <a:t>16/07/2012</a:t>
+              <a:t>7/16/2012</a:t>
             </a:fld>
             <a:endParaRPr lang="en-US" dirty="0"/>
           </a:p>
@@ -17870,7 +18673,7 @@
             <a:fld id="{FCC16894-5FBA-4AA1-B4C4-F198F8BAB8EE}" type="datetime1">
               <a:rPr lang="en-US" smtClean="0"/>
               <a:pPr/>
-              <a:t>16/07/2012</a:t>
+              <a:t>7/16/2012</a:t>
             </a:fld>
             <a:endParaRPr lang="en-US" dirty="0"/>
           </a:p>
@@ -18082,7 +18885,7 @@
             <a:fld id="{FCC16894-5FBA-4AA1-B4C4-F198F8BAB8EE}" type="datetime1">
               <a:rPr lang="en-US" smtClean="0"/>
               <a:pPr/>
-              <a:t>16/07/2012</a:t>
+              <a:t>7/16/2012</a:t>
             </a:fld>
             <a:endParaRPr lang="en-US" dirty="0"/>
           </a:p>
@@ -18535,7 +19338,7 @@
           <a:p>
             <a:fld id="{9C4A3F15-EBF9-4680-A54D-1DC3C34D18BF}" type="datetime1">
               <a:rPr lang="en-US" smtClean="0"/>
-              <a:t>16/07/2012</a:t>
+              <a:t>7/16/2012</a:t>
             </a:fld>
             <a:endParaRPr lang="en-US"/>
           </a:p>
@@ -19054,7 +19857,7 @@
           <a:p>
             <a:fld id="{89A29F8A-DA52-474B-B3A6-77E8D5F29773}" type="datetime1">
               <a:rPr lang="en-US" smtClean="0"/>
-              <a:t>16/07/2012</a:t>
+              <a:t>7/16/2012</a:t>
             </a:fld>
             <a:endParaRPr lang="en-US"/>
           </a:p>
@@ -20529,7 +21332,7 @@
           <a:p>
             <a:fld id="{83A31958-C2EC-4CA9-90D0-208E40050D22}" type="datetime1">
               <a:rPr lang="en-US" smtClean="0"/>
-              <a:t>16/07/2012</a:t>
+              <a:t>7/16/2012</a:t>
             </a:fld>
             <a:endParaRPr lang="en-US"/>
           </a:p>
@@ -21190,7 +21993,7 @@
           <a:p>
             <a:fld id="{467EC7A7-EB60-48C0-9304-E5986BB1EADA}" type="datetime1">
               <a:rPr lang="en-US" smtClean="0"/>
-              <a:t>16/07/2012</a:t>
+              <a:t>7/16/2012</a:t>
             </a:fld>
             <a:endParaRPr lang="en-US"/>
           </a:p>
@@ -21812,7 +22615,7 @@
           <a:graphicData uri="http://schemas.openxmlformats.org/presentationml/2006/ole">
             <mc:AlternateContent xmlns:mc="http://schemas.openxmlformats.org/markup-compatibility/2006">
               <mc:Choice xmlns:v="urn:schemas-microsoft-com:vml" Requires="v">
-                <p:oleObj spid="_x0000_s5207" name="Visio" r:id="rId3" imgW="3572937" imgH="1000698" progId="Visio.Drawing.11">
+                <p:oleObj spid="_x0000_s5209" name="Visio" r:id="rId3" imgW="3572937" imgH="1000698" progId="Visio.Drawing.11">
                   <p:embed/>
                 </p:oleObj>
               </mc:Choice>
@@ -21874,7 +22677,7 @@
           <a:p>
             <a:fld id="{A50877F5-09BF-4B6E-861A-BF1596E01D5C}" type="datetime1">
               <a:rPr lang="en-US" smtClean="0"/>
-              <a:t>16/07/2012</a:t>
+              <a:t>7/16/2012</a:t>
             </a:fld>
             <a:endParaRPr lang="en-US"/>
           </a:p>
@@ -22315,7 +23118,7 @@
           <a:p>
             <a:fld id="{4C9EF2B8-4E0D-4EA8-A7BE-F4383C0FC78D}" type="datetime1">
               <a:rPr lang="en-US" smtClean="0"/>
-              <a:t>16/07/2012</a:t>
+              <a:t>7/16/2012</a:t>
             </a:fld>
             <a:endParaRPr lang="en-US"/>
           </a:p>
@@ -22477,7 +23280,7 @@
             <a:fld id="{FCC16894-5FBA-4AA1-B4C4-F198F8BAB8EE}" type="datetime1">
               <a:rPr lang="en-US" smtClean="0"/>
               <a:pPr/>
-              <a:t>16/07/2012</a:t>
+              <a:t>7/16/2012</a:t>
             </a:fld>
             <a:endParaRPr lang="en-US" dirty="0"/>
           </a:p>
@@ -22629,7 +23432,7 @@
             <a:fld id="{FCC16894-5FBA-4AA1-B4C4-F198F8BAB8EE}" type="datetime1">
               <a:rPr lang="en-US" smtClean="0"/>
               <a:pPr algn="r"/>
-              <a:t>16/07/2012</a:t>
+              <a:t>7/16/2012</a:t>
             </a:fld>
             <a:endParaRPr lang="en-US" dirty="0"/>
           </a:p>
@@ -22823,7 +23626,7 @@
             <a:fld id="{FCC16894-5FBA-4AA1-B4C4-F198F8BAB8EE}" type="datetime1">
               <a:rPr lang="en-US" smtClean="0"/>
               <a:pPr/>
-              <a:t>16/07/2012</a:t>
+              <a:t>7/16/2012</a:t>
             </a:fld>
             <a:endParaRPr lang="en-US" dirty="0"/>
           </a:p>
@@ -22996,6 +23799,10 @@
               <a:rPr lang="en-US" dirty="0" err="1" smtClean="0"/>
               <a:t>Mật</a:t>
             </a:r>
+            <a:r>
+              <a:rPr lang="en-US" dirty="0" smtClean="0"/>
+              <a:t> (1/2)</a:t>
+            </a:r>
             <a:endParaRPr lang="en-US" dirty="0"/>
           </a:p>
         </p:txBody>
@@ -23122,7 +23929,7 @@
             <a:fld id="{FCC16894-5FBA-4AA1-B4C4-F198F8BAB8EE}" type="datetime1">
               <a:rPr lang="en-US" smtClean="0"/>
               <a:pPr/>
-              <a:t>16/07/2012</a:t>
+              <a:t>7/16/2012</a:t>
             </a:fld>
             <a:endParaRPr lang="en-US" dirty="0"/>
           </a:p>
@@ -23192,7 +23999,7 @@
           <a:graphicData uri="http://schemas.openxmlformats.org/presentationml/2006/ole">
             <mc:AlternateContent xmlns:mc="http://schemas.openxmlformats.org/markup-compatibility/2006">
               <mc:Choice xmlns:v="urn:schemas-microsoft-com:vml" Requires="v">
-                <p:oleObj spid="_x0000_s9283" r:id="rId3" imgW="4586835" imgH="2157957" progId="Visio.Drawing.11">
+                <p:oleObj spid="_x0000_s9285" r:id="rId3" imgW="4586835" imgH="2157957" progId="Visio.Drawing.11">
                   <p:embed/>
                 </p:oleObj>
               </mc:Choice>
@@ -23357,11 +24164,15 @@
             </a:r>
             <a:r>
               <a:rPr lang="en-US" dirty="0" smtClean="0"/>
-              <a:t> (</a:t>
-            </a:r>
-            <a:r>
-              <a:rPr lang="en-US" dirty="0" err="1" smtClean="0"/>
-              <a:t>tt</a:t>
+              <a:t> </a:t>
+            </a:r>
+            <a:r>
+              <a:rPr lang="en-US" dirty="0" smtClean="0"/>
+              <a:t>(</a:t>
+            </a:r>
+            <a:r>
+              <a:rPr lang="en-US" dirty="0" smtClean="0"/>
+              <a:t>2/2</a:t>
             </a:r>
             <a:r>
               <a:rPr lang="en-US" dirty="0" smtClean="0"/>
@@ -23569,7 +24380,7 @@
           <a:p>
             <a:fld id="{73B38C7B-77D0-4104-BED1-BDB55996A2EE}" type="datetime1">
               <a:rPr lang="en-US" smtClean="0"/>
-              <a:t>16/07/2012</a:t>
+              <a:t>7/16/2012</a:t>
             </a:fld>
             <a:endParaRPr lang="en-US"/>
           </a:p>
@@ -23791,7 +24602,7 @@
             <a:fld id="{FCC16894-5FBA-4AA1-B4C4-F198F8BAB8EE}" type="datetime1">
               <a:rPr lang="en-US" smtClean="0"/>
               <a:pPr/>
-              <a:t>16/07/2012</a:t>
+              <a:t>7/16/2012</a:t>
             </a:fld>
             <a:endParaRPr lang="en-US" dirty="0"/>
           </a:p>
@@ -24404,7 +25215,7 @@
           <a:p>
             <a:fld id="{2D19DBF8-6DDA-4143-B695-78DBC03CEFD0}" type="datetime1">
               <a:rPr lang="en-US" smtClean="0"/>
-              <a:t>16/07/2012</a:t>
+              <a:t>7/16/2012</a:t>
             </a:fld>
             <a:endParaRPr lang="en-US"/>
           </a:p>
@@ -24537,126 +25348,9 @@
   <p:timing>
     <p:tnLst>
       <p:par>
-        <p:cTn id="1" dur="indefinite" restart="never" nodeType="tmRoot">
-          <p:childTnLst>
-            <p:seq concurrent="1" nextAc="seek">
-              <p:cTn id="2" dur="indefinite" nodeType="mainSeq">
-                <p:childTnLst>
-                  <p:par>
-                    <p:cTn id="3" fill="hold">
-                      <p:stCondLst>
-                        <p:cond delay="indefinite"/>
-                      </p:stCondLst>
-                      <p:childTnLst>
-                        <p:par>
-                          <p:cTn id="4" fill="hold">
-                            <p:stCondLst>
-                              <p:cond delay="0"/>
-                            </p:stCondLst>
-                            <p:childTnLst>
-                              <p:par>
-                                <p:cTn id="5" presetID="2" presetClass="entr" presetSubtype="8" fill="hold" grpId="0" nodeType="clickEffect">
-                                  <p:stCondLst>
-                                    <p:cond delay="0"/>
-                                  </p:stCondLst>
-                                  <p:childTnLst>
-                                    <p:set>
-                                      <p:cBhvr>
-                                        <p:cTn id="6" dur="1" fill="hold">
-                                          <p:stCondLst>
-                                            <p:cond delay="0"/>
-                                          </p:stCondLst>
-                                        </p:cTn>
-                                        <p:tgtEl>
-                                          <p:spTgt spid="4"/>
-                                        </p:tgtEl>
-                                        <p:attrNameLst>
-                                          <p:attrName>style.visibility</p:attrName>
-                                        </p:attrNameLst>
-                                      </p:cBhvr>
-                                      <p:to>
-                                        <p:strVal val="visible"/>
-                                      </p:to>
-                                    </p:set>
-                                    <p:anim calcmode="lin" valueType="num">
-                                      <p:cBhvr additive="base">
-                                        <p:cTn id="7" dur="500" fill="hold"/>
-                                        <p:tgtEl>
-                                          <p:spTgt spid="4"/>
-                                        </p:tgtEl>
-                                        <p:attrNameLst>
-                                          <p:attrName>ppt_x</p:attrName>
-                                        </p:attrNameLst>
-                                      </p:cBhvr>
-                                      <p:tavLst>
-                                        <p:tav tm="0">
-                                          <p:val>
-                                            <p:strVal val="0-#ppt_w/2"/>
-                                          </p:val>
-                                        </p:tav>
-                                        <p:tav tm="100000">
-                                          <p:val>
-                                            <p:strVal val="#ppt_x"/>
-                                          </p:val>
-                                        </p:tav>
-                                      </p:tavLst>
-                                    </p:anim>
-                                    <p:anim calcmode="lin" valueType="num">
-                                      <p:cBhvr additive="base">
-                                        <p:cTn id="8" dur="500" fill="hold"/>
-                                        <p:tgtEl>
-                                          <p:spTgt spid="4"/>
-                                        </p:tgtEl>
-                                        <p:attrNameLst>
-                                          <p:attrName>ppt_y</p:attrName>
-                                        </p:attrNameLst>
-                                      </p:cBhvr>
-                                      <p:tavLst>
-                                        <p:tav tm="0">
-                                          <p:val>
-                                            <p:strVal val="#ppt_y"/>
-                                          </p:val>
-                                        </p:tav>
-                                        <p:tav tm="100000">
-                                          <p:val>
-                                            <p:strVal val="#ppt_y"/>
-                                          </p:val>
-                                        </p:tav>
-                                      </p:tavLst>
-                                    </p:anim>
-                                  </p:childTnLst>
-                                </p:cTn>
-                              </p:par>
-                            </p:childTnLst>
-                          </p:cTn>
-                        </p:par>
-                      </p:childTnLst>
-                    </p:cTn>
-                  </p:par>
-                </p:childTnLst>
-              </p:cTn>
-              <p:prevCondLst>
-                <p:cond evt="onPrev" delay="0">
-                  <p:tgtEl>
-                    <p:sldTgt/>
-                  </p:tgtEl>
-                </p:cond>
-              </p:prevCondLst>
-              <p:nextCondLst>
-                <p:cond evt="onNext" delay="0">
-                  <p:tgtEl>
-                    <p:sldTgt/>
-                  </p:tgtEl>
-                </p:cond>
-              </p:nextCondLst>
-            </p:seq>
-          </p:childTnLst>
-        </p:cTn>
+        <p:cTn id="1" dur="indefinite" restart="never" nodeType="tmRoot"/>
       </p:par>
     </p:tnLst>
-    <p:bldLst>
-      <p:bldP spid="4" grpId="0" animBg="1"/>
-    </p:bldLst>
   </p:timing>
 </p:sld>
 </file>
@@ -25058,7 +25752,7 @@
           <a:p>
             <a:fld id="{E7E83998-7190-4E0C-85B5-FD0B1D3497B5}" type="datetime1">
               <a:rPr lang="en-US" smtClean="0"/>
-              <a:t>16/07/2012</a:t>
+              <a:t>7/16/2012</a:t>
             </a:fld>
             <a:endParaRPr lang="en-US"/>
           </a:p>
@@ -25350,7 +26044,7 @@
             <a:fld id="{FCC16894-5FBA-4AA1-B4C4-F198F8BAB8EE}" type="datetime1">
               <a:rPr lang="en-US" smtClean="0"/>
               <a:pPr/>
-              <a:t>16/07/2012</a:t>
+              <a:t>7/16/2012</a:t>
             </a:fld>
             <a:endParaRPr lang="en-US" dirty="0"/>
           </a:p>
@@ -25730,7 +26424,7 @@
           <a:p>
             <a:fld id="{2D19DBF8-6DDA-4143-B695-78DBC03CEFD0}" type="datetime1">
               <a:rPr lang="en-US" smtClean="0"/>
-              <a:t>16/07/2012</a:t>
+              <a:t>7/16/2012</a:t>
             </a:fld>
             <a:endParaRPr lang="en-US"/>
           </a:p>
@@ -25863,126 +26557,9 @@
   <p:timing>
     <p:tnLst>
       <p:par>
-        <p:cTn id="1" dur="indefinite" restart="never" nodeType="tmRoot">
-          <p:childTnLst>
-            <p:seq concurrent="1" nextAc="seek">
-              <p:cTn id="2" dur="indefinite" nodeType="mainSeq">
-                <p:childTnLst>
-                  <p:par>
-                    <p:cTn id="3" fill="hold">
-                      <p:stCondLst>
-                        <p:cond delay="indefinite"/>
-                      </p:stCondLst>
-                      <p:childTnLst>
-                        <p:par>
-                          <p:cTn id="4" fill="hold">
-                            <p:stCondLst>
-                              <p:cond delay="0"/>
-                            </p:stCondLst>
-                            <p:childTnLst>
-                              <p:par>
-                                <p:cTn id="5" presetID="2" presetClass="entr" presetSubtype="8" fill="hold" grpId="0" nodeType="clickEffect">
-                                  <p:stCondLst>
-                                    <p:cond delay="0"/>
-                                  </p:stCondLst>
-                                  <p:childTnLst>
-                                    <p:set>
-                                      <p:cBhvr>
-                                        <p:cTn id="6" dur="1" fill="hold">
-                                          <p:stCondLst>
-                                            <p:cond delay="0"/>
-                                          </p:stCondLst>
-                                        </p:cTn>
-                                        <p:tgtEl>
-                                          <p:spTgt spid="4"/>
-                                        </p:tgtEl>
-                                        <p:attrNameLst>
-                                          <p:attrName>style.visibility</p:attrName>
-                                        </p:attrNameLst>
-                                      </p:cBhvr>
-                                      <p:to>
-                                        <p:strVal val="visible"/>
-                                      </p:to>
-                                    </p:set>
-                                    <p:anim calcmode="lin" valueType="num">
-                                      <p:cBhvr additive="base">
-                                        <p:cTn id="7" dur="500" fill="hold"/>
-                                        <p:tgtEl>
-                                          <p:spTgt spid="4"/>
-                                        </p:tgtEl>
-                                        <p:attrNameLst>
-                                          <p:attrName>ppt_x</p:attrName>
-                                        </p:attrNameLst>
-                                      </p:cBhvr>
-                                      <p:tavLst>
-                                        <p:tav tm="0">
-                                          <p:val>
-                                            <p:strVal val="0-#ppt_w/2"/>
-                                          </p:val>
-                                        </p:tav>
-                                        <p:tav tm="100000">
-                                          <p:val>
-                                            <p:strVal val="#ppt_x"/>
-                                          </p:val>
-                                        </p:tav>
-                                      </p:tavLst>
-                                    </p:anim>
-                                    <p:anim calcmode="lin" valueType="num">
-                                      <p:cBhvr additive="base">
-                                        <p:cTn id="8" dur="500" fill="hold"/>
-                                        <p:tgtEl>
-                                          <p:spTgt spid="4"/>
-                                        </p:tgtEl>
-                                        <p:attrNameLst>
-                                          <p:attrName>ppt_y</p:attrName>
-                                        </p:attrNameLst>
-                                      </p:cBhvr>
-                                      <p:tavLst>
-                                        <p:tav tm="0">
-                                          <p:val>
-                                            <p:strVal val="#ppt_y"/>
-                                          </p:val>
-                                        </p:tav>
-                                        <p:tav tm="100000">
-                                          <p:val>
-                                            <p:strVal val="#ppt_y"/>
-                                          </p:val>
-                                        </p:tav>
-                                      </p:tavLst>
-                                    </p:anim>
-                                  </p:childTnLst>
-                                </p:cTn>
-                              </p:par>
-                            </p:childTnLst>
-                          </p:cTn>
-                        </p:par>
-                      </p:childTnLst>
-                    </p:cTn>
-                  </p:par>
-                </p:childTnLst>
-              </p:cTn>
-              <p:prevCondLst>
-                <p:cond evt="onPrev" delay="0">
-                  <p:tgtEl>
-                    <p:sldTgt/>
-                  </p:tgtEl>
-                </p:cond>
-              </p:prevCondLst>
-              <p:nextCondLst>
-                <p:cond evt="onNext" delay="0">
-                  <p:tgtEl>
-                    <p:sldTgt/>
-                  </p:tgtEl>
-                </p:cond>
-              </p:nextCondLst>
-            </p:seq>
-          </p:childTnLst>
-        </p:cTn>
+        <p:cTn id="1" dur="indefinite" restart="never" nodeType="tmRoot"/>
       </p:par>
     </p:tnLst>
-    <p:bldLst>
-      <p:bldP spid="4" grpId="0" animBg="1"/>
-    </p:bldLst>
   </p:timing>
 </p:sld>
 </file>
@@ -26039,6 +26616,10 @@
               <a:rPr lang="en-US" dirty="0" err="1" smtClean="0"/>
               <a:t>Triển</a:t>
             </a:r>
+            <a:r>
+              <a:rPr lang="en-US" dirty="0" smtClean="0"/>
+              <a:t> (1/2)</a:t>
+            </a:r>
             <a:endParaRPr lang="en-US" dirty="0"/>
           </a:p>
         </p:txBody>
@@ -26109,7 +26690,7 @@
             <a:fld id="{FCC16894-5FBA-4AA1-B4C4-F198F8BAB8EE}" type="datetime1">
               <a:rPr lang="en-US" smtClean="0"/>
               <a:pPr/>
-              <a:t>16/07/2012</a:t>
+              <a:t>7/16/2012</a:t>
             </a:fld>
             <a:endParaRPr lang="en-US" dirty="0"/>
           </a:p>
@@ -26528,8 +27109,8 @@
               <a:t>(</a:t>
             </a:r>
             <a:r>
-              <a:rPr lang="en-US" dirty="0" err="1" smtClean="0"/>
-              <a:t>tt</a:t>
+              <a:rPr lang="en-US" dirty="0" smtClean="0"/>
+              <a:t>2/2</a:t>
             </a:r>
             <a:r>
               <a:rPr lang="en-US" dirty="0" smtClean="0"/>
@@ -26582,7 +27163,7 @@
             <a:fld id="{FCC16894-5FBA-4AA1-B4C4-F198F8BAB8EE}" type="datetime1">
               <a:rPr lang="en-US" smtClean="0"/>
               <a:pPr/>
-              <a:t>16/07/2012</a:t>
+              <a:t>7/16/2012</a:t>
             </a:fld>
             <a:endParaRPr lang="en-US" dirty="0"/>
           </a:p>
@@ -26660,6 +27241,9 @@
                     <p:cTn id="3" fill="hold">
                       <p:stCondLst>
                         <p:cond delay="indefinite"/>
+                        <p:cond evt="onBegin" delay="0">
+                          <p:tn val="2"/>
+                        </p:cond>
                       </p:stCondLst>
                       <p:childTnLst>
                         <p:par>
@@ -26669,7 +27253,7 @@
                             </p:stCondLst>
                             <p:childTnLst>
                               <p:par>
-                                <p:cTn id="5" presetID="21" presetClass="entr" presetSubtype="1" fill="hold" grpId="0" nodeType="clickEffect">
+                                <p:cTn id="5" presetID="21" presetClass="entr" presetSubtype="1" fill="hold" grpId="0" nodeType="afterEffect">
                                   <p:stCondLst>
                                     <p:cond delay="0"/>
                                   </p:stCondLst>
@@ -27287,7 +27871,7 @@
             <a:fld id="{FCC16894-5FBA-4AA1-B4C4-F198F8BAB8EE}" type="datetime1">
               <a:rPr lang="en-US" smtClean="0"/>
               <a:pPr/>
-              <a:t>16/07/2012</a:t>
+              <a:t>7/16/2012</a:t>
             </a:fld>
             <a:endParaRPr lang="en-US" dirty="0"/>
           </a:p>
@@ -27490,7 +28074,7 @@
           <a:p>
             <a:fld id="{B0F20B8D-B308-47B3-826B-5DB335E2CD66}" type="datetime1">
               <a:rPr lang="en-US" smtClean="0"/>
-              <a:t>16/07/2012</a:t>
+              <a:t>7/16/2012</a:t>
             </a:fld>
             <a:endParaRPr lang="en-US"/>
           </a:p>
@@ -27805,7 +28389,7 @@
             <a:fld id="{FCC16894-5FBA-4AA1-B4C4-F198F8BAB8EE}" type="datetime1">
               <a:rPr lang="en-US" smtClean="0"/>
               <a:pPr/>
-              <a:t>16/07/2012</a:t>
+              <a:t>7/16/2012</a:t>
             </a:fld>
             <a:endParaRPr lang="en-US" dirty="0"/>
           </a:p>
@@ -27987,7 +28571,7 @@
           <a:p>
             <a:fld id="{7EDA7857-C0B0-4F13-91ED-D248D670D955}" type="datetime1">
               <a:rPr lang="en-US" smtClean="0"/>
-              <a:t>16/07/2012</a:t>
+              <a:t>7/16/2012</a:t>
             </a:fld>
             <a:endParaRPr lang="en-US"/>
           </a:p>
@@ -28369,7 +28953,7 @@
           <a:p>
             <a:fld id="{82EB374C-D5C4-486A-9647-B6A264313D62}" type="datetime1">
               <a:rPr lang="en-US" smtClean="0"/>
-              <a:t>16/07/2012</a:t>
+              <a:t>7/16/2012</a:t>
             </a:fld>
             <a:endParaRPr lang="en-US"/>
           </a:p>
@@ -28741,7 +29325,7 @@
           <a:p>
             <a:fld id="{E32CF3E1-D7B2-4318-9892-AABBFDC61E77}" type="datetime1">
               <a:rPr lang="en-US" smtClean="0"/>
-              <a:t>16/07/2012</a:t>
+              <a:t>7/16/2012</a:t>
             </a:fld>
             <a:endParaRPr lang="en-US"/>
           </a:p>
@@ -29275,7 +29859,7 @@
           <a:p>
             <a:fld id="{7FB06CC0-024A-4CD4-93F4-77826598BD17}" type="datetime1">
               <a:rPr lang="en-US" smtClean="0"/>
-              <a:t>16/07/2012</a:t>
+              <a:t>7/16/2012</a:t>
             </a:fld>
             <a:endParaRPr lang="en-US"/>
           </a:p>
@@ -29581,7 +30165,7 @@
           <a:p>
             <a:fld id="{89DB3C26-A2A2-441A-979D-3B33FB4C1F60}" type="datetime1">
               <a:rPr lang="en-US" smtClean="0"/>
-              <a:t>16/07/2012</a:t>
+              <a:t>7/16/2012</a:t>
             </a:fld>
             <a:endParaRPr lang="en-US"/>
           </a:p>
@@ -30038,7 +30622,7 @@
           <a:p>
             <a:fld id="{E34ABE66-0DFD-468B-9214-9D1330676C1E}" type="datetime1">
               <a:rPr lang="en-US" smtClean="0"/>
-              <a:t>16/07/2012</a:t>
+              <a:t>7/16/2012</a:t>
             </a:fld>
             <a:endParaRPr lang="en-US"/>
           </a:p>
